--- a/slides/00-DailyAnnouncements.pptx
+++ b/slides/00-DailyAnnouncements.pptx
@@ -5,29 +5,11 @@
     <p:sldMasterId id="2147484006" r:id="rId1"/>
   </p:sldMasterIdLst>
   <p:notesMasterIdLst>
-    <p:notesMasterId r:id="rId22"/>
+    <p:notesMasterId r:id="rId4"/>
   </p:notesMasterIdLst>
   <p:sldIdLst>
     <p:sldId id="256" r:id="rId2"/>
     <p:sldId id="505" r:id="rId3"/>
-    <p:sldId id="506" r:id="rId4"/>
-    <p:sldId id="507" r:id="rId5"/>
-    <p:sldId id="508" r:id="rId6"/>
-    <p:sldId id="509" r:id="rId7"/>
-    <p:sldId id="510" r:id="rId8"/>
-    <p:sldId id="511" r:id="rId9"/>
-    <p:sldId id="512" r:id="rId10"/>
-    <p:sldId id="513" r:id="rId11"/>
-    <p:sldId id="514" r:id="rId12"/>
-    <p:sldId id="515" r:id="rId13"/>
-    <p:sldId id="516" r:id="rId14"/>
-    <p:sldId id="517" r:id="rId15"/>
-    <p:sldId id="518" r:id="rId16"/>
-    <p:sldId id="519" r:id="rId17"/>
-    <p:sldId id="520" r:id="rId18"/>
-    <p:sldId id="521" r:id="rId19"/>
-    <p:sldId id="522" r:id="rId20"/>
-    <p:sldId id="523" r:id="rId21"/>
   </p:sldIdLst>
   <p:sldSz cx="12192000" cy="6858000"/>
   <p:notesSz cx="6858000" cy="9144000"/>
@@ -216,7 +198,7 @@
           <a:p>
             <a:fld id="{C5B45307-6ED4-B142-BD64-10F739779302}" type="datetimeFigureOut">
               <a:rPr lang="en-US" smtClean="0"/>
-              <a:t>4/14/25</a:t>
+              <a:t>1/20/26</a:t>
             </a:fld>
             <a:endParaRPr lang="en-US"/>
           </a:p>
@@ -624,7 +606,7 @@
           <a:noFill/>
           <a:extLst>
             <a:ext uri="{909E8E84-426E-40dd-AFC4-6F175D3DCCD1}">
-              <a14:hiddenFill xmlns="" xmlns:a14="http://schemas.microsoft.com/office/drawing/2010/main">
+              <a14:hiddenFill xmlns:a14="http://schemas.microsoft.com/office/drawing/2010/main" xmlns="">
                 <a:solidFill>
                   <a:srgbClr val="FFFFFF"/>
                 </a:solidFill>
@@ -683,7 +665,7 @@
             </a:ln>
             <a:extLst>
               <a:ext uri="{91240B29-F687-4f45-9708-019B960494DF}">
-                <a14:hiddenLine xmlns="" xmlns:a14="http://schemas.microsoft.com/office/drawing/2010/main" w="9525">
+                <a14:hiddenLine xmlns:a14="http://schemas.microsoft.com/office/drawing/2010/main" xmlns="" w="9525">
                   <a:solidFill>
                     <a:srgbClr val="000000"/>
                   </a:solidFill>
@@ -773,7 +755,7 @@
             </a:ln>
             <a:extLst>
               <a:ext uri="{91240B29-F687-4f45-9708-019B960494DF}">
-                <a14:hiddenLine xmlns="" xmlns:a14="http://schemas.microsoft.com/office/drawing/2010/main" w="9525">
+                <a14:hiddenLine xmlns:a14="http://schemas.microsoft.com/office/drawing/2010/main" xmlns="" w="9525">
                   <a:solidFill>
                     <a:srgbClr val="000000"/>
                   </a:solidFill>
@@ -863,7 +845,7 @@
             </a:ln>
             <a:extLst>
               <a:ext uri="{91240B29-F687-4f45-9708-019B960494DF}">
-                <a14:hiddenLine xmlns="" xmlns:a14="http://schemas.microsoft.com/office/drawing/2010/main" w="9525">
+                <a14:hiddenLine xmlns:a14="http://schemas.microsoft.com/office/drawing/2010/main" xmlns="" w="9525">
                   <a:solidFill>
                     <a:srgbClr val="000000"/>
                   </a:solidFill>
@@ -897,7 +879,7 @@
             </a:ln>
             <a:extLst>
               <a:ext uri="{91240B29-F687-4f45-9708-019B960494DF}">
-                <a14:hiddenLine xmlns="" xmlns:a14="http://schemas.microsoft.com/office/drawing/2010/main" w="9525">
+                <a14:hiddenLine xmlns:a14="http://schemas.microsoft.com/office/drawing/2010/main" xmlns="" w="9525">
                   <a:solidFill>
                     <a:srgbClr val="000000"/>
                   </a:solidFill>
@@ -987,7 +969,7 @@
             </a:ln>
             <a:extLst>
               <a:ext uri="{91240B29-F687-4f45-9708-019B960494DF}">
-                <a14:hiddenLine xmlns="" xmlns:a14="http://schemas.microsoft.com/office/drawing/2010/main" w="9525">
+                <a14:hiddenLine xmlns:a14="http://schemas.microsoft.com/office/drawing/2010/main" xmlns="" w="9525">
                   <a:solidFill>
                     <a:srgbClr val="000000"/>
                   </a:solidFill>
@@ -1049,7 +1031,7 @@
             </a:ln>
             <a:extLst>
               <a:ext uri="{91240B29-F687-4f45-9708-019B960494DF}">
-                <a14:hiddenLine xmlns="" xmlns:a14="http://schemas.microsoft.com/office/drawing/2010/main" w="9525">
+                <a14:hiddenLine xmlns:a14="http://schemas.microsoft.com/office/drawing/2010/main" xmlns="" w="9525">
                   <a:solidFill>
                     <a:srgbClr val="000000"/>
                   </a:solidFill>
@@ -1111,7 +1093,7 @@
             </a:ln>
             <a:extLst>
               <a:ext uri="{91240B29-F687-4f45-9708-019B960494DF}">
-                <a14:hiddenLine xmlns="" xmlns:a14="http://schemas.microsoft.com/office/drawing/2010/main" w="9525">
+                <a14:hiddenLine xmlns:a14="http://schemas.microsoft.com/office/drawing/2010/main" xmlns="" w="9525">
                   <a:solidFill>
                     <a:srgbClr val="000000"/>
                   </a:solidFill>
@@ -1201,7 +1183,7 @@
             </a:ln>
             <a:extLst>
               <a:ext uri="{91240B29-F687-4f45-9708-019B960494DF}">
-                <a14:hiddenLine xmlns="" xmlns:a14="http://schemas.microsoft.com/office/drawing/2010/main" w="9525">
+                <a14:hiddenLine xmlns:a14="http://schemas.microsoft.com/office/drawing/2010/main" xmlns="" w="9525">
                   <a:solidFill>
                     <a:srgbClr val="000000"/>
                   </a:solidFill>
@@ -1263,7 +1245,7 @@
             </a:ln>
             <a:extLst>
               <a:ext uri="{91240B29-F687-4f45-9708-019B960494DF}">
-                <a14:hiddenLine xmlns="" xmlns:a14="http://schemas.microsoft.com/office/drawing/2010/main" w="9525">
+                <a14:hiddenLine xmlns:a14="http://schemas.microsoft.com/office/drawing/2010/main" xmlns="" w="9525">
                   <a:solidFill>
                     <a:srgbClr val="000000"/>
                   </a:solidFill>
@@ -1325,7 +1307,7 @@
             </a:ln>
             <a:extLst>
               <a:ext uri="{91240B29-F687-4f45-9708-019B960494DF}">
-                <a14:hiddenLine xmlns="" xmlns:a14="http://schemas.microsoft.com/office/drawing/2010/main" w="9525">
+                <a14:hiddenLine xmlns:a14="http://schemas.microsoft.com/office/drawing/2010/main" xmlns="" w="9525">
                   <a:solidFill>
                     <a:srgbClr val="000000"/>
                   </a:solidFill>
@@ -1415,7 +1397,7 @@
             </a:ln>
             <a:extLst>
               <a:ext uri="{91240B29-F687-4f45-9708-019B960494DF}">
-                <a14:hiddenLine xmlns="" xmlns:a14="http://schemas.microsoft.com/office/drawing/2010/main" w="9525">
+                <a14:hiddenLine xmlns:a14="http://schemas.microsoft.com/office/drawing/2010/main" xmlns="" w="9525">
                   <a:solidFill>
                     <a:srgbClr val="000000"/>
                   </a:solidFill>
@@ -1505,7 +1487,7 @@
             </a:ln>
             <a:extLst>
               <a:ext uri="{91240B29-F687-4f45-9708-019B960494DF}">
-                <a14:hiddenLine xmlns="" xmlns:a14="http://schemas.microsoft.com/office/drawing/2010/main" w="9525">
+                <a14:hiddenLine xmlns:a14="http://schemas.microsoft.com/office/drawing/2010/main" xmlns="" w="9525">
                   <a:solidFill>
                     <a:srgbClr val="000000"/>
                   </a:solidFill>
@@ -1567,7 +1549,7 @@
             </a:ln>
             <a:extLst>
               <a:ext uri="{91240B29-F687-4f45-9708-019B960494DF}">
-                <a14:hiddenLine xmlns="" xmlns:a14="http://schemas.microsoft.com/office/drawing/2010/main" w="9525">
+                <a14:hiddenLine xmlns:a14="http://schemas.microsoft.com/office/drawing/2010/main" xmlns="" w="9525">
                   <a:solidFill>
                     <a:srgbClr val="000000"/>
                   </a:solidFill>
@@ -1677,7 +1659,7 @@
             </a:ln>
             <a:extLst>
               <a:ext uri="{91240B29-F687-4f45-9708-019B960494DF}">
-                <a14:hiddenLine xmlns="" xmlns:a14="http://schemas.microsoft.com/office/drawing/2010/main" w="9525">
+                <a14:hiddenLine xmlns:a14="http://schemas.microsoft.com/office/drawing/2010/main" xmlns="" w="9525">
                   <a:solidFill>
                     <a:srgbClr val="000000"/>
                   </a:solidFill>
@@ -1739,7 +1721,7 @@
             </a:ln>
             <a:extLst>
               <a:ext uri="{91240B29-F687-4f45-9708-019B960494DF}">
-                <a14:hiddenLine xmlns="" xmlns:a14="http://schemas.microsoft.com/office/drawing/2010/main" w="9525">
+                <a14:hiddenLine xmlns:a14="http://schemas.microsoft.com/office/drawing/2010/main" xmlns="" w="9525">
                   <a:solidFill>
                     <a:srgbClr val="000000"/>
                   </a:solidFill>
@@ -1829,7 +1811,7 @@
             </a:ln>
             <a:extLst>
               <a:ext uri="{91240B29-F687-4f45-9708-019B960494DF}">
-                <a14:hiddenLine xmlns="" xmlns:a14="http://schemas.microsoft.com/office/drawing/2010/main" w="9525">
+                <a14:hiddenLine xmlns:a14="http://schemas.microsoft.com/office/drawing/2010/main" xmlns="" w="9525">
                   <a:solidFill>
                     <a:srgbClr val="000000"/>
                   </a:solidFill>
@@ -1919,7 +1901,7 @@
             </a:ln>
             <a:extLst>
               <a:ext uri="{91240B29-F687-4f45-9708-019B960494DF}">
-                <a14:hiddenLine xmlns="" xmlns:a14="http://schemas.microsoft.com/office/drawing/2010/main" w="9525">
+                <a14:hiddenLine xmlns:a14="http://schemas.microsoft.com/office/drawing/2010/main" xmlns="" w="9525">
                   <a:solidFill>
                     <a:srgbClr val="000000"/>
                   </a:solidFill>
@@ -1981,7 +1963,7 @@
             </a:ln>
             <a:extLst>
               <a:ext uri="{91240B29-F687-4f45-9708-019B960494DF}">
-                <a14:hiddenLine xmlns="" xmlns:a14="http://schemas.microsoft.com/office/drawing/2010/main" w="9525">
+                <a14:hiddenLine xmlns:a14="http://schemas.microsoft.com/office/drawing/2010/main" xmlns="" w="9525">
                   <a:solidFill>
                     <a:srgbClr val="000000"/>
                   </a:solidFill>
@@ -2071,7 +2053,7 @@
             </a:ln>
             <a:extLst>
               <a:ext uri="{91240B29-F687-4f45-9708-019B960494DF}">
-                <a14:hiddenLine xmlns="" xmlns:a14="http://schemas.microsoft.com/office/drawing/2010/main" w="9525">
+                <a14:hiddenLine xmlns:a14="http://schemas.microsoft.com/office/drawing/2010/main" xmlns="" w="9525">
                   <a:solidFill>
                     <a:srgbClr val="000000"/>
                   </a:solidFill>
@@ -2161,7 +2143,7 @@
             </a:ln>
             <a:extLst>
               <a:ext uri="{91240B29-F687-4f45-9708-019B960494DF}">
-                <a14:hiddenLine xmlns="" xmlns:a14="http://schemas.microsoft.com/office/drawing/2010/main" w="9525">
+                <a14:hiddenLine xmlns:a14="http://schemas.microsoft.com/office/drawing/2010/main" xmlns="" w="9525">
                   <a:solidFill>
                     <a:srgbClr val="000000"/>
                   </a:solidFill>
@@ -2217,7 +2199,7 @@
             </a:ln>
             <a:extLst>
               <a:ext uri="{91240B29-F687-4f45-9708-019B960494DF}">
-                <a14:hiddenLine xmlns="" xmlns:a14="http://schemas.microsoft.com/office/drawing/2010/main" w="9525">
+                <a14:hiddenLine xmlns:a14="http://schemas.microsoft.com/office/drawing/2010/main" xmlns="" w="9525">
                   <a:solidFill>
                     <a:srgbClr val="000000"/>
                   </a:solidFill>
@@ -2307,7 +2289,7 @@
             </a:ln>
             <a:extLst>
               <a:ext uri="{91240B29-F687-4f45-9708-019B960494DF}">
-                <a14:hiddenLine xmlns="" xmlns:a14="http://schemas.microsoft.com/office/drawing/2010/main" w="9525">
+                <a14:hiddenLine xmlns:a14="http://schemas.microsoft.com/office/drawing/2010/main" xmlns="" w="9525">
                   <a:solidFill>
                     <a:srgbClr val="000000"/>
                   </a:solidFill>
@@ -2363,7 +2345,7 @@
             </a:ln>
             <a:extLst>
               <a:ext uri="{91240B29-F687-4f45-9708-019B960494DF}">
-                <a14:hiddenLine xmlns="" xmlns:a14="http://schemas.microsoft.com/office/drawing/2010/main" w="9525">
+                <a14:hiddenLine xmlns:a14="http://schemas.microsoft.com/office/drawing/2010/main" xmlns="" w="9525">
                   <a:solidFill>
                     <a:srgbClr val="000000"/>
                   </a:solidFill>
@@ -2453,7 +2435,7 @@
             </a:ln>
             <a:extLst>
               <a:ext uri="{91240B29-F687-4f45-9708-019B960494DF}">
-                <a14:hiddenLine xmlns="" xmlns:a14="http://schemas.microsoft.com/office/drawing/2010/main" w="9525">
+                <a14:hiddenLine xmlns:a14="http://schemas.microsoft.com/office/drawing/2010/main" xmlns="" w="9525">
                   <a:solidFill>
                     <a:srgbClr val="000000"/>
                   </a:solidFill>
@@ -2521,7 +2503,7 @@
             </a:ln>
             <a:extLst>
               <a:ext uri="{91240B29-F687-4f45-9708-019B960494DF}">
-                <a14:hiddenLine xmlns="" xmlns:a14="http://schemas.microsoft.com/office/drawing/2010/main" w="9525">
+                <a14:hiddenLine xmlns:a14="http://schemas.microsoft.com/office/drawing/2010/main" xmlns="" w="9525">
                   <a:solidFill>
                     <a:srgbClr val="000000"/>
                   </a:solidFill>
@@ -2611,7 +2593,7 @@
             </a:ln>
             <a:extLst>
               <a:ext uri="{91240B29-F687-4f45-9708-019B960494DF}">
-                <a14:hiddenLine xmlns="" xmlns:a14="http://schemas.microsoft.com/office/drawing/2010/main" w="9525">
+                <a14:hiddenLine xmlns:a14="http://schemas.microsoft.com/office/drawing/2010/main" xmlns="" w="9525">
                   <a:solidFill>
                     <a:srgbClr val="000000"/>
                   </a:solidFill>
@@ -2679,7 +2661,7 @@
             </a:ln>
             <a:extLst>
               <a:ext uri="{91240B29-F687-4f45-9708-019B960494DF}">
-                <a14:hiddenLine xmlns="" xmlns:a14="http://schemas.microsoft.com/office/drawing/2010/main" w="9525">
+                <a14:hiddenLine xmlns:a14="http://schemas.microsoft.com/office/drawing/2010/main" xmlns="" w="9525">
                   <a:solidFill>
                     <a:srgbClr val="000000"/>
                   </a:solidFill>
@@ -2769,7 +2751,7 @@
             </a:ln>
             <a:extLst>
               <a:ext uri="{91240B29-F687-4f45-9708-019B960494DF}">
-                <a14:hiddenLine xmlns="" xmlns:a14="http://schemas.microsoft.com/office/drawing/2010/main" w="9525">
+                <a14:hiddenLine xmlns:a14="http://schemas.microsoft.com/office/drawing/2010/main" xmlns="" w="9525">
                   <a:solidFill>
                     <a:srgbClr val="000000"/>
                   </a:solidFill>
@@ -2803,7 +2785,7 @@
             </a:ln>
             <a:extLst>
               <a:ext uri="{91240B29-F687-4f45-9708-019B960494DF}">
-                <a14:hiddenLine xmlns="" xmlns:a14="http://schemas.microsoft.com/office/drawing/2010/main" w="9525">
+                <a14:hiddenLine xmlns:a14="http://schemas.microsoft.com/office/drawing/2010/main" xmlns="" w="9525">
                   <a:solidFill>
                     <a:srgbClr val="000000"/>
                   </a:solidFill>
@@ -2893,7 +2875,7 @@
             </a:ln>
             <a:extLst>
               <a:ext uri="{91240B29-F687-4f45-9708-019B960494DF}">
-                <a14:hiddenLine xmlns="" xmlns:a14="http://schemas.microsoft.com/office/drawing/2010/main" w="9525">
+                <a14:hiddenLine xmlns:a14="http://schemas.microsoft.com/office/drawing/2010/main" xmlns="" w="9525">
                   <a:solidFill>
                     <a:srgbClr val="000000"/>
                   </a:solidFill>
@@ -2955,7 +2937,7 @@
             </a:ln>
             <a:extLst>
               <a:ext uri="{91240B29-F687-4f45-9708-019B960494DF}">
-                <a14:hiddenLine xmlns="" xmlns:a14="http://schemas.microsoft.com/office/drawing/2010/main" w="9525">
+                <a14:hiddenLine xmlns:a14="http://schemas.microsoft.com/office/drawing/2010/main" xmlns="" w="9525">
                   <a:solidFill>
                     <a:srgbClr val="000000"/>
                   </a:solidFill>
@@ -3017,7 +2999,7 @@
             </a:ln>
             <a:extLst>
               <a:ext uri="{91240B29-F687-4f45-9708-019B960494DF}">
-                <a14:hiddenLine xmlns="" xmlns:a14="http://schemas.microsoft.com/office/drawing/2010/main" w="9525">
+                <a14:hiddenLine xmlns:a14="http://schemas.microsoft.com/office/drawing/2010/main" xmlns="" w="9525">
                   <a:solidFill>
                     <a:srgbClr val="000000"/>
                   </a:solidFill>
@@ -3107,7 +3089,7 @@
             </a:ln>
             <a:extLst>
               <a:ext uri="{91240B29-F687-4f45-9708-019B960494DF}">
-                <a14:hiddenLine xmlns="" xmlns:a14="http://schemas.microsoft.com/office/drawing/2010/main" w="9525">
+                <a14:hiddenLine xmlns:a14="http://schemas.microsoft.com/office/drawing/2010/main" xmlns="" w="9525">
                   <a:solidFill>
                     <a:srgbClr val="000000"/>
                   </a:solidFill>
@@ -3175,7 +3157,7 @@
             </a:ln>
             <a:extLst>
               <a:ext uri="{91240B29-F687-4f45-9708-019B960494DF}">
-                <a14:hiddenLine xmlns="" xmlns:a14="http://schemas.microsoft.com/office/drawing/2010/main" w="9525">
+                <a14:hiddenLine xmlns:a14="http://schemas.microsoft.com/office/drawing/2010/main" xmlns="" w="9525">
                   <a:solidFill>
                     <a:srgbClr val="000000"/>
                   </a:solidFill>
@@ -3237,7 +3219,7 @@
             </a:ln>
             <a:extLst>
               <a:ext uri="{91240B29-F687-4f45-9708-019B960494DF}">
-                <a14:hiddenLine xmlns="" xmlns:a14="http://schemas.microsoft.com/office/drawing/2010/main" w="9525">
+                <a14:hiddenLine xmlns:a14="http://schemas.microsoft.com/office/drawing/2010/main" xmlns="" w="9525">
                   <a:solidFill>
                     <a:srgbClr val="000000"/>
                   </a:solidFill>
@@ -3327,7 +3309,7 @@
             </a:ln>
             <a:extLst>
               <a:ext uri="{91240B29-F687-4f45-9708-019B960494DF}">
-                <a14:hiddenLine xmlns="" xmlns:a14="http://schemas.microsoft.com/office/drawing/2010/main" w="9525">
+                <a14:hiddenLine xmlns:a14="http://schemas.microsoft.com/office/drawing/2010/main" xmlns="" w="9525">
                   <a:solidFill>
                     <a:srgbClr val="000000"/>
                   </a:solidFill>
@@ -3389,7 +3371,7 @@
             </a:ln>
             <a:extLst>
               <a:ext uri="{91240B29-F687-4f45-9708-019B960494DF}">
-                <a14:hiddenLine xmlns="" xmlns:a14="http://schemas.microsoft.com/office/drawing/2010/main" w="9525">
+                <a14:hiddenLine xmlns:a14="http://schemas.microsoft.com/office/drawing/2010/main" xmlns="" w="9525">
                   <a:solidFill>
                     <a:srgbClr val="000000"/>
                   </a:solidFill>
@@ -3479,7 +3461,7 @@
             </a:ln>
             <a:extLst>
               <a:ext uri="{91240B29-F687-4f45-9708-019B960494DF}">
-                <a14:hiddenLine xmlns="" xmlns:a14="http://schemas.microsoft.com/office/drawing/2010/main" w="9525">
+                <a14:hiddenLine xmlns:a14="http://schemas.microsoft.com/office/drawing/2010/main" xmlns="" w="9525">
                   <a:solidFill>
                     <a:srgbClr val="000000"/>
                   </a:solidFill>
@@ -3541,7 +3523,7 @@
             </a:ln>
             <a:extLst>
               <a:ext uri="{91240B29-F687-4f45-9708-019B960494DF}">
-                <a14:hiddenLine xmlns="" xmlns:a14="http://schemas.microsoft.com/office/drawing/2010/main" w="9525">
+                <a14:hiddenLine xmlns:a14="http://schemas.microsoft.com/office/drawing/2010/main" xmlns="" w="9525">
                   <a:solidFill>
                     <a:srgbClr val="000000"/>
                   </a:solidFill>
@@ -3631,7 +3613,7 @@
             </a:ln>
             <a:extLst>
               <a:ext uri="{91240B29-F687-4f45-9708-019B960494DF}">
-                <a14:hiddenLine xmlns="" xmlns:a14="http://schemas.microsoft.com/office/drawing/2010/main" w="9525">
+                <a14:hiddenLine xmlns:a14="http://schemas.microsoft.com/office/drawing/2010/main" xmlns="" w="9525">
                   <a:solidFill>
                     <a:srgbClr val="000000"/>
                   </a:solidFill>
@@ -3665,7 +3647,7 @@
             </a:ln>
             <a:extLst>
               <a:ext uri="{91240B29-F687-4f45-9708-019B960494DF}">
-                <a14:hiddenLine xmlns="" xmlns:a14="http://schemas.microsoft.com/office/drawing/2010/main" w="9525">
+                <a14:hiddenLine xmlns:a14="http://schemas.microsoft.com/office/drawing/2010/main" xmlns="" w="9525">
                   <a:solidFill>
                     <a:srgbClr val="000000"/>
                   </a:solidFill>
@@ -3730,7 +3712,7 @@
             </a:ln>
             <a:extLst>
               <a:ext uri="{91240B29-F687-4f45-9708-019B960494DF}">
-                <a14:hiddenLine xmlns="" xmlns:a14="http://schemas.microsoft.com/office/drawing/2010/main" w="9525">
+                <a14:hiddenLine xmlns:a14="http://schemas.microsoft.com/office/drawing/2010/main" xmlns="" w="9525">
                   <a:solidFill>
                     <a:srgbClr val="000000"/>
                   </a:solidFill>
@@ -3820,7 +3802,7 @@
             </a:ln>
             <a:extLst>
               <a:ext uri="{91240B29-F687-4f45-9708-019B960494DF}">
-                <a14:hiddenLine xmlns="" xmlns:a14="http://schemas.microsoft.com/office/drawing/2010/main" w="9525">
+                <a14:hiddenLine xmlns:a14="http://schemas.microsoft.com/office/drawing/2010/main" xmlns="" w="9525">
                   <a:solidFill>
                     <a:srgbClr val="000000"/>
                   </a:solidFill>
@@ -3882,7 +3864,7 @@
             </a:ln>
             <a:extLst>
               <a:ext uri="{91240B29-F687-4f45-9708-019B960494DF}">
-                <a14:hiddenLine xmlns="" xmlns:a14="http://schemas.microsoft.com/office/drawing/2010/main" w="9525">
+                <a14:hiddenLine xmlns:a14="http://schemas.microsoft.com/office/drawing/2010/main" xmlns="" w="9525">
                   <a:solidFill>
                     <a:srgbClr val="000000"/>
                   </a:solidFill>
@@ -3972,7 +3954,7 @@
             </a:ln>
             <a:extLst>
               <a:ext uri="{91240B29-F687-4f45-9708-019B960494DF}">
-                <a14:hiddenLine xmlns="" xmlns:a14="http://schemas.microsoft.com/office/drawing/2010/main" w="9525">
+                <a14:hiddenLine xmlns:a14="http://schemas.microsoft.com/office/drawing/2010/main" xmlns="" w="9525">
                   <a:solidFill>
                     <a:srgbClr val="000000"/>
                   </a:solidFill>
@@ -4062,7 +4044,7 @@
             </a:ln>
             <a:extLst>
               <a:ext uri="{91240B29-F687-4f45-9708-019B960494DF}">
-                <a14:hiddenLine xmlns="" xmlns:a14="http://schemas.microsoft.com/office/drawing/2010/main" w="9525">
+                <a14:hiddenLine xmlns:a14="http://schemas.microsoft.com/office/drawing/2010/main" xmlns="" w="9525">
                   <a:solidFill>
                     <a:srgbClr val="000000"/>
                   </a:solidFill>
@@ -4127,7 +4109,7 @@
             </a:ln>
             <a:extLst>
               <a:ext uri="{91240B29-F687-4f45-9708-019B960494DF}">
-                <a14:hiddenLine xmlns="" xmlns:a14="http://schemas.microsoft.com/office/drawing/2010/main" w="9525">
+                <a14:hiddenLine xmlns:a14="http://schemas.microsoft.com/office/drawing/2010/main" xmlns="" w="9525">
                   <a:solidFill>
                     <a:srgbClr val="000000"/>
                   </a:solidFill>
@@ -4189,7 +4171,7 @@
             </a:ln>
             <a:extLst>
               <a:ext uri="{91240B29-F687-4f45-9708-019B960494DF}">
-                <a14:hiddenLine xmlns="" xmlns:a14="http://schemas.microsoft.com/office/drawing/2010/main" w="9525">
+                <a14:hiddenLine xmlns:a14="http://schemas.microsoft.com/office/drawing/2010/main" xmlns="" w="9525">
                   <a:solidFill>
                     <a:srgbClr val="000000"/>
                   </a:solidFill>
@@ -4279,7 +4261,7 @@
             </a:ln>
             <a:extLst>
               <a:ext uri="{91240B29-F687-4f45-9708-019B960494DF}">
-                <a14:hiddenLine xmlns="" xmlns:a14="http://schemas.microsoft.com/office/drawing/2010/main" w="9525">
+                <a14:hiddenLine xmlns:a14="http://schemas.microsoft.com/office/drawing/2010/main" xmlns="" w="9525">
                   <a:solidFill>
                     <a:srgbClr val="000000"/>
                   </a:solidFill>
@@ -4369,7 +4351,7 @@
             </a:ln>
             <a:extLst>
               <a:ext uri="{91240B29-F687-4f45-9708-019B960494DF}">
-                <a14:hiddenLine xmlns="" xmlns:a14="http://schemas.microsoft.com/office/drawing/2010/main" w="9525">
+                <a14:hiddenLine xmlns:a14="http://schemas.microsoft.com/office/drawing/2010/main" xmlns="" w="9525">
                   <a:solidFill>
                     <a:srgbClr val="000000"/>
                   </a:solidFill>
@@ -4431,7 +4413,7 @@
             </a:ln>
             <a:extLst>
               <a:ext uri="{91240B29-F687-4f45-9708-019B960494DF}">
-                <a14:hiddenLine xmlns="" xmlns:a14="http://schemas.microsoft.com/office/drawing/2010/main" w="9525">
+                <a14:hiddenLine xmlns:a14="http://schemas.microsoft.com/office/drawing/2010/main" xmlns="" w="9525">
                   <a:solidFill>
                     <a:srgbClr val="000000"/>
                   </a:solidFill>
@@ -4551,7 +4533,7 @@
             </a:ln>
             <a:extLst>
               <a:ext uri="{91240B29-F687-4f45-9708-019B960494DF}">
-                <a14:hiddenLine xmlns="" xmlns:a14="http://schemas.microsoft.com/office/drawing/2010/main" w="9525">
+                <a14:hiddenLine xmlns:a14="http://schemas.microsoft.com/office/drawing/2010/main" xmlns="" w="9525">
                   <a:solidFill>
                     <a:srgbClr val="000000"/>
                   </a:solidFill>
@@ -4619,7 +4601,7 @@
             </a:ln>
             <a:extLst>
               <a:ext uri="{91240B29-F687-4f45-9708-019B960494DF}">
-                <a14:hiddenLine xmlns="" xmlns:a14="http://schemas.microsoft.com/office/drawing/2010/main" w="9525">
+                <a14:hiddenLine xmlns:a14="http://schemas.microsoft.com/office/drawing/2010/main" xmlns="" w="9525">
                   <a:solidFill>
                     <a:srgbClr val="000000"/>
                   </a:solidFill>
@@ -4709,7 +4691,7 @@
             </a:ln>
             <a:extLst>
               <a:ext uri="{91240B29-F687-4f45-9708-019B960494DF}">
-                <a14:hiddenLine xmlns="" xmlns:a14="http://schemas.microsoft.com/office/drawing/2010/main" w="9525">
+                <a14:hiddenLine xmlns:a14="http://schemas.microsoft.com/office/drawing/2010/main" xmlns="" w="9525">
                   <a:solidFill>
                     <a:srgbClr val="000000"/>
                   </a:solidFill>
@@ -4849,7 +4831,7 @@
           <a:p>
             <a:fld id="{EC4347D3-4C9A-C240-8F14-750059DFEEB0}" type="datetimeFigureOut">
               <a:rPr lang="en-US" smtClean="0"/>
-              <a:t>4/14/25</a:t>
+              <a:t>1/20/26</a:t>
             </a:fld>
             <a:endParaRPr lang="en-US"/>
           </a:p>
@@ -5116,7 +5098,7 @@
           <a:p>
             <a:fld id="{EC4347D3-4C9A-C240-8F14-750059DFEEB0}" type="datetimeFigureOut">
               <a:rPr lang="en-US" smtClean="0"/>
-              <a:t>4/14/25</a:t>
+              <a:t>1/20/26</a:t>
             </a:fld>
             <a:endParaRPr lang="en-US"/>
           </a:p>
@@ -5312,7 +5294,7 @@
           <a:p>
             <a:fld id="{EC4347D3-4C9A-C240-8F14-750059DFEEB0}" type="datetimeFigureOut">
               <a:rPr lang="en-US" smtClean="0"/>
-              <a:t>4/14/25</a:t>
+              <a:t>1/20/26</a:t>
             </a:fld>
             <a:endParaRPr lang="en-US"/>
           </a:p>
@@ -5575,7 +5557,7 @@
           <a:p>
             <a:fld id="{EC4347D3-4C9A-C240-8F14-750059DFEEB0}" type="datetimeFigureOut">
               <a:rPr lang="en-US" smtClean="0"/>
-              <a:t>4/14/25</a:t>
+              <a:t>1/20/26</a:t>
             </a:fld>
             <a:endParaRPr lang="en-US"/>
           </a:p>
@@ -6009,7 +5991,7 @@
           <a:p>
             <a:fld id="{EC4347D3-4C9A-C240-8F14-750059DFEEB0}" type="datetimeFigureOut">
               <a:rPr lang="en-US" smtClean="0"/>
-              <a:t>4/14/25</a:t>
+              <a:t>1/20/26</a:t>
             </a:fld>
             <a:endParaRPr lang="en-US"/>
           </a:p>
@@ -6555,7 +6537,7 @@
           <a:p>
             <a:fld id="{EC4347D3-4C9A-C240-8F14-750059DFEEB0}" type="datetimeFigureOut">
               <a:rPr lang="en-US" smtClean="0"/>
-              <a:t>4/14/25</a:t>
+              <a:t>1/20/26</a:t>
             </a:fld>
             <a:endParaRPr lang="en-US"/>
           </a:p>
@@ -7275,7 +7257,7 @@
           <a:p>
             <a:fld id="{EC4347D3-4C9A-C240-8F14-750059DFEEB0}" type="datetimeFigureOut">
               <a:rPr lang="en-US" smtClean="0"/>
-              <a:t>4/14/25</a:t>
+              <a:t>1/20/26</a:t>
             </a:fld>
             <a:endParaRPr lang="en-US"/>
           </a:p>
@@ -7445,7 +7427,7 @@
           <a:p>
             <a:fld id="{EC4347D3-4C9A-C240-8F14-750059DFEEB0}" type="datetimeFigureOut">
               <a:rPr lang="en-US" smtClean="0"/>
-              <a:t>4/14/25</a:t>
+              <a:t>1/20/26</a:t>
             </a:fld>
             <a:endParaRPr lang="en-US"/>
           </a:p>
@@ -7625,7 +7607,7 @@
           <a:p>
             <a:fld id="{EC4347D3-4C9A-C240-8F14-750059DFEEB0}" type="datetimeFigureOut">
               <a:rPr lang="en-US" smtClean="0"/>
-              <a:t>4/14/25</a:t>
+              <a:t>1/20/26</a:t>
             </a:fld>
             <a:endParaRPr lang="en-US"/>
           </a:p>
@@ -7795,7 +7777,7 @@
           <a:p>
             <a:fld id="{EC4347D3-4C9A-C240-8F14-750059DFEEB0}" type="datetimeFigureOut">
               <a:rPr lang="en-US" smtClean="0"/>
-              <a:t>4/14/25</a:t>
+              <a:t>1/20/26</a:t>
             </a:fld>
             <a:endParaRPr lang="en-US"/>
           </a:p>
@@ -8045,7 +8027,7 @@
           <a:p>
             <a:fld id="{EC4347D3-4C9A-C240-8F14-750059DFEEB0}" type="datetimeFigureOut">
               <a:rPr lang="en-US" smtClean="0"/>
-              <a:t>4/14/25</a:t>
+              <a:t>1/20/26</a:t>
             </a:fld>
             <a:endParaRPr lang="en-US"/>
           </a:p>
@@ -8277,7 +8259,7 @@
           <a:p>
             <a:fld id="{EC4347D3-4C9A-C240-8F14-750059DFEEB0}" type="datetimeFigureOut">
               <a:rPr lang="en-US" smtClean="0"/>
-              <a:t>4/14/25</a:t>
+              <a:t>1/20/26</a:t>
             </a:fld>
             <a:endParaRPr lang="en-US"/>
           </a:p>
@@ -8663,7 +8645,7 @@
           <a:p>
             <a:fld id="{EC4347D3-4C9A-C240-8F14-750059DFEEB0}" type="datetimeFigureOut">
               <a:rPr lang="en-US" smtClean="0"/>
-              <a:t>4/14/25</a:t>
+              <a:t>1/20/26</a:t>
             </a:fld>
             <a:endParaRPr lang="en-US"/>
           </a:p>
@@ -8786,7 +8768,7 @@
           <a:p>
             <a:fld id="{EC4347D3-4C9A-C240-8F14-750059DFEEB0}" type="datetimeFigureOut">
               <a:rPr lang="en-US" smtClean="0"/>
-              <a:t>4/14/25</a:t>
+              <a:t>1/20/26</a:t>
             </a:fld>
             <a:endParaRPr lang="en-US"/>
           </a:p>
@@ -8881,7 +8863,7 @@
           <a:p>
             <a:fld id="{EC4347D3-4C9A-C240-8F14-750059DFEEB0}" type="datetimeFigureOut">
               <a:rPr lang="en-US" smtClean="0"/>
-              <a:t>4/14/25</a:t>
+              <a:t>1/20/26</a:t>
             </a:fld>
             <a:endParaRPr lang="en-US"/>
           </a:p>
@@ -9130,7 +9112,7 @@
           <a:p>
             <a:fld id="{EC4347D3-4C9A-C240-8F14-750059DFEEB0}" type="datetimeFigureOut">
               <a:rPr lang="en-US" smtClean="0"/>
-              <a:t>4/14/25</a:t>
+              <a:t>1/20/26</a:t>
             </a:fld>
             <a:endParaRPr lang="en-US"/>
           </a:p>
@@ -9415,7 +9397,7 @@
           <a:p>
             <a:fld id="{EC4347D3-4C9A-C240-8F14-750059DFEEB0}" type="datetimeFigureOut">
               <a:rPr lang="en-US" smtClean="0"/>
-              <a:t>4/14/25</a:t>
+              <a:t>1/20/26</a:t>
             </a:fld>
             <a:endParaRPr lang="en-US"/>
           </a:p>
@@ -9538,7 +9520,7 @@
           <a:noFill/>
           <a:extLst>
             <a:ext uri="{909E8E84-426E-40dd-AFC4-6F175D3DCCD1}">
-              <a14:hiddenFill xmlns="" xmlns:a14="http://schemas.microsoft.com/office/drawing/2010/main">
+              <a14:hiddenFill xmlns:a14="http://schemas.microsoft.com/office/drawing/2010/main" xmlns="">
                 <a:solidFill>
                   <a:srgbClr val="FFFFFF"/>
                 </a:solidFill>
@@ -9612,7 +9594,7 @@
               </a:ln>
               <a:extLst>
                 <a:ext uri="{91240B29-F687-4f45-9708-019B960494DF}">
-                  <a14:hiddenLine xmlns="" xmlns:a14="http://schemas.microsoft.com/office/drawing/2010/main" w="9525">
+                  <a14:hiddenLine xmlns:a14="http://schemas.microsoft.com/office/drawing/2010/main" xmlns="" w="9525">
                     <a:solidFill>
                       <a:srgbClr val="000000"/>
                     </a:solidFill>
@@ -9702,7 +9684,7 @@
               </a:ln>
               <a:extLst>
                 <a:ext uri="{91240B29-F687-4f45-9708-019B960494DF}">
-                  <a14:hiddenLine xmlns="" xmlns:a14="http://schemas.microsoft.com/office/drawing/2010/main" w="9525">
+                  <a14:hiddenLine xmlns:a14="http://schemas.microsoft.com/office/drawing/2010/main" xmlns="" w="9525">
                     <a:solidFill>
                       <a:srgbClr val="000000"/>
                     </a:solidFill>
@@ -9792,7 +9774,7 @@
               </a:ln>
               <a:extLst>
                 <a:ext uri="{91240B29-F687-4f45-9708-019B960494DF}">
-                  <a14:hiddenLine xmlns="" xmlns:a14="http://schemas.microsoft.com/office/drawing/2010/main" w="9525">
+                  <a14:hiddenLine xmlns:a14="http://schemas.microsoft.com/office/drawing/2010/main" xmlns="" w="9525">
                     <a:solidFill>
                       <a:srgbClr val="000000"/>
                     </a:solidFill>
@@ -9854,7 +9836,7 @@
               </a:ln>
               <a:extLst>
                 <a:ext uri="{91240B29-F687-4f45-9708-019B960494DF}">
-                  <a14:hiddenLine xmlns="" xmlns:a14="http://schemas.microsoft.com/office/drawing/2010/main" w="9525">
+                  <a14:hiddenLine xmlns:a14="http://schemas.microsoft.com/office/drawing/2010/main" xmlns="" w="9525">
                     <a:solidFill>
                       <a:srgbClr val="000000"/>
                     </a:solidFill>
@@ -9944,7 +9926,7 @@
               </a:ln>
               <a:extLst>
                 <a:ext uri="{91240B29-F687-4f45-9708-019B960494DF}">
-                  <a14:hiddenLine xmlns="" xmlns:a14="http://schemas.microsoft.com/office/drawing/2010/main" w="9525">
+                  <a14:hiddenLine xmlns:a14="http://schemas.microsoft.com/office/drawing/2010/main" xmlns="" w="9525">
                     <a:solidFill>
                       <a:srgbClr val="000000"/>
                     </a:solidFill>
@@ -10006,7 +9988,7 @@
               </a:ln>
               <a:extLst>
                 <a:ext uri="{91240B29-F687-4f45-9708-019B960494DF}">
-                  <a14:hiddenLine xmlns="" xmlns:a14="http://schemas.microsoft.com/office/drawing/2010/main" w="9525">
+                  <a14:hiddenLine xmlns:a14="http://schemas.microsoft.com/office/drawing/2010/main" xmlns="" w="9525">
                     <a:solidFill>
                       <a:srgbClr val="000000"/>
                     </a:solidFill>
@@ -10068,7 +10050,7 @@
               </a:ln>
               <a:extLst>
                 <a:ext uri="{91240B29-F687-4f45-9708-019B960494DF}">
-                  <a14:hiddenLine xmlns="" xmlns:a14="http://schemas.microsoft.com/office/drawing/2010/main" w="9525">
+                  <a14:hiddenLine xmlns:a14="http://schemas.microsoft.com/office/drawing/2010/main" xmlns="" w="9525">
                     <a:solidFill>
                       <a:srgbClr val="000000"/>
                     </a:solidFill>
@@ -10158,7 +10140,7 @@
               </a:ln>
               <a:extLst>
                 <a:ext uri="{91240B29-F687-4f45-9708-019B960494DF}">
-                  <a14:hiddenLine xmlns="" xmlns:a14="http://schemas.microsoft.com/office/drawing/2010/main" w="9525">
+                  <a14:hiddenLine xmlns:a14="http://schemas.microsoft.com/office/drawing/2010/main" xmlns="" w="9525">
                     <a:solidFill>
                       <a:srgbClr val="000000"/>
                     </a:solidFill>
@@ -10248,7 +10230,7 @@
               </a:ln>
               <a:extLst>
                 <a:ext uri="{91240B29-F687-4f45-9708-019B960494DF}">
-                  <a14:hiddenLine xmlns="" xmlns:a14="http://schemas.microsoft.com/office/drawing/2010/main" w="9525">
+                  <a14:hiddenLine xmlns:a14="http://schemas.microsoft.com/office/drawing/2010/main" xmlns="" w="9525">
                     <a:solidFill>
                       <a:srgbClr val="000000"/>
                     </a:solidFill>
@@ -10310,7 +10292,7 @@
               </a:ln>
               <a:extLst>
                 <a:ext uri="{91240B29-F687-4f45-9708-019B960494DF}">
-                  <a14:hiddenLine xmlns="" xmlns:a14="http://schemas.microsoft.com/office/drawing/2010/main" w="9525">
+                  <a14:hiddenLine xmlns:a14="http://schemas.microsoft.com/office/drawing/2010/main" xmlns="" w="9525">
                     <a:solidFill>
                       <a:srgbClr val="000000"/>
                     </a:solidFill>
@@ -10420,7 +10402,7 @@
               </a:ln>
               <a:extLst>
                 <a:ext uri="{91240B29-F687-4f45-9708-019B960494DF}">
-                  <a14:hiddenLine xmlns="" xmlns:a14="http://schemas.microsoft.com/office/drawing/2010/main" w="9525">
+                  <a14:hiddenLine xmlns:a14="http://schemas.microsoft.com/office/drawing/2010/main" xmlns="" w="9525">
                     <a:solidFill>
                       <a:srgbClr val="000000"/>
                     </a:solidFill>
@@ -10504,7 +10486,7 @@
               </a:ln>
               <a:extLst>
                 <a:ext uri="{91240B29-F687-4f45-9708-019B960494DF}">
-                  <a14:hiddenLine xmlns="" xmlns:a14="http://schemas.microsoft.com/office/drawing/2010/main" w="9525">
+                  <a14:hiddenLine xmlns:a14="http://schemas.microsoft.com/office/drawing/2010/main" xmlns="" w="9525">
                     <a:solidFill>
                       <a:srgbClr val="000000"/>
                     </a:solidFill>
@@ -10566,7 +10548,7 @@
               </a:ln>
               <a:extLst>
                 <a:ext uri="{91240B29-F687-4f45-9708-019B960494DF}">
-                  <a14:hiddenLine xmlns="" xmlns:a14="http://schemas.microsoft.com/office/drawing/2010/main" w="9525">
+                  <a14:hiddenLine xmlns:a14="http://schemas.microsoft.com/office/drawing/2010/main" xmlns="" w="9525">
                     <a:solidFill>
                       <a:srgbClr val="000000"/>
                     </a:solidFill>
@@ -10628,7 +10610,7 @@
               </a:ln>
               <a:extLst>
                 <a:ext uri="{91240B29-F687-4f45-9708-019B960494DF}">
-                  <a14:hiddenLine xmlns="" xmlns:a14="http://schemas.microsoft.com/office/drawing/2010/main" w="9525">
+                  <a14:hiddenLine xmlns:a14="http://schemas.microsoft.com/office/drawing/2010/main" xmlns="" w="9525">
                     <a:solidFill>
                       <a:srgbClr val="000000"/>
                     </a:solidFill>
@@ -10718,7 +10700,7 @@
               </a:ln>
               <a:extLst>
                 <a:ext uri="{91240B29-F687-4f45-9708-019B960494DF}">
-                  <a14:hiddenLine xmlns="" xmlns:a14="http://schemas.microsoft.com/office/drawing/2010/main" w="9525">
+                  <a14:hiddenLine xmlns:a14="http://schemas.microsoft.com/office/drawing/2010/main" xmlns="" w="9525">
                     <a:solidFill>
                       <a:srgbClr val="000000"/>
                     </a:solidFill>
@@ -10752,7 +10734,7 @@
               </a:ln>
               <a:extLst>
                 <a:ext uri="{91240B29-F687-4f45-9708-019B960494DF}">
-                  <a14:hiddenLine xmlns="" xmlns:a14="http://schemas.microsoft.com/office/drawing/2010/main" w="9525">
+                  <a14:hiddenLine xmlns:a14="http://schemas.microsoft.com/office/drawing/2010/main" xmlns="" w="9525">
                     <a:solidFill>
                       <a:srgbClr val="000000"/>
                     </a:solidFill>
@@ -10817,7 +10799,7 @@
               </a:ln>
               <a:extLst>
                 <a:ext uri="{91240B29-F687-4f45-9708-019B960494DF}">
-                  <a14:hiddenLine xmlns="" xmlns:a14="http://schemas.microsoft.com/office/drawing/2010/main" w="9525">
+                  <a14:hiddenLine xmlns:a14="http://schemas.microsoft.com/office/drawing/2010/main" xmlns="" w="9525">
                     <a:solidFill>
                       <a:srgbClr val="000000"/>
                     </a:solidFill>
@@ -10907,7 +10889,7 @@
               </a:ln>
               <a:extLst>
                 <a:ext uri="{91240B29-F687-4f45-9708-019B960494DF}">
-                  <a14:hiddenLine xmlns="" xmlns:a14="http://schemas.microsoft.com/office/drawing/2010/main" w="9525">
+                  <a14:hiddenLine xmlns:a14="http://schemas.microsoft.com/office/drawing/2010/main" xmlns="" w="9525">
                     <a:solidFill>
                       <a:srgbClr val="000000"/>
                     </a:solidFill>
@@ -10969,7 +10951,7 @@
               </a:ln>
               <a:extLst>
                 <a:ext uri="{91240B29-F687-4f45-9708-019B960494DF}">
-                  <a14:hiddenLine xmlns="" xmlns:a14="http://schemas.microsoft.com/office/drawing/2010/main" w="9525">
+                  <a14:hiddenLine xmlns:a14="http://schemas.microsoft.com/office/drawing/2010/main" xmlns="" w="9525">
                     <a:solidFill>
                       <a:srgbClr val="000000"/>
                     </a:solidFill>
@@ -11059,7 +11041,7 @@
               </a:ln>
               <a:extLst>
                 <a:ext uri="{91240B29-F687-4f45-9708-019B960494DF}">
-                  <a14:hiddenLine xmlns="" xmlns:a14="http://schemas.microsoft.com/office/drawing/2010/main" w="9525">
+                  <a14:hiddenLine xmlns:a14="http://schemas.microsoft.com/office/drawing/2010/main" xmlns="" w="9525">
                     <a:solidFill>
                       <a:srgbClr val="000000"/>
                     </a:solidFill>
@@ -11124,7 +11106,7 @@
               </a:ln>
               <a:extLst>
                 <a:ext uri="{91240B29-F687-4f45-9708-019B960494DF}">
-                  <a14:hiddenLine xmlns="" xmlns:a14="http://schemas.microsoft.com/office/drawing/2010/main" w="9525">
+                  <a14:hiddenLine xmlns:a14="http://schemas.microsoft.com/office/drawing/2010/main" xmlns="" w="9525">
                     <a:solidFill>
                       <a:srgbClr val="000000"/>
                     </a:solidFill>
@@ -11186,7 +11168,7 @@
               </a:ln>
               <a:extLst>
                 <a:ext uri="{91240B29-F687-4f45-9708-019B960494DF}">
-                  <a14:hiddenLine xmlns="" xmlns:a14="http://schemas.microsoft.com/office/drawing/2010/main" w="9525">
+                  <a14:hiddenLine xmlns:a14="http://schemas.microsoft.com/office/drawing/2010/main" xmlns="" w="9525">
                     <a:solidFill>
                       <a:srgbClr val="000000"/>
                     </a:solidFill>
@@ -11276,7 +11258,7 @@
               </a:ln>
               <a:extLst>
                 <a:ext uri="{91240B29-F687-4f45-9708-019B960494DF}">
-                  <a14:hiddenLine xmlns="" xmlns:a14="http://schemas.microsoft.com/office/drawing/2010/main" w="9525">
+                  <a14:hiddenLine xmlns:a14="http://schemas.microsoft.com/office/drawing/2010/main" xmlns="" w="9525">
                     <a:solidFill>
                       <a:srgbClr val="000000"/>
                     </a:solidFill>
@@ -11366,7 +11348,7 @@
               </a:ln>
               <a:extLst>
                 <a:ext uri="{91240B29-F687-4f45-9708-019B960494DF}">
-                  <a14:hiddenLine xmlns="" xmlns:a14="http://schemas.microsoft.com/office/drawing/2010/main" w="9525">
+                  <a14:hiddenLine xmlns:a14="http://schemas.microsoft.com/office/drawing/2010/main" xmlns="" w="9525">
                     <a:solidFill>
                       <a:srgbClr val="000000"/>
                     </a:solidFill>
@@ -11431,7 +11413,7 @@
               </a:ln>
               <a:extLst>
                 <a:ext uri="{91240B29-F687-4f45-9708-019B960494DF}">
-                  <a14:hiddenLine xmlns="" xmlns:a14="http://schemas.microsoft.com/office/drawing/2010/main" w="9525">
+                  <a14:hiddenLine xmlns:a14="http://schemas.microsoft.com/office/drawing/2010/main" xmlns="" w="9525">
                     <a:solidFill>
                       <a:srgbClr val="000000"/>
                     </a:solidFill>
@@ -11551,7 +11533,7 @@
               </a:ln>
               <a:extLst>
                 <a:ext uri="{91240B29-F687-4f45-9708-019B960494DF}">
-                  <a14:hiddenLine xmlns="" xmlns:a14="http://schemas.microsoft.com/office/drawing/2010/main" w="9525">
+                  <a14:hiddenLine xmlns:a14="http://schemas.microsoft.com/office/drawing/2010/main" xmlns="" w="9525">
                     <a:solidFill>
                       <a:srgbClr val="000000"/>
                     </a:solidFill>
@@ -11632,7 +11614,7 @@
               </a:ln>
               <a:extLst>
                 <a:ext uri="{91240B29-F687-4f45-9708-019B960494DF}">
-                  <a14:hiddenLine xmlns="" xmlns:a14="http://schemas.microsoft.com/office/drawing/2010/main" w="9525">
+                  <a14:hiddenLine xmlns:a14="http://schemas.microsoft.com/office/drawing/2010/main" xmlns="" w="9525">
                     <a:solidFill>
                       <a:srgbClr val="000000"/>
                     </a:solidFill>
@@ -11747,7 +11729,7 @@
               </a:ln>
               <a:extLst>
                 <a:ext uri="{91240B29-F687-4f45-9708-019B960494DF}">
-                  <a14:hiddenLine xmlns="" xmlns:a14="http://schemas.microsoft.com/office/drawing/2010/main" w="9525">
+                  <a14:hiddenLine xmlns:a14="http://schemas.microsoft.com/office/drawing/2010/main" xmlns="" w="9525">
                     <a:solidFill>
                       <a:srgbClr val="000000"/>
                     </a:solidFill>
@@ -11837,7 +11819,7 @@
               </a:ln>
               <a:extLst>
                 <a:ext uri="{91240B29-F687-4f45-9708-019B960494DF}">
-                  <a14:hiddenLine xmlns="" xmlns:a14="http://schemas.microsoft.com/office/drawing/2010/main" w="9525">
+                  <a14:hiddenLine xmlns:a14="http://schemas.microsoft.com/office/drawing/2010/main" xmlns="" w="9525">
                     <a:solidFill>
                       <a:srgbClr val="000000"/>
                     </a:solidFill>
@@ -11902,7 +11884,7 @@
               </a:ln>
               <a:extLst>
                 <a:ext uri="{91240B29-F687-4f45-9708-019B960494DF}">
-                  <a14:hiddenLine xmlns="" xmlns:a14="http://schemas.microsoft.com/office/drawing/2010/main" w="9525">
+                  <a14:hiddenLine xmlns:a14="http://schemas.microsoft.com/office/drawing/2010/main" xmlns="" w="9525">
                     <a:solidFill>
                       <a:srgbClr val="000000"/>
                     </a:solidFill>
@@ -11992,7 +11974,7 @@
               </a:ln>
               <a:extLst>
                 <a:ext uri="{91240B29-F687-4f45-9708-019B960494DF}">
-                  <a14:hiddenLine xmlns="" xmlns:a14="http://schemas.microsoft.com/office/drawing/2010/main" w="9525">
+                  <a14:hiddenLine xmlns:a14="http://schemas.microsoft.com/office/drawing/2010/main" xmlns="" w="9525">
                     <a:solidFill>
                       <a:srgbClr val="000000"/>
                     </a:solidFill>
@@ -12060,7 +12042,7 @@
               </a:ln>
               <a:extLst>
                 <a:ext uri="{91240B29-F687-4f45-9708-019B960494DF}">
-                  <a14:hiddenLine xmlns="" xmlns:a14="http://schemas.microsoft.com/office/drawing/2010/main" w="9525">
+                  <a14:hiddenLine xmlns:a14="http://schemas.microsoft.com/office/drawing/2010/main" xmlns="" w="9525">
                     <a:solidFill>
                       <a:srgbClr val="000000"/>
                     </a:solidFill>
@@ -12150,7 +12132,7 @@
               </a:ln>
               <a:extLst>
                 <a:ext uri="{91240B29-F687-4f45-9708-019B960494DF}">
-                  <a14:hiddenLine xmlns="" xmlns:a14="http://schemas.microsoft.com/office/drawing/2010/main" w="9525">
+                  <a14:hiddenLine xmlns:a14="http://schemas.microsoft.com/office/drawing/2010/main" xmlns="" w="9525">
                     <a:solidFill>
                       <a:srgbClr val="000000"/>
                     </a:solidFill>
@@ -12218,7 +12200,7 @@
               </a:ln>
               <a:extLst>
                 <a:ext uri="{91240B29-F687-4f45-9708-019B960494DF}">
-                  <a14:hiddenLine xmlns="" xmlns:a14="http://schemas.microsoft.com/office/drawing/2010/main" w="9525">
+                  <a14:hiddenLine xmlns:a14="http://schemas.microsoft.com/office/drawing/2010/main" xmlns="" w="9525">
                     <a:solidFill>
                       <a:srgbClr val="000000"/>
                     </a:solidFill>
@@ -12308,7 +12290,7 @@
               </a:ln>
               <a:extLst>
                 <a:ext uri="{91240B29-F687-4f45-9708-019B960494DF}">
-                  <a14:hiddenLine xmlns="" xmlns:a14="http://schemas.microsoft.com/office/drawing/2010/main" w="9525">
+                  <a14:hiddenLine xmlns:a14="http://schemas.microsoft.com/office/drawing/2010/main" xmlns="" w="9525">
                     <a:solidFill>
                       <a:srgbClr val="000000"/>
                     </a:solidFill>
@@ -12342,7 +12324,7 @@
               </a:ln>
               <a:extLst>
                 <a:ext uri="{91240B29-F687-4f45-9708-019B960494DF}">
-                  <a14:hiddenLine xmlns="" xmlns:a14="http://schemas.microsoft.com/office/drawing/2010/main" w="9525">
+                  <a14:hiddenLine xmlns:a14="http://schemas.microsoft.com/office/drawing/2010/main" xmlns="" w="9525">
                     <a:solidFill>
                       <a:srgbClr val="000000"/>
                     </a:solidFill>
@@ -12482,7 +12464,7 @@
           <a:p>
             <a:fld id="{EC4347D3-4C9A-C240-8F14-750059DFEEB0}" type="datetimeFigureOut">
               <a:rPr lang="en-US" smtClean="0"/>
-              <a:t>4/14/25</a:t>
+              <a:t>1/20/26</a:t>
             </a:fld>
             <a:endParaRPr lang="en-US"/>
           </a:p>
@@ -12999,1592 +12981,6 @@
 </p:sld>
 </file>
 
-<file path=ppt/slides/slide10.xml><?xml version="1.0" encoding="utf-8"?>
-<p:sld xmlns:a="http://schemas.openxmlformats.org/drawingml/2006/main" xmlns:r="http://schemas.openxmlformats.org/officeDocument/2006/relationships" xmlns:p="http://schemas.openxmlformats.org/presentationml/2006/main">
-  <p:cSld>
-    <p:spTree>
-      <p:nvGrpSpPr>
-        <p:cNvPr id="1" name=""/>
-        <p:cNvGrpSpPr/>
-        <p:nvPr/>
-      </p:nvGrpSpPr>
-      <p:grpSpPr>
-        <a:xfrm>
-          <a:off x="0" y="0"/>
-          <a:ext cx="0" cy="0"/>
-          <a:chOff x="0" y="0"/>
-          <a:chExt cx="0" cy="0"/>
-        </a:xfrm>
-      </p:grpSpPr>
-      <p:sp>
-        <p:nvSpPr>
-          <p:cNvPr id="6146" name="Rectangle 2"/>
-          <p:cNvSpPr>
-            <a:spLocks noGrp="1" noChangeArrowheads="1"/>
-          </p:cNvSpPr>
-          <p:nvPr>
-            <p:ph type="title"/>
-            <p:custDataLst>
-              <p:tags r:id="rId1"/>
-            </p:custDataLst>
-          </p:nvPr>
-        </p:nvSpPr>
-        <p:spPr>
-          <a:xfrm>
-            <a:off x="1141413" y="284084"/>
-            <a:ext cx="9905998" cy="620791"/>
-          </a:xfrm>
-        </p:spPr>
-        <p:txBody>
-          <a:bodyPr/>
-          <a:lstStyle/>
-          <a:p>
-            <a:pPr algn="ctr"/>
-            <a:r>
-              <a:rPr lang="en-US" dirty="0"/>
-              <a:t>Lecture 11: 2/24/25</a:t>
-            </a:r>
-          </a:p>
-        </p:txBody>
-      </p:sp>
-      <p:sp>
-        <p:nvSpPr>
-          <p:cNvPr id="6147" name="Rectangle 3"/>
-          <p:cNvSpPr>
-            <a:spLocks noGrp="1" noChangeArrowheads="1"/>
-          </p:cNvSpPr>
-          <p:nvPr>
-            <p:ph idx="1"/>
-            <p:custDataLst>
-              <p:tags r:id="rId2"/>
-            </p:custDataLst>
-          </p:nvPr>
-        </p:nvSpPr>
-        <p:spPr>
-          <a:xfrm>
-            <a:off x="1021404" y="1054500"/>
-            <a:ext cx="10204315" cy="5346298"/>
-          </a:xfrm>
-        </p:spPr>
-        <p:txBody>
-          <a:bodyPr>
-            <a:normAutofit/>
-          </a:bodyPr>
-          <a:lstStyle/>
-          <a:p>
-            <a:r>
-              <a:rPr lang="en-US" dirty="0"/>
-              <a:t>Homework 3 is out (Transforms)</a:t>
-            </a:r>
-          </a:p>
-          <a:p>
-            <a:pPr lvl="1"/>
-            <a:r>
-              <a:rPr lang="en-US" dirty="0"/>
-              <a:t>Last late day for this is today…</a:t>
-            </a:r>
-          </a:p>
-          <a:p>
-            <a:r>
-              <a:rPr lang="en-US" dirty="0"/>
-              <a:t>First (of two) quizzes is coming up next Thursday!</a:t>
-            </a:r>
-          </a:p>
-          <a:p>
-            <a:pPr lvl="1"/>
-            <a:r>
-              <a:rPr lang="en-US" dirty="0"/>
-              <a:t>Will be mostly T/F, fill in the blank, multiple choice, etc. with one or two longer written questions. Nothing too crazy.</a:t>
-            </a:r>
-          </a:p>
-          <a:p>
-            <a:r>
-              <a:rPr lang="en-US" dirty="0"/>
-              <a:t>This Friday we will release the Linear Programming </a:t>
-            </a:r>
-            <a:r>
-              <a:rPr lang="en-US" dirty="0" err="1"/>
-              <a:t>hw</a:t>
-            </a:r>
-            <a:r>
-              <a:rPr lang="en-US" dirty="0"/>
-              <a:t> and have our typical “lab day”. </a:t>
-            </a:r>
-          </a:p>
-          <a:p>
-            <a:r>
-              <a:rPr lang="en-US" dirty="0"/>
-              <a:t>Back to trying to take attendance regularly </a:t>
-            </a:r>
-          </a:p>
-          <a:p>
-            <a:r>
-              <a:rPr lang="en-US" dirty="0"/>
-              <a:t>Today we will continue </a:t>
-            </a:r>
-            <a:r>
-              <a:rPr lang="en-US"/>
-              <a:t>hopefully finish </a:t>
-            </a:r>
-            <a:r>
-              <a:rPr lang="en-US" dirty="0"/>
-              <a:t>linear programming!</a:t>
-            </a:r>
-          </a:p>
-          <a:p>
-            <a:endParaRPr lang="en-US" dirty="0"/>
-          </a:p>
-        </p:txBody>
-      </p:sp>
-    </p:spTree>
-    <p:extLst>
-      <p:ext uri="{BB962C8B-B14F-4D97-AF65-F5344CB8AC3E}">
-        <p14:creationId xmlns:p14="http://schemas.microsoft.com/office/powerpoint/2010/main" val="1343636881"/>
-      </p:ext>
-    </p:extLst>
-  </p:cSld>
-  <p:clrMapOvr>
-    <a:masterClrMapping/>
-  </p:clrMapOvr>
-</p:sld>
-</file>
-
-<file path=ppt/slides/slide11.xml><?xml version="1.0" encoding="utf-8"?>
-<p:sld xmlns:a="http://schemas.openxmlformats.org/drawingml/2006/main" xmlns:r="http://schemas.openxmlformats.org/officeDocument/2006/relationships" xmlns:p="http://schemas.openxmlformats.org/presentationml/2006/main">
-  <p:cSld>
-    <p:spTree>
-      <p:nvGrpSpPr>
-        <p:cNvPr id="1" name=""/>
-        <p:cNvGrpSpPr/>
-        <p:nvPr/>
-      </p:nvGrpSpPr>
-      <p:grpSpPr>
-        <a:xfrm>
-          <a:off x="0" y="0"/>
-          <a:ext cx="0" cy="0"/>
-          <a:chOff x="0" y="0"/>
-          <a:chExt cx="0" cy="0"/>
-        </a:xfrm>
-      </p:grpSpPr>
-      <p:sp>
-        <p:nvSpPr>
-          <p:cNvPr id="6146" name="Rectangle 2"/>
-          <p:cNvSpPr>
-            <a:spLocks noGrp="1" noChangeArrowheads="1"/>
-          </p:cNvSpPr>
-          <p:nvPr>
-            <p:ph type="title"/>
-            <p:custDataLst>
-              <p:tags r:id="rId1"/>
-            </p:custDataLst>
-          </p:nvPr>
-        </p:nvSpPr>
-        <p:spPr>
-          <a:xfrm>
-            <a:off x="1141413" y="284084"/>
-            <a:ext cx="9905998" cy="620791"/>
-          </a:xfrm>
-        </p:spPr>
-        <p:txBody>
-          <a:bodyPr/>
-          <a:lstStyle/>
-          <a:p>
-            <a:pPr algn="ctr"/>
-            <a:r>
-              <a:rPr lang="en-US" dirty="0"/>
-              <a:t>Lecture 13: 3/3/25</a:t>
-            </a:r>
-          </a:p>
-        </p:txBody>
-      </p:sp>
-      <p:sp>
-        <p:nvSpPr>
-          <p:cNvPr id="6147" name="Rectangle 3"/>
-          <p:cNvSpPr>
-            <a:spLocks noGrp="1" noChangeArrowheads="1"/>
-          </p:cNvSpPr>
-          <p:nvPr>
-            <p:ph idx="1"/>
-            <p:custDataLst>
-              <p:tags r:id="rId2"/>
-            </p:custDataLst>
-          </p:nvPr>
-        </p:nvSpPr>
-        <p:spPr>
-          <a:xfrm>
-            <a:off x="1021404" y="1054500"/>
-            <a:ext cx="10204315" cy="5346298"/>
-          </a:xfrm>
-        </p:spPr>
-        <p:txBody>
-          <a:bodyPr>
-            <a:normAutofit lnSpcReduction="10000"/>
-          </a:bodyPr>
-          <a:lstStyle/>
-          <a:p>
-            <a:r>
-              <a:rPr lang="en-US" dirty="0"/>
-              <a:t>Homework 4 is now out</a:t>
-            </a:r>
-          </a:p>
-          <a:p>
-            <a:pPr lvl="1"/>
-            <a:r>
-              <a:rPr lang="en-US" dirty="0"/>
-              <a:t>How is it going so far? Seems like it is going smoothly (from my end)</a:t>
-            </a:r>
-          </a:p>
-          <a:p>
-            <a:r>
-              <a:rPr lang="en-US" dirty="0"/>
-              <a:t>First (of two) quizzes is coming up THIS Wednesday!</a:t>
-            </a:r>
-          </a:p>
-          <a:p>
-            <a:pPr lvl="1"/>
-            <a:r>
-              <a:rPr lang="en-US" dirty="0"/>
-              <a:t>Will be mostly T/F, fill in the blank, multiple choice, etc. with one or two longer written questions. Nothing too crazy.</a:t>
-            </a:r>
-          </a:p>
-          <a:p>
-            <a:pPr lvl="1"/>
-            <a:r>
-              <a:rPr lang="en-US" dirty="0"/>
-              <a:t>Covers Segment Trees, Fenwick Trees, and Lin. Prog. (NO comp. geometry)</a:t>
-            </a:r>
-          </a:p>
-          <a:p>
-            <a:r>
-              <a:rPr lang="en-US" dirty="0"/>
-              <a:t>This Friday is one of our break Fridays (no class) and the start of spring break</a:t>
-            </a:r>
-          </a:p>
-          <a:p>
-            <a:pPr lvl="1"/>
-            <a:r>
-              <a:rPr lang="en-US" dirty="0"/>
-              <a:t>Enjoy the break!!!</a:t>
-            </a:r>
-          </a:p>
-          <a:p>
-            <a:r>
-              <a:rPr lang="en-US" dirty="0"/>
-              <a:t>We will have an attendance check today</a:t>
-            </a:r>
-          </a:p>
-          <a:p>
-            <a:r>
-              <a:rPr lang="en-US" dirty="0"/>
-              <a:t>Project specs / group creation is coming VERY soon. I will give a verbal update!</a:t>
-            </a:r>
-          </a:p>
-          <a:p>
-            <a:r>
-              <a:rPr lang="en-US" dirty="0"/>
-              <a:t>Today we will continue discussing comp. geo. Algorithms.</a:t>
-            </a:r>
-          </a:p>
-          <a:p>
-            <a:endParaRPr lang="en-US" dirty="0"/>
-          </a:p>
-        </p:txBody>
-      </p:sp>
-    </p:spTree>
-    <p:extLst>
-      <p:ext uri="{BB962C8B-B14F-4D97-AF65-F5344CB8AC3E}">
-        <p14:creationId xmlns:p14="http://schemas.microsoft.com/office/powerpoint/2010/main" val="636477203"/>
-      </p:ext>
-    </p:extLst>
-  </p:cSld>
-  <p:clrMapOvr>
-    <a:masterClrMapping/>
-  </p:clrMapOvr>
-</p:sld>
-</file>
-
-<file path=ppt/slides/slide12.xml><?xml version="1.0" encoding="utf-8"?>
-<p:sld xmlns:a="http://schemas.openxmlformats.org/drawingml/2006/main" xmlns:r="http://schemas.openxmlformats.org/officeDocument/2006/relationships" xmlns:p="http://schemas.openxmlformats.org/presentationml/2006/main">
-  <p:cSld>
-    <p:spTree>
-      <p:nvGrpSpPr>
-        <p:cNvPr id="1" name=""/>
-        <p:cNvGrpSpPr/>
-        <p:nvPr/>
-      </p:nvGrpSpPr>
-      <p:grpSpPr>
-        <a:xfrm>
-          <a:off x="0" y="0"/>
-          <a:ext cx="0" cy="0"/>
-          <a:chOff x="0" y="0"/>
-          <a:chExt cx="0" cy="0"/>
-        </a:xfrm>
-      </p:grpSpPr>
-      <p:sp>
-        <p:nvSpPr>
-          <p:cNvPr id="6146" name="Rectangle 2"/>
-          <p:cNvSpPr>
-            <a:spLocks noGrp="1" noChangeArrowheads="1"/>
-          </p:cNvSpPr>
-          <p:nvPr>
-            <p:ph type="title"/>
-            <p:custDataLst>
-              <p:tags r:id="rId1"/>
-            </p:custDataLst>
-          </p:nvPr>
-        </p:nvSpPr>
-        <p:spPr>
-          <a:xfrm>
-            <a:off x="1141413" y="284084"/>
-            <a:ext cx="9905998" cy="620791"/>
-          </a:xfrm>
-        </p:spPr>
-        <p:txBody>
-          <a:bodyPr/>
-          <a:lstStyle/>
-          <a:p>
-            <a:pPr algn="ctr"/>
-            <a:r>
-              <a:rPr lang="en-US" dirty="0"/>
-              <a:t>Lecture 14: 3/17/25</a:t>
-            </a:r>
-          </a:p>
-        </p:txBody>
-      </p:sp>
-      <p:sp>
-        <p:nvSpPr>
-          <p:cNvPr id="6147" name="Rectangle 3"/>
-          <p:cNvSpPr>
-            <a:spLocks noGrp="1" noChangeArrowheads="1"/>
-          </p:cNvSpPr>
-          <p:nvPr>
-            <p:ph idx="1"/>
-            <p:custDataLst>
-              <p:tags r:id="rId2"/>
-            </p:custDataLst>
-          </p:nvPr>
-        </p:nvSpPr>
-        <p:spPr>
-          <a:xfrm>
-            <a:off x="1021404" y="1054500"/>
-            <a:ext cx="10204315" cy="5346298"/>
-          </a:xfrm>
-        </p:spPr>
-        <p:txBody>
-          <a:bodyPr>
-            <a:normAutofit lnSpcReduction="10000"/>
-          </a:bodyPr>
-          <a:lstStyle/>
-          <a:p>
-            <a:r>
-              <a:rPr lang="en-US" dirty="0"/>
-              <a:t>Homework 4 is complete (Technically you have until EOD today late period)</a:t>
-            </a:r>
-          </a:p>
-          <a:p>
-            <a:pPr lvl="1"/>
-            <a:r>
-              <a:rPr lang="en-US" dirty="0"/>
-              <a:t>Seemed to go pretty smoothly from what I can tell…</a:t>
-            </a:r>
-          </a:p>
-          <a:p>
-            <a:r>
-              <a:rPr lang="en-US" dirty="0"/>
-              <a:t>First quiz has been taken (Wed. before break).</a:t>
-            </a:r>
-          </a:p>
-          <a:p>
-            <a:pPr lvl="1"/>
-            <a:r>
-              <a:rPr lang="en-US" dirty="0"/>
-              <a:t>How did it go?</a:t>
-            </a:r>
-          </a:p>
-          <a:p>
-            <a:pPr lvl="1"/>
-            <a:r>
-              <a:rPr lang="en-US" dirty="0"/>
-              <a:t>Grade should be returned in a week or so. TAs needed a break too!</a:t>
-            </a:r>
-          </a:p>
-          <a:p>
-            <a:r>
-              <a:rPr lang="en-US" dirty="0"/>
-              <a:t>No class this Friday (another one of our break days)</a:t>
-            </a:r>
-          </a:p>
-          <a:p>
-            <a:pPr lvl="1"/>
-            <a:r>
-              <a:rPr lang="en-US" dirty="0"/>
-              <a:t>There will be class next Friday though, homework 5 will come out on that day.</a:t>
-            </a:r>
-          </a:p>
-          <a:p>
-            <a:r>
-              <a:rPr lang="en-US" dirty="0"/>
-              <a:t>Final project is now ready to go.</a:t>
-            </a:r>
-          </a:p>
-          <a:p>
-            <a:pPr lvl="1"/>
-            <a:r>
-              <a:rPr lang="en-US" dirty="0"/>
-              <a:t>I will discuss the requirements, algorithms, group-sign up logistics, etc. today!!</a:t>
-            </a:r>
-          </a:p>
-          <a:p>
-            <a:r>
-              <a:rPr lang="en-US" dirty="0"/>
-              <a:t>We will have an attendance check today</a:t>
-            </a:r>
-          </a:p>
-          <a:p>
-            <a:r>
-              <a:rPr lang="en-US" dirty="0"/>
-              <a:t>Today we will continue discussing comp. geo. algorithms.</a:t>
-            </a:r>
-          </a:p>
-          <a:p>
-            <a:endParaRPr lang="en-US" dirty="0"/>
-          </a:p>
-        </p:txBody>
-      </p:sp>
-    </p:spTree>
-    <p:extLst>
-      <p:ext uri="{BB962C8B-B14F-4D97-AF65-F5344CB8AC3E}">
-        <p14:creationId xmlns:p14="http://schemas.microsoft.com/office/powerpoint/2010/main" val="1556684184"/>
-      </p:ext>
-    </p:extLst>
-  </p:cSld>
-  <p:clrMapOvr>
-    <a:masterClrMapping/>
-  </p:clrMapOvr>
-</p:sld>
-</file>
-
-<file path=ppt/slides/slide13.xml><?xml version="1.0" encoding="utf-8"?>
-<p:sld xmlns:a="http://schemas.openxmlformats.org/drawingml/2006/main" xmlns:r="http://schemas.openxmlformats.org/officeDocument/2006/relationships" xmlns:p="http://schemas.openxmlformats.org/presentationml/2006/main">
-  <p:cSld>
-    <p:spTree>
-      <p:nvGrpSpPr>
-        <p:cNvPr id="1" name=""/>
-        <p:cNvGrpSpPr/>
-        <p:nvPr/>
-      </p:nvGrpSpPr>
-      <p:grpSpPr>
-        <a:xfrm>
-          <a:off x="0" y="0"/>
-          <a:ext cx="0" cy="0"/>
-          <a:chOff x="0" y="0"/>
-          <a:chExt cx="0" cy="0"/>
-        </a:xfrm>
-      </p:grpSpPr>
-      <p:sp>
-        <p:nvSpPr>
-          <p:cNvPr id="6146" name="Rectangle 2"/>
-          <p:cNvSpPr>
-            <a:spLocks noGrp="1" noChangeArrowheads="1"/>
-          </p:cNvSpPr>
-          <p:nvPr>
-            <p:ph type="title"/>
-            <p:custDataLst>
-              <p:tags r:id="rId1"/>
-            </p:custDataLst>
-          </p:nvPr>
-        </p:nvSpPr>
-        <p:spPr>
-          <a:xfrm>
-            <a:off x="1141413" y="284084"/>
-            <a:ext cx="9905998" cy="620791"/>
-          </a:xfrm>
-        </p:spPr>
-        <p:txBody>
-          <a:bodyPr/>
-          <a:lstStyle/>
-          <a:p>
-            <a:pPr algn="ctr"/>
-            <a:r>
-              <a:rPr lang="en-US" dirty="0"/>
-              <a:t>Lecture 15: 3/19/25</a:t>
-            </a:r>
-          </a:p>
-        </p:txBody>
-      </p:sp>
-      <p:sp>
-        <p:nvSpPr>
-          <p:cNvPr id="6147" name="Rectangle 3"/>
-          <p:cNvSpPr>
-            <a:spLocks noGrp="1" noChangeArrowheads="1"/>
-          </p:cNvSpPr>
-          <p:nvPr>
-            <p:ph idx="1"/>
-            <p:custDataLst>
-              <p:tags r:id="rId2"/>
-            </p:custDataLst>
-          </p:nvPr>
-        </p:nvSpPr>
-        <p:spPr>
-          <a:xfrm>
-            <a:off x="1021404" y="1054500"/>
-            <a:ext cx="10204315" cy="5346298"/>
-          </a:xfrm>
-        </p:spPr>
-        <p:txBody>
-          <a:bodyPr>
-            <a:normAutofit lnSpcReduction="10000"/>
-          </a:bodyPr>
-          <a:lstStyle/>
-          <a:p>
-            <a:r>
-              <a:rPr lang="en-US" dirty="0"/>
-              <a:t>Homework 4 is complete (Technically you have until EOD today late period)</a:t>
-            </a:r>
-          </a:p>
-          <a:p>
-            <a:pPr lvl="1"/>
-            <a:r>
-              <a:rPr lang="en-US" dirty="0"/>
-              <a:t>Seemed to go pretty smoothly from what I can tell…</a:t>
-            </a:r>
-          </a:p>
-          <a:p>
-            <a:r>
-              <a:rPr lang="en-US" dirty="0"/>
-              <a:t>First quiz has been taken (Wed. before break).</a:t>
-            </a:r>
-          </a:p>
-          <a:p>
-            <a:pPr lvl="1"/>
-            <a:r>
-              <a:rPr lang="en-US" dirty="0"/>
-              <a:t>Grade should be returned in a week or so. TAs needed a break too!</a:t>
-            </a:r>
-          </a:p>
-          <a:p>
-            <a:r>
-              <a:rPr lang="en-US" dirty="0"/>
-              <a:t>No class this Friday (another one of our break days)</a:t>
-            </a:r>
-          </a:p>
-          <a:p>
-            <a:pPr lvl="1"/>
-            <a:r>
-              <a:rPr lang="en-US" dirty="0"/>
-              <a:t>There will be class next Friday though, homework 5 will come out on that day.</a:t>
-            </a:r>
-          </a:p>
-          <a:p>
-            <a:r>
-              <a:rPr lang="en-US" dirty="0"/>
-              <a:t>Final project:</a:t>
-            </a:r>
-          </a:p>
-          <a:p>
-            <a:pPr lvl="1"/>
-            <a:r>
-              <a:rPr lang="en-US" dirty="0"/>
-              <a:t>Remember to sign up if you have not already. Most teams already formed.</a:t>
-            </a:r>
-          </a:p>
-          <a:p>
-            <a:pPr lvl="1"/>
-            <a:r>
-              <a:rPr lang="en-US" dirty="0"/>
-              <a:t>This week is a good one to start chatting with your group / reading up on your </a:t>
-            </a:r>
-            <a:r>
-              <a:rPr lang="en-US" dirty="0" err="1"/>
-              <a:t>algo</a:t>
-            </a:r>
-            <a:r>
-              <a:rPr lang="en-US" dirty="0"/>
-              <a:t>.</a:t>
-            </a:r>
-          </a:p>
-          <a:p>
-            <a:r>
-              <a:rPr lang="en-US" dirty="0"/>
-              <a:t>We will have an attendance check today</a:t>
-            </a:r>
-          </a:p>
-          <a:p>
-            <a:r>
-              <a:rPr lang="en-US" dirty="0"/>
-              <a:t>Today we will continue discussing comp. geo. algorithms.</a:t>
-            </a:r>
-          </a:p>
-          <a:p>
-            <a:endParaRPr lang="en-US" dirty="0"/>
-          </a:p>
-        </p:txBody>
-      </p:sp>
-    </p:spTree>
-    <p:extLst>
-      <p:ext uri="{BB962C8B-B14F-4D97-AF65-F5344CB8AC3E}">
-        <p14:creationId xmlns:p14="http://schemas.microsoft.com/office/powerpoint/2010/main" val="4258964700"/>
-      </p:ext>
-    </p:extLst>
-  </p:cSld>
-  <p:clrMapOvr>
-    <a:masterClrMapping/>
-  </p:clrMapOvr>
-</p:sld>
-</file>
-
-<file path=ppt/slides/slide14.xml><?xml version="1.0" encoding="utf-8"?>
-<p:sld xmlns:a="http://schemas.openxmlformats.org/drawingml/2006/main" xmlns:r="http://schemas.openxmlformats.org/officeDocument/2006/relationships" xmlns:p="http://schemas.openxmlformats.org/presentationml/2006/main">
-  <p:cSld>
-    <p:spTree>
-      <p:nvGrpSpPr>
-        <p:cNvPr id="1" name=""/>
-        <p:cNvGrpSpPr/>
-        <p:nvPr/>
-      </p:nvGrpSpPr>
-      <p:grpSpPr>
-        <a:xfrm>
-          <a:off x="0" y="0"/>
-          <a:ext cx="0" cy="0"/>
-          <a:chOff x="0" y="0"/>
-          <a:chExt cx="0" cy="0"/>
-        </a:xfrm>
-      </p:grpSpPr>
-      <p:sp>
-        <p:nvSpPr>
-          <p:cNvPr id="6146" name="Rectangle 2"/>
-          <p:cNvSpPr>
-            <a:spLocks noGrp="1" noChangeArrowheads="1"/>
-          </p:cNvSpPr>
-          <p:nvPr>
-            <p:ph type="title"/>
-            <p:custDataLst>
-              <p:tags r:id="rId1"/>
-            </p:custDataLst>
-          </p:nvPr>
-        </p:nvSpPr>
-        <p:spPr>
-          <a:xfrm>
-            <a:off x="1141413" y="284084"/>
-            <a:ext cx="9905998" cy="620791"/>
-          </a:xfrm>
-        </p:spPr>
-        <p:txBody>
-          <a:bodyPr/>
-          <a:lstStyle/>
-          <a:p>
-            <a:pPr algn="ctr"/>
-            <a:r>
-              <a:rPr lang="en-US" dirty="0"/>
-              <a:t>Lecture 16: 3/24/25</a:t>
-            </a:r>
-          </a:p>
-        </p:txBody>
-      </p:sp>
-      <p:sp>
-        <p:nvSpPr>
-          <p:cNvPr id="6147" name="Rectangle 3"/>
-          <p:cNvSpPr>
-            <a:spLocks noGrp="1" noChangeArrowheads="1"/>
-          </p:cNvSpPr>
-          <p:nvPr>
-            <p:ph idx="1"/>
-            <p:custDataLst>
-              <p:tags r:id="rId2"/>
-            </p:custDataLst>
-          </p:nvPr>
-        </p:nvSpPr>
-        <p:spPr>
-          <a:xfrm>
-            <a:off x="1021404" y="1054500"/>
-            <a:ext cx="10204315" cy="5346298"/>
-          </a:xfrm>
-        </p:spPr>
-        <p:txBody>
-          <a:bodyPr>
-            <a:normAutofit fontScale="92500" lnSpcReduction="10000"/>
-          </a:bodyPr>
-          <a:lstStyle/>
-          <a:p>
-            <a:r>
-              <a:rPr lang="en-US" dirty="0"/>
-              <a:t>First quiz has been taken (Wed. before break).</a:t>
-            </a:r>
-          </a:p>
-          <a:p>
-            <a:pPr lvl="1"/>
-            <a:r>
-              <a:rPr lang="en-US" dirty="0"/>
-              <a:t>We are officially behind on grading this for you. I’ll try to kick the TAs in the butt a bit!</a:t>
-            </a:r>
-          </a:p>
-          <a:p>
-            <a:r>
-              <a:rPr lang="en-US" dirty="0"/>
-              <a:t>We DO have class this Friday.</a:t>
-            </a:r>
-          </a:p>
-          <a:p>
-            <a:pPr lvl="1"/>
-            <a:r>
-              <a:rPr lang="en-US" dirty="0"/>
-              <a:t>Computational Geometry homework will be assigned that morning.</a:t>
-            </a:r>
-          </a:p>
-          <a:p>
-            <a:pPr lvl="1"/>
-            <a:r>
-              <a:rPr lang="en-US" dirty="0"/>
-              <a:t>Should be somewhat straightforward but involve implementing multiple algorithms and patching them together (so not totally trivial)</a:t>
-            </a:r>
-          </a:p>
-          <a:p>
-            <a:r>
-              <a:rPr lang="en-US" dirty="0"/>
-              <a:t>Final project:</a:t>
-            </a:r>
-          </a:p>
-          <a:p>
-            <a:pPr lvl="1"/>
-            <a:r>
-              <a:rPr lang="en-US" dirty="0"/>
-              <a:t>I’ve closed the sheet. If you still need to sign up you need to email me (now, please!)</a:t>
-            </a:r>
-          </a:p>
-          <a:p>
-            <a:pPr lvl="1"/>
-            <a:r>
-              <a:rPr lang="en-US" dirty="0"/>
-              <a:t>You should be reading and digesting your algorithm with your group. Get an understanding of how it works. Let us know if you have any questions about the depth you are required to go to.</a:t>
-            </a:r>
-          </a:p>
-          <a:p>
-            <a:r>
-              <a:rPr lang="en-US" dirty="0"/>
-              <a:t>We will have an attendance check today</a:t>
-            </a:r>
-          </a:p>
-          <a:p>
-            <a:r>
-              <a:rPr lang="en-US" dirty="0"/>
-              <a:t>Today we will continue discussing comp. geo. algorithms.</a:t>
-            </a:r>
-          </a:p>
-          <a:p>
-            <a:endParaRPr lang="en-US" dirty="0"/>
-          </a:p>
-        </p:txBody>
-      </p:sp>
-    </p:spTree>
-    <p:extLst>
-      <p:ext uri="{BB962C8B-B14F-4D97-AF65-F5344CB8AC3E}">
-        <p14:creationId xmlns:p14="http://schemas.microsoft.com/office/powerpoint/2010/main" val="2735668533"/>
-      </p:ext>
-    </p:extLst>
-  </p:cSld>
-  <p:clrMapOvr>
-    <a:masterClrMapping/>
-  </p:clrMapOvr>
-</p:sld>
-</file>
-
-<file path=ppt/slides/slide15.xml><?xml version="1.0" encoding="utf-8"?>
-<p:sld xmlns:a="http://schemas.openxmlformats.org/drawingml/2006/main" xmlns:r="http://schemas.openxmlformats.org/officeDocument/2006/relationships" xmlns:p="http://schemas.openxmlformats.org/presentationml/2006/main">
-  <p:cSld>
-    <p:spTree>
-      <p:nvGrpSpPr>
-        <p:cNvPr id="1" name=""/>
-        <p:cNvGrpSpPr/>
-        <p:nvPr/>
-      </p:nvGrpSpPr>
-      <p:grpSpPr>
-        <a:xfrm>
-          <a:off x="0" y="0"/>
-          <a:ext cx="0" cy="0"/>
-          <a:chOff x="0" y="0"/>
-          <a:chExt cx="0" cy="0"/>
-        </a:xfrm>
-      </p:grpSpPr>
-      <p:sp>
-        <p:nvSpPr>
-          <p:cNvPr id="6146" name="Rectangle 2"/>
-          <p:cNvSpPr>
-            <a:spLocks noGrp="1" noChangeArrowheads="1"/>
-          </p:cNvSpPr>
-          <p:nvPr>
-            <p:ph type="title"/>
-            <p:custDataLst>
-              <p:tags r:id="rId1"/>
-            </p:custDataLst>
-          </p:nvPr>
-        </p:nvSpPr>
-        <p:spPr>
-          <a:xfrm>
-            <a:off x="1141413" y="284084"/>
-            <a:ext cx="9905998" cy="620791"/>
-          </a:xfrm>
-        </p:spPr>
-        <p:txBody>
-          <a:bodyPr/>
-          <a:lstStyle/>
-          <a:p>
-            <a:pPr algn="ctr"/>
-            <a:r>
-              <a:rPr lang="en-US" dirty="0"/>
-              <a:t>Lecture 17: 3/26/25</a:t>
-            </a:r>
-          </a:p>
-        </p:txBody>
-      </p:sp>
-      <p:sp>
-        <p:nvSpPr>
-          <p:cNvPr id="6147" name="Rectangle 3"/>
-          <p:cNvSpPr>
-            <a:spLocks noGrp="1" noChangeArrowheads="1"/>
-          </p:cNvSpPr>
-          <p:nvPr>
-            <p:ph idx="1"/>
-            <p:custDataLst>
-              <p:tags r:id="rId2"/>
-            </p:custDataLst>
-          </p:nvPr>
-        </p:nvSpPr>
-        <p:spPr>
-          <a:xfrm>
-            <a:off x="1021404" y="1054500"/>
-            <a:ext cx="10204315" cy="5346298"/>
-          </a:xfrm>
-        </p:spPr>
-        <p:txBody>
-          <a:bodyPr>
-            <a:normAutofit fontScale="92500" lnSpcReduction="10000"/>
-          </a:bodyPr>
-          <a:lstStyle/>
-          <a:p>
-            <a:r>
-              <a:rPr lang="en-US" dirty="0"/>
-              <a:t>First quiz has been returned</a:t>
-            </a:r>
-          </a:p>
-          <a:p>
-            <a:pPr lvl="1"/>
-            <a:r>
-              <a:rPr lang="en-US" dirty="0"/>
-              <a:t>You all did quite well. Regrades open (as per my announcement) if you need them.</a:t>
-            </a:r>
-          </a:p>
-          <a:p>
-            <a:r>
-              <a:rPr lang="en-US" dirty="0"/>
-              <a:t>We DO have class this Friday.</a:t>
-            </a:r>
-          </a:p>
-          <a:p>
-            <a:pPr lvl="1"/>
-            <a:r>
-              <a:rPr lang="en-US" dirty="0"/>
-              <a:t>Computational Geometry homework will be assigned that morning.</a:t>
-            </a:r>
-          </a:p>
-          <a:p>
-            <a:pPr lvl="1"/>
-            <a:r>
-              <a:rPr lang="en-US" dirty="0"/>
-              <a:t>Should be somewhat straightforward but involve implementing multiple algorithms and patching them together (so not totally trivial). I did the homework yesterday and…</a:t>
-            </a:r>
-          </a:p>
-          <a:p>
-            <a:r>
-              <a:rPr lang="en-US" dirty="0"/>
-              <a:t>Final project:</a:t>
-            </a:r>
-          </a:p>
-          <a:p>
-            <a:pPr lvl="1"/>
-            <a:r>
-              <a:rPr lang="en-US" dirty="0"/>
-              <a:t>I’ve closed the sheet. If you still need to sign up you need to email me (now, please!)</a:t>
-            </a:r>
-          </a:p>
-          <a:p>
-            <a:pPr lvl="1"/>
-            <a:r>
-              <a:rPr lang="en-US" dirty="0"/>
-              <a:t>You should be reading and digesting your algorithm with your group. Get an understanding of how it works. Let us know if you have any questions about the depth you are required to go to.</a:t>
-            </a:r>
-          </a:p>
-          <a:p>
-            <a:r>
-              <a:rPr lang="en-US" dirty="0"/>
-              <a:t>We will have an attendance check today</a:t>
-            </a:r>
-          </a:p>
-          <a:p>
-            <a:r>
-              <a:rPr lang="en-US" dirty="0"/>
-              <a:t>Today we will continue (and maybe finish) discussing comp. geo. algorithms.</a:t>
-            </a:r>
-          </a:p>
-          <a:p>
-            <a:endParaRPr lang="en-US" dirty="0"/>
-          </a:p>
-        </p:txBody>
-      </p:sp>
-    </p:spTree>
-    <p:extLst>
-      <p:ext uri="{BB962C8B-B14F-4D97-AF65-F5344CB8AC3E}">
-        <p14:creationId xmlns:p14="http://schemas.microsoft.com/office/powerpoint/2010/main" val="2906581027"/>
-      </p:ext>
-    </p:extLst>
-  </p:cSld>
-  <p:clrMapOvr>
-    <a:masterClrMapping/>
-  </p:clrMapOvr>
-</p:sld>
-</file>
-
-<file path=ppt/slides/slide16.xml><?xml version="1.0" encoding="utf-8"?>
-<p:sld xmlns:a="http://schemas.openxmlformats.org/drawingml/2006/main" xmlns:r="http://schemas.openxmlformats.org/officeDocument/2006/relationships" xmlns:p="http://schemas.openxmlformats.org/presentationml/2006/main">
-  <p:cSld>
-    <p:spTree>
-      <p:nvGrpSpPr>
-        <p:cNvPr id="1" name=""/>
-        <p:cNvGrpSpPr/>
-        <p:nvPr/>
-      </p:nvGrpSpPr>
-      <p:grpSpPr>
-        <a:xfrm>
-          <a:off x="0" y="0"/>
-          <a:ext cx="0" cy="0"/>
-          <a:chOff x="0" y="0"/>
-          <a:chExt cx="0" cy="0"/>
-        </a:xfrm>
-      </p:grpSpPr>
-      <p:sp>
-        <p:nvSpPr>
-          <p:cNvPr id="6146" name="Rectangle 2"/>
-          <p:cNvSpPr>
-            <a:spLocks noGrp="1" noChangeArrowheads="1"/>
-          </p:cNvSpPr>
-          <p:nvPr>
-            <p:ph type="title"/>
-            <p:custDataLst>
-              <p:tags r:id="rId1"/>
-            </p:custDataLst>
-          </p:nvPr>
-        </p:nvSpPr>
-        <p:spPr>
-          <a:xfrm>
-            <a:off x="1141413" y="284084"/>
-            <a:ext cx="9905998" cy="620791"/>
-          </a:xfrm>
-        </p:spPr>
-        <p:txBody>
-          <a:bodyPr/>
-          <a:lstStyle/>
-          <a:p>
-            <a:pPr algn="ctr"/>
-            <a:r>
-              <a:rPr lang="en-US" dirty="0"/>
-              <a:t>Lecture 18: 3/31/25</a:t>
-            </a:r>
-          </a:p>
-        </p:txBody>
-      </p:sp>
-      <p:sp>
-        <p:nvSpPr>
-          <p:cNvPr id="6147" name="Rectangle 3"/>
-          <p:cNvSpPr>
-            <a:spLocks noGrp="1" noChangeArrowheads="1"/>
-          </p:cNvSpPr>
-          <p:nvPr>
-            <p:ph idx="1"/>
-            <p:custDataLst>
-              <p:tags r:id="rId2"/>
-            </p:custDataLst>
-          </p:nvPr>
-        </p:nvSpPr>
-        <p:spPr>
-          <a:xfrm>
-            <a:off x="1021404" y="1054500"/>
-            <a:ext cx="10204315" cy="5346298"/>
-          </a:xfrm>
-        </p:spPr>
-        <p:txBody>
-          <a:bodyPr>
-            <a:normAutofit/>
-          </a:bodyPr>
-          <a:lstStyle/>
-          <a:p>
-            <a:r>
-              <a:rPr lang="en-US" dirty="0"/>
-              <a:t>Cows homework has been released</a:t>
-            </a:r>
-          </a:p>
-          <a:p>
-            <a:pPr lvl="1"/>
-            <a:r>
-              <a:rPr lang="en-US" dirty="0"/>
-              <a:t>It due on Wednesday, extension to </a:t>
-            </a:r>
-            <a:r>
-              <a:rPr lang="en-US" dirty="0" err="1"/>
-              <a:t>MOOOnday</a:t>
-            </a:r>
-            <a:endParaRPr lang="en-US" dirty="0"/>
-          </a:p>
-          <a:p>
-            <a:r>
-              <a:rPr lang="en-US" dirty="0"/>
-              <a:t>No class this Friday (No new homework coming out)</a:t>
-            </a:r>
-          </a:p>
-          <a:p>
-            <a:r>
-              <a:rPr lang="en-US" dirty="0"/>
-              <a:t>Final project:</a:t>
-            </a:r>
-          </a:p>
-          <a:p>
-            <a:pPr lvl="1"/>
-            <a:r>
-              <a:rPr lang="en-US" dirty="0"/>
-              <a:t>Be thinking about this / getting started. You don’t want to do the whole thing at the end.</a:t>
-            </a:r>
-          </a:p>
-          <a:p>
-            <a:pPr lvl="1"/>
-            <a:r>
-              <a:rPr lang="en-US" dirty="0"/>
-              <a:t>Let me know if you have any questions.</a:t>
-            </a:r>
-          </a:p>
-          <a:p>
-            <a:r>
-              <a:rPr lang="en-US" dirty="0"/>
-              <a:t>We will have an attendance check today</a:t>
-            </a:r>
-          </a:p>
-          <a:p>
-            <a:r>
-              <a:rPr lang="en-US" dirty="0"/>
-              <a:t>Today we will move on to the next topic...Van </a:t>
-            </a:r>
-            <a:r>
-              <a:rPr lang="en-US" dirty="0" err="1"/>
-              <a:t>Emde</a:t>
-            </a:r>
-            <a:r>
-              <a:rPr lang="en-US" dirty="0"/>
-              <a:t> Boas Trees</a:t>
-            </a:r>
-          </a:p>
-          <a:p>
-            <a:endParaRPr lang="en-US" dirty="0"/>
-          </a:p>
-        </p:txBody>
-      </p:sp>
-    </p:spTree>
-    <p:extLst>
-      <p:ext uri="{BB962C8B-B14F-4D97-AF65-F5344CB8AC3E}">
-        <p14:creationId xmlns:p14="http://schemas.microsoft.com/office/powerpoint/2010/main" val="2499084838"/>
-      </p:ext>
-    </p:extLst>
-  </p:cSld>
-  <p:clrMapOvr>
-    <a:masterClrMapping/>
-  </p:clrMapOvr>
-</p:sld>
-</file>
-
-<file path=ppt/slides/slide17.xml><?xml version="1.0" encoding="utf-8"?>
-<p:sld xmlns:a="http://schemas.openxmlformats.org/drawingml/2006/main" xmlns:r="http://schemas.openxmlformats.org/officeDocument/2006/relationships" xmlns:p="http://schemas.openxmlformats.org/presentationml/2006/main">
-  <p:cSld>
-    <p:spTree>
-      <p:nvGrpSpPr>
-        <p:cNvPr id="1" name=""/>
-        <p:cNvGrpSpPr/>
-        <p:nvPr/>
-      </p:nvGrpSpPr>
-      <p:grpSpPr>
-        <a:xfrm>
-          <a:off x="0" y="0"/>
-          <a:ext cx="0" cy="0"/>
-          <a:chOff x="0" y="0"/>
-          <a:chExt cx="0" cy="0"/>
-        </a:xfrm>
-      </p:grpSpPr>
-      <p:sp>
-        <p:nvSpPr>
-          <p:cNvPr id="6146" name="Rectangle 2"/>
-          <p:cNvSpPr>
-            <a:spLocks noGrp="1" noChangeArrowheads="1"/>
-          </p:cNvSpPr>
-          <p:nvPr>
-            <p:ph type="title"/>
-            <p:custDataLst>
-              <p:tags r:id="rId1"/>
-            </p:custDataLst>
-          </p:nvPr>
-        </p:nvSpPr>
-        <p:spPr>
-          <a:xfrm>
-            <a:off x="1141413" y="284084"/>
-            <a:ext cx="9905998" cy="620791"/>
-          </a:xfrm>
-        </p:spPr>
-        <p:txBody>
-          <a:bodyPr/>
-          <a:lstStyle/>
-          <a:p>
-            <a:pPr algn="ctr"/>
-            <a:r>
-              <a:rPr lang="en-US" dirty="0"/>
-              <a:t>Lecture 19: 4/2/25</a:t>
-            </a:r>
-          </a:p>
-        </p:txBody>
-      </p:sp>
-      <p:sp>
-        <p:nvSpPr>
-          <p:cNvPr id="6147" name="Rectangle 3"/>
-          <p:cNvSpPr>
-            <a:spLocks noGrp="1" noChangeArrowheads="1"/>
-          </p:cNvSpPr>
-          <p:nvPr>
-            <p:ph idx="1"/>
-            <p:custDataLst>
-              <p:tags r:id="rId2"/>
-            </p:custDataLst>
-          </p:nvPr>
-        </p:nvSpPr>
-        <p:spPr>
-          <a:xfrm>
-            <a:off x="1021404" y="1054500"/>
-            <a:ext cx="10204315" cy="5346298"/>
-          </a:xfrm>
-        </p:spPr>
-        <p:txBody>
-          <a:bodyPr>
-            <a:normAutofit/>
-          </a:bodyPr>
-          <a:lstStyle/>
-          <a:p>
-            <a:r>
-              <a:rPr lang="en-US" dirty="0"/>
-              <a:t>Welcome to April…semester coming to an end pretty quickly here.</a:t>
-            </a:r>
-          </a:p>
-          <a:p>
-            <a:r>
-              <a:rPr lang="en-US" dirty="0"/>
-              <a:t>Cows homework has been released</a:t>
-            </a:r>
-          </a:p>
-          <a:p>
-            <a:pPr lvl="1"/>
-            <a:r>
-              <a:rPr lang="en-US" dirty="0"/>
-              <a:t>It due on Wednesday, extension to </a:t>
-            </a:r>
-            <a:r>
-              <a:rPr lang="en-US" dirty="0" err="1"/>
-              <a:t>MOOOnday</a:t>
-            </a:r>
-            <a:endParaRPr lang="en-US" dirty="0"/>
-          </a:p>
-          <a:p>
-            <a:r>
-              <a:rPr lang="en-US" dirty="0"/>
-              <a:t>No class this Friday (No new homework coming out)</a:t>
-            </a:r>
-          </a:p>
-          <a:p>
-            <a:r>
-              <a:rPr lang="en-US" dirty="0"/>
-              <a:t>Final project:</a:t>
-            </a:r>
-          </a:p>
-          <a:p>
-            <a:pPr lvl="1"/>
-            <a:r>
-              <a:rPr lang="en-US" dirty="0"/>
-              <a:t>Be thinking about this / getting started. You don’t want to do the whole thing at the end.</a:t>
-            </a:r>
-          </a:p>
-          <a:p>
-            <a:pPr lvl="1"/>
-            <a:r>
-              <a:rPr lang="en-US" dirty="0"/>
-              <a:t>Let me know if you have any questions.</a:t>
-            </a:r>
-          </a:p>
-          <a:p>
-            <a:r>
-              <a:rPr lang="en-US" dirty="0"/>
-              <a:t>We will have an attendance check today</a:t>
-            </a:r>
-          </a:p>
-          <a:p>
-            <a:r>
-              <a:rPr lang="en-US" dirty="0"/>
-              <a:t>Don’t forget that we do have a second quiz. It will be in a couple weeks.</a:t>
-            </a:r>
-          </a:p>
-          <a:p>
-            <a:r>
-              <a:rPr lang="en-US" dirty="0"/>
-              <a:t>Today we will continue on to the next topic...Van </a:t>
-            </a:r>
-            <a:r>
-              <a:rPr lang="en-US" dirty="0" err="1"/>
-              <a:t>Emde</a:t>
-            </a:r>
-            <a:r>
-              <a:rPr lang="en-US" dirty="0"/>
-              <a:t> Boas Trees</a:t>
-            </a:r>
-          </a:p>
-          <a:p>
-            <a:endParaRPr lang="en-US" dirty="0"/>
-          </a:p>
-        </p:txBody>
-      </p:sp>
-    </p:spTree>
-    <p:extLst>
-      <p:ext uri="{BB962C8B-B14F-4D97-AF65-F5344CB8AC3E}">
-        <p14:creationId xmlns:p14="http://schemas.microsoft.com/office/powerpoint/2010/main" val="1194353119"/>
-      </p:ext>
-    </p:extLst>
-  </p:cSld>
-  <p:clrMapOvr>
-    <a:masterClrMapping/>
-  </p:clrMapOvr>
-</p:sld>
-</file>
-
-<file path=ppt/slides/slide18.xml><?xml version="1.0" encoding="utf-8"?>
-<p:sld xmlns:a="http://schemas.openxmlformats.org/drawingml/2006/main" xmlns:r="http://schemas.openxmlformats.org/officeDocument/2006/relationships" xmlns:p="http://schemas.openxmlformats.org/presentationml/2006/main">
-  <p:cSld>
-    <p:spTree>
-      <p:nvGrpSpPr>
-        <p:cNvPr id="1" name=""/>
-        <p:cNvGrpSpPr/>
-        <p:nvPr/>
-      </p:nvGrpSpPr>
-      <p:grpSpPr>
-        <a:xfrm>
-          <a:off x="0" y="0"/>
-          <a:ext cx="0" cy="0"/>
-          <a:chOff x="0" y="0"/>
-          <a:chExt cx="0" cy="0"/>
-        </a:xfrm>
-      </p:grpSpPr>
-      <p:sp>
-        <p:nvSpPr>
-          <p:cNvPr id="6146" name="Rectangle 2"/>
-          <p:cNvSpPr>
-            <a:spLocks noGrp="1" noChangeArrowheads="1"/>
-          </p:cNvSpPr>
-          <p:nvPr>
-            <p:ph type="title"/>
-            <p:custDataLst>
-              <p:tags r:id="rId1"/>
-            </p:custDataLst>
-          </p:nvPr>
-        </p:nvSpPr>
-        <p:spPr>
-          <a:xfrm>
-            <a:off x="1141413" y="284084"/>
-            <a:ext cx="9905998" cy="620791"/>
-          </a:xfrm>
-        </p:spPr>
-        <p:txBody>
-          <a:bodyPr/>
-          <a:lstStyle/>
-          <a:p>
-            <a:pPr algn="ctr"/>
-            <a:r>
-              <a:rPr lang="en-US" dirty="0"/>
-              <a:t>Lecture 20: 4/7/25</a:t>
-            </a:r>
-          </a:p>
-        </p:txBody>
-      </p:sp>
-      <p:sp>
-        <p:nvSpPr>
-          <p:cNvPr id="6147" name="Rectangle 3"/>
-          <p:cNvSpPr>
-            <a:spLocks noGrp="1" noChangeArrowheads="1"/>
-          </p:cNvSpPr>
-          <p:nvPr>
-            <p:ph idx="1"/>
-            <p:custDataLst>
-              <p:tags r:id="rId2"/>
-            </p:custDataLst>
-          </p:nvPr>
-        </p:nvSpPr>
-        <p:spPr>
-          <a:xfrm>
-            <a:off x="1021404" y="1054500"/>
-            <a:ext cx="10204315" cy="5346298"/>
-          </a:xfrm>
-        </p:spPr>
-        <p:txBody>
-          <a:bodyPr>
-            <a:normAutofit/>
-          </a:bodyPr>
-          <a:lstStyle/>
-          <a:p>
-            <a:r>
-              <a:rPr lang="en-US" dirty="0"/>
-              <a:t>Welcome to April…semester coming to an end pretty quickly here.</a:t>
-            </a:r>
-          </a:p>
-          <a:p>
-            <a:r>
-              <a:rPr lang="en-US" dirty="0"/>
-              <a:t>Cows homework almost done</a:t>
-            </a:r>
-          </a:p>
-          <a:p>
-            <a:pPr lvl="1"/>
-            <a:r>
-              <a:rPr lang="en-US" dirty="0"/>
-              <a:t>It was “extended” until today</a:t>
-            </a:r>
-          </a:p>
-          <a:p>
-            <a:r>
-              <a:rPr lang="en-US" dirty="0"/>
-              <a:t>VEB Trees Homework releases this Friday! Last One!</a:t>
-            </a:r>
-          </a:p>
-          <a:p>
-            <a:pPr lvl="1"/>
-            <a:r>
-              <a:rPr lang="en-US" dirty="0"/>
-              <a:t>So, we DO have class this Friday.</a:t>
-            </a:r>
-          </a:p>
-          <a:p>
-            <a:r>
-              <a:rPr lang="en-US" dirty="0"/>
-              <a:t>Final project:</a:t>
-            </a:r>
-          </a:p>
-          <a:p>
-            <a:pPr lvl="1"/>
-            <a:r>
-              <a:rPr lang="en-US" dirty="0"/>
-              <a:t>You should be working on this actively by now, in my opinion.</a:t>
-            </a:r>
-          </a:p>
-          <a:p>
-            <a:r>
-              <a:rPr lang="en-US" dirty="0"/>
-              <a:t>We will have an attendance check today</a:t>
-            </a:r>
-          </a:p>
-          <a:p>
-            <a:r>
-              <a:rPr lang="en-US" dirty="0"/>
-              <a:t>Don’t forget that we do have a second quiz. It will be in a couple weeks.</a:t>
-            </a:r>
-          </a:p>
-          <a:p>
-            <a:r>
-              <a:rPr lang="en-US" dirty="0"/>
-              <a:t>Today we will continue on to the next topic...Van </a:t>
-            </a:r>
-            <a:r>
-              <a:rPr lang="en-US" dirty="0" err="1"/>
-              <a:t>Emde</a:t>
-            </a:r>
-            <a:r>
-              <a:rPr lang="en-US" dirty="0"/>
-              <a:t> Boas Trees</a:t>
-            </a:r>
-          </a:p>
-          <a:p>
-            <a:endParaRPr lang="en-US" dirty="0"/>
-          </a:p>
-        </p:txBody>
-      </p:sp>
-    </p:spTree>
-    <p:extLst>
-      <p:ext uri="{BB962C8B-B14F-4D97-AF65-F5344CB8AC3E}">
-        <p14:creationId xmlns:p14="http://schemas.microsoft.com/office/powerpoint/2010/main" val="2894757311"/>
-      </p:ext>
-    </p:extLst>
-  </p:cSld>
-  <p:clrMapOvr>
-    <a:masterClrMapping/>
-  </p:clrMapOvr>
-</p:sld>
-</file>
-
-<file path=ppt/slides/slide19.xml><?xml version="1.0" encoding="utf-8"?>
-<p:sld xmlns:a="http://schemas.openxmlformats.org/drawingml/2006/main" xmlns:r="http://schemas.openxmlformats.org/officeDocument/2006/relationships" xmlns:p="http://schemas.openxmlformats.org/presentationml/2006/main">
-  <p:cSld>
-    <p:spTree>
-      <p:nvGrpSpPr>
-        <p:cNvPr id="1" name=""/>
-        <p:cNvGrpSpPr/>
-        <p:nvPr/>
-      </p:nvGrpSpPr>
-      <p:grpSpPr>
-        <a:xfrm>
-          <a:off x="0" y="0"/>
-          <a:ext cx="0" cy="0"/>
-          <a:chOff x="0" y="0"/>
-          <a:chExt cx="0" cy="0"/>
-        </a:xfrm>
-      </p:grpSpPr>
-      <p:sp>
-        <p:nvSpPr>
-          <p:cNvPr id="6146" name="Rectangle 2"/>
-          <p:cNvSpPr>
-            <a:spLocks noGrp="1" noChangeArrowheads="1"/>
-          </p:cNvSpPr>
-          <p:nvPr>
-            <p:ph type="title"/>
-            <p:custDataLst>
-              <p:tags r:id="rId1"/>
-            </p:custDataLst>
-          </p:nvPr>
-        </p:nvSpPr>
-        <p:spPr>
-          <a:xfrm>
-            <a:off x="1141413" y="284084"/>
-            <a:ext cx="9905998" cy="620791"/>
-          </a:xfrm>
-        </p:spPr>
-        <p:txBody>
-          <a:bodyPr/>
-          <a:lstStyle/>
-          <a:p>
-            <a:pPr algn="ctr"/>
-            <a:r>
-              <a:rPr lang="en-US" dirty="0"/>
-              <a:t>Lecture 21: 4/9/25</a:t>
-            </a:r>
-          </a:p>
-        </p:txBody>
-      </p:sp>
-      <p:sp>
-        <p:nvSpPr>
-          <p:cNvPr id="6147" name="Rectangle 3"/>
-          <p:cNvSpPr>
-            <a:spLocks noGrp="1" noChangeArrowheads="1"/>
-          </p:cNvSpPr>
-          <p:nvPr>
-            <p:ph idx="1"/>
-            <p:custDataLst>
-              <p:tags r:id="rId2"/>
-            </p:custDataLst>
-          </p:nvPr>
-        </p:nvSpPr>
-        <p:spPr>
-          <a:xfrm>
-            <a:off x="1021404" y="1054500"/>
-            <a:ext cx="10204315" cy="5346298"/>
-          </a:xfrm>
-        </p:spPr>
-        <p:txBody>
-          <a:bodyPr>
-            <a:normAutofit lnSpcReduction="10000"/>
-          </a:bodyPr>
-          <a:lstStyle/>
-          <a:p>
-            <a:r>
-              <a:rPr lang="en-US" dirty="0"/>
-              <a:t>There are THREE more lectures (that includes today).</a:t>
-            </a:r>
-          </a:p>
-          <a:p>
-            <a:pPr lvl="1"/>
-            <a:r>
-              <a:rPr lang="en-US" dirty="0"/>
-              <a:t>Second Quiz and Final project immediately after that</a:t>
-            </a:r>
-          </a:p>
-          <a:p>
-            <a:r>
-              <a:rPr lang="en-US" dirty="0"/>
-              <a:t>Cows homework almost done. Avg. was 8.4 so don’t feel bad if you had trouble getting full credit. It was tougher than I expected!</a:t>
-            </a:r>
-          </a:p>
-          <a:p>
-            <a:r>
-              <a:rPr lang="en-US" dirty="0"/>
-              <a:t>VEB Trees Homework releases this Friday! Last One!</a:t>
-            </a:r>
-          </a:p>
-          <a:p>
-            <a:pPr lvl="1"/>
-            <a:r>
-              <a:rPr lang="en-US" dirty="0"/>
-              <a:t>I’ll comment on this upcoming homework after we finish VEB today...</a:t>
-            </a:r>
-          </a:p>
-          <a:p>
-            <a:r>
-              <a:rPr lang="en-US" dirty="0"/>
-              <a:t>Final project:</a:t>
-            </a:r>
-          </a:p>
-          <a:p>
-            <a:pPr lvl="1"/>
-            <a:r>
-              <a:rPr lang="en-US" dirty="0"/>
-              <a:t>You should be working on this actively. First presentations are two weeks from last Monday!</a:t>
-            </a:r>
-          </a:p>
-          <a:p>
-            <a:r>
-              <a:rPr lang="en-US" dirty="0"/>
-              <a:t>We will have an attendance check today</a:t>
-            </a:r>
-          </a:p>
-          <a:p>
-            <a:r>
-              <a:rPr lang="en-US" dirty="0"/>
-              <a:t>Second quiz is next Friday!</a:t>
-            </a:r>
-          </a:p>
-          <a:p>
-            <a:r>
-              <a:rPr lang="en-US" dirty="0"/>
-              <a:t>Today we will finish Van </a:t>
-            </a:r>
-            <a:r>
-              <a:rPr lang="en-US" dirty="0" err="1"/>
-              <a:t>Emde</a:t>
-            </a:r>
-            <a:r>
-              <a:rPr lang="en-US" dirty="0"/>
-              <a:t> Boas and start Approximations</a:t>
-            </a:r>
-          </a:p>
-          <a:p>
-            <a:endParaRPr lang="en-US" dirty="0"/>
-          </a:p>
-        </p:txBody>
-      </p:sp>
-    </p:spTree>
-    <p:extLst>
-      <p:ext uri="{BB962C8B-B14F-4D97-AF65-F5344CB8AC3E}">
-        <p14:creationId xmlns:p14="http://schemas.microsoft.com/office/powerpoint/2010/main" val="2932047772"/>
-      </p:ext>
-    </p:extLst>
-  </p:cSld>
-  <p:clrMapOvr>
-    <a:masterClrMapping/>
-  </p:clrMapOvr>
-</p:sld>
-</file>
-
 <file path=ppt/slides/slide2.xml><?xml version="1.0" encoding="utf-8"?>
 <p:sld xmlns:a="http://schemas.openxmlformats.org/drawingml/2006/main" xmlns:r="http://schemas.openxmlformats.org/officeDocument/2006/relationships" xmlns:p="http://schemas.openxmlformats.org/presentationml/2006/main">
   <p:cSld>
@@ -14628,7 +13024,7 @@
             <a:pPr algn="ctr"/>
             <a:r>
               <a:rPr lang="en-US" dirty="0"/>
-              <a:t>Lecture 2: 1/15/25</a:t>
+              <a:t>Lecture 2: 1/20/26</a:t>
             </a:r>
           </a:p>
         </p:txBody>
@@ -14666,26 +13062,47 @@
           <a:p>
             <a:r>
               <a:rPr lang="en-US" dirty="0"/>
-              <a:t>No class this Friday (no homework / quizzes yet), no class on Monday either (MLK day)</a:t>
-            </a:r>
-          </a:p>
-          <a:p>
-            <a:r>
-              <a:rPr lang="en-US" dirty="0"/>
-              <a:t>First homework Friday is next week. We will have a warmup problem but it will be pretty challenging and will set the tone.</a:t>
+              <a:t>We had our first homework lab day…how’d it go? Any strong opinions?</a:t>
             </a:r>
           </a:p>
           <a:p>
             <a:pPr lvl="1"/>
             <a:r>
               <a:rPr lang="en-US" dirty="0"/>
-              <a:t>As I said on Monday, I will guide you quite a bit but the assignment is meant to be challenging.</a:t>
+              <a:t>This room is not ideal but other than that I thought it went pretty well.</a:t>
             </a:r>
           </a:p>
           <a:p>
             <a:r>
               <a:rPr lang="en-US" dirty="0"/>
-              <a:t>No attendance check today because I don’t have the randomizer program setup yet. That will start on next Wednesday.</a:t>
+              <a:t>First homework is due tonight (free extension until Sunday evening)</a:t>
+            </a:r>
+          </a:p>
+          <a:p>
+            <a:pPr lvl="1"/>
+            <a:r>
+              <a:rPr lang="en-US" dirty="0"/>
+              <a:t>It is a pretty tough one. How is it going so far? </a:t>
+            </a:r>
+          </a:p>
+          <a:p>
+            <a:pPr lvl="1"/>
+            <a:r>
+              <a:rPr lang="en-US" dirty="0"/>
+              <a:t>Need any tips or hints?</a:t>
+            </a:r>
+          </a:p>
+          <a:p>
+            <a:pPr lvl="1"/>
+            <a:r>
+              <a:rPr lang="en-US" dirty="0"/>
+              <a:t>Please don’t hesitate to come to OH to get some help / nudge in the right direction.</a:t>
+            </a:r>
+          </a:p>
+          <a:p>
+            <a:r>
+              <a:rPr lang="en-US" dirty="0"/>
+              <a:t>No attendance check today because roster hasn’t fully settled yet, but those will start very soon.</a:t>
             </a:r>
           </a:p>
           <a:p>
@@ -14712,1479 +13129,13 @@
 </p:sld>
 </file>
 
-<file path=ppt/slides/slide20.xml><?xml version="1.0" encoding="utf-8"?>
-<p:sld xmlns:a="http://schemas.openxmlformats.org/drawingml/2006/main" xmlns:r="http://schemas.openxmlformats.org/officeDocument/2006/relationships" xmlns:p="http://schemas.openxmlformats.org/presentationml/2006/main">
-  <p:cSld>
-    <p:spTree>
-      <p:nvGrpSpPr>
-        <p:cNvPr id="1" name=""/>
-        <p:cNvGrpSpPr/>
-        <p:nvPr/>
-      </p:nvGrpSpPr>
-      <p:grpSpPr>
-        <a:xfrm>
-          <a:off x="0" y="0"/>
-          <a:ext cx="0" cy="0"/>
-          <a:chOff x="0" y="0"/>
-          <a:chExt cx="0" cy="0"/>
-        </a:xfrm>
-      </p:grpSpPr>
-      <p:sp>
-        <p:nvSpPr>
-          <p:cNvPr id="6146" name="Rectangle 2"/>
-          <p:cNvSpPr>
-            <a:spLocks noGrp="1" noChangeArrowheads="1"/>
-          </p:cNvSpPr>
-          <p:nvPr>
-            <p:ph type="title"/>
-            <p:custDataLst>
-              <p:tags r:id="rId1"/>
-            </p:custDataLst>
-          </p:nvPr>
-        </p:nvSpPr>
-        <p:spPr>
-          <a:xfrm>
-            <a:off x="1141413" y="284084"/>
-            <a:ext cx="9905998" cy="620791"/>
-          </a:xfrm>
-        </p:spPr>
-        <p:txBody>
-          <a:bodyPr/>
-          <a:lstStyle/>
-          <a:p>
-            <a:pPr algn="ctr"/>
-            <a:r>
-              <a:rPr lang="en-US" dirty="0"/>
-              <a:t>Lecture 22: 4/14/25</a:t>
-            </a:r>
-          </a:p>
-        </p:txBody>
-      </p:sp>
-      <p:sp>
-        <p:nvSpPr>
-          <p:cNvPr id="6147" name="Rectangle 3"/>
-          <p:cNvSpPr>
-            <a:spLocks noGrp="1" noChangeArrowheads="1"/>
-          </p:cNvSpPr>
-          <p:nvPr>
-            <p:ph idx="1"/>
-            <p:custDataLst>
-              <p:tags r:id="rId2"/>
-            </p:custDataLst>
-          </p:nvPr>
-        </p:nvSpPr>
-        <p:spPr>
-          <a:xfrm>
-            <a:off x="1021404" y="1054500"/>
-            <a:ext cx="10204315" cy="5346298"/>
-          </a:xfrm>
-        </p:spPr>
-        <p:txBody>
-          <a:bodyPr>
-            <a:normAutofit lnSpcReduction="10000"/>
-          </a:bodyPr>
-          <a:lstStyle/>
-          <a:p>
-            <a:r>
-              <a:rPr lang="en-US" dirty="0"/>
-              <a:t>There are TWO more lectures (that includes today).</a:t>
-            </a:r>
-          </a:p>
-          <a:p>
-            <a:pPr lvl="1"/>
-            <a:r>
-              <a:rPr lang="en-US" dirty="0"/>
-              <a:t>Second Quiz and Final project immediately after that</a:t>
-            </a:r>
-          </a:p>
-          <a:p>
-            <a:r>
-              <a:rPr lang="en-US" dirty="0"/>
-              <a:t>Schedule for rest of term:</a:t>
-            </a:r>
-          </a:p>
-          <a:p>
-            <a:pPr lvl="1"/>
-            <a:r>
-              <a:rPr lang="en-US" dirty="0"/>
-              <a:t>Second quiz is one Friday. Covers Comp. Geo., VEB, and today/wed. slides.</a:t>
-            </a:r>
-          </a:p>
-          <a:p>
-            <a:pPr lvl="1"/>
-            <a:r>
-              <a:rPr lang="en-US" dirty="0"/>
-              <a:t>Project presentations start on Monday! Some info about that…</a:t>
-            </a:r>
-          </a:p>
-          <a:p>
-            <a:r>
-              <a:rPr lang="en-US" dirty="0"/>
-              <a:t>Identification Numbers homework is out and due this week!</a:t>
-            </a:r>
-          </a:p>
-          <a:p>
-            <a:pPr lvl="1"/>
-            <a:r>
-              <a:rPr lang="en-US" dirty="0"/>
-              <a:t>Highly recommend trying to get this one done on time (Wed.) if possible.</a:t>
-            </a:r>
-          </a:p>
-          <a:p>
-            <a:pPr lvl="1"/>
-            <a:r>
-              <a:rPr lang="en-US" dirty="0"/>
-              <a:t>Any questions about this programming assignment? </a:t>
-            </a:r>
-          </a:p>
-          <a:p>
-            <a:r>
-              <a:rPr lang="en-US" dirty="0"/>
-              <a:t>Final project presentations are next MWF and the following M. Be ready to present.</a:t>
-            </a:r>
-          </a:p>
-          <a:p>
-            <a:r>
-              <a:rPr lang="en-US" dirty="0"/>
-              <a:t>Today we </a:t>
-            </a:r>
-            <a:r>
-              <a:rPr lang="en-US"/>
-              <a:t>will start </a:t>
-            </a:r>
-            <a:r>
-              <a:rPr lang="en-US" dirty="0"/>
-              <a:t>Approximations</a:t>
-            </a:r>
-          </a:p>
-          <a:p>
-            <a:endParaRPr lang="en-US" dirty="0"/>
-          </a:p>
-        </p:txBody>
-      </p:sp>
-    </p:spTree>
-    <p:extLst>
-      <p:ext uri="{BB962C8B-B14F-4D97-AF65-F5344CB8AC3E}">
-        <p14:creationId xmlns:p14="http://schemas.microsoft.com/office/powerpoint/2010/main" val="4269195934"/>
-      </p:ext>
-    </p:extLst>
-  </p:cSld>
-  <p:clrMapOvr>
-    <a:masterClrMapping/>
-  </p:clrMapOvr>
-</p:sld>
-</file>
-
-<file path=ppt/slides/slide3.xml><?xml version="1.0" encoding="utf-8"?>
-<p:sld xmlns:a="http://schemas.openxmlformats.org/drawingml/2006/main" xmlns:r="http://schemas.openxmlformats.org/officeDocument/2006/relationships" xmlns:p="http://schemas.openxmlformats.org/presentationml/2006/main">
-  <p:cSld>
-    <p:spTree>
-      <p:nvGrpSpPr>
-        <p:cNvPr id="1" name=""/>
-        <p:cNvGrpSpPr/>
-        <p:nvPr/>
-      </p:nvGrpSpPr>
-      <p:grpSpPr>
-        <a:xfrm>
-          <a:off x="0" y="0"/>
-          <a:ext cx="0" cy="0"/>
-          <a:chOff x="0" y="0"/>
-          <a:chExt cx="0" cy="0"/>
-        </a:xfrm>
-      </p:grpSpPr>
-      <p:sp>
-        <p:nvSpPr>
-          <p:cNvPr id="6146" name="Rectangle 2"/>
-          <p:cNvSpPr>
-            <a:spLocks noGrp="1" noChangeArrowheads="1"/>
-          </p:cNvSpPr>
-          <p:nvPr>
-            <p:ph type="title"/>
-            <p:custDataLst>
-              <p:tags r:id="rId1"/>
-            </p:custDataLst>
-          </p:nvPr>
-        </p:nvSpPr>
-        <p:spPr>
-          <a:xfrm>
-            <a:off x="1141413" y="284084"/>
-            <a:ext cx="9905998" cy="620791"/>
-          </a:xfrm>
-        </p:spPr>
-        <p:txBody>
-          <a:bodyPr/>
-          <a:lstStyle/>
-          <a:p>
-            <a:pPr algn="ctr"/>
-            <a:r>
-              <a:rPr lang="en-US" dirty="0"/>
-              <a:t>Lecture 3: 1/22/25</a:t>
-            </a:r>
-          </a:p>
-        </p:txBody>
-      </p:sp>
-      <p:sp>
-        <p:nvSpPr>
-          <p:cNvPr id="6147" name="Rectangle 3"/>
-          <p:cNvSpPr>
-            <a:spLocks noGrp="1" noChangeArrowheads="1"/>
-          </p:cNvSpPr>
-          <p:nvPr>
-            <p:ph idx="1"/>
-            <p:custDataLst>
-              <p:tags r:id="rId2"/>
-            </p:custDataLst>
-          </p:nvPr>
-        </p:nvSpPr>
-        <p:spPr>
-          <a:xfrm>
-            <a:off x="1021404" y="1123950"/>
-            <a:ext cx="10204315" cy="5149850"/>
-          </a:xfrm>
-        </p:spPr>
-        <p:txBody>
-          <a:bodyPr>
-            <a:normAutofit/>
-          </a:bodyPr>
-          <a:lstStyle/>
-          <a:p>
-            <a:r>
-              <a:rPr lang="en-US" dirty="0"/>
-              <a:t>Missed first lecture, on Waitlist, or just got into the class? Read syllabus VERY carefully. Make sure you see course policies like required attendance, etc.</a:t>
-            </a:r>
-          </a:p>
-          <a:p>
-            <a:r>
-              <a:rPr lang="en-US" dirty="0"/>
-              <a:t>This Friday is our first homework Friday.</a:t>
-            </a:r>
-          </a:p>
-          <a:p>
-            <a:pPr lvl="1"/>
-            <a:r>
-              <a:rPr lang="en-US" dirty="0"/>
-              <a:t>We will have a warmup problem but it will be pretty challenging and will set the tone.</a:t>
-            </a:r>
-          </a:p>
-          <a:p>
-            <a:pPr lvl="1"/>
-            <a:r>
-              <a:rPr lang="en-US" dirty="0"/>
-              <a:t>As I said on Monday, I will guide you quite a bit but the assignment is meant to be challenging.</a:t>
-            </a:r>
-          </a:p>
-          <a:p>
-            <a:pPr lvl="1"/>
-            <a:r>
-              <a:rPr lang="en-US" dirty="0"/>
-              <a:t>Assignment releases the morning of Friday, so you are not intended to start early…</a:t>
-            </a:r>
-          </a:p>
-          <a:p>
-            <a:r>
-              <a:rPr lang="en-US" dirty="0"/>
-              <a:t>Attendance checks start today, but I will only do it if I start to see attendance slipping. </a:t>
-            </a:r>
-          </a:p>
-          <a:p>
-            <a:r>
-              <a:rPr lang="en-US" dirty="0"/>
-              <a:t>Today we will continue discussing the Fenwick Tree!</a:t>
-            </a:r>
-          </a:p>
-          <a:p>
-            <a:endParaRPr lang="en-US" dirty="0"/>
-          </a:p>
-        </p:txBody>
-      </p:sp>
-    </p:spTree>
-    <p:extLst>
-      <p:ext uri="{BB962C8B-B14F-4D97-AF65-F5344CB8AC3E}">
-        <p14:creationId xmlns:p14="http://schemas.microsoft.com/office/powerpoint/2010/main" val="396206275"/>
-      </p:ext>
-    </p:extLst>
-  </p:cSld>
-  <p:clrMapOvr>
-    <a:masterClrMapping/>
-  </p:clrMapOvr>
-</p:sld>
-</file>
-
-<file path=ppt/slides/slide4.xml><?xml version="1.0" encoding="utf-8"?>
-<p:sld xmlns:a="http://schemas.openxmlformats.org/drawingml/2006/main" xmlns:r="http://schemas.openxmlformats.org/officeDocument/2006/relationships" xmlns:p="http://schemas.openxmlformats.org/presentationml/2006/main">
-  <p:cSld>
-    <p:spTree>
-      <p:nvGrpSpPr>
-        <p:cNvPr id="1" name=""/>
-        <p:cNvGrpSpPr/>
-        <p:nvPr/>
-      </p:nvGrpSpPr>
-      <p:grpSpPr>
-        <a:xfrm>
-          <a:off x="0" y="0"/>
-          <a:ext cx="0" cy="0"/>
-          <a:chOff x="0" y="0"/>
-          <a:chExt cx="0" cy="0"/>
-        </a:xfrm>
-      </p:grpSpPr>
-      <p:sp>
-        <p:nvSpPr>
-          <p:cNvPr id="6146" name="Rectangle 2"/>
-          <p:cNvSpPr>
-            <a:spLocks noGrp="1" noChangeArrowheads="1"/>
-          </p:cNvSpPr>
-          <p:nvPr>
-            <p:ph type="title"/>
-            <p:custDataLst>
-              <p:tags r:id="rId1"/>
-            </p:custDataLst>
-          </p:nvPr>
-        </p:nvSpPr>
-        <p:spPr>
-          <a:xfrm>
-            <a:off x="1141413" y="284084"/>
-            <a:ext cx="9905998" cy="620791"/>
-          </a:xfrm>
-        </p:spPr>
-        <p:txBody>
-          <a:bodyPr/>
-          <a:lstStyle/>
-          <a:p>
-            <a:pPr algn="ctr"/>
-            <a:r>
-              <a:rPr lang="en-US" dirty="0"/>
-              <a:t>Lecture 4: 1/27/25</a:t>
-            </a:r>
-          </a:p>
-        </p:txBody>
-      </p:sp>
-      <p:sp>
-        <p:nvSpPr>
-          <p:cNvPr id="6147" name="Rectangle 3"/>
-          <p:cNvSpPr>
-            <a:spLocks noGrp="1" noChangeArrowheads="1"/>
-          </p:cNvSpPr>
-          <p:nvPr>
-            <p:ph idx="1"/>
-            <p:custDataLst>
-              <p:tags r:id="rId2"/>
-            </p:custDataLst>
-          </p:nvPr>
-        </p:nvSpPr>
-        <p:spPr>
-          <a:xfrm>
-            <a:off x="1021404" y="1123950"/>
-            <a:ext cx="10204315" cy="5149850"/>
-          </a:xfrm>
-        </p:spPr>
-        <p:txBody>
-          <a:bodyPr>
-            <a:normAutofit/>
-          </a:bodyPr>
-          <a:lstStyle/>
-          <a:p>
-            <a:r>
-              <a:rPr lang="en-US" dirty="0"/>
-              <a:t>We started Homework 1 (Palindromes) on Friday.</a:t>
-            </a:r>
-          </a:p>
-          <a:p>
-            <a:pPr lvl="1"/>
-            <a:r>
-              <a:rPr lang="en-US" dirty="0"/>
-              <a:t>What did you all think? My hope is that it felt like a challenge.</a:t>
-            </a:r>
-          </a:p>
-          <a:p>
-            <a:pPr lvl="1"/>
-            <a:r>
-              <a:rPr lang="en-US" dirty="0"/>
-              <a:t>Homework is due on Wednesday to </a:t>
-            </a:r>
-            <a:r>
-              <a:rPr lang="en-US" dirty="0" err="1"/>
-              <a:t>Gradescope</a:t>
-            </a:r>
-            <a:r>
-              <a:rPr lang="en-US" dirty="0"/>
-              <a:t> (late submissions available if needed)</a:t>
-            </a:r>
-          </a:p>
-          <a:p>
-            <a:r>
-              <a:rPr lang="en-US" dirty="0"/>
-              <a:t>This Friday we have our second homework lab day</a:t>
-            </a:r>
-          </a:p>
-          <a:p>
-            <a:pPr lvl="1"/>
-            <a:r>
-              <a:rPr lang="en-US" dirty="0"/>
-              <a:t>This one will be a pretty direct application of Fenwick Trees.</a:t>
-            </a:r>
-          </a:p>
-          <a:p>
-            <a:pPr lvl="1"/>
-            <a:r>
-              <a:rPr lang="en-US" dirty="0"/>
-              <a:t>Difficulty will heavily depend on how comfortable you are with the Fenwick Tree.</a:t>
-            </a:r>
-          </a:p>
-          <a:p>
-            <a:r>
-              <a:rPr lang="en-US" dirty="0"/>
-              <a:t>Attendance checks start today, but I will only do it if I start to see attendance slipping. </a:t>
-            </a:r>
-          </a:p>
-          <a:p>
-            <a:r>
-              <a:rPr lang="en-US" dirty="0"/>
-              <a:t>Today we will finish discussing the Fenwick Tree! On Wednesday we should be moving on to our second topic.</a:t>
-            </a:r>
-          </a:p>
-          <a:p>
-            <a:endParaRPr lang="en-US" dirty="0"/>
-          </a:p>
-        </p:txBody>
-      </p:sp>
-    </p:spTree>
-    <p:extLst>
-      <p:ext uri="{BB962C8B-B14F-4D97-AF65-F5344CB8AC3E}">
-        <p14:creationId xmlns:p14="http://schemas.microsoft.com/office/powerpoint/2010/main" val="3715803715"/>
-      </p:ext>
-    </p:extLst>
-  </p:cSld>
-  <p:clrMapOvr>
-    <a:masterClrMapping/>
-  </p:clrMapOvr>
-</p:sld>
-</file>
-
-<file path=ppt/slides/slide5.xml><?xml version="1.0" encoding="utf-8"?>
-<p:sld xmlns:a="http://schemas.openxmlformats.org/drawingml/2006/main" xmlns:r="http://schemas.openxmlformats.org/officeDocument/2006/relationships" xmlns:p="http://schemas.openxmlformats.org/presentationml/2006/main">
-  <p:cSld>
-    <p:spTree>
-      <p:nvGrpSpPr>
-        <p:cNvPr id="1" name=""/>
-        <p:cNvGrpSpPr/>
-        <p:nvPr/>
-      </p:nvGrpSpPr>
-      <p:grpSpPr>
-        <a:xfrm>
-          <a:off x="0" y="0"/>
-          <a:ext cx="0" cy="0"/>
-          <a:chOff x="0" y="0"/>
-          <a:chExt cx="0" cy="0"/>
-        </a:xfrm>
-      </p:grpSpPr>
-      <p:sp>
-        <p:nvSpPr>
-          <p:cNvPr id="6146" name="Rectangle 2"/>
-          <p:cNvSpPr>
-            <a:spLocks noGrp="1" noChangeArrowheads="1"/>
-          </p:cNvSpPr>
-          <p:nvPr>
-            <p:ph type="title"/>
-            <p:custDataLst>
-              <p:tags r:id="rId1"/>
-            </p:custDataLst>
-          </p:nvPr>
-        </p:nvSpPr>
-        <p:spPr>
-          <a:xfrm>
-            <a:off x="1141413" y="284084"/>
-            <a:ext cx="9905998" cy="620791"/>
-          </a:xfrm>
-        </p:spPr>
-        <p:txBody>
-          <a:bodyPr/>
-          <a:lstStyle/>
-          <a:p>
-            <a:pPr algn="ctr"/>
-            <a:r>
-              <a:rPr lang="en-US" dirty="0"/>
-              <a:t>Lecture 6: 2/3/25</a:t>
-            </a:r>
-          </a:p>
-        </p:txBody>
-      </p:sp>
-      <p:sp>
-        <p:nvSpPr>
-          <p:cNvPr id="6147" name="Rectangle 3"/>
-          <p:cNvSpPr>
-            <a:spLocks noGrp="1" noChangeArrowheads="1"/>
-          </p:cNvSpPr>
-          <p:nvPr>
-            <p:ph idx="1"/>
-            <p:custDataLst>
-              <p:tags r:id="rId2"/>
-            </p:custDataLst>
-          </p:nvPr>
-        </p:nvSpPr>
-        <p:spPr>
-          <a:xfrm>
-            <a:off x="1021404" y="1054500"/>
-            <a:ext cx="10204315" cy="5346298"/>
-          </a:xfrm>
-        </p:spPr>
-        <p:txBody>
-          <a:bodyPr>
-            <a:normAutofit fontScale="85000" lnSpcReduction="20000"/>
-          </a:bodyPr>
-          <a:lstStyle/>
-          <a:p>
-            <a:r>
-              <a:rPr lang="en-US" dirty="0"/>
-              <a:t>Homework 1 (late deadline) is tonight.</a:t>
-            </a:r>
-          </a:p>
-          <a:p>
-            <a:pPr lvl="1"/>
-            <a:r>
-              <a:rPr lang="en-US" dirty="0"/>
-              <a:t>No extensions beyond this for any reason, so make sure to get something in for partial credit if you can’t finish it on time.</a:t>
-            </a:r>
-          </a:p>
-          <a:p>
-            <a:pPr lvl="1"/>
-            <a:r>
-              <a:rPr lang="en-US" dirty="0"/>
-              <a:t>I can go over my solution in office hours if you want after today (or ask a peer)</a:t>
-            </a:r>
-          </a:p>
-          <a:p>
-            <a:r>
-              <a:rPr lang="en-US" dirty="0"/>
-              <a:t>Homework 2 is out (File Storage)</a:t>
-            </a:r>
-          </a:p>
-          <a:p>
-            <a:pPr lvl="1"/>
-            <a:r>
-              <a:rPr lang="en-US" dirty="0" err="1"/>
-              <a:t>Autograder</a:t>
-            </a:r>
-            <a:r>
-              <a:rPr lang="en-US" dirty="0"/>
-              <a:t> had a small issue which was fixed Friday afternoon ~2pm, so check score if you haven’t since then.</a:t>
-            </a:r>
-          </a:p>
-          <a:p>
-            <a:pPr lvl="1"/>
-            <a:r>
-              <a:rPr lang="en-US" dirty="0"/>
-              <a:t>You might need to resubmit to get your new score.</a:t>
-            </a:r>
-          </a:p>
-          <a:p>
-            <a:r>
-              <a:rPr lang="en-US" dirty="0"/>
-              <a:t>Schedule change:</a:t>
-            </a:r>
-          </a:p>
-          <a:p>
-            <a:pPr lvl="1"/>
-            <a:r>
-              <a:rPr lang="en-US" dirty="0"/>
-              <a:t>I moved the first quiz date to the Wednesday before Spring break </a:t>
-            </a:r>
-          </a:p>
-          <a:p>
-            <a:pPr lvl="1"/>
-            <a:r>
-              <a:rPr lang="en-US" dirty="0"/>
-              <a:t>Cancel / no class that Friday. Will record a lecture if we fall behind. You are welcome!</a:t>
-            </a:r>
-          </a:p>
-          <a:p>
-            <a:r>
-              <a:rPr lang="en-US" dirty="0"/>
-              <a:t>This Friday is one of our cancelation / break Fridays. Enjoy your extra time off!</a:t>
-            </a:r>
-          </a:p>
-          <a:p>
-            <a:r>
-              <a:rPr lang="en-US" dirty="0"/>
-              <a:t>Attendance checks will start happening more regularly but I’m lowering the number of names I pull. </a:t>
-            </a:r>
-          </a:p>
-          <a:p>
-            <a:r>
-              <a:rPr lang="en-US" dirty="0"/>
-              <a:t>Today we will start Segment Trees.</a:t>
-            </a:r>
-          </a:p>
-          <a:p>
-            <a:endParaRPr lang="en-US" dirty="0"/>
-          </a:p>
-        </p:txBody>
-      </p:sp>
-    </p:spTree>
-    <p:extLst>
-      <p:ext uri="{BB962C8B-B14F-4D97-AF65-F5344CB8AC3E}">
-        <p14:creationId xmlns:p14="http://schemas.microsoft.com/office/powerpoint/2010/main" val="2005319722"/>
-      </p:ext>
-    </p:extLst>
-  </p:cSld>
-  <p:clrMapOvr>
-    <a:masterClrMapping/>
-  </p:clrMapOvr>
-</p:sld>
-</file>
-
-<file path=ppt/slides/slide6.xml><?xml version="1.0" encoding="utf-8"?>
-<p:sld xmlns:a="http://schemas.openxmlformats.org/drawingml/2006/main" xmlns:r="http://schemas.openxmlformats.org/officeDocument/2006/relationships" xmlns:p="http://schemas.openxmlformats.org/presentationml/2006/main">
-  <p:cSld>
-    <p:spTree>
-      <p:nvGrpSpPr>
-        <p:cNvPr id="1" name=""/>
-        <p:cNvGrpSpPr/>
-        <p:nvPr/>
-      </p:nvGrpSpPr>
-      <p:grpSpPr>
-        <a:xfrm>
-          <a:off x="0" y="0"/>
-          <a:ext cx="0" cy="0"/>
-          <a:chOff x="0" y="0"/>
-          <a:chExt cx="0" cy="0"/>
-        </a:xfrm>
-      </p:grpSpPr>
-      <p:sp>
-        <p:nvSpPr>
-          <p:cNvPr id="6146" name="Rectangle 2"/>
-          <p:cNvSpPr>
-            <a:spLocks noGrp="1" noChangeArrowheads="1"/>
-          </p:cNvSpPr>
-          <p:nvPr>
-            <p:ph type="title"/>
-            <p:custDataLst>
-              <p:tags r:id="rId1"/>
-            </p:custDataLst>
-          </p:nvPr>
-        </p:nvSpPr>
-        <p:spPr>
-          <a:xfrm>
-            <a:off x="1141413" y="284084"/>
-            <a:ext cx="9905998" cy="620791"/>
-          </a:xfrm>
-        </p:spPr>
-        <p:txBody>
-          <a:bodyPr/>
-          <a:lstStyle/>
-          <a:p>
-            <a:pPr algn="ctr"/>
-            <a:r>
-              <a:rPr lang="en-US" dirty="0"/>
-              <a:t>Lecture 7: 2/3/25</a:t>
-            </a:r>
-          </a:p>
-        </p:txBody>
-      </p:sp>
-      <p:sp>
-        <p:nvSpPr>
-          <p:cNvPr id="6147" name="Rectangle 3"/>
-          <p:cNvSpPr>
-            <a:spLocks noGrp="1" noChangeArrowheads="1"/>
-          </p:cNvSpPr>
-          <p:nvPr>
-            <p:ph idx="1"/>
-            <p:custDataLst>
-              <p:tags r:id="rId2"/>
-            </p:custDataLst>
-          </p:nvPr>
-        </p:nvSpPr>
-        <p:spPr>
-          <a:xfrm>
-            <a:off x="1021404" y="1054500"/>
-            <a:ext cx="10204315" cy="5346298"/>
-          </a:xfrm>
-        </p:spPr>
-        <p:txBody>
-          <a:bodyPr>
-            <a:normAutofit fontScale="92500" lnSpcReduction="10000"/>
-          </a:bodyPr>
-          <a:lstStyle/>
-          <a:p>
-            <a:r>
-              <a:rPr lang="en-US" dirty="0"/>
-              <a:t>Homework 1 (late deadline) is completed.</a:t>
-            </a:r>
-          </a:p>
-          <a:p>
-            <a:pPr lvl="1"/>
-            <a:r>
-              <a:rPr lang="en-US" dirty="0"/>
-              <a:t>If you want to see our solution, come to OH and we would be happy to talk you through it</a:t>
-            </a:r>
-          </a:p>
-          <a:p>
-            <a:r>
-              <a:rPr lang="en-US" dirty="0"/>
-              <a:t>Homework 2 is out (File Storage)</a:t>
-            </a:r>
-          </a:p>
-          <a:p>
-            <a:pPr lvl="1"/>
-            <a:r>
-              <a:rPr lang="en-US" dirty="0"/>
-              <a:t>Any questions about it? Seems to be going more smoothly overall?</a:t>
-            </a:r>
-          </a:p>
-          <a:p>
-            <a:pPr lvl="1"/>
-            <a:r>
-              <a:rPr lang="en-US" dirty="0"/>
-              <a:t>On-time due date is tonight! Extension until Monday if you need it</a:t>
-            </a:r>
-          </a:p>
-          <a:p>
-            <a:r>
-              <a:rPr lang="en-US" dirty="0"/>
-              <a:t>Schedule change:</a:t>
-            </a:r>
-          </a:p>
-          <a:p>
-            <a:pPr lvl="1"/>
-            <a:r>
-              <a:rPr lang="en-US" dirty="0"/>
-              <a:t>I moved the first quiz date to the Wednesday before Spring break </a:t>
-            </a:r>
-          </a:p>
-          <a:p>
-            <a:pPr lvl="1"/>
-            <a:r>
-              <a:rPr lang="en-US" dirty="0"/>
-              <a:t>Cancel / no class that Friday. Will record a lecture if we fall behind. You are welcome!</a:t>
-            </a:r>
-          </a:p>
-          <a:p>
-            <a:r>
-              <a:rPr lang="en-US" dirty="0"/>
-              <a:t>This Friday is one of our cancelation / break Fridays. Enjoy your extra time off!</a:t>
-            </a:r>
-          </a:p>
-          <a:p>
-            <a:r>
-              <a:rPr lang="en-US" dirty="0"/>
-              <a:t>Attendance checks will start happening more regularly but I’m lowering the number of names I pull. </a:t>
-            </a:r>
-          </a:p>
-          <a:p>
-            <a:r>
-              <a:rPr lang="en-US" dirty="0"/>
-              <a:t>Today we </a:t>
-            </a:r>
-            <a:r>
-              <a:rPr lang="en-US"/>
-              <a:t>will continue </a:t>
-            </a:r>
-            <a:r>
-              <a:rPr lang="en-US" dirty="0"/>
-              <a:t>Segment Trees.</a:t>
-            </a:r>
-          </a:p>
-          <a:p>
-            <a:endParaRPr lang="en-US" dirty="0"/>
-          </a:p>
-        </p:txBody>
-      </p:sp>
-    </p:spTree>
-    <p:extLst>
-      <p:ext uri="{BB962C8B-B14F-4D97-AF65-F5344CB8AC3E}">
-        <p14:creationId xmlns:p14="http://schemas.microsoft.com/office/powerpoint/2010/main" val="1266264426"/>
-      </p:ext>
-    </p:extLst>
-  </p:cSld>
-  <p:clrMapOvr>
-    <a:masterClrMapping/>
-  </p:clrMapOvr>
-</p:sld>
-</file>
-
-<file path=ppt/slides/slide7.xml><?xml version="1.0" encoding="utf-8"?>
-<p:sld xmlns:a="http://schemas.openxmlformats.org/drawingml/2006/main" xmlns:r="http://schemas.openxmlformats.org/officeDocument/2006/relationships" xmlns:p="http://schemas.openxmlformats.org/presentationml/2006/main">
-  <p:cSld>
-    <p:spTree>
-      <p:nvGrpSpPr>
-        <p:cNvPr id="1" name=""/>
-        <p:cNvGrpSpPr/>
-        <p:nvPr/>
-      </p:nvGrpSpPr>
-      <p:grpSpPr>
-        <a:xfrm>
-          <a:off x="0" y="0"/>
-          <a:ext cx="0" cy="0"/>
-          <a:chOff x="0" y="0"/>
-          <a:chExt cx="0" cy="0"/>
-        </a:xfrm>
-      </p:grpSpPr>
-      <p:sp>
-        <p:nvSpPr>
-          <p:cNvPr id="6146" name="Rectangle 2"/>
-          <p:cNvSpPr>
-            <a:spLocks noGrp="1" noChangeArrowheads="1"/>
-          </p:cNvSpPr>
-          <p:nvPr>
-            <p:ph type="title"/>
-            <p:custDataLst>
-              <p:tags r:id="rId1"/>
-            </p:custDataLst>
-          </p:nvPr>
-        </p:nvSpPr>
-        <p:spPr>
-          <a:xfrm>
-            <a:off x="1141413" y="284084"/>
-            <a:ext cx="9905998" cy="620791"/>
-          </a:xfrm>
-        </p:spPr>
-        <p:txBody>
-          <a:bodyPr/>
-          <a:lstStyle/>
-          <a:p>
-            <a:pPr algn="ctr"/>
-            <a:r>
-              <a:rPr lang="en-US" dirty="0"/>
-              <a:t>Lecture 8: 2/10/25</a:t>
-            </a:r>
-          </a:p>
-        </p:txBody>
-      </p:sp>
-      <p:sp>
-        <p:nvSpPr>
-          <p:cNvPr id="6147" name="Rectangle 3"/>
-          <p:cNvSpPr>
-            <a:spLocks noGrp="1" noChangeArrowheads="1"/>
-          </p:cNvSpPr>
-          <p:nvPr>
-            <p:ph idx="1"/>
-            <p:custDataLst>
-              <p:tags r:id="rId2"/>
-            </p:custDataLst>
-          </p:nvPr>
-        </p:nvSpPr>
-        <p:spPr>
-          <a:xfrm>
-            <a:off x="1021404" y="1054500"/>
-            <a:ext cx="10204315" cy="5346298"/>
-          </a:xfrm>
-        </p:spPr>
-        <p:txBody>
-          <a:bodyPr>
-            <a:normAutofit/>
-          </a:bodyPr>
-          <a:lstStyle/>
-          <a:p>
-            <a:r>
-              <a:rPr lang="en-US" dirty="0"/>
-              <a:t>Homework 2 is past due (File Storage)</a:t>
-            </a:r>
-          </a:p>
-          <a:p>
-            <a:pPr lvl="1"/>
-            <a:r>
-              <a:rPr lang="en-US" dirty="0"/>
-              <a:t>Late deadline is tonight.</a:t>
-            </a:r>
-          </a:p>
-          <a:p>
-            <a:r>
-              <a:rPr lang="en-US" dirty="0"/>
-              <a:t>Schedule change:</a:t>
-            </a:r>
-          </a:p>
-          <a:p>
-            <a:pPr lvl="1"/>
-            <a:r>
-              <a:rPr lang="en-US" dirty="0"/>
-              <a:t>I moved the first quiz date to the Wednesday before Spring break </a:t>
-            </a:r>
-          </a:p>
-          <a:p>
-            <a:pPr lvl="1"/>
-            <a:r>
-              <a:rPr lang="en-US" dirty="0"/>
-              <a:t>Cancel / no class that Friday. Will record a lecture if we fall behind. You are welcome!</a:t>
-            </a:r>
-          </a:p>
-          <a:p>
-            <a:r>
-              <a:rPr lang="en-US" dirty="0"/>
-              <a:t>This Friday we will release HW3 (Segment Trees) and have another “lab day”</a:t>
-            </a:r>
-          </a:p>
-          <a:p>
-            <a:r>
-              <a:rPr lang="en-US" dirty="0"/>
-              <a:t>Attendance checks will start happening more regularly but I’m lowering the number of names I pull. </a:t>
-            </a:r>
-          </a:p>
-          <a:p>
-            <a:r>
-              <a:rPr lang="en-US" dirty="0"/>
-              <a:t>Today we will finish Segment Trees and begin </a:t>
-            </a:r>
-            <a:r>
-              <a:rPr lang="en-US"/>
-              <a:t>linear programming!</a:t>
-            </a:r>
-            <a:endParaRPr lang="en-US" dirty="0"/>
-          </a:p>
-          <a:p>
-            <a:endParaRPr lang="en-US" dirty="0"/>
-          </a:p>
-        </p:txBody>
-      </p:sp>
-    </p:spTree>
-    <p:extLst>
-      <p:ext uri="{BB962C8B-B14F-4D97-AF65-F5344CB8AC3E}">
-        <p14:creationId xmlns:p14="http://schemas.microsoft.com/office/powerpoint/2010/main" val="4060875440"/>
-      </p:ext>
-    </p:extLst>
-  </p:cSld>
-  <p:clrMapOvr>
-    <a:masterClrMapping/>
-  </p:clrMapOvr>
-</p:sld>
-</file>
-
-<file path=ppt/slides/slide8.xml><?xml version="1.0" encoding="utf-8"?>
-<p:sld xmlns:a="http://schemas.openxmlformats.org/drawingml/2006/main" xmlns:r="http://schemas.openxmlformats.org/officeDocument/2006/relationships" xmlns:p="http://schemas.openxmlformats.org/presentationml/2006/main">
-  <p:cSld>
-    <p:spTree>
-      <p:nvGrpSpPr>
-        <p:cNvPr id="1" name=""/>
-        <p:cNvGrpSpPr/>
-        <p:nvPr/>
-      </p:nvGrpSpPr>
-      <p:grpSpPr>
-        <a:xfrm>
-          <a:off x="0" y="0"/>
-          <a:ext cx="0" cy="0"/>
-          <a:chOff x="0" y="0"/>
-          <a:chExt cx="0" cy="0"/>
-        </a:xfrm>
-      </p:grpSpPr>
-      <p:sp>
-        <p:nvSpPr>
-          <p:cNvPr id="6146" name="Rectangle 2"/>
-          <p:cNvSpPr>
-            <a:spLocks noGrp="1" noChangeArrowheads="1"/>
-          </p:cNvSpPr>
-          <p:nvPr>
-            <p:ph type="title"/>
-            <p:custDataLst>
-              <p:tags r:id="rId1"/>
-            </p:custDataLst>
-          </p:nvPr>
-        </p:nvSpPr>
-        <p:spPr>
-          <a:xfrm>
-            <a:off x="1141413" y="284084"/>
-            <a:ext cx="9905998" cy="620791"/>
-          </a:xfrm>
-        </p:spPr>
-        <p:txBody>
-          <a:bodyPr/>
-          <a:lstStyle/>
-          <a:p>
-            <a:pPr algn="ctr"/>
-            <a:r>
-              <a:rPr lang="en-US" dirty="0"/>
-              <a:t>Lecture 9: 2/17/25</a:t>
-            </a:r>
-          </a:p>
-        </p:txBody>
-      </p:sp>
-      <p:sp>
-        <p:nvSpPr>
-          <p:cNvPr id="6147" name="Rectangle 3"/>
-          <p:cNvSpPr>
-            <a:spLocks noGrp="1" noChangeArrowheads="1"/>
-          </p:cNvSpPr>
-          <p:nvPr>
-            <p:ph idx="1"/>
-            <p:custDataLst>
-              <p:tags r:id="rId2"/>
-            </p:custDataLst>
-          </p:nvPr>
-        </p:nvSpPr>
-        <p:spPr>
-          <a:xfrm>
-            <a:off x="1021404" y="1054500"/>
-            <a:ext cx="10204315" cy="5346298"/>
-          </a:xfrm>
-        </p:spPr>
-        <p:txBody>
-          <a:bodyPr>
-            <a:normAutofit fontScale="92500" lnSpcReduction="20000"/>
-          </a:bodyPr>
-          <a:lstStyle/>
-          <a:p>
-            <a:r>
-              <a:rPr lang="en-US" dirty="0"/>
-              <a:t>Homework 3 is past out (Transforms)</a:t>
-            </a:r>
-          </a:p>
-          <a:p>
-            <a:pPr lvl="1"/>
-            <a:r>
-              <a:rPr lang="en-US" dirty="0"/>
-              <a:t>Seems like it is going well / smoothly. Some of you finished over the weekend. Good luck!</a:t>
-            </a:r>
-          </a:p>
-          <a:p>
-            <a:pPr lvl="1"/>
-            <a:r>
-              <a:rPr lang="en-US" dirty="0"/>
-              <a:t>Update on languages: We produced a working python solution over the weekend that is fast enough (FYI). Had to submit a few times because it runs very close to the time limit.</a:t>
-            </a:r>
-          </a:p>
-          <a:p>
-            <a:pPr lvl="1"/>
-            <a:r>
-              <a:rPr lang="en-US" dirty="0"/>
-              <a:t>Due on Wednesday (with optional extension as always)</a:t>
-            </a:r>
-          </a:p>
-          <a:p>
-            <a:r>
-              <a:rPr lang="en-US" dirty="0"/>
-              <a:t>Schedule change:</a:t>
-            </a:r>
-          </a:p>
-          <a:p>
-            <a:pPr lvl="1"/>
-            <a:r>
-              <a:rPr lang="en-US" dirty="0"/>
-              <a:t>I moved the first quiz date to the Wednesday before Spring break </a:t>
-            </a:r>
-          </a:p>
-          <a:p>
-            <a:pPr lvl="1"/>
-            <a:r>
-              <a:rPr lang="en-US" dirty="0"/>
-              <a:t>That date is two weeks from Wednesday!</a:t>
-            </a:r>
-          </a:p>
-          <a:p>
-            <a:pPr lvl="1"/>
-            <a:r>
-              <a:rPr lang="en-US" dirty="0"/>
-              <a:t>Cancel / no class that Friday. Will record a lecture if we fall behind. You are welcome!</a:t>
-            </a:r>
-          </a:p>
-          <a:p>
-            <a:r>
-              <a:rPr lang="en-US" dirty="0"/>
-              <a:t>No class this Friday (break week)</a:t>
-            </a:r>
-          </a:p>
-          <a:p>
-            <a:r>
-              <a:rPr lang="en-US" dirty="0"/>
-              <a:t>Attendance checks will start happening more regularly but I’m lowering the number of names I pull. </a:t>
-            </a:r>
-          </a:p>
-          <a:p>
-            <a:r>
-              <a:rPr lang="en-US" dirty="0"/>
-              <a:t>Today we will continue discussing linear programming!</a:t>
-            </a:r>
-          </a:p>
-          <a:p>
-            <a:endParaRPr lang="en-US" dirty="0"/>
-          </a:p>
-        </p:txBody>
-      </p:sp>
-    </p:spTree>
-    <p:extLst>
-      <p:ext uri="{BB962C8B-B14F-4D97-AF65-F5344CB8AC3E}">
-        <p14:creationId xmlns:p14="http://schemas.microsoft.com/office/powerpoint/2010/main" val="3901599937"/>
-      </p:ext>
-    </p:extLst>
-  </p:cSld>
-  <p:clrMapOvr>
-    <a:masterClrMapping/>
-  </p:clrMapOvr>
-</p:sld>
-</file>
-
-<file path=ppt/slides/slide9.xml><?xml version="1.0" encoding="utf-8"?>
-<p:sld xmlns:a="http://schemas.openxmlformats.org/drawingml/2006/main" xmlns:r="http://schemas.openxmlformats.org/officeDocument/2006/relationships" xmlns:p="http://schemas.openxmlformats.org/presentationml/2006/main">
-  <p:cSld>
-    <p:spTree>
-      <p:nvGrpSpPr>
-        <p:cNvPr id="1" name=""/>
-        <p:cNvGrpSpPr/>
-        <p:nvPr/>
-      </p:nvGrpSpPr>
-      <p:grpSpPr>
-        <a:xfrm>
-          <a:off x="0" y="0"/>
-          <a:ext cx="0" cy="0"/>
-          <a:chOff x="0" y="0"/>
-          <a:chExt cx="0" cy="0"/>
-        </a:xfrm>
-      </p:grpSpPr>
-      <p:sp>
-        <p:nvSpPr>
-          <p:cNvPr id="6146" name="Rectangle 2"/>
-          <p:cNvSpPr>
-            <a:spLocks noGrp="1" noChangeArrowheads="1"/>
-          </p:cNvSpPr>
-          <p:nvPr>
-            <p:ph type="title"/>
-            <p:custDataLst>
-              <p:tags r:id="rId1"/>
-            </p:custDataLst>
-          </p:nvPr>
-        </p:nvSpPr>
-        <p:spPr>
-          <a:xfrm>
-            <a:off x="1141413" y="284084"/>
-            <a:ext cx="9905998" cy="620791"/>
-          </a:xfrm>
-        </p:spPr>
-        <p:txBody>
-          <a:bodyPr/>
-          <a:lstStyle/>
-          <a:p>
-            <a:pPr algn="ctr"/>
-            <a:r>
-              <a:rPr lang="en-US" dirty="0"/>
-              <a:t>Lecture 10: 2/19/25</a:t>
-            </a:r>
-          </a:p>
-        </p:txBody>
-      </p:sp>
-      <p:sp>
-        <p:nvSpPr>
-          <p:cNvPr id="6147" name="Rectangle 3"/>
-          <p:cNvSpPr>
-            <a:spLocks noGrp="1" noChangeArrowheads="1"/>
-          </p:cNvSpPr>
-          <p:nvPr>
-            <p:ph idx="1"/>
-            <p:custDataLst>
-              <p:tags r:id="rId2"/>
-            </p:custDataLst>
-          </p:nvPr>
-        </p:nvSpPr>
-        <p:spPr>
-          <a:xfrm>
-            <a:off x="1021404" y="1054500"/>
-            <a:ext cx="10204315" cy="5346298"/>
-          </a:xfrm>
-        </p:spPr>
-        <p:txBody>
-          <a:bodyPr>
-            <a:normAutofit/>
-          </a:bodyPr>
-          <a:lstStyle/>
-          <a:p>
-            <a:r>
-              <a:rPr lang="en-US" dirty="0"/>
-              <a:t>Homework 3 is out (Transforms)</a:t>
-            </a:r>
-          </a:p>
-          <a:p>
-            <a:pPr lvl="1"/>
-            <a:r>
-              <a:rPr lang="en-US" dirty="0"/>
-              <a:t>Be careful with floating point precision, it can get pretty tricky.</a:t>
-            </a:r>
-          </a:p>
-          <a:p>
-            <a:pPr lvl="1"/>
-            <a:r>
-              <a:rPr lang="en-US" dirty="0"/>
-              <a:t>Due Today (with optional extension as always)</a:t>
-            </a:r>
-          </a:p>
-          <a:p>
-            <a:r>
-              <a:rPr lang="en-US" dirty="0"/>
-              <a:t>First (of two) quizzes is coming up </a:t>
-            </a:r>
-            <a:r>
-              <a:rPr lang="en-US" dirty="0" err="1"/>
-              <a:t>soon’ish</a:t>
-            </a:r>
-            <a:endParaRPr lang="en-US" dirty="0"/>
-          </a:p>
-          <a:p>
-            <a:pPr lvl="1"/>
-            <a:r>
-              <a:rPr lang="en-US" dirty="0"/>
-              <a:t>Is two weeks from today. </a:t>
-            </a:r>
-          </a:p>
-          <a:p>
-            <a:pPr lvl="1"/>
-            <a:r>
-              <a:rPr lang="en-US" dirty="0"/>
-              <a:t>Will be mostly T/F, fill in the blank, multiple choice, etc. with one or two longer written questions. Nothing too crazy.</a:t>
-            </a:r>
-          </a:p>
-          <a:p>
-            <a:r>
-              <a:rPr lang="en-US" dirty="0"/>
-              <a:t>No class this Friday (break week)</a:t>
-            </a:r>
-          </a:p>
-          <a:p>
-            <a:r>
-              <a:rPr lang="en-US" dirty="0"/>
-              <a:t>Not going to pull attendance today (snow…no worries for those who can’t make it). </a:t>
-            </a:r>
-          </a:p>
-          <a:p>
-            <a:r>
-              <a:rPr lang="en-US" dirty="0"/>
-              <a:t>Today we will continue discussing linear programming!</a:t>
-            </a:r>
-          </a:p>
-          <a:p>
-            <a:endParaRPr lang="en-US" dirty="0"/>
-          </a:p>
-        </p:txBody>
-      </p:sp>
-    </p:spTree>
-    <p:extLst>
-      <p:ext uri="{BB962C8B-B14F-4D97-AF65-F5344CB8AC3E}">
-        <p14:creationId xmlns:p14="http://schemas.microsoft.com/office/powerpoint/2010/main" val="1532448408"/>
-      </p:ext>
-    </p:extLst>
-  </p:cSld>
-  <p:clrMapOvr>
-    <a:masterClrMapping/>
-  </p:clrMapOvr>
-</p:sld>
-</file>
-
 <file path=ppt/tags/tag1.xml><?xml version="1.0" encoding="utf-8"?>
 <p:tagLst xmlns:a="http://schemas.openxmlformats.org/drawingml/2006/main" xmlns:r="http://schemas.openxmlformats.org/officeDocument/2006/relationships" xmlns:p="http://schemas.openxmlformats.org/presentationml/2006/main">
   <p:tag name="_INSTRUCTOR VIEW19C14C36-AC8E-43BC-9DB6-C2AAF774C7DC|PANE__TAG" val="_"/>
 </p:tagLst>
 </file>
 
-<file path=ppt/tags/tag10.xml><?xml version="1.0" encoding="utf-8"?>
-<p:tagLst xmlns:a="http://schemas.openxmlformats.org/drawingml/2006/main" xmlns:r="http://schemas.openxmlformats.org/officeDocument/2006/relationships" xmlns:p="http://schemas.openxmlformats.org/presentationml/2006/main">
-  <p:tag name="_INSTRUCTOR VIEW19C14C36-AC8E-43BC-9DB6-C2AAF774C7DC|PANE__TAG" val="_"/>
-</p:tagLst>
-</file>
-
-<file path=ppt/tags/tag11.xml><?xml version="1.0" encoding="utf-8"?>
-<p:tagLst xmlns:a="http://schemas.openxmlformats.org/drawingml/2006/main" xmlns:r="http://schemas.openxmlformats.org/officeDocument/2006/relationships" xmlns:p="http://schemas.openxmlformats.org/presentationml/2006/main">
-  <p:tag name="_INSTRUCTOR VIEW19C14C36-AC8E-43BC-9DB6-C2AAF774C7DC|PANE__TAG" val="_"/>
-</p:tagLst>
-</file>
-
-<file path=ppt/tags/tag12.xml><?xml version="1.0" encoding="utf-8"?>
-<p:tagLst xmlns:a="http://schemas.openxmlformats.org/drawingml/2006/main" xmlns:r="http://schemas.openxmlformats.org/officeDocument/2006/relationships" xmlns:p="http://schemas.openxmlformats.org/presentationml/2006/main">
-  <p:tag name="_INSTRUCTOR VIEW19C14C36-AC8E-43BC-9DB6-C2AAF774C7DC|PANE__TAG" val="_"/>
-</p:tagLst>
-</file>
-
-<file path=ppt/tags/tag13.xml><?xml version="1.0" encoding="utf-8"?>
-<p:tagLst xmlns:a="http://schemas.openxmlformats.org/drawingml/2006/main" xmlns:r="http://schemas.openxmlformats.org/officeDocument/2006/relationships" xmlns:p="http://schemas.openxmlformats.org/presentationml/2006/main">
-  <p:tag name="_INSTRUCTOR VIEW19C14C36-AC8E-43BC-9DB6-C2AAF774C7DC|PANE__TAG" val="_"/>
-</p:tagLst>
-</file>
-
-<file path=ppt/tags/tag14.xml><?xml version="1.0" encoding="utf-8"?>
-<p:tagLst xmlns:a="http://schemas.openxmlformats.org/drawingml/2006/main" xmlns:r="http://schemas.openxmlformats.org/officeDocument/2006/relationships" xmlns:p="http://schemas.openxmlformats.org/presentationml/2006/main">
-  <p:tag name="_INSTRUCTOR VIEW19C14C36-AC8E-43BC-9DB6-C2AAF774C7DC|PANE__TAG" val="_"/>
-</p:tagLst>
-</file>
-
-<file path=ppt/tags/tag15.xml><?xml version="1.0" encoding="utf-8"?>
-<p:tagLst xmlns:a="http://schemas.openxmlformats.org/drawingml/2006/main" xmlns:r="http://schemas.openxmlformats.org/officeDocument/2006/relationships" xmlns:p="http://schemas.openxmlformats.org/presentationml/2006/main">
-  <p:tag name="_INSTRUCTOR VIEW19C14C36-AC8E-43BC-9DB6-C2AAF774C7DC|PANE__TAG" val="_"/>
-</p:tagLst>
-</file>
-
-<file path=ppt/tags/tag16.xml><?xml version="1.0" encoding="utf-8"?>
-<p:tagLst xmlns:a="http://schemas.openxmlformats.org/drawingml/2006/main" xmlns:r="http://schemas.openxmlformats.org/officeDocument/2006/relationships" xmlns:p="http://schemas.openxmlformats.org/presentationml/2006/main">
-  <p:tag name="_INSTRUCTOR VIEW19C14C36-AC8E-43BC-9DB6-C2AAF774C7DC|PANE__TAG" val="_"/>
-</p:tagLst>
-</file>
-
-<file path=ppt/tags/tag17.xml><?xml version="1.0" encoding="utf-8"?>
-<p:tagLst xmlns:a="http://schemas.openxmlformats.org/drawingml/2006/main" xmlns:r="http://schemas.openxmlformats.org/officeDocument/2006/relationships" xmlns:p="http://schemas.openxmlformats.org/presentationml/2006/main">
-  <p:tag name="_INSTRUCTOR VIEW19C14C36-AC8E-43BC-9DB6-C2AAF774C7DC|PANE__TAG" val="_"/>
-</p:tagLst>
-</file>
-
-<file path=ppt/tags/tag18.xml><?xml version="1.0" encoding="utf-8"?>
-<p:tagLst xmlns:a="http://schemas.openxmlformats.org/drawingml/2006/main" xmlns:r="http://schemas.openxmlformats.org/officeDocument/2006/relationships" xmlns:p="http://schemas.openxmlformats.org/presentationml/2006/main">
-  <p:tag name="_INSTRUCTOR VIEW19C14C36-AC8E-43BC-9DB6-C2AAF774C7DC|PANE__TAG" val="_"/>
-</p:tagLst>
-</file>
-
-<file path=ppt/tags/tag19.xml><?xml version="1.0" encoding="utf-8"?>
-<p:tagLst xmlns:a="http://schemas.openxmlformats.org/drawingml/2006/main" xmlns:r="http://schemas.openxmlformats.org/officeDocument/2006/relationships" xmlns:p="http://schemas.openxmlformats.org/presentationml/2006/main">
-  <p:tag name="_INSTRUCTOR VIEW19C14C36-AC8E-43BC-9DB6-C2AAF774C7DC|PANE__TAG" val="_"/>
-</p:tagLst>
-</file>
-
 <file path=ppt/tags/tag2.xml><?xml version="1.0" encoding="utf-8"?>
-<p:tagLst xmlns:a="http://schemas.openxmlformats.org/drawingml/2006/main" xmlns:r="http://schemas.openxmlformats.org/officeDocument/2006/relationships" xmlns:p="http://schemas.openxmlformats.org/presentationml/2006/main">
-  <p:tag name="_INSTRUCTOR VIEW19C14C36-AC8E-43BC-9DB6-C2AAF774C7DC|PANE__TAG" val="_"/>
-</p:tagLst>
-</file>
-
-<file path=ppt/tags/tag20.xml><?xml version="1.0" encoding="utf-8"?>
-<p:tagLst xmlns:a="http://schemas.openxmlformats.org/drawingml/2006/main" xmlns:r="http://schemas.openxmlformats.org/officeDocument/2006/relationships" xmlns:p="http://schemas.openxmlformats.org/presentationml/2006/main">
-  <p:tag name="_INSTRUCTOR VIEW19C14C36-AC8E-43BC-9DB6-C2AAF774C7DC|PANE__TAG" val="_"/>
-</p:tagLst>
-</file>
-
-<file path=ppt/tags/tag21.xml><?xml version="1.0" encoding="utf-8"?>
-<p:tagLst xmlns:a="http://schemas.openxmlformats.org/drawingml/2006/main" xmlns:r="http://schemas.openxmlformats.org/officeDocument/2006/relationships" xmlns:p="http://schemas.openxmlformats.org/presentationml/2006/main">
-  <p:tag name="_INSTRUCTOR VIEW19C14C36-AC8E-43BC-9DB6-C2AAF774C7DC|PANE__TAG" val="_"/>
-</p:tagLst>
-</file>
-
-<file path=ppt/tags/tag22.xml><?xml version="1.0" encoding="utf-8"?>
-<p:tagLst xmlns:a="http://schemas.openxmlformats.org/drawingml/2006/main" xmlns:r="http://schemas.openxmlformats.org/officeDocument/2006/relationships" xmlns:p="http://schemas.openxmlformats.org/presentationml/2006/main">
-  <p:tag name="_INSTRUCTOR VIEW19C14C36-AC8E-43BC-9DB6-C2AAF774C7DC|PANE__TAG" val="_"/>
-</p:tagLst>
-</file>
-
-<file path=ppt/tags/tag23.xml><?xml version="1.0" encoding="utf-8"?>
-<p:tagLst xmlns:a="http://schemas.openxmlformats.org/drawingml/2006/main" xmlns:r="http://schemas.openxmlformats.org/officeDocument/2006/relationships" xmlns:p="http://schemas.openxmlformats.org/presentationml/2006/main">
-  <p:tag name="_INSTRUCTOR VIEW19C14C36-AC8E-43BC-9DB6-C2AAF774C7DC|PANE__TAG" val="_"/>
-</p:tagLst>
-</file>
-
-<file path=ppt/tags/tag24.xml><?xml version="1.0" encoding="utf-8"?>
-<p:tagLst xmlns:a="http://schemas.openxmlformats.org/drawingml/2006/main" xmlns:r="http://schemas.openxmlformats.org/officeDocument/2006/relationships" xmlns:p="http://schemas.openxmlformats.org/presentationml/2006/main">
-  <p:tag name="_INSTRUCTOR VIEW19C14C36-AC8E-43BC-9DB6-C2AAF774C7DC|PANE__TAG" val="_"/>
-</p:tagLst>
-</file>
-
-<file path=ppt/tags/tag25.xml><?xml version="1.0" encoding="utf-8"?>
-<p:tagLst xmlns:a="http://schemas.openxmlformats.org/drawingml/2006/main" xmlns:r="http://schemas.openxmlformats.org/officeDocument/2006/relationships" xmlns:p="http://schemas.openxmlformats.org/presentationml/2006/main">
-  <p:tag name="_INSTRUCTOR VIEW19C14C36-AC8E-43BC-9DB6-C2AAF774C7DC|PANE__TAG" val="_"/>
-</p:tagLst>
-</file>
-
-<file path=ppt/tags/tag26.xml><?xml version="1.0" encoding="utf-8"?>
-<p:tagLst xmlns:a="http://schemas.openxmlformats.org/drawingml/2006/main" xmlns:r="http://schemas.openxmlformats.org/officeDocument/2006/relationships" xmlns:p="http://schemas.openxmlformats.org/presentationml/2006/main">
-  <p:tag name="_INSTRUCTOR VIEW19C14C36-AC8E-43BC-9DB6-C2AAF774C7DC|PANE__TAG" val="_"/>
-</p:tagLst>
-</file>
-
-<file path=ppt/tags/tag27.xml><?xml version="1.0" encoding="utf-8"?>
-<p:tagLst xmlns:a="http://schemas.openxmlformats.org/drawingml/2006/main" xmlns:r="http://schemas.openxmlformats.org/officeDocument/2006/relationships" xmlns:p="http://schemas.openxmlformats.org/presentationml/2006/main">
-  <p:tag name="_INSTRUCTOR VIEW19C14C36-AC8E-43BC-9DB6-C2AAF774C7DC|PANE__TAG" val="_"/>
-</p:tagLst>
-</file>
-
-<file path=ppt/tags/tag28.xml><?xml version="1.0" encoding="utf-8"?>
-<p:tagLst xmlns:a="http://schemas.openxmlformats.org/drawingml/2006/main" xmlns:r="http://schemas.openxmlformats.org/officeDocument/2006/relationships" xmlns:p="http://schemas.openxmlformats.org/presentationml/2006/main">
-  <p:tag name="_INSTRUCTOR VIEW19C14C36-AC8E-43BC-9DB6-C2AAF774C7DC|PANE__TAG" val="_"/>
-</p:tagLst>
-</file>
-
-<file path=ppt/tags/tag29.xml><?xml version="1.0" encoding="utf-8"?>
-<p:tagLst xmlns:a="http://schemas.openxmlformats.org/drawingml/2006/main" xmlns:r="http://schemas.openxmlformats.org/officeDocument/2006/relationships" xmlns:p="http://schemas.openxmlformats.org/presentationml/2006/main">
-  <p:tag name="_INSTRUCTOR VIEW19C14C36-AC8E-43BC-9DB6-C2AAF774C7DC|PANE__TAG" val="_"/>
-</p:tagLst>
-</file>
-
-<file path=ppt/tags/tag3.xml><?xml version="1.0" encoding="utf-8"?>
-<p:tagLst xmlns:a="http://schemas.openxmlformats.org/drawingml/2006/main" xmlns:r="http://schemas.openxmlformats.org/officeDocument/2006/relationships" xmlns:p="http://schemas.openxmlformats.org/presentationml/2006/main">
-  <p:tag name="_INSTRUCTOR VIEW19C14C36-AC8E-43BC-9DB6-C2AAF774C7DC|PANE__TAG" val="_"/>
-</p:tagLst>
-</file>
-
-<file path=ppt/tags/tag30.xml><?xml version="1.0" encoding="utf-8"?>
-<p:tagLst xmlns:a="http://schemas.openxmlformats.org/drawingml/2006/main" xmlns:r="http://schemas.openxmlformats.org/officeDocument/2006/relationships" xmlns:p="http://schemas.openxmlformats.org/presentationml/2006/main">
-  <p:tag name="_INSTRUCTOR VIEW19C14C36-AC8E-43BC-9DB6-C2AAF774C7DC|PANE__TAG" val="_"/>
-</p:tagLst>
-</file>
-
-<file path=ppt/tags/tag31.xml><?xml version="1.0" encoding="utf-8"?>
-<p:tagLst xmlns:a="http://schemas.openxmlformats.org/drawingml/2006/main" xmlns:r="http://schemas.openxmlformats.org/officeDocument/2006/relationships" xmlns:p="http://schemas.openxmlformats.org/presentationml/2006/main">
-  <p:tag name="_INSTRUCTOR VIEW19C14C36-AC8E-43BC-9DB6-C2AAF774C7DC|PANE__TAG" val="_"/>
-</p:tagLst>
-</file>
-
-<file path=ppt/tags/tag32.xml><?xml version="1.0" encoding="utf-8"?>
-<p:tagLst xmlns:a="http://schemas.openxmlformats.org/drawingml/2006/main" xmlns:r="http://schemas.openxmlformats.org/officeDocument/2006/relationships" xmlns:p="http://schemas.openxmlformats.org/presentationml/2006/main">
-  <p:tag name="_INSTRUCTOR VIEW19C14C36-AC8E-43BC-9DB6-C2AAF774C7DC|PANE__TAG" val="_"/>
-</p:tagLst>
-</file>
-
-<file path=ppt/tags/tag33.xml><?xml version="1.0" encoding="utf-8"?>
-<p:tagLst xmlns:a="http://schemas.openxmlformats.org/drawingml/2006/main" xmlns:r="http://schemas.openxmlformats.org/officeDocument/2006/relationships" xmlns:p="http://schemas.openxmlformats.org/presentationml/2006/main">
-  <p:tag name="_INSTRUCTOR VIEW19C14C36-AC8E-43BC-9DB6-C2AAF774C7DC|PANE__TAG" val="_"/>
-</p:tagLst>
-</file>
-
-<file path=ppt/tags/tag34.xml><?xml version="1.0" encoding="utf-8"?>
-<p:tagLst xmlns:a="http://schemas.openxmlformats.org/drawingml/2006/main" xmlns:r="http://schemas.openxmlformats.org/officeDocument/2006/relationships" xmlns:p="http://schemas.openxmlformats.org/presentationml/2006/main">
-  <p:tag name="_INSTRUCTOR VIEW19C14C36-AC8E-43BC-9DB6-C2AAF774C7DC|PANE__TAG" val="_"/>
-</p:tagLst>
-</file>
-
-<file path=ppt/tags/tag35.xml><?xml version="1.0" encoding="utf-8"?>
-<p:tagLst xmlns:a="http://schemas.openxmlformats.org/drawingml/2006/main" xmlns:r="http://schemas.openxmlformats.org/officeDocument/2006/relationships" xmlns:p="http://schemas.openxmlformats.org/presentationml/2006/main">
-  <p:tag name="_INSTRUCTOR VIEW19C14C36-AC8E-43BC-9DB6-C2AAF774C7DC|PANE__TAG" val="_"/>
-</p:tagLst>
-</file>
-
-<file path=ppt/tags/tag36.xml><?xml version="1.0" encoding="utf-8"?>
-<p:tagLst xmlns:a="http://schemas.openxmlformats.org/drawingml/2006/main" xmlns:r="http://schemas.openxmlformats.org/officeDocument/2006/relationships" xmlns:p="http://schemas.openxmlformats.org/presentationml/2006/main">
-  <p:tag name="_INSTRUCTOR VIEW19C14C36-AC8E-43BC-9DB6-C2AAF774C7DC|PANE__TAG" val="_"/>
-</p:tagLst>
-</file>
-
-<file path=ppt/tags/tag37.xml><?xml version="1.0" encoding="utf-8"?>
-<p:tagLst xmlns:a="http://schemas.openxmlformats.org/drawingml/2006/main" xmlns:r="http://schemas.openxmlformats.org/officeDocument/2006/relationships" xmlns:p="http://schemas.openxmlformats.org/presentationml/2006/main">
-  <p:tag name="_INSTRUCTOR VIEW19C14C36-AC8E-43BC-9DB6-C2AAF774C7DC|PANE__TAG" val="_"/>
-</p:tagLst>
-</file>
-
-<file path=ppt/tags/tag38.xml><?xml version="1.0" encoding="utf-8"?>
-<p:tagLst xmlns:a="http://schemas.openxmlformats.org/drawingml/2006/main" xmlns:r="http://schemas.openxmlformats.org/officeDocument/2006/relationships" xmlns:p="http://schemas.openxmlformats.org/presentationml/2006/main">
-  <p:tag name="_INSTRUCTOR VIEW19C14C36-AC8E-43BC-9DB6-C2AAF774C7DC|PANE__TAG" val="_"/>
-</p:tagLst>
-</file>
-
-<file path=ppt/tags/tag4.xml><?xml version="1.0" encoding="utf-8"?>
-<p:tagLst xmlns:a="http://schemas.openxmlformats.org/drawingml/2006/main" xmlns:r="http://schemas.openxmlformats.org/officeDocument/2006/relationships" xmlns:p="http://schemas.openxmlformats.org/presentationml/2006/main">
-  <p:tag name="_INSTRUCTOR VIEW19C14C36-AC8E-43BC-9DB6-C2AAF774C7DC|PANE__TAG" val="_"/>
-</p:tagLst>
-</file>
-
-<file path=ppt/tags/tag5.xml><?xml version="1.0" encoding="utf-8"?>
-<p:tagLst xmlns:a="http://schemas.openxmlformats.org/drawingml/2006/main" xmlns:r="http://schemas.openxmlformats.org/officeDocument/2006/relationships" xmlns:p="http://schemas.openxmlformats.org/presentationml/2006/main">
-  <p:tag name="_INSTRUCTOR VIEW19C14C36-AC8E-43BC-9DB6-C2AAF774C7DC|PANE__TAG" val="_"/>
-</p:tagLst>
-</file>
-
-<file path=ppt/tags/tag6.xml><?xml version="1.0" encoding="utf-8"?>
-<p:tagLst xmlns:a="http://schemas.openxmlformats.org/drawingml/2006/main" xmlns:r="http://schemas.openxmlformats.org/officeDocument/2006/relationships" xmlns:p="http://schemas.openxmlformats.org/presentationml/2006/main">
-  <p:tag name="_INSTRUCTOR VIEW19C14C36-AC8E-43BC-9DB6-C2AAF774C7DC|PANE__TAG" val="_"/>
-</p:tagLst>
-</file>
-
-<file path=ppt/tags/tag7.xml><?xml version="1.0" encoding="utf-8"?>
-<p:tagLst xmlns:a="http://schemas.openxmlformats.org/drawingml/2006/main" xmlns:r="http://schemas.openxmlformats.org/officeDocument/2006/relationships" xmlns:p="http://schemas.openxmlformats.org/presentationml/2006/main">
-  <p:tag name="_INSTRUCTOR VIEW19C14C36-AC8E-43BC-9DB6-C2AAF774C7DC|PANE__TAG" val="_"/>
-</p:tagLst>
-</file>
-
-<file path=ppt/tags/tag8.xml><?xml version="1.0" encoding="utf-8"?>
-<p:tagLst xmlns:a="http://schemas.openxmlformats.org/drawingml/2006/main" xmlns:r="http://schemas.openxmlformats.org/officeDocument/2006/relationships" xmlns:p="http://schemas.openxmlformats.org/presentationml/2006/main">
-  <p:tag name="_INSTRUCTOR VIEW19C14C36-AC8E-43BC-9DB6-C2AAF774C7DC|PANE__TAG" val="_"/>
-</p:tagLst>
-</file>
-
-<file path=ppt/tags/tag9.xml><?xml version="1.0" encoding="utf-8"?>
 <p:tagLst xmlns:a="http://schemas.openxmlformats.org/drawingml/2006/main" xmlns:r="http://schemas.openxmlformats.org/officeDocument/2006/relationships" xmlns:p="http://schemas.openxmlformats.org/presentationml/2006/main">
   <p:tag name="_INSTRUCTOR VIEW19C14C36-AC8E-43BC-9DB6-C2AAF774C7DC|PANE__TAG" val="_"/>
 </p:tagLst>

--- a/slides/00-DailyAnnouncements.pptx
+++ b/slides/00-DailyAnnouncements.pptx
@@ -5,11 +5,12 @@
     <p:sldMasterId id="2147484006" r:id="rId1"/>
   </p:sldMasterIdLst>
   <p:notesMasterIdLst>
-    <p:notesMasterId r:id="rId4"/>
+    <p:notesMasterId r:id="rId5"/>
   </p:notesMasterIdLst>
   <p:sldIdLst>
     <p:sldId id="256" r:id="rId2"/>
     <p:sldId id="505" r:id="rId3"/>
+    <p:sldId id="506" r:id="rId4"/>
   </p:sldIdLst>
   <p:sldSz cx="12192000" cy="6858000"/>
   <p:notesSz cx="6858000" cy="9144000"/>
@@ -198,7 +199,7 @@
           <a:p>
             <a:fld id="{C5B45307-6ED4-B142-BD64-10F739779302}" type="datetimeFigureOut">
               <a:rPr lang="en-US" smtClean="0"/>
-              <a:t>1/20/26</a:t>
+              <a:t>1/22/26</a:t>
             </a:fld>
             <a:endParaRPr lang="en-US"/>
           </a:p>
@@ -606,7 +607,7 @@
           <a:noFill/>
           <a:extLst>
             <a:ext uri="{909E8E84-426E-40dd-AFC4-6F175D3DCCD1}">
-              <a14:hiddenFill xmlns:a14="http://schemas.microsoft.com/office/drawing/2010/main" xmlns="">
+              <a14:hiddenFill xmlns="" xmlns:a14="http://schemas.microsoft.com/office/drawing/2010/main">
                 <a:solidFill>
                   <a:srgbClr val="FFFFFF"/>
                 </a:solidFill>
@@ -665,7 +666,7 @@
             </a:ln>
             <a:extLst>
               <a:ext uri="{91240B29-F687-4f45-9708-019B960494DF}">
-                <a14:hiddenLine xmlns:a14="http://schemas.microsoft.com/office/drawing/2010/main" xmlns="" w="9525">
+                <a14:hiddenLine xmlns="" xmlns:a14="http://schemas.microsoft.com/office/drawing/2010/main" w="9525">
                   <a:solidFill>
                     <a:srgbClr val="000000"/>
                   </a:solidFill>
@@ -755,7 +756,7 @@
             </a:ln>
             <a:extLst>
               <a:ext uri="{91240B29-F687-4f45-9708-019B960494DF}">
-                <a14:hiddenLine xmlns:a14="http://schemas.microsoft.com/office/drawing/2010/main" xmlns="" w="9525">
+                <a14:hiddenLine xmlns="" xmlns:a14="http://schemas.microsoft.com/office/drawing/2010/main" w="9525">
                   <a:solidFill>
                     <a:srgbClr val="000000"/>
                   </a:solidFill>
@@ -845,7 +846,7 @@
             </a:ln>
             <a:extLst>
               <a:ext uri="{91240B29-F687-4f45-9708-019B960494DF}">
-                <a14:hiddenLine xmlns:a14="http://schemas.microsoft.com/office/drawing/2010/main" xmlns="" w="9525">
+                <a14:hiddenLine xmlns="" xmlns:a14="http://schemas.microsoft.com/office/drawing/2010/main" w="9525">
                   <a:solidFill>
                     <a:srgbClr val="000000"/>
                   </a:solidFill>
@@ -879,7 +880,7 @@
             </a:ln>
             <a:extLst>
               <a:ext uri="{91240B29-F687-4f45-9708-019B960494DF}">
-                <a14:hiddenLine xmlns:a14="http://schemas.microsoft.com/office/drawing/2010/main" xmlns="" w="9525">
+                <a14:hiddenLine xmlns="" xmlns:a14="http://schemas.microsoft.com/office/drawing/2010/main" w="9525">
                   <a:solidFill>
                     <a:srgbClr val="000000"/>
                   </a:solidFill>
@@ -969,7 +970,7 @@
             </a:ln>
             <a:extLst>
               <a:ext uri="{91240B29-F687-4f45-9708-019B960494DF}">
-                <a14:hiddenLine xmlns:a14="http://schemas.microsoft.com/office/drawing/2010/main" xmlns="" w="9525">
+                <a14:hiddenLine xmlns="" xmlns:a14="http://schemas.microsoft.com/office/drawing/2010/main" w="9525">
                   <a:solidFill>
                     <a:srgbClr val="000000"/>
                   </a:solidFill>
@@ -1031,7 +1032,7 @@
             </a:ln>
             <a:extLst>
               <a:ext uri="{91240B29-F687-4f45-9708-019B960494DF}">
-                <a14:hiddenLine xmlns:a14="http://schemas.microsoft.com/office/drawing/2010/main" xmlns="" w="9525">
+                <a14:hiddenLine xmlns="" xmlns:a14="http://schemas.microsoft.com/office/drawing/2010/main" w="9525">
                   <a:solidFill>
                     <a:srgbClr val="000000"/>
                   </a:solidFill>
@@ -1093,7 +1094,7 @@
             </a:ln>
             <a:extLst>
               <a:ext uri="{91240B29-F687-4f45-9708-019B960494DF}">
-                <a14:hiddenLine xmlns:a14="http://schemas.microsoft.com/office/drawing/2010/main" xmlns="" w="9525">
+                <a14:hiddenLine xmlns="" xmlns:a14="http://schemas.microsoft.com/office/drawing/2010/main" w="9525">
                   <a:solidFill>
                     <a:srgbClr val="000000"/>
                   </a:solidFill>
@@ -1183,7 +1184,7 @@
             </a:ln>
             <a:extLst>
               <a:ext uri="{91240B29-F687-4f45-9708-019B960494DF}">
-                <a14:hiddenLine xmlns:a14="http://schemas.microsoft.com/office/drawing/2010/main" xmlns="" w="9525">
+                <a14:hiddenLine xmlns="" xmlns:a14="http://schemas.microsoft.com/office/drawing/2010/main" w="9525">
                   <a:solidFill>
                     <a:srgbClr val="000000"/>
                   </a:solidFill>
@@ -1245,7 +1246,7 @@
             </a:ln>
             <a:extLst>
               <a:ext uri="{91240B29-F687-4f45-9708-019B960494DF}">
-                <a14:hiddenLine xmlns:a14="http://schemas.microsoft.com/office/drawing/2010/main" xmlns="" w="9525">
+                <a14:hiddenLine xmlns="" xmlns:a14="http://schemas.microsoft.com/office/drawing/2010/main" w="9525">
                   <a:solidFill>
                     <a:srgbClr val="000000"/>
                   </a:solidFill>
@@ -1307,7 +1308,7 @@
             </a:ln>
             <a:extLst>
               <a:ext uri="{91240B29-F687-4f45-9708-019B960494DF}">
-                <a14:hiddenLine xmlns:a14="http://schemas.microsoft.com/office/drawing/2010/main" xmlns="" w="9525">
+                <a14:hiddenLine xmlns="" xmlns:a14="http://schemas.microsoft.com/office/drawing/2010/main" w="9525">
                   <a:solidFill>
                     <a:srgbClr val="000000"/>
                   </a:solidFill>
@@ -1397,7 +1398,7 @@
             </a:ln>
             <a:extLst>
               <a:ext uri="{91240B29-F687-4f45-9708-019B960494DF}">
-                <a14:hiddenLine xmlns:a14="http://schemas.microsoft.com/office/drawing/2010/main" xmlns="" w="9525">
+                <a14:hiddenLine xmlns="" xmlns:a14="http://schemas.microsoft.com/office/drawing/2010/main" w="9525">
                   <a:solidFill>
                     <a:srgbClr val="000000"/>
                   </a:solidFill>
@@ -1487,7 +1488,7 @@
             </a:ln>
             <a:extLst>
               <a:ext uri="{91240B29-F687-4f45-9708-019B960494DF}">
-                <a14:hiddenLine xmlns:a14="http://schemas.microsoft.com/office/drawing/2010/main" xmlns="" w="9525">
+                <a14:hiddenLine xmlns="" xmlns:a14="http://schemas.microsoft.com/office/drawing/2010/main" w="9525">
                   <a:solidFill>
                     <a:srgbClr val="000000"/>
                   </a:solidFill>
@@ -1549,7 +1550,7 @@
             </a:ln>
             <a:extLst>
               <a:ext uri="{91240B29-F687-4f45-9708-019B960494DF}">
-                <a14:hiddenLine xmlns:a14="http://schemas.microsoft.com/office/drawing/2010/main" xmlns="" w="9525">
+                <a14:hiddenLine xmlns="" xmlns:a14="http://schemas.microsoft.com/office/drawing/2010/main" w="9525">
                   <a:solidFill>
                     <a:srgbClr val="000000"/>
                   </a:solidFill>
@@ -1659,7 +1660,7 @@
             </a:ln>
             <a:extLst>
               <a:ext uri="{91240B29-F687-4f45-9708-019B960494DF}">
-                <a14:hiddenLine xmlns:a14="http://schemas.microsoft.com/office/drawing/2010/main" xmlns="" w="9525">
+                <a14:hiddenLine xmlns="" xmlns:a14="http://schemas.microsoft.com/office/drawing/2010/main" w="9525">
                   <a:solidFill>
                     <a:srgbClr val="000000"/>
                   </a:solidFill>
@@ -1721,7 +1722,7 @@
             </a:ln>
             <a:extLst>
               <a:ext uri="{91240B29-F687-4f45-9708-019B960494DF}">
-                <a14:hiddenLine xmlns:a14="http://schemas.microsoft.com/office/drawing/2010/main" xmlns="" w="9525">
+                <a14:hiddenLine xmlns="" xmlns:a14="http://schemas.microsoft.com/office/drawing/2010/main" w="9525">
                   <a:solidFill>
                     <a:srgbClr val="000000"/>
                   </a:solidFill>
@@ -1811,7 +1812,7 @@
             </a:ln>
             <a:extLst>
               <a:ext uri="{91240B29-F687-4f45-9708-019B960494DF}">
-                <a14:hiddenLine xmlns:a14="http://schemas.microsoft.com/office/drawing/2010/main" xmlns="" w="9525">
+                <a14:hiddenLine xmlns="" xmlns:a14="http://schemas.microsoft.com/office/drawing/2010/main" w="9525">
                   <a:solidFill>
                     <a:srgbClr val="000000"/>
                   </a:solidFill>
@@ -1901,7 +1902,7 @@
             </a:ln>
             <a:extLst>
               <a:ext uri="{91240B29-F687-4f45-9708-019B960494DF}">
-                <a14:hiddenLine xmlns:a14="http://schemas.microsoft.com/office/drawing/2010/main" xmlns="" w="9525">
+                <a14:hiddenLine xmlns="" xmlns:a14="http://schemas.microsoft.com/office/drawing/2010/main" w="9525">
                   <a:solidFill>
                     <a:srgbClr val="000000"/>
                   </a:solidFill>
@@ -1963,7 +1964,7 @@
             </a:ln>
             <a:extLst>
               <a:ext uri="{91240B29-F687-4f45-9708-019B960494DF}">
-                <a14:hiddenLine xmlns:a14="http://schemas.microsoft.com/office/drawing/2010/main" xmlns="" w="9525">
+                <a14:hiddenLine xmlns="" xmlns:a14="http://schemas.microsoft.com/office/drawing/2010/main" w="9525">
                   <a:solidFill>
                     <a:srgbClr val="000000"/>
                   </a:solidFill>
@@ -2053,7 +2054,7 @@
             </a:ln>
             <a:extLst>
               <a:ext uri="{91240B29-F687-4f45-9708-019B960494DF}">
-                <a14:hiddenLine xmlns:a14="http://schemas.microsoft.com/office/drawing/2010/main" xmlns="" w="9525">
+                <a14:hiddenLine xmlns="" xmlns:a14="http://schemas.microsoft.com/office/drawing/2010/main" w="9525">
                   <a:solidFill>
                     <a:srgbClr val="000000"/>
                   </a:solidFill>
@@ -2143,7 +2144,7 @@
             </a:ln>
             <a:extLst>
               <a:ext uri="{91240B29-F687-4f45-9708-019B960494DF}">
-                <a14:hiddenLine xmlns:a14="http://schemas.microsoft.com/office/drawing/2010/main" xmlns="" w="9525">
+                <a14:hiddenLine xmlns="" xmlns:a14="http://schemas.microsoft.com/office/drawing/2010/main" w="9525">
                   <a:solidFill>
                     <a:srgbClr val="000000"/>
                   </a:solidFill>
@@ -2199,7 +2200,7 @@
             </a:ln>
             <a:extLst>
               <a:ext uri="{91240B29-F687-4f45-9708-019B960494DF}">
-                <a14:hiddenLine xmlns:a14="http://schemas.microsoft.com/office/drawing/2010/main" xmlns="" w="9525">
+                <a14:hiddenLine xmlns="" xmlns:a14="http://schemas.microsoft.com/office/drawing/2010/main" w="9525">
                   <a:solidFill>
                     <a:srgbClr val="000000"/>
                   </a:solidFill>
@@ -2289,7 +2290,7 @@
             </a:ln>
             <a:extLst>
               <a:ext uri="{91240B29-F687-4f45-9708-019B960494DF}">
-                <a14:hiddenLine xmlns:a14="http://schemas.microsoft.com/office/drawing/2010/main" xmlns="" w="9525">
+                <a14:hiddenLine xmlns="" xmlns:a14="http://schemas.microsoft.com/office/drawing/2010/main" w="9525">
                   <a:solidFill>
                     <a:srgbClr val="000000"/>
                   </a:solidFill>
@@ -2345,7 +2346,7 @@
             </a:ln>
             <a:extLst>
               <a:ext uri="{91240B29-F687-4f45-9708-019B960494DF}">
-                <a14:hiddenLine xmlns:a14="http://schemas.microsoft.com/office/drawing/2010/main" xmlns="" w="9525">
+                <a14:hiddenLine xmlns="" xmlns:a14="http://schemas.microsoft.com/office/drawing/2010/main" w="9525">
                   <a:solidFill>
                     <a:srgbClr val="000000"/>
                   </a:solidFill>
@@ -2435,7 +2436,7 @@
             </a:ln>
             <a:extLst>
               <a:ext uri="{91240B29-F687-4f45-9708-019B960494DF}">
-                <a14:hiddenLine xmlns:a14="http://schemas.microsoft.com/office/drawing/2010/main" xmlns="" w="9525">
+                <a14:hiddenLine xmlns="" xmlns:a14="http://schemas.microsoft.com/office/drawing/2010/main" w="9525">
                   <a:solidFill>
                     <a:srgbClr val="000000"/>
                   </a:solidFill>
@@ -2503,7 +2504,7 @@
             </a:ln>
             <a:extLst>
               <a:ext uri="{91240B29-F687-4f45-9708-019B960494DF}">
-                <a14:hiddenLine xmlns:a14="http://schemas.microsoft.com/office/drawing/2010/main" xmlns="" w="9525">
+                <a14:hiddenLine xmlns="" xmlns:a14="http://schemas.microsoft.com/office/drawing/2010/main" w="9525">
                   <a:solidFill>
                     <a:srgbClr val="000000"/>
                   </a:solidFill>
@@ -2593,7 +2594,7 @@
             </a:ln>
             <a:extLst>
               <a:ext uri="{91240B29-F687-4f45-9708-019B960494DF}">
-                <a14:hiddenLine xmlns:a14="http://schemas.microsoft.com/office/drawing/2010/main" xmlns="" w="9525">
+                <a14:hiddenLine xmlns="" xmlns:a14="http://schemas.microsoft.com/office/drawing/2010/main" w="9525">
                   <a:solidFill>
                     <a:srgbClr val="000000"/>
                   </a:solidFill>
@@ -2661,7 +2662,7 @@
             </a:ln>
             <a:extLst>
               <a:ext uri="{91240B29-F687-4f45-9708-019B960494DF}">
-                <a14:hiddenLine xmlns:a14="http://schemas.microsoft.com/office/drawing/2010/main" xmlns="" w="9525">
+                <a14:hiddenLine xmlns="" xmlns:a14="http://schemas.microsoft.com/office/drawing/2010/main" w="9525">
                   <a:solidFill>
                     <a:srgbClr val="000000"/>
                   </a:solidFill>
@@ -2751,7 +2752,7 @@
             </a:ln>
             <a:extLst>
               <a:ext uri="{91240B29-F687-4f45-9708-019B960494DF}">
-                <a14:hiddenLine xmlns:a14="http://schemas.microsoft.com/office/drawing/2010/main" xmlns="" w="9525">
+                <a14:hiddenLine xmlns="" xmlns:a14="http://schemas.microsoft.com/office/drawing/2010/main" w="9525">
                   <a:solidFill>
                     <a:srgbClr val="000000"/>
                   </a:solidFill>
@@ -2785,7 +2786,7 @@
             </a:ln>
             <a:extLst>
               <a:ext uri="{91240B29-F687-4f45-9708-019B960494DF}">
-                <a14:hiddenLine xmlns:a14="http://schemas.microsoft.com/office/drawing/2010/main" xmlns="" w="9525">
+                <a14:hiddenLine xmlns="" xmlns:a14="http://schemas.microsoft.com/office/drawing/2010/main" w="9525">
                   <a:solidFill>
                     <a:srgbClr val="000000"/>
                   </a:solidFill>
@@ -2875,7 +2876,7 @@
             </a:ln>
             <a:extLst>
               <a:ext uri="{91240B29-F687-4f45-9708-019B960494DF}">
-                <a14:hiddenLine xmlns:a14="http://schemas.microsoft.com/office/drawing/2010/main" xmlns="" w="9525">
+                <a14:hiddenLine xmlns="" xmlns:a14="http://schemas.microsoft.com/office/drawing/2010/main" w="9525">
                   <a:solidFill>
                     <a:srgbClr val="000000"/>
                   </a:solidFill>
@@ -2937,7 +2938,7 @@
             </a:ln>
             <a:extLst>
               <a:ext uri="{91240B29-F687-4f45-9708-019B960494DF}">
-                <a14:hiddenLine xmlns:a14="http://schemas.microsoft.com/office/drawing/2010/main" xmlns="" w="9525">
+                <a14:hiddenLine xmlns="" xmlns:a14="http://schemas.microsoft.com/office/drawing/2010/main" w="9525">
                   <a:solidFill>
                     <a:srgbClr val="000000"/>
                   </a:solidFill>
@@ -2999,7 +3000,7 @@
             </a:ln>
             <a:extLst>
               <a:ext uri="{91240B29-F687-4f45-9708-019B960494DF}">
-                <a14:hiddenLine xmlns:a14="http://schemas.microsoft.com/office/drawing/2010/main" xmlns="" w="9525">
+                <a14:hiddenLine xmlns="" xmlns:a14="http://schemas.microsoft.com/office/drawing/2010/main" w="9525">
                   <a:solidFill>
                     <a:srgbClr val="000000"/>
                   </a:solidFill>
@@ -3089,7 +3090,7 @@
             </a:ln>
             <a:extLst>
               <a:ext uri="{91240B29-F687-4f45-9708-019B960494DF}">
-                <a14:hiddenLine xmlns:a14="http://schemas.microsoft.com/office/drawing/2010/main" xmlns="" w="9525">
+                <a14:hiddenLine xmlns="" xmlns:a14="http://schemas.microsoft.com/office/drawing/2010/main" w="9525">
                   <a:solidFill>
                     <a:srgbClr val="000000"/>
                   </a:solidFill>
@@ -3157,7 +3158,7 @@
             </a:ln>
             <a:extLst>
               <a:ext uri="{91240B29-F687-4f45-9708-019B960494DF}">
-                <a14:hiddenLine xmlns:a14="http://schemas.microsoft.com/office/drawing/2010/main" xmlns="" w="9525">
+                <a14:hiddenLine xmlns="" xmlns:a14="http://schemas.microsoft.com/office/drawing/2010/main" w="9525">
                   <a:solidFill>
                     <a:srgbClr val="000000"/>
                   </a:solidFill>
@@ -3219,7 +3220,7 @@
             </a:ln>
             <a:extLst>
               <a:ext uri="{91240B29-F687-4f45-9708-019B960494DF}">
-                <a14:hiddenLine xmlns:a14="http://schemas.microsoft.com/office/drawing/2010/main" xmlns="" w="9525">
+                <a14:hiddenLine xmlns="" xmlns:a14="http://schemas.microsoft.com/office/drawing/2010/main" w="9525">
                   <a:solidFill>
                     <a:srgbClr val="000000"/>
                   </a:solidFill>
@@ -3309,7 +3310,7 @@
             </a:ln>
             <a:extLst>
               <a:ext uri="{91240B29-F687-4f45-9708-019B960494DF}">
-                <a14:hiddenLine xmlns:a14="http://schemas.microsoft.com/office/drawing/2010/main" xmlns="" w="9525">
+                <a14:hiddenLine xmlns="" xmlns:a14="http://schemas.microsoft.com/office/drawing/2010/main" w="9525">
                   <a:solidFill>
                     <a:srgbClr val="000000"/>
                   </a:solidFill>
@@ -3371,7 +3372,7 @@
             </a:ln>
             <a:extLst>
               <a:ext uri="{91240B29-F687-4f45-9708-019B960494DF}">
-                <a14:hiddenLine xmlns:a14="http://schemas.microsoft.com/office/drawing/2010/main" xmlns="" w="9525">
+                <a14:hiddenLine xmlns="" xmlns:a14="http://schemas.microsoft.com/office/drawing/2010/main" w="9525">
                   <a:solidFill>
                     <a:srgbClr val="000000"/>
                   </a:solidFill>
@@ -3461,7 +3462,7 @@
             </a:ln>
             <a:extLst>
               <a:ext uri="{91240B29-F687-4f45-9708-019B960494DF}">
-                <a14:hiddenLine xmlns:a14="http://schemas.microsoft.com/office/drawing/2010/main" xmlns="" w="9525">
+                <a14:hiddenLine xmlns="" xmlns:a14="http://schemas.microsoft.com/office/drawing/2010/main" w="9525">
                   <a:solidFill>
                     <a:srgbClr val="000000"/>
                   </a:solidFill>
@@ -3523,7 +3524,7 @@
             </a:ln>
             <a:extLst>
               <a:ext uri="{91240B29-F687-4f45-9708-019B960494DF}">
-                <a14:hiddenLine xmlns:a14="http://schemas.microsoft.com/office/drawing/2010/main" xmlns="" w="9525">
+                <a14:hiddenLine xmlns="" xmlns:a14="http://schemas.microsoft.com/office/drawing/2010/main" w="9525">
                   <a:solidFill>
                     <a:srgbClr val="000000"/>
                   </a:solidFill>
@@ -3613,7 +3614,7 @@
             </a:ln>
             <a:extLst>
               <a:ext uri="{91240B29-F687-4f45-9708-019B960494DF}">
-                <a14:hiddenLine xmlns:a14="http://schemas.microsoft.com/office/drawing/2010/main" xmlns="" w="9525">
+                <a14:hiddenLine xmlns="" xmlns:a14="http://schemas.microsoft.com/office/drawing/2010/main" w="9525">
                   <a:solidFill>
                     <a:srgbClr val="000000"/>
                   </a:solidFill>
@@ -3647,7 +3648,7 @@
             </a:ln>
             <a:extLst>
               <a:ext uri="{91240B29-F687-4f45-9708-019B960494DF}">
-                <a14:hiddenLine xmlns:a14="http://schemas.microsoft.com/office/drawing/2010/main" xmlns="" w="9525">
+                <a14:hiddenLine xmlns="" xmlns:a14="http://schemas.microsoft.com/office/drawing/2010/main" w="9525">
                   <a:solidFill>
                     <a:srgbClr val="000000"/>
                   </a:solidFill>
@@ -3712,7 +3713,7 @@
             </a:ln>
             <a:extLst>
               <a:ext uri="{91240B29-F687-4f45-9708-019B960494DF}">
-                <a14:hiddenLine xmlns:a14="http://schemas.microsoft.com/office/drawing/2010/main" xmlns="" w="9525">
+                <a14:hiddenLine xmlns="" xmlns:a14="http://schemas.microsoft.com/office/drawing/2010/main" w="9525">
                   <a:solidFill>
                     <a:srgbClr val="000000"/>
                   </a:solidFill>
@@ -3802,7 +3803,7 @@
             </a:ln>
             <a:extLst>
               <a:ext uri="{91240B29-F687-4f45-9708-019B960494DF}">
-                <a14:hiddenLine xmlns:a14="http://schemas.microsoft.com/office/drawing/2010/main" xmlns="" w="9525">
+                <a14:hiddenLine xmlns="" xmlns:a14="http://schemas.microsoft.com/office/drawing/2010/main" w="9525">
                   <a:solidFill>
                     <a:srgbClr val="000000"/>
                   </a:solidFill>
@@ -3864,7 +3865,7 @@
             </a:ln>
             <a:extLst>
               <a:ext uri="{91240B29-F687-4f45-9708-019B960494DF}">
-                <a14:hiddenLine xmlns:a14="http://schemas.microsoft.com/office/drawing/2010/main" xmlns="" w="9525">
+                <a14:hiddenLine xmlns="" xmlns:a14="http://schemas.microsoft.com/office/drawing/2010/main" w="9525">
                   <a:solidFill>
                     <a:srgbClr val="000000"/>
                   </a:solidFill>
@@ -3954,7 +3955,7 @@
             </a:ln>
             <a:extLst>
               <a:ext uri="{91240B29-F687-4f45-9708-019B960494DF}">
-                <a14:hiddenLine xmlns:a14="http://schemas.microsoft.com/office/drawing/2010/main" xmlns="" w="9525">
+                <a14:hiddenLine xmlns="" xmlns:a14="http://schemas.microsoft.com/office/drawing/2010/main" w="9525">
                   <a:solidFill>
                     <a:srgbClr val="000000"/>
                   </a:solidFill>
@@ -4044,7 +4045,7 @@
             </a:ln>
             <a:extLst>
               <a:ext uri="{91240B29-F687-4f45-9708-019B960494DF}">
-                <a14:hiddenLine xmlns:a14="http://schemas.microsoft.com/office/drawing/2010/main" xmlns="" w="9525">
+                <a14:hiddenLine xmlns="" xmlns:a14="http://schemas.microsoft.com/office/drawing/2010/main" w="9525">
                   <a:solidFill>
                     <a:srgbClr val="000000"/>
                   </a:solidFill>
@@ -4109,7 +4110,7 @@
             </a:ln>
             <a:extLst>
               <a:ext uri="{91240B29-F687-4f45-9708-019B960494DF}">
-                <a14:hiddenLine xmlns:a14="http://schemas.microsoft.com/office/drawing/2010/main" xmlns="" w="9525">
+                <a14:hiddenLine xmlns="" xmlns:a14="http://schemas.microsoft.com/office/drawing/2010/main" w="9525">
                   <a:solidFill>
                     <a:srgbClr val="000000"/>
                   </a:solidFill>
@@ -4171,7 +4172,7 @@
             </a:ln>
             <a:extLst>
               <a:ext uri="{91240B29-F687-4f45-9708-019B960494DF}">
-                <a14:hiddenLine xmlns:a14="http://schemas.microsoft.com/office/drawing/2010/main" xmlns="" w="9525">
+                <a14:hiddenLine xmlns="" xmlns:a14="http://schemas.microsoft.com/office/drawing/2010/main" w="9525">
                   <a:solidFill>
                     <a:srgbClr val="000000"/>
                   </a:solidFill>
@@ -4261,7 +4262,7 @@
             </a:ln>
             <a:extLst>
               <a:ext uri="{91240B29-F687-4f45-9708-019B960494DF}">
-                <a14:hiddenLine xmlns:a14="http://schemas.microsoft.com/office/drawing/2010/main" xmlns="" w="9525">
+                <a14:hiddenLine xmlns="" xmlns:a14="http://schemas.microsoft.com/office/drawing/2010/main" w="9525">
                   <a:solidFill>
                     <a:srgbClr val="000000"/>
                   </a:solidFill>
@@ -4351,7 +4352,7 @@
             </a:ln>
             <a:extLst>
               <a:ext uri="{91240B29-F687-4f45-9708-019B960494DF}">
-                <a14:hiddenLine xmlns:a14="http://schemas.microsoft.com/office/drawing/2010/main" xmlns="" w="9525">
+                <a14:hiddenLine xmlns="" xmlns:a14="http://schemas.microsoft.com/office/drawing/2010/main" w="9525">
                   <a:solidFill>
                     <a:srgbClr val="000000"/>
                   </a:solidFill>
@@ -4413,7 +4414,7 @@
             </a:ln>
             <a:extLst>
               <a:ext uri="{91240B29-F687-4f45-9708-019B960494DF}">
-                <a14:hiddenLine xmlns:a14="http://schemas.microsoft.com/office/drawing/2010/main" xmlns="" w="9525">
+                <a14:hiddenLine xmlns="" xmlns:a14="http://schemas.microsoft.com/office/drawing/2010/main" w="9525">
                   <a:solidFill>
                     <a:srgbClr val="000000"/>
                   </a:solidFill>
@@ -4533,7 +4534,7 @@
             </a:ln>
             <a:extLst>
               <a:ext uri="{91240B29-F687-4f45-9708-019B960494DF}">
-                <a14:hiddenLine xmlns:a14="http://schemas.microsoft.com/office/drawing/2010/main" xmlns="" w="9525">
+                <a14:hiddenLine xmlns="" xmlns:a14="http://schemas.microsoft.com/office/drawing/2010/main" w="9525">
                   <a:solidFill>
                     <a:srgbClr val="000000"/>
                   </a:solidFill>
@@ -4601,7 +4602,7 @@
             </a:ln>
             <a:extLst>
               <a:ext uri="{91240B29-F687-4f45-9708-019B960494DF}">
-                <a14:hiddenLine xmlns:a14="http://schemas.microsoft.com/office/drawing/2010/main" xmlns="" w="9525">
+                <a14:hiddenLine xmlns="" xmlns:a14="http://schemas.microsoft.com/office/drawing/2010/main" w="9525">
                   <a:solidFill>
                     <a:srgbClr val="000000"/>
                   </a:solidFill>
@@ -4691,7 +4692,7 @@
             </a:ln>
             <a:extLst>
               <a:ext uri="{91240B29-F687-4f45-9708-019B960494DF}">
-                <a14:hiddenLine xmlns:a14="http://schemas.microsoft.com/office/drawing/2010/main" xmlns="" w="9525">
+                <a14:hiddenLine xmlns="" xmlns:a14="http://schemas.microsoft.com/office/drawing/2010/main" w="9525">
                   <a:solidFill>
                     <a:srgbClr val="000000"/>
                   </a:solidFill>
@@ -4831,7 +4832,7 @@
           <a:p>
             <a:fld id="{EC4347D3-4C9A-C240-8F14-750059DFEEB0}" type="datetimeFigureOut">
               <a:rPr lang="en-US" smtClean="0"/>
-              <a:t>1/20/26</a:t>
+              <a:t>1/22/26</a:t>
             </a:fld>
             <a:endParaRPr lang="en-US"/>
           </a:p>
@@ -5098,7 +5099,7 @@
           <a:p>
             <a:fld id="{EC4347D3-4C9A-C240-8F14-750059DFEEB0}" type="datetimeFigureOut">
               <a:rPr lang="en-US" smtClean="0"/>
-              <a:t>1/20/26</a:t>
+              <a:t>1/22/26</a:t>
             </a:fld>
             <a:endParaRPr lang="en-US"/>
           </a:p>
@@ -5294,7 +5295,7 @@
           <a:p>
             <a:fld id="{EC4347D3-4C9A-C240-8F14-750059DFEEB0}" type="datetimeFigureOut">
               <a:rPr lang="en-US" smtClean="0"/>
-              <a:t>1/20/26</a:t>
+              <a:t>1/22/26</a:t>
             </a:fld>
             <a:endParaRPr lang="en-US"/>
           </a:p>
@@ -5557,7 +5558,7 @@
           <a:p>
             <a:fld id="{EC4347D3-4C9A-C240-8F14-750059DFEEB0}" type="datetimeFigureOut">
               <a:rPr lang="en-US" smtClean="0"/>
-              <a:t>1/20/26</a:t>
+              <a:t>1/22/26</a:t>
             </a:fld>
             <a:endParaRPr lang="en-US"/>
           </a:p>
@@ -5991,7 +5992,7 @@
           <a:p>
             <a:fld id="{EC4347D3-4C9A-C240-8F14-750059DFEEB0}" type="datetimeFigureOut">
               <a:rPr lang="en-US" smtClean="0"/>
-              <a:t>1/20/26</a:t>
+              <a:t>1/22/26</a:t>
             </a:fld>
             <a:endParaRPr lang="en-US"/>
           </a:p>
@@ -6537,7 +6538,7 @@
           <a:p>
             <a:fld id="{EC4347D3-4C9A-C240-8F14-750059DFEEB0}" type="datetimeFigureOut">
               <a:rPr lang="en-US" smtClean="0"/>
-              <a:t>1/20/26</a:t>
+              <a:t>1/22/26</a:t>
             </a:fld>
             <a:endParaRPr lang="en-US"/>
           </a:p>
@@ -7257,7 +7258,7 @@
           <a:p>
             <a:fld id="{EC4347D3-4C9A-C240-8F14-750059DFEEB0}" type="datetimeFigureOut">
               <a:rPr lang="en-US" smtClean="0"/>
-              <a:t>1/20/26</a:t>
+              <a:t>1/22/26</a:t>
             </a:fld>
             <a:endParaRPr lang="en-US"/>
           </a:p>
@@ -7427,7 +7428,7 @@
           <a:p>
             <a:fld id="{EC4347D3-4C9A-C240-8F14-750059DFEEB0}" type="datetimeFigureOut">
               <a:rPr lang="en-US" smtClean="0"/>
-              <a:t>1/20/26</a:t>
+              <a:t>1/22/26</a:t>
             </a:fld>
             <a:endParaRPr lang="en-US"/>
           </a:p>
@@ -7607,7 +7608,7 @@
           <a:p>
             <a:fld id="{EC4347D3-4C9A-C240-8F14-750059DFEEB0}" type="datetimeFigureOut">
               <a:rPr lang="en-US" smtClean="0"/>
-              <a:t>1/20/26</a:t>
+              <a:t>1/22/26</a:t>
             </a:fld>
             <a:endParaRPr lang="en-US"/>
           </a:p>
@@ -7777,7 +7778,7 @@
           <a:p>
             <a:fld id="{EC4347D3-4C9A-C240-8F14-750059DFEEB0}" type="datetimeFigureOut">
               <a:rPr lang="en-US" smtClean="0"/>
-              <a:t>1/20/26</a:t>
+              <a:t>1/22/26</a:t>
             </a:fld>
             <a:endParaRPr lang="en-US"/>
           </a:p>
@@ -8027,7 +8028,7 @@
           <a:p>
             <a:fld id="{EC4347D3-4C9A-C240-8F14-750059DFEEB0}" type="datetimeFigureOut">
               <a:rPr lang="en-US" smtClean="0"/>
-              <a:t>1/20/26</a:t>
+              <a:t>1/22/26</a:t>
             </a:fld>
             <a:endParaRPr lang="en-US"/>
           </a:p>
@@ -8259,7 +8260,7 @@
           <a:p>
             <a:fld id="{EC4347D3-4C9A-C240-8F14-750059DFEEB0}" type="datetimeFigureOut">
               <a:rPr lang="en-US" smtClean="0"/>
-              <a:t>1/20/26</a:t>
+              <a:t>1/22/26</a:t>
             </a:fld>
             <a:endParaRPr lang="en-US"/>
           </a:p>
@@ -8645,7 +8646,7 @@
           <a:p>
             <a:fld id="{EC4347D3-4C9A-C240-8F14-750059DFEEB0}" type="datetimeFigureOut">
               <a:rPr lang="en-US" smtClean="0"/>
-              <a:t>1/20/26</a:t>
+              <a:t>1/22/26</a:t>
             </a:fld>
             <a:endParaRPr lang="en-US"/>
           </a:p>
@@ -8768,7 +8769,7 @@
           <a:p>
             <a:fld id="{EC4347D3-4C9A-C240-8F14-750059DFEEB0}" type="datetimeFigureOut">
               <a:rPr lang="en-US" smtClean="0"/>
-              <a:t>1/20/26</a:t>
+              <a:t>1/22/26</a:t>
             </a:fld>
             <a:endParaRPr lang="en-US"/>
           </a:p>
@@ -8863,7 +8864,7 @@
           <a:p>
             <a:fld id="{EC4347D3-4C9A-C240-8F14-750059DFEEB0}" type="datetimeFigureOut">
               <a:rPr lang="en-US" smtClean="0"/>
-              <a:t>1/20/26</a:t>
+              <a:t>1/22/26</a:t>
             </a:fld>
             <a:endParaRPr lang="en-US"/>
           </a:p>
@@ -9112,7 +9113,7 @@
           <a:p>
             <a:fld id="{EC4347D3-4C9A-C240-8F14-750059DFEEB0}" type="datetimeFigureOut">
               <a:rPr lang="en-US" smtClean="0"/>
-              <a:t>1/20/26</a:t>
+              <a:t>1/22/26</a:t>
             </a:fld>
             <a:endParaRPr lang="en-US"/>
           </a:p>
@@ -9397,7 +9398,7 @@
           <a:p>
             <a:fld id="{EC4347D3-4C9A-C240-8F14-750059DFEEB0}" type="datetimeFigureOut">
               <a:rPr lang="en-US" smtClean="0"/>
-              <a:t>1/20/26</a:t>
+              <a:t>1/22/26</a:t>
             </a:fld>
             <a:endParaRPr lang="en-US"/>
           </a:p>
@@ -9520,7 +9521,7 @@
           <a:noFill/>
           <a:extLst>
             <a:ext uri="{909E8E84-426E-40dd-AFC4-6F175D3DCCD1}">
-              <a14:hiddenFill xmlns:a14="http://schemas.microsoft.com/office/drawing/2010/main" xmlns="">
+              <a14:hiddenFill xmlns="" xmlns:a14="http://schemas.microsoft.com/office/drawing/2010/main">
                 <a:solidFill>
                   <a:srgbClr val="FFFFFF"/>
                 </a:solidFill>
@@ -9594,7 +9595,7 @@
               </a:ln>
               <a:extLst>
                 <a:ext uri="{91240B29-F687-4f45-9708-019B960494DF}">
-                  <a14:hiddenLine xmlns:a14="http://schemas.microsoft.com/office/drawing/2010/main" xmlns="" w="9525">
+                  <a14:hiddenLine xmlns="" xmlns:a14="http://schemas.microsoft.com/office/drawing/2010/main" w="9525">
                     <a:solidFill>
                       <a:srgbClr val="000000"/>
                     </a:solidFill>
@@ -9684,7 +9685,7 @@
               </a:ln>
               <a:extLst>
                 <a:ext uri="{91240B29-F687-4f45-9708-019B960494DF}">
-                  <a14:hiddenLine xmlns:a14="http://schemas.microsoft.com/office/drawing/2010/main" xmlns="" w="9525">
+                  <a14:hiddenLine xmlns="" xmlns:a14="http://schemas.microsoft.com/office/drawing/2010/main" w="9525">
                     <a:solidFill>
                       <a:srgbClr val="000000"/>
                     </a:solidFill>
@@ -9774,7 +9775,7 @@
               </a:ln>
               <a:extLst>
                 <a:ext uri="{91240B29-F687-4f45-9708-019B960494DF}">
-                  <a14:hiddenLine xmlns:a14="http://schemas.microsoft.com/office/drawing/2010/main" xmlns="" w="9525">
+                  <a14:hiddenLine xmlns="" xmlns:a14="http://schemas.microsoft.com/office/drawing/2010/main" w="9525">
                     <a:solidFill>
                       <a:srgbClr val="000000"/>
                     </a:solidFill>
@@ -9836,7 +9837,7 @@
               </a:ln>
               <a:extLst>
                 <a:ext uri="{91240B29-F687-4f45-9708-019B960494DF}">
-                  <a14:hiddenLine xmlns:a14="http://schemas.microsoft.com/office/drawing/2010/main" xmlns="" w="9525">
+                  <a14:hiddenLine xmlns="" xmlns:a14="http://schemas.microsoft.com/office/drawing/2010/main" w="9525">
                     <a:solidFill>
                       <a:srgbClr val="000000"/>
                     </a:solidFill>
@@ -9926,7 +9927,7 @@
               </a:ln>
               <a:extLst>
                 <a:ext uri="{91240B29-F687-4f45-9708-019B960494DF}">
-                  <a14:hiddenLine xmlns:a14="http://schemas.microsoft.com/office/drawing/2010/main" xmlns="" w="9525">
+                  <a14:hiddenLine xmlns="" xmlns:a14="http://schemas.microsoft.com/office/drawing/2010/main" w="9525">
                     <a:solidFill>
                       <a:srgbClr val="000000"/>
                     </a:solidFill>
@@ -9988,7 +9989,7 @@
               </a:ln>
               <a:extLst>
                 <a:ext uri="{91240B29-F687-4f45-9708-019B960494DF}">
-                  <a14:hiddenLine xmlns:a14="http://schemas.microsoft.com/office/drawing/2010/main" xmlns="" w="9525">
+                  <a14:hiddenLine xmlns="" xmlns:a14="http://schemas.microsoft.com/office/drawing/2010/main" w="9525">
                     <a:solidFill>
                       <a:srgbClr val="000000"/>
                     </a:solidFill>
@@ -10050,7 +10051,7 @@
               </a:ln>
               <a:extLst>
                 <a:ext uri="{91240B29-F687-4f45-9708-019B960494DF}">
-                  <a14:hiddenLine xmlns:a14="http://schemas.microsoft.com/office/drawing/2010/main" xmlns="" w="9525">
+                  <a14:hiddenLine xmlns="" xmlns:a14="http://schemas.microsoft.com/office/drawing/2010/main" w="9525">
                     <a:solidFill>
                       <a:srgbClr val="000000"/>
                     </a:solidFill>
@@ -10140,7 +10141,7 @@
               </a:ln>
               <a:extLst>
                 <a:ext uri="{91240B29-F687-4f45-9708-019B960494DF}">
-                  <a14:hiddenLine xmlns:a14="http://schemas.microsoft.com/office/drawing/2010/main" xmlns="" w="9525">
+                  <a14:hiddenLine xmlns="" xmlns:a14="http://schemas.microsoft.com/office/drawing/2010/main" w="9525">
                     <a:solidFill>
                       <a:srgbClr val="000000"/>
                     </a:solidFill>
@@ -10230,7 +10231,7 @@
               </a:ln>
               <a:extLst>
                 <a:ext uri="{91240B29-F687-4f45-9708-019B960494DF}">
-                  <a14:hiddenLine xmlns:a14="http://schemas.microsoft.com/office/drawing/2010/main" xmlns="" w="9525">
+                  <a14:hiddenLine xmlns="" xmlns:a14="http://schemas.microsoft.com/office/drawing/2010/main" w="9525">
                     <a:solidFill>
                       <a:srgbClr val="000000"/>
                     </a:solidFill>
@@ -10292,7 +10293,7 @@
               </a:ln>
               <a:extLst>
                 <a:ext uri="{91240B29-F687-4f45-9708-019B960494DF}">
-                  <a14:hiddenLine xmlns:a14="http://schemas.microsoft.com/office/drawing/2010/main" xmlns="" w="9525">
+                  <a14:hiddenLine xmlns="" xmlns:a14="http://schemas.microsoft.com/office/drawing/2010/main" w="9525">
                     <a:solidFill>
                       <a:srgbClr val="000000"/>
                     </a:solidFill>
@@ -10402,7 +10403,7 @@
               </a:ln>
               <a:extLst>
                 <a:ext uri="{91240B29-F687-4f45-9708-019B960494DF}">
-                  <a14:hiddenLine xmlns:a14="http://schemas.microsoft.com/office/drawing/2010/main" xmlns="" w="9525">
+                  <a14:hiddenLine xmlns="" xmlns:a14="http://schemas.microsoft.com/office/drawing/2010/main" w="9525">
                     <a:solidFill>
                       <a:srgbClr val="000000"/>
                     </a:solidFill>
@@ -10486,7 +10487,7 @@
               </a:ln>
               <a:extLst>
                 <a:ext uri="{91240B29-F687-4f45-9708-019B960494DF}">
-                  <a14:hiddenLine xmlns:a14="http://schemas.microsoft.com/office/drawing/2010/main" xmlns="" w="9525">
+                  <a14:hiddenLine xmlns="" xmlns:a14="http://schemas.microsoft.com/office/drawing/2010/main" w="9525">
                     <a:solidFill>
                       <a:srgbClr val="000000"/>
                     </a:solidFill>
@@ -10548,7 +10549,7 @@
               </a:ln>
               <a:extLst>
                 <a:ext uri="{91240B29-F687-4f45-9708-019B960494DF}">
-                  <a14:hiddenLine xmlns:a14="http://schemas.microsoft.com/office/drawing/2010/main" xmlns="" w="9525">
+                  <a14:hiddenLine xmlns="" xmlns:a14="http://schemas.microsoft.com/office/drawing/2010/main" w="9525">
                     <a:solidFill>
                       <a:srgbClr val="000000"/>
                     </a:solidFill>
@@ -10610,7 +10611,7 @@
               </a:ln>
               <a:extLst>
                 <a:ext uri="{91240B29-F687-4f45-9708-019B960494DF}">
-                  <a14:hiddenLine xmlns:a14="http://schemas.microsoft.com/office/drawing/2010/main" xmlns="" w="9525">
+                  <a14:hiddenLine xmlns="" xmlns:a14="http://schemas.microsoft.com/office/drawing/2010/main" w="9525">
                     <a:solidFill>
                       <a:srgbClr val="000000"/>
                     </a:solidFill>
@@ -10700,7 +10701,7 @@
               </a:ln>
               <a:extLst>
                 <a:ext uri="{91240B29-F687-4f45-9708-019B960494DF}">
-                  <a14:hiddenLine xmlns:a14="http://schemas.microsoft.com/office/drawing/2010/main" xmlns="" w="9525">
+                  <a14:hiddenLine xmlns="" xmlns:a14="http://schemas.microsoft.com/office/drawing/2010/main" w="9525">
                     <a:solidFill>
                       <a:srgbClr val="000000"/>
                     </a:solidFill>
@@ -10734,7 +10735,7 @@
               </a:ln>
               <a:extLst>
                 <a:ext uri="{91240B29-F687-4f45-9708-019B960494DF}">
-                  <a14:hiddenLine xmlns:a14="http://schemas.microsoft.com/office/drawing/2010/main" xmlns="" w="9525">
+                  <a14:hiddenLine xmlns="" xmlns:a14="http://schemas.microsoft.com/office/drawing/2010/main" w="9525">
                     <a:solidFill>
                       <a:srgbClr val="000000"/>
                     </a:solidFill>
@@ -10799,7 +10800,7 @@
               </a:ln>
               <a:extLst>
                 <a:ext uri="{91240B29-F687-4f45-9708-019B960494DF}">
-                  <a14:hiddenLine xmlns:a14="http://schemas.microsoft.com/office/drawing/2010/main" xmlns="" w="9525">
+                  <a14:hiddenLine xmlns="" xmlns:a14="http://schemas.microsoft.com/office/drawing/2010/main" w="9525">
                     <a:solidFill>
                       <a:srgbClr val="000000"/>
                     </a:solidFill>
@@ -10889,7 +10890,7 @@
               </a:ln>
               <a:extLst>
                 <a:ext uri="{91240B29-F687-4f45-9708-019B960494DF}">
-                  <a14:hiddenLine xmlns:a14="http://schemas.microsoft.com/office/drawing/2010/main" xmlns="" w="9525">
+                  <a14:hiddenLine xmlns="" xmlns:a14="http://schemas.microsoft.com/office/drawing/2010/main" w="9525">
                     <a:solidFill>
                       <a:srgbClr val="000000"/>
                     </a:solidFill>
@@ -10951,7 +10952,7 @@
               </a:ln>
               <a:extLst>
                 <a:ext uri="{91240B29-F687-4f45-9708-019B960494DF}">
-                  <a14:hiddenLine xmlns:a14="http://schemas.microsoft.com/office/drawing/2010/main" xmlns="" w="9525">
+                  <a14:hiddenLine xmlns="" xmlns:a14="http://schemas.microsoft.com/office/drawing/2010/main" w="9525">
                     <a:solidFill>
                       <a:srgbClr val="000000"/>
                     </a:solidFill>
@@ -11041,7 +11042,7 @@
               </a:ln>
               <a:extLst>
                 <a:ext uri="{91240B29-F687-4f45-9708-019B960494DF}">
-                  <a14:hiddenLine xmlns:a14="http://schemas.microsoft.com/office/drawing/2010/main" xmlns="" w="9525">
+                  <a14:hiddenLine xmlns="" xmlns:a14="http://schemas.microsoft.com/office/drawing/2010/main" w="9525">
                     <a:solidFill>
                       <a:srgbClr val="000000"/>
                     </a:solidFill>
@@ -11106,7 +11107,7 @@
               </a:ln>
               <a:extLst>
                 <a:ext uri="{91240B29-F687-4f45-9708-019B960494DF}">
-                  <a14:hiddenLine xmlns:a14="http://schemas.microsoft.com/office/drawing/2010/main" xmlns="" w="9525">
+                  <a14:hiddenLine xmlns="" xmlns:a14="http://schemas.microsoft.com/office/drawing/2010/main" w="9525">
                     <a:solidFill>
                       <a:srgbClr val="000000"/>
                     </a:solidFill>
@@ -11168,7 +11169,7 @@
               </a:ln>
               <a:extLst>
                 <a:ext uri="{91240B29-F687-4f45-9708-019B960494DF}">
-                  <a14:hiddenLine xmlns:a14="http://schemas.microsoft.com/office/drawing/2010/main" xmlns="" w="9525">
+                  <a14:hiddenLine xmlns="" xmlns:a14="http://schemas.microsoft.com/office/drawing/2010/main" w="9525">
                     <a:solidFill>
                       <a:srgbClr val="000000"/>
                     </a:solidFill>
@@ -11258,7 +11259,7 @@
               </a:ln>
               <a:extLst>
                 <a:ext uri="{91240B29-F687-4f45-9708-019B960494DF}">
-                  <a14:hiddenLine xmlns:a14="http://schemas.microsoft.com/office/drawing/2010/main" xmlns="" w="9525">
+                  <a14:hiddenLine xmlns="" xmlns:a14="http://schemas.microsoft.com/office/drawing/2010/main" w="9525">
                     <a:solidFill>
                       <a:srgbClr val="000000"/>
                     </a:solidFill>
@@ -11348,7 +11349,7 @@
               </a:ln>
               <a:extLst>
                 <a:ext uri="{91240B29-F687-4f45-9708-019B960494DF}">
-                  <a14:hiddenLine xmlns:a14="http://schemas.microsoft.com/office/drawing/2010/main" xmlns="" w="9525">
+                  <a14:hiddenLine xmlns="" xmlns:a14="http://schemas.microsoft.com/office/drawing/2010/main" w="9525">
                     <a:solidFill>
                       <a:srgbClr val="000000"/>
                     </a:solidFill>
@@ -11413,7 +11414,7 @@
               </a:ln>
               <a:extLst>
                 <a:ext uri="{91240B29-F687-4f45-9708-019B960494DF}">
-                  <a14:hiddenLine xmlns:a14="http://schemas.microsoft.com/office/drawing/2010/main" xmlns="" w="9525">
+                  <a14:hiddenLine xmlns="" xmlns:a14="http://schemas.microsoft.com/office/drawing/2010/main" w="9525">
                     <a:solidFill>
                       <a:srgbClr val="000000"/>
                     </a:solidFill>
@@ -11533,7 +11534,7 @@
               </a:ln>
               <a:extLst>
                 <a:ext uri="{91240B29-F687-4f45-9708-019B960494DF}">
-                  <a14:hiddenLine xmlns:a14="http://schemas.microsoft.com/office/drawing/2010/main" xmlns="" w="9525">
+                  <a14:hiddenLine xmlns="" xmlns:a14="http://schemas.microsoft.com/office/drawing/2010/main" w="9525">
                     <a:solidFill>
                       <a:srgbClr val="000000"/>
                     </a:solidFill>
@@ -11614,7 +11615,7 @@
               </a:ln>
               <a:extLst>
                 <a:ext uri="{91240B29-F687-4f45-9708-019B960494DF}">
-                  <a14:hiddenLine xmlns:a14="http://schemas.microsoft.com/office/drawing/2010/main" xmlns="" w="9525">
+                  <a14:hiddenLine xmlns="" xmlns:a14="http://schemas.microsoft.com/office/drawing/2010/main" w="9525">
                     <a:solidFill>
                       <a:srgbClr val="000000"/>
                     </a:solidFill>
@@ -11729,7 +11730,7 @@
               </a:ln>
               <a:extLst>
                 <a:ext uri="{91240B29-F687-4f45-9708-019B960494DF}">
-                  <a14:hiddenLine xmlns:a14="http://schemas.microsoft.com/office/drawing/2010/main" xmlns="" w="9525">
+                  <a14:hiddenLine xmlns="" xmlns:a14="http://schemas.microsoft.com/office/drawing/2010/main" w="9525">
                     <a:solidFill>
                       <a:srgbClr val="000000"/>
                     </a:solidFill>
@@ -11819,7 +11820,7 @@
               </a:ln>
               <a:extLst>
                 <a:ext uri="{91240B29-F687-4f45-9708-019B960494DF}">
-                  <a14:hiddenLine xmlns:a14="http://schemas.microsoft.com/office/drawing/2010/main" xmlns="" w="9525">
+                  <a14:hiddenLine xmlns="" xmlns:a14="http://schemas.microsoft.com/office/drawing/2010/main" w="9525">
                     <a:solidFill>
                       <a:srgbClr val="000000"/>
                     </a:solidFill>
@@ -11884,7 +11885,7 @@
               </a:ln>
               <a:extLst>
                 <a:ext uri="{91240B29-F687-4f45-9708-019B960494DF}">
-                  <a14:hiddenLine xmlns:a14="http://schemas.microsoft.com/office/drawing/2010/main" xmlns="" w="9525">
+                  <a14:hiddenLine xmlns="" xmlns:a14="http://schemas.microsoft.com/office/drawing/2010/main" w="9525">
                     <a:solidFill>
                       <a:srgbClr val="000000"/>
                     </a:solidFill>
@@ -11974,7 +11975,7 @@
               </a:ln>
               <a:extLst>
                 <a:ext uri="{91240B29-F687-4f45-9708-019B960494DF}">
-                  <a14:hiddenLine xmlns:a14="http://schemas.microsoft.com/office/drawing/2010/main" xmlns="" w="9525">
+                  <a14:hiddenLine xmlns="" xmlns:a14="http://schemas.microsoft.com/office/drawing/2010/main" w="9525">
                     <a:solidFill>
                       <a:srgbClr val="000000"/>
                     </a:solidFill>
@@ -12042,7 +12043,7 @@
               </a:ln>
               <a:extLst>
                 <a:ext uri="{91240B29-F687-4f45-9708-019B960494DF}">
-                  <a14:hiddenLine xmlns:a14="http://schemas.microsoft.com/office/drawing/2010/main" xmlns="" w="9525">
+                  <a14:hiddenLine xmlns="" xmlns:a14="http://schemas.microsoft.com/office/drawing/2010/main" w="9525">
                     <a:solidFill>
                       <a:srgbClr val="000000"/>
                     </a:solidFill>
@@ -12132,7 +12133,7 @@
               </a:ln>
               <a:extLst>
                 <a:ext uri="{91240B29-F687-4f45-9708-019B960494DF}">
-                  <a14:hiddenLine xmlns:a14="http://schemas.microsoft.com/office/drawing/2010/main" xmlns="" w="9525">
+                  <a14:hiddenLine xmlns="" xmlns:a14="http://schemas.microsoft.com/office/drawing/2010/main" w="9525">
                     <a:solidFill>
                       <a:srgbClr val="000000"/>
                     </a:solidFill>
@@ -12200,7 +12201,7 @@
               </a:ln>
               <a:extLst>
                 <a:ext uri="{91240B29-F687-4f45-9708-019B960494DF}">
-                  <a14:hiddenLine xmlns:a14="http://schemas.microsoft.com/office/drawing/2010/main" xmlns="" w="9525">
+                  <a14:hiddenLine xmlns="" xmlns:a14="http://schemas.microsoft.com/office/drawing/2010/main" w="9525">
                     <a:solidFill>
                       <a:srgbClr val="000000"/>
                     </a:solidFill>
@@ -12290,7 +12291,7 @@
               </a:ln>
               <a:extLst>
                 <a:ext uri="{91240B29-F687-4f45-9708-019B960494DF}">
-                  <a14:hiddenLine xmlns:a14="http://schemas.microsoft.com/office/drawing/2010/main" xmlns="" w="9525">
+                  <a14:hiddenLine xmlns="" xmlns:a14="http://schemas.microsoft.com/office/drawing/2010/main" w="9525">
                     <a:solidFill>
                       <a:srgbClr val="000000"/>
                     </a:solidFill>
@@ -12324,7 +12325,7 @@
               </a:ln>
               <a:extLst>
                 <a:ext uri="{91240B29-F687-4f45-9708-019B960494DF}">
-                  <a14:hiddenLine xmlns:a14="http://schemas.microsoft.com/office/drawing/2010/main" xmlns="" w="9525">
+                  <a14:hiddenLine xmlns="" xmlns:a14="http://schemas.microsoft.com/office/drawing/2010/main" w="9525">
                     <a:solidFill>
                       <a:srgbClr val="000000"/>
                     </a:solidFill>
@@ -12464,7 +12465,7 @@
           <a:p>
             <a:fld id="{EC4347D3-4C9A-C240-8F14-750059DFEEB0}" type="datetimeFigureOut">
               <a:rPr lang="en-US" smtClean="0"/>
-              <a:t>1/20/26</a:t>
+              <a:t>1/22/26</a:t>
             </a:fld>
             <a:endParaRPr lang="en-US"/>
           </a:p>
@@ -13129,6 +13130,180 @@
 </p:sld>
 </file>
 
+<file path=ppt/slides/slide3.xml><?xml version="1.0" encoding="utf-8"?>
+<p:sld xmlns:a="http://schemas.openxmlformats.org/drawingml/2006/main" xmlns:r="http://schemas.openxmlformats.org/officeDocument/2006/relationships" xmlns:p="http://schemas.openxmlformats.org/presentationml/2006/main">
+  <p:cSld>
+    <p:spTree>
+      <p:nvGrpSpPr>
+        <p:cNvPr id="1" name="">
+          <a:extLst>
+            <a:ext uri="{FF2B5EF4-FFF2-40B4-BE49-F238E27FC236}">
+              <a16:creationId xmlns:a16="http://schemas.microsoft.com/office/drawing/2014/main" id="{D56F60E5-299F-C2E6-65D2-838BBFBE92A5}"/>
+            </a:ext>
+          </a:extLst>
+        </p:cNvPr>
+        <p:cNvGrpSpPr/>
+        <p:nvPr/>
+      </p:nvGrpSpPr>
+      <p:grpSpPr>
+        <a:xfrm>
+          <a:off x="0" y="0"/>
+          <a:ext cx="0" cy="0"/>
+          <a:chOff x="0" y="0"/>
+          <a:chExt cx="0" cy="0"/>
+        </a:xfrm>
+      </p:grpSpPr>
+      <p:sp>
+        <p:nvSpPr>
+          <p:cNvPr id="6146" name="Rectangle 2">
+            <a:extLst>
+              <a:ext uri="{FF2B5EF4-FFF2-40B4-BE49-F238E27FC236}">
+                <a16:creationId xmlns:a16="http://schemas.microsoft.com/office/drawing/2014/main" id="{BC011B03-89ED-69AC-2EC1-84A957073CC6}"/>
+              </a:ext>
+            </a:extLst>
+          </p:cNvPr>
+          <p:cNvSpPr>
+            <a:spLocks noGrp="1" noChangeArrowheads="1"/>
+          </p:cNvSpPr>
+          <p:nvPr>
+            <p:ph type="title"/>
+            <p:custDataLst>
+              <p:tags r:id="rId1"/>
+            </p:custDataLst>
+          </p:nvPr>
+        </p:nvSpPr>
+        <p:spPr>
+          <a:xfrm>
+            <a:off x="1141413" y="284084"/>
+            <a:ext cx="9905998" cy="620791"/>
+          </a:xfrm>
+        </p:spPr>
+        <p:txBody>
+          <a:bodyPr/>
+          <a:lstStyle/>
+          <a:p>
+            <a:pPr algn="ctr"/>
+            <a:r>
+              <a:rPr lang="en-US" dirty="0"/>
+              <a:t>Lecture 3: 1/22/26</a:t>
+            </a:r>
+          </a:p>
+        </p:txBody>
+      </p:sp>
+      <p:sp>
+        <p:nvSpPr>
+          <p:cNvPr id="6147" name="Rectangle 3">
+            <a:extLst>
+              <a:ext uri="{FF2B5EF4-FFF2-40B4-BE49-F238E27FC236}">
+                <a16:creationId xmlns:a16="http://schemas.microsoft.com/office/drawing/2014/main" id="{6988D23D-41E8-75B8-1A99-F4DA9C298AEB}"/>
+              </a:ext>
+            </a:extLst>
+          </p:cNvPr>
+          <p:cNvSpPr>
+            <a:spLocks noGrp="1" noChangeArrowheads="1"/>
+          </p:cNvSpPr>
+          <p:nvPr>
+            <p:ph idx="1"/>
+            <p:custDataLst>
+              <p:tags r:id="rId2"/>
+            </p:custDataLst>
+          </p:nvPr>
+        </p:nvSpPr>
+        <p:spPr>
+          <a:xfrm>
+            <a:off x="1021404" y="1123950"/>
+            <a:ext cx="10204315" cy="5149850"/>
+          </a:xfrm>
+        </p:spPr>
+        <p:txBody>
+          <a:bodyPr>
+            <a:normAutofit fontScale="92500"/>
+          </a:bodyPr>
+          <a:lstStyle/>
+          <a:p>
+            <a:r>
+              <a:rPr lang="en-US" dirty="0"/>
+              <a:t>Missed first lecture, on Waitlist, or just got into the class? Read syllabus VERY carefully. Make sure you see course policies like required attendance, etc.</a:t>
+            </a:r>
+          </a:p>
+          <a:p>
+            <a:r>
+              <a:rPr lang="en-US" dirty="0"/>
+              <a:t>First homework is past due (free extension until Sunday evening)</a:t>
+            </a:r>
+          </a:p>
+          <a:p>
+            <a:pPr lvl="1"/>
+            <a:r>
+              <a:rPr lang="en-US" dirty="0"/>
+              <a:t>It is a pretty tough one. How is it going so far? </a:t>
+            </a:r>
+          </a:p>
+          <a:p>
+            <a:pPr lvl="1"/>
+            <a:r>
+              <a:rPr lang="en-US" dirty="0"/>
+              <a:t>Need any tips or hints?</a:t>
+            </a:r>
+          </a:p>
+          <a:p>
+            <a:pPr lvl="1"/>
+            <a:r>
+              <a:rPr lang="en-US" dirty="0"/>
+              <a:t>Please don’t hesitate to come to OH to get some help / nudge in the right direction.</a:t>
+            </a:r>
+          </a:p>
+          <a:p>
+            <a:r>
+              <a:rPr lang="en-US" dirty="0"/>
+              <a:t>First attendance check is today!</a:t>
+            </a:r>
+          </a:p>
+          <a:p>
+            <a:r>
+              <a:rPr lang="en-US" dirty="0"/>
+              <a:t>Second programming assignment will release next Thursday</a:t>
+            </a:r>
+          </a:p>
+          <a:p>
+            <a:pPr lvl="1"/>
+            <a:r>
+              <a:rPr lang="en-US" dirty="0"/>
+              <a:t>If we have class (snow hasn’t trapped us all in) then we will have another lab day to start the assignment.</a:t>
+            </a:r>
+          </a:p>
+          <a:p>
+            <a:r>
+              <a:rPr lang="en-US" dirty="0"/>
+              <a:t>Today we will finish our first topic: Fenwick </a:t>
+            </a:r>
+            <a:r>
+              <a:rPr lang="en-US" dirty="0" err="1"/>
+              <a:t>Trees!..and</a:t>
+            </a:r>
+            <a:r>
+              <a:rPr lang="en-US" dirty="0"/>
+              <a:t> maybe start the next topic if time</a:t>
+            </a:r>
+          </a:p>
+          <a:p>
+            <a:endParaRPr lang="en-US" dirty="0"/>
+          </a:p>
+        </p:txBody>
+      </p:sp>
+    </p:spTree>
+    <p:extLst>
+      <p:ext uri="{BB962C8B-B14F-4D97-AF65-F5344CB8AC3E}">
+        <p14:creationId xmlns:p14="http://schemas.microsoft.com/office/powerpoint/2010/main" val="2136638395"/>
+      </p:ext>
+    </p:extLst>
+  </p:cSld>
+  <p:clrMapOvr>
+    <a:masterClrMapping/>
+  </p:clrMapOvr>
+</p:sld>
+</file>
+
 <file path=ppt/tags/tag1.xml><?xml version="1.0" encoding="utf-8"?>
 <p:tagLst xmlns:a="http://schemas.openxmlformats.org/drawingml/2006/main" xmlns:r="http://schemas.openxmlformats.org/officeDocument/2006/relationships" xmlns:p="http://schemas.openxmlformats.org/presentationml/2006/main">
   <p:tag name="_INSTRUCTOR VIEW19C14C36-AC8E-43BC-9DB6-C2AAF774C7DC|PANE__TAG" val="_"/>
@@ -13136,6 +13311,18 @@
 </file>
 
 <file path=ppt/tags/tag2.xml><?xml version="1.0" encoding="utf-8"?>
+<p:tagLst xmlns:a="http://schemas.openxmlformats.org/drawingml/2006/main" xmlns:r="http://schemas.openxmlformats.org/officeDocument/2006/relationships" xmlns:p="http://schemas.openxmlformats.org/presentationml/2006/main">
+  <p:tag name="_INSTRUCTOR VIEW19C14C36-AC8E-43BC-9DB6-C2AAF774C7DC|PANE__TAG" val="_"/>
+</p:tagLst>
+</file>
+
+<file path=ppt/tags/tag3.xml><?xml version="1.0" encoding="utf-8"?>
+<p:tagLst xmlns:a="http://schemas.openxmlformats.org/drawingml/2006/main" xmlns:r="http://schemas.openxmlformats.org/officeDocument/2006/relationships" xmlns:p="http://schemas.openxmlformats.org/presentationml/2006/main">
+  <p:tag name="_INSTRUCTOR VIEW19C14C36-AC8E-43BC-9DB6-C2AAF774C7DC|PANE__TAG" val="_"/>
+</p:tagLst>
+</file>
+
+<file path=ppt/tags/tag4.xml><?xml version="1.0" encoding="utf-8"?>
 <p:tagLst xmlns:a="http://schemas.openxmlformats.org/drawingml/2006/main" xmlns:r="http://schemas.openxmlformats.org/officeDocument/2006/relationships" xmlns:p="http://schemas.openxmlformats.org/presentationml/2006/main">
   <p:tag name="_INSTRUCTOR VIEW19C14C36-AC8E-43BC-9DB6-C2AAF774C7DC|PANE__TAG" val="_"/>
 </p:tagLst>

--- a/slides/00-DailyAnnouncements.pptx
+++ b/slides/00-DailyAnnouncements.pptx
@@ -5,12 +5,13 @@
     <p:sldMasterId id="2147484006" r:id="rId1"/>
   </p:sldMasterIdLst>
   <p:notesMasterIdLst>
-    <p:notesMasterId r:id="rId5"/>
+    <p:notesMasterId r:id="rId6"/>
   </p:notesMasterIdLst>
   <p:sldIdLst>
     <p:sldId id="256" r:id="rId2"/>
     <p:sldId id="505" r:id="rId3"/>
     <p:sldId id="506" r:id="rId4"/>
+    <p:sldId id="507" r:id="rId5"/>
   </p:sldIdLst>
   <p:sldSz cx="12192000" cy="6858000"/>
   <p:notesSz cx="6858000" cy="9144000"/>
@@ -199,7 +200,7 @@
           <a:p>
             <a:fld id="{C5B45307-6ED4-B142-BD64-10F739779302}" type="datetimeFigureOut">
               <a:rPr lang="en-US" smtClean="0"/>
-              <a:t>1/22/26</a:t>
+              <a:t>2/3/26</a:t>
             </a:fld>
             <a:endParaRPr lang="en-US"/>
           </a:p>
@@ -607,7 +608,7 @@
           <a:noFill/>
           <a:extLst>
             <a:ext uri="{909E8E84-426E-40dd-AFC4-6F175D3DCCD1}">
-              <a14:hiddenFill xmlns="" xmlns:a14="http://schemas.microsoft.com/office/drawing/2010/main">
+              <a14:hiddenFill xmlns:a14="http://schemas.microsoft.com/office/drawing/2010/main" xmlns="">
                 <a:solidFill>
                   <a:srgbClr val="FFFFFF"/>
                 </a:solidFill>
@@ -666,7 +667,7 @@
             </a:ln>
             <a:extLst>
               <a:ext uri="{91240B29-F687-4f45-9708-019B960494DF}">
-                <a14:hiddenLine xmlns="" xmlns:a14="http://schemas.microsoft.com/office/drawing/2010/main" w="9525">
+                <a14:hiddenLine xmlns:a14="http://schemas.microsoft.com/office/drawing/2010/main" xmlns="" w="9525">
                   <a:solidFill>
                     <a:srgbClr val="000000"/>
                   </a:solidFill>
@@ -756,7 +757,7 @@
             </a:ln>
             <a:extLst>
               <a:ext uri="{91240B29-F687-4f45-9708-019B960494DF}">
-                <a14:hiddenLine xmlns="" xmlns:a14="http://schemas.microsoft.com/office/drawing/2010/main" w="9525">
+                <a14:hiddenLine xmlns:a14="http://schemas.microsoft.com/office/drawing/2010/main" xmlns="" w="9525">
                   <a:solidFill>
                     <a:srgbClr val="000000"/>
                   </a:solidFill>
@@ -846,7 +847,7 @@
             </a:ln>
             <a:extLst>
               <a:ext uri="{91240B29-F687-4f45-9708-019B960494DF}">
-                <a14:hiddenLine xmlns="" xmlns:a14="http://schemas.microsoft.com/office/drawing/2010/main" w="9525">
+                <a14:hiddenLine xmlns:a14="http://schemas.microsoft.com/office/drawing/2010/main" xmlns="" w="9525">
                   <a:solidFill>
                     <a:srgbClr val="000000"/>
                   </a:solidFill>
@@ -880,7 +881,7 @@
             </a:ln>
             <a:extLst>
               <a:ext uri="{91240B29-F687-4f45-9708-019B960494DF}">
-                <a14:hiddenLine xmlns="" xmlns:a14="http://schemas.microsoft.com/office/drawing/2010/main" w="9525">
+                <a14:hiddenLine xmlns:a14="http://schemas.microsoft.com/office/drawing/2010/main" xmlns="" w="9525">
                   <a:solidFill>
                     <a:srgbClr val="000000"/>
                   </a:solidFill>
@@ -970,7 +971,7 @@
             </a:ln>
             <a:extLst>
               <a:ext uri="{91240B29-F687-4f45-9708-019B960494DF}">
-                <a14:hiddenLine xmlns="" xmlns:a14="http://schemas.microsoft.com/office/drawing/2010/main" w="9525">
+                <a14:hiddenLine xmlns:a14="http://schemas.microsoft.com/office/drawing/2010/main" xmlns="" w="9525">
                   <a:solidFill>
                     <a:srgbClr val="000000"/>
                   </a:solidFill>
@@ -1032,7 +1033,7 @@
             </a:ln>
             <a:extLst>
               <a:ext uri="{91240B29-F687-4f45-9708-019B960494DF}">
-                <a14:hiddenLine xmlns="" xmlns:a14="http://schemas.microsoft.com/office/drawing/2010/main" w="9525">
+                <a14:hiddenLine xmlns:a14="http://schemas.microsoft.com/office/drawing/2010/main" xmlns="" w="9525">
                   <a:solidFill>
                     <a:srgbClr val="000000"/>
                   </a:solidFill>
@@ -1094,7 +1095,7 @@
             </a:ln>
             <a:extLst>
               <a:ext uri="{91240B29-F687-4f45-9708-019B960494DF}">
-                <a14:hiddenLine xmlns="" xmlns:a14="http://schemas.microsoft.com/office/drawing/2010/main" w="9525">
+                <a14:hiddenLine xmlns:a14="http://schemas.microsoft.com/office/drawing/2010/main" xmlns="" w="9525">
                   <a:solidFill>
                     <a:srgbClr val="000000"/>
                   </a:solidFill>
@@ -1184,7 +1185,7 @@
             </a:ln>
             <a:extLst>
               <a:ext uri="{91240B29-F687-4f45-9708-019B960494DF}">
-                <a14:hiddenLine xmlns="" xmlns:a14="http://schemas.microsoft.com/office/drawing/2010/main" w="9525">
+                <a14:hiddenLine xmlns:a14="http://schemas.microsoft.com/office/drawing/2010/main" xmlns="" w="9525">
                   <a:solidFill>
                     <a:srgbClr val="000000"/>
                   </a:solidFill>
@@ -1246,7 +1247,7 @@
             </a:ln>
             <a:extLst>
               <a:ext uri="{91240B29-F687-4f45-9708-019B960494DF}">
-                <a14:hiddenLine xmlns="" xmlns:a14="http://schemas.microsoft.com/office/drawing/2010/main" w="9525">
+                <a14:hiddenLine xmlns:a14="http://schemas.microsoft.com/office/drawing/2010/main" xmlns="" w="9525">
                   <a:solidFill>
                     <a:srgbClr val="000000"/>
                   </a:solidFill>
@@ -1308,7 +1309,7 @@
             </a:ln>
             <a:extLst>
               <a:ext uri="{91240B29-F687-4f45-9708-019B960494DF}">
-                <a14:hiddenLine xmlns="" xmlns:a14="http://schemas.microsoft.com/office/drawing/2010/main" w="9525">
+                <a14:hiddenLine xmlns:a14="http://schemas.microsoft.com/office/drawing/2010/main" xmlns="" w="9525">
                   <a:solidFill>
                     <a:srgbClr val="000000"/>
                   </a:solidFill>
@@ -1398,7 +1399,7 @@
             </a:ln>
             <a:extLst>
               <a:ext uri="{91240B29-F687-4f45-9708-019B960494DF}">
-                <a14:hiddenLine xmlns="" xmlns:a14="http://schemas.microsoft.com/office/drawing/2010/main" w="9525">
+                <a14:hiddenLine xmlns:a14="http://schemas.microsoft.com/office/drawing/2010/main" xmlns="" w="9525">
                   <a:solidFill>
                     <a:srgbClr val="000000"/>
                   </a:solidFill>
@@ -1488,7 +1489,7 @@
             </a:ln>
             <a:extLst>
               <a:ext uri="{91240B29-F687-4f45-9708-019B960494DF}">
-                <a14:hiddenLine xmlns="" xmlns:a14="http://schemas.microsoft.com/office/drawing/2010/main" w="9525">
+                <a14:hiddenLine xmlns:a14="http://schemas.microsoft.com/office/drawing/2010/main" xmlns="" w="9525">
                   <a:solidFill>
                     <a:srgbClr val="000000"/>
                   </a:solidFill>
@@ -1550,7 +1551,7 @@
             </a:ln>
             <a:extLst>
               <a:ext uri="{91240B29-F687-4f45-9708-019B960494DF}">
-                <a14:hiddenLine xmlns="" xmlns:a14="http://schemas.microsoft.com/office/drawing/2010/main" w="9525">
+                <a14:hiddenLine xmlns:a14="http://schemas.microsoft.com/office/drawing/2010/main" xmlns="" w="9525">
                   <a:solidFill>
                     <a:srgbClr val="000000"/>
                   </a:solidFill>
@@ -1660,7 +1661,7 @@
             </a:ln>
             <a:extLst>
               <a:ext uri="{91240B29-F687-4f45-9708-019B960494DF}">
-                <a14:hiddenLine xmlns="" xmlns:a14="http://schemas.microsoft.com/office/drawing/2010/main" w="9525">
+                <a14:hiddenLine xmlns:a14="http://schemas.microsoft.com/office/drawing/2010/main" xmlns="" w="9525">
                   <a:solidFill>
                     <a:srgbClr val="000000"/>
                   </a:solidFill>
@@ -1722,7 +1723,7 @@
             </a:ln>
             <a:extLst>
               <a:ext uri="{91240B29-F687-4f45-9708-019B960494DF}">
-                <a14:hiddenLine xmlns="" xmlns:a14="http://schemas.microsoft.com/office/drawing/2010/main" w="9525">
+                <a14:hiddenLine xmlns:a14="http://schemas.microsoft.com/office/drawing/2010/main" xmlns="" w="9525">
                   <a:solidFill>
                     <a:srgbClr val="000000"/>
                   </a:solidFill>
@@ -1812,7 +1813,7 @@
             </a:ln>
             <a:extLst>
               <a:ext uri="{91240B29-F687-4f45-9708-019B960494DF}">
-                <a14:hiddenLine xmlns="" xmlns:a14="http://schemas.microsoft.com/office/drawing/2010/main" w="9525">
+                <a14:hiddenLine xmlns:a14="http://schemas.microsoft.com/office/drawing/2010/main" xmlns="" w="9525">
                   <a:solidFill>
                     <a:srgbClr val="000000"/>
                   </a:solidFill>
@@ -1902,7 +1903,7 @@
             </a:ln>
             <a:extLst>
               <a:ext uri="{91240B29-F687-4f45-9708-019B960494DF}">
-                <a14:hiddenLine xmlns="" xmlns:a14="http://schemas.microsoft.com/office/drawing/2010/main" w="9525">
+                <a14:hiddenLine xmlns:a14="http://schemas.microsoft.com/office/drawing/2010/main" xmlns="" w="9525">
                   <a:solidFill>
                     <a:srgbClr val="000000"/>
                   </a:solidFill>
@@ -1964,7 +1965,7 @@
             </a:ln>
             <a:extLst>
               <a:ext uri="{91240B29-F687-4f45-9708-019B960494DF}">
-                <a14:hiddenLine xmlns="" xmlns:a14="http://schemas.microsoft.com/office/drawing/2010/main" w="9525">
+                <a14:hiddenLine xmlns:a14="http://schemas.microsoft.com/office/drawing/2010/main" xmlns="" w="9525">
                   <a:solidFill>
                     <a:srgbClr val="000000"/>
                   </a:solidFill>
@@ -2054,7 +2055,7 @@
             </a:ln>
             <a:extLst>
               <a:ext uri="{91240B29-F687-4f45-9708-019B960494DF}">
-                <a14:hiddenLine xmlns="" xmlns:a14="http://schemas.microsoft.com/office/drawing/2010/main" w="9525">
+                <a14:hiddenLine xmlns:a14="http://schemas.microsoft.com/office/drawing/2010/main" xmlns="" w="9525">
                   <a:solidFill>
                     <a:srgbClr val="000000"/>
                   </a:solidFill>
@@ -2144,7 +2145,7 @@
             </a:ln>
             <a:extLst>
               <a:ext uri="{91240B29-F687-4f45-9708-019B960494DF}">
-                <a14:hiddenLine xmlns="" xmlns:a14="http://schemas.microsoft.com/office/drawing/2010/main" w="9525">
+                <a14:hiddenLine xmlns:a14="http://schemas.microsoft.com/office/drawing/2010/main" xmlns="" w="9525">
                   <a:solidFill>
                     <a:srgbClr val="000000"/>
                   </a:solidFill>
@@ -2200,7 +2201,7 @@
             </a:ln>
             <a:extLst>
               <a:ext uri="{91240B29-F687-4f45-9708-019B960494DF}">
-                <a14:hiddenLine xmlns="" xmlns:a14="http://schemas.microsoft.com/office/drawing/2010/main" w="9525">
+                <a14:hiddenLine xmlns:a14="http://schemas.microsoft.com/office/drawing/2010/main" xmlns="" w="9525">
                   <a:solidFill>
                     <a:srgbClr val="000000"/>
                   </a:solidFill>
@@ -2290,7 +2291,7 @@
             </a:ln>
             <a:extLst>
               <a:ext uri="{91240B29-F687-4f45-9708-019B960494DF}">
-                <a14:hiddenLine xmlns="" xmlns:a14="http://schemas.microsoft.com/office/drawing/2010/main" w="9525">
+                <a14:hiddenLine xmlns:a14="http://schemas.microsoft.com/office/drawing/2010/main" xmlns="" w="9525">
                   <a:solidFill>
                     <a:srgbClr val="000000"/>
                   </a:solidFill>
@@ -2346,7 +2347,7 @@
             </a:ln>
             <a:extLst>
               <a:ext uri="{91240B29-F687-4f45-9708-019B960494DF}">
-                <a14:hiddenLine xmlns="" xmlns:a14="http://schemas.microsoft.com/office/drawing/2010/main" w="9525">
+                <a14:hiddenLine xmlns:a14="http://schemas.microsoft.com/office/drawing/2010/main" xmlns="" w="9525">
                   <a:solidFill>
                     <a:srgbClr val="000000"/>
                   </a:solidFill>
@@ -2436,7 +2437,7 @@
             </a:ln>
             <a:extLst>
               <a:ext uri="{91240B29-F687-4f45-9708-019B960494DF}">
-                <a14:hiddenLine xmlns="" xmlns:a14="http://schemas.microsoft.com/office/drawing/2010/main" w="9525">
+                <a14:hiddenLine xmlns:a14="http://schemas.microsoft.com/office/drawing/2010/main" xmlns="" w="9525">
                   <a:solidFill>
                     <a:srgbClr val="000000"/>
                   </a:solidFill>
@@ -2504,7 +2505,7 @@
             </a:ln>
             <a:extLst>
               <a:ext uri="{91240B29-F687-4f45-9708-019B960494DF}">
-                <a14:hiddenLine xmlns="" xmlns:a14="http://schemas.microsoft.com/office/drawing/2010/main" w="9525">
+                <a14:hiddenLine xmlns:a14="http://schemas.microsoft.com/office/drawing/2010/main" xmlns="" w="9525">
                   <a:solidFill>
                     <a:srgbClr val="000000"/>
                   </a:solidFill>
@@ -2594,7 +2595,7 @@
             </a:ln>
             <a:extLst>
               <a:ext uri="{91240B29-F687-4f45-9708-019B960494DF}">
-                <a14:hiddenLine xmlns="" xmlns:a14="http://schemas.microsoft.com/office/drawing/2010/main" w="9525">
+                <a14:hiddenLine xmlns:a14="http://schemas.microsoft.com/office/drawing/2010/main" xmlns="" w="9525">
                   <a:solidFill>
                     <a:srgbClr val="000000"/>
                   </a:solidFill>
@@ -2662,7 +2663,7 @@
             </a:ln>
             <a:extLst>
               <a:ext uri="{91240B29-F687-4f45-9708-019B960494DF}">
-                <a14:hiddenLine xmlns="" xmlns:a14="http://schemas.microsoft.com/office/drawing/2010/main" w="9525">
+                <a14:hiddenLine xmlns:a14="http://schemas.microsoft.com/office/drawing/2010/main" xmlns="" w="9525">
                   <a:solidFill>
                     <a:srgbClr val="000000"/>
                   </a:solidFill>
@@ -2752,7 +2753,7 @@
             </a:ln>
             <a:extLst>
               <a:ext uri="{91240B29-F687-4f45-9708-019B960494DF}">
-                <a14:hiddenLine xmlns="" xmlns:a14="http://schemas.microsoft.com/office/drawing/2010/main" w="9525">
+                <a14:hiddenLine xmlns:a14="http://schemas.microsoft.com/office/drawing/2010/main" xmlns="" w="9525">
                   <a:solidFill>
                     <a:srgbClr val="000000"/>
                   </a:solidFill>
@@ -2786,7 +2787,7 @@
             </a:ln>
             <a:extLst>
               <a:ext uri="{91240B29-F687-4f45-9708-019B960494DF}">
-                <a14:hiddenLine xmlns="" xmlns:a14="http://schemas.microsoft.com/office/drawing/2010/main" w="9525">
+                <a14:hiddenLine xmlns:a14="http://schemas.microsoft.com/office/drawing/2010/main" xmlns="" w="9525">
                   <a:solidFill>
                     <a:srgbClr val="000000"/>
                   </a:solidFill>
@@ -2876,7 +2877,7 @@
             </a:ln>
             <a:extLst>
               <a:ext uri="{91240B29-F687-4f45-9708-019B960494DF}">
-                <a14:hiddenLine xmlns="" xmlns:a14="http://schemas.microsoft.com/office/drawing/2010/main" w="9525">
+                <a14:hiddenLine xmlns:a14="http://schemas.microsoft.com/office/drawing/2010/main" xmlns="" w="9525">
                   <a:solidFill>
                     <a:srgbClr val="000000"/>
                   </a:solidFill>
@@ -2938,7 +2939,7 @@
             </a:ln>
             <a:extLst>
               <a:ext uri="{91240B29-F687-4f45-9708-019B960494DF}">
-                <a14:hiddenLine xmlns="" xmlns:a14="http://schemas.microsoft.com/office/drawing/2010/main" w="9525">
+                <a14:hiddenLine xmlns:a14="http://schemas.microsoft.com/office/drawing/2010/main" xmlns="" w="9525">
                   <a:solidFill>
                     <a:srgbClr val="000000"/>
                   </a:solidFill>
@@ -3000,7 +3001,7 @@
             </a:ln>
             <a:extLst>
               <a:ext uri="{91240B29-F687-4f45-9708-019B960494DF}">
-                <a14:hiddenLine xmlns="" xmlns:a14="http://schemas.microsoft.com/office/drawing/2010/main" w="9525">
+                <a14:hiddenLine xmlns:a14="http://schemas.microsoft.com/office/drawing/2010/main" xmlns="" w="9525">
                   <a:solidFill>
                     <a:srgbClr val="000000"/>
                   </a:solidFill>
@@ -3090,7 +3091,7 @@
             </a:ln>
             <a:extLst>
               <a:ext uri="{91240B29-F687-4f45-9708-019B960494DF}">
-                <a14:hiddenLine xmlns="" xmlns:a14="http://schemas.microsoft.com/office/drawing/2010/main" w="9525">
+                <a14:hiddenLine xmlns:a14="http://schemas.microsoft.com/office/drawing/2010/main" xmlns="" w="9525">
                   <a:solidFill>
                     <a:srgbClr val="000000"/>
                   </a:solidFill>
@@ -3158,7 +3159,7 @@
             </a:ln>
             <a:extLst>
               <a:ext uri="{91240B29-F687-4f45-9708-019B960494DF}">
-                <a14:hiddenLine xmlns="" xmlns:a14="http://schemas.microsoft.com/office/drawing/2010/main" w="9525">
+                <a14:hiddenLine xmlns:a14="http://schemas.microsoft.com/office/drawing/2010/main" xmlns="" w="9525">
                   <a:solidFill>
                     <a:srgbClr val="000000"/>
                   </a:solidFill>
@@ -3220,7 +3221,7 @@
             </a:ln>
             <a:extLst>
               <a:ext uri="{91240B29-F687-4f45-9708-019B960494DF}">
-                <a14:hiddenLine xmlns="" xmlns:a14="http://schemas.microsoft.com/office/drawing/2010/main" w="9525">
+                <a14:hiddenLine xmlns:a14="http://schemas.microsoft.com/office/drawing/2010/main" xmlns="" w="9525">
                   <a:solidFill>
                     <a:srgbClr val="000000"/>
                   </a:solidFill>
@@ -3310,7 +3311,7 @@
             </a:ln>
             <a:extLst>
               <a:ext uri="{91240B29-F687-4f45-9708-019B960494DF}">
-                <a14:hiddenLine xmlns="" xmlns:a14="http://schemas.microsoft.com/office/drawing/2010/main" w="9525">
+                <a14:hiddenLine xmlns:a14="http://schemas.microsoft.com/office/drawing/2010/main" xmlns="" w="9525">
                   <a:solidFill>
                     <a:srgbClr val="000000"/>
                   </a:solidFill>
@@ -3372,7 +3373,7 @@
             </a:ln>
             <a:extLst>
               <a:ext uri="{91240B29-F687-4f45-9708-019B960494DF}">
-                <a14:hiddenLine xmlns="" xmlns:a14="http://schemas.microsoft.com/office/drawing/2010/main" w="9525">
+                <a14:hiddenLine xmlns:a14="http://schemas.microsoft.com/office/drawing/2010/main" xmlns="" w="9525">
                   <a:solidFill>
                     <a:srgbClr val="000000"/>
                   </a:solidFill>
@@ -3462,7 +3463,7 @@
             </a:ln>
             <a:extLst>
               <a:ext uri="{91240B29-F687-4f45-9708-019B960494DF}">
-                <a14:hiddenLine xmlns="" xmlns:a14="http://schemas.microsoft.com/office/drawing/2010/main" w="9525">
+                <a14:hiddenLine xmlns:a14="http://schemas.microsoft.com/office/drawing/2010/main" xmlns="" w="9525">
                   <a:solidFill>
                     <a:srgbClr val="000000"/>
                   </a:solidFill>
@@ -3524,7 +3525,7 @@
             </a:ln>
             <a:extLst>
               <a:ext uri="{91240B29-F687-4f45-9708-019B960494DF}">
-                <a14:hiddenLine xmlns="" xmlns:a14="http://schemas.microsoft.com/office/drawing/2010/main" w="9525">
+                <a14:hiddenLine xmlns:a14="http://schemas.microsoft.com/office/drawing/2010/main" xmlns="" w="9525">
                   <a:solidFill>
                     <a:srgbClr val="000000"/>
                   </a:solidFill>
@@ -3614,7 +3615,7 @@
             </a:ln>
             <a:extLst>
               <a:ext uri="{91240B29-F687-4f45-9708-019B960494DF}">
-                <a14:hiddenLine xmlns="" xmlns:a14="http://schemas.microsoft.com/office/drawing/2010/main" w="9525">
+                <a14:hiddenLine xmlns:a14="http://schemas.microsoft.com/office/drawing/2010/main" xmlns="" w="9525">
                   <a:solidFill>
                     <a:srgbClr val="000000"/>
                   </a:solidFill>
@@ -3648,7 +3649,7 @@
             </a:ln>
             <a:extLst>
               <a:ext uri="{91240B29-F687-4f45-9708-019B960494DF}">
-                <a14:hiddenLine xmlns="" xmlns:a14="http://schemas.microsoft.com/office/drawing/2010/main" w="9525">
+                <a14:hiddenLine xmlns:a14="http://schemas.microsoft.com/office/drawing/2010/main" xmlns="" w="9525">
                   <a:solidFill>
                     <a:srgbClr val="000000"/>
                   </a:solidFill>
@@ -3713,7 +3714,7 @@
             </a:ln>
             <a:extLst>
               <a:ext uri="{91240B29-F687-4f45-9708-019B960494DF}">
-                <a14:hiddenLine xmlns="" xmlns:a14="http://schemas.microsoft.com/office/drawing/2010/main" w="9525">
+                <a14:hiddenLine xmlns:a14="http://schemas.microsoft.com/office/drawing/2010/main" xmlns="" w="9525">
                   <a:solidFill>
                     <a:srgbClr val="000000"/>
                   </a:solidFill>
@@ -3803,7 +3804,7 @@
             </a:ln>
             <a:extLst>
               <a:ext uri="{91240B29-F687-4f45-9708-019B960494DF}">
-                <a14:hiddenLine xmlns="" xmlns:a14="http://schemas.microsoft.com/office/drawing/2010/main" w="9525">
+                <a14:hiddenLine xmlns:a14="http://schemas.microsoft.com/office/drawing/2010/main" xmlns="" w="9525">
                   <a:solidFill>
                     <a:srgbClr val="000000"/>
                   </a:solidFill>
@@ -3865,7 +3866,7 @@
             </a:ln>
             <a:extLst>
               <a:ext uri="{91240B29-F687-4f45-9708-019B960494DF}">
-                <a14:hiddenLine xmlns="" xmlns:a14="http://schemas.microsoft.com/office/drawing/2010/main" w="9525">
+                <a14:hiddenLine xmlns:a14="http://schemas.microsoft.com/office/drawing/2010/main" xmlns="" w="9525">
                   <a:solidFill>
                     <a:srgbClr val="000000"/>
                   </a:solidFill>
@@ -3955,7 +3956,7 @@
             </a:ln>
             <a:extLst>
               <a:ext uri="{91240B29-F687-4f45-9708-019B960494DF}">
-                <a14:hiddenLine xmlns="" xmlns:a14="http://schemas.microsoft.com/office/drawing/2010/main" w="9525">
+                <a14:hiddenLine xmlns:a14="http://schemas.microsoft.com/office/drawing/2010/main" xmlns="" w="9525">
                   <a:solidFill>
                     <a:srgbClr val="000000"/>
                   </a:solidFill>
@@ -4045,7 +4046,7 @@
             </a:ln>
             <a:extLst>
               <a:ext uri="{91240B29-F687-4f45-9708-019B960494DF}">
-                <a14:hiddenLine xmlns="" xmlns:a14="http://schemas.microsoft.com/office/drawing/2010/main" w="9525">
+                <a14:hiddenLine xmlns:a14="http://schemas.microsoft.com/office/drawing/2010/main" xmlns="" w="9525">
                   <a:solidFill>
                     <a:srgbClr val="000000"/>
                   </a:solidFill>
@@ -4110,7 +4111,7 @@
             </a:ln>
             <a:extLst>
               <a:ext uri="{91240B29-F687-4f45-9708-019B960494DF}">
-                <a14:hiddenLine xmlns="" xmlns:a14="http://schemas.microsoft.com/office/drawing/2010/main" w="9525">
+                <a14:hiddenLine xmlns:a14="http://schemas.microsoft.com/office/drawing/2010/main" xmlns="" w="9525">
                   <a:solidFill>
                     <a:srgbClr val="000000"/>
                   </a:solidFill>
@@ -4172,7 +4173,7 @@
             </a:ln>
             <a:extLst>
               <a:ext uri="{91240B29-F687-4f45-9708-019B960494DF}">
-                <a14:hiddenLine xmlns="" xmlns:a14="http://schemas.microsoft.com/office/drawing/2010/main" w="9525">
+                <a14:hiddenLine xmlns:a14="http://schemas.microsoft.com/office/drawing/2010/main" xmlns="" w="9525">
                   <a:solidFill>
                     <a:srgbClr val="000000"/>
                   </a:solidFill>
@@ -4262,7 +4263,7 @@
             </a:ln>
             <a:extLst>
               <a:ext uri="{91240B29-F687-4f45-9708-019B960494DF}">
-                <a14:hiddenLine xmlns="" xmlns:a14="http://schemas.microsoft.com/office/drawing/2010/main" w="9525">
+                <a14:hiddenLine xmlns:a14="http://schemas.microsoft.com/office/drawing/2010/main" xmlns="" w="9525">
                   <a:solidFill>
                     <a:srgbClr val="000000"/>
                   </a:solidFill>
@@ -4352,7 +4353,7 @@
             </a:ln>
             <a:extLst>
               <a:ext uri="{91240B29-F687-4f45-9708-019B960494DF}">
-                <a14:hiddenLine xmlns="" xmlns:a14="http://schemas.microsoft.com/office/drawing/2010/main" w="9525">
+                <a14:hiddenLine xmlns:a14="http://schemas.microsoft.com/office/drawing/2010/main" xmlns="" w="9525">
                   <a:solidFill>
                     <a:srgbClr val="000000"/>
                   </a:solidFill>
@@ -4414,7 +4415,7 @@
             </a:ln>
             <a:extLst>
               <a:ext uri="{91240B29-F687-4f45-9708-019B960494DF}">
-                <a14:hiddenLine xmlns="" xmlns:a14="http://schemas.microsoft.com/office/drawing/2010/main" w="9525">
+                <a14:hiddenLine xmlns:a14="http://schemas.microsoft.com/office/drawing/2010/main" xmlns="" w="9525">
                   <a:solidFill>
                     <a:srgbClr val="000000"/>
                   </a:solidFill>
@@ -4534,7 +4535,7 @@
             </a:ln>
             <a:extLst>
               <a:ext uri="{91240B29-F687-4f45-9708-019B960494DF}">
-                <a14:hiddenLine xmlns="" xmlns:a14="http://schemas.microsoft.com/office/drawing/2010/main" w="9525">
+                <a14:hiddenLine xmlns:a14="http://schemas.microsoft.com/office/drawing/2010/main" xmlns="" w="9525">
                   <a:solidFill>
                     <a:srgbClr val="000000"/>
                   </a:solidFill>
@@ -4602,7 +4603,7 @@
             </a:ln>
             <a:extLst>
               <a:ext uri="{91240B29-F687-4f45-9708-019B960494DF}">
-                <a14:hiddenLine xmlns="" xmlns:a14="http://schemas.microsoft.com/office/drawing/2010/main" w="9525">
+                <a14:hiddenLine xmlns:a14="http://schemas.microsoft.com/office/drawing/2010/main" xmlns="" w="9525">
                   <a:solidFill>
                     <a:srgbClr val="000000"/>
                   </a:solidFill>
@@ -4692,7 +4693,7 @@
             </a:ln>
             <a:extLst>
               <a:ext uri="{91240B29-F687-4f45-9708-019B960494DF}">
-                <a14:hiddenLine xmlns="" xmlns:a14="http://schemas.microsoft.com/office/drawing/2010/main" w="9525">
+                <a14:hiddenLine xmlns:a14="http://schemas.microsoft.com/office/drawing/2010/main" xmlns="" w="9525">
                   <a:solidFill>
                     <a:srgbClr val="000000"/>
                   </a:solidFill>
@@ -4832,7 +4833,7 @@
           <a:p>
             <a:fld id="{EC4347D3-4C9A-C240-8F14-750059DFEEB0}" type="datetimeFigureOut">
               <a:rPr lang="en-US" smtClean="0"/>
-              <a:t>1/22/26</a:t>
+              <a:t>2/3/26</a:t>
             </a:fld>
             <a:endParaRPr lang="en-US"/>
           </a:p>
@@ -5099,7 +5100,7 @@
           <a:p>
             <a:fld id="{EC4347D3-4C9A-C240-8F14-750059DFEEB0}" type="datetimeFigureOut">
               <a:rPr lang="en-US" smtClean="0"/>
-              <a:t>1/22/26</a:t>
+              <a:t>2/3/26</a:t>
             </a:fld>
             <a:endParaRPr lang="en-US"/>
           </a:p>
@@ -5295,7 +5296,7 @@
           <a:p>
             <a:fld id="{EC4347D3-4C9A-C240-8F14-750059DFEEB0}" type="datetimeFigureOut">
               <a:rPr lang="en-US" smtClean="0"/>
-              <a:t>1/22/26</a:t>
+              <a:t>2/3/26</a:t>
             </a:fld>
             <a:endParaRPr lang="en-US"/>
           </a:p>
@@ -5558,7 +5559,7 @@
           <a:p>
             <a:fld id="{EC4347D3-4C9A-C240-8F14-750059DFEEB0}" type="datetimeFigureOut">
               <a:rPr lang="en-US" smtClean="0"/>
-              <a:t>1/22/26</a:t>
+              <a:t>2/3/26</a:t>
             </a:fld>
             <a:endParaRPr lang="en-US"/>
           </a:p>
@@ -5992,7 +5993,7 @@
           <a:p>
             <a:fld id="{EC4347D3-4C9A-C240-8F14-750059DFEEB0}" type="datetimeFigureOut">
               <a:rPr lang="en-US" smtClean="0"/>
-              <a:t>1/22/26</a:t>
+              <a:t>2/3/26</a:t>
             </a:fld>
             <a:endParaRPr lang="en-US"/>
           </a:p>
@@ -6538,7 +6539,7 @@
           <a:p>
             <a:fld id="{EC4347D3-4C9A-C240-8F14-750059DFEEB0}" type="datetimeFigureOut">
               <a:rPr lang="en-US" smtClean="0"/>
-              <a:t>1/22/26</a:t>
+              <a:t>2/3/26</a:t>
             </a:fld>
             <a:endParaRPr lang="en-US"/>
           </a:p>
@@ -7258,7 +7259,7 @@
           <a:p>
             <a:fld id="{EC4347D3-4C9A-C240-8F14-750059DFEEB0}" type="datetimeFigureOut">
               <a:rPr lang="en-US" smtClean="0"/>
-              <a:t>1/22/26</a:t>
+              <a:t>2/3/26</a:t>
             </a:fld>
             <a:endParaRPr lang="en-US"/>
           </a:p>
@@ -7428,7 +7429,7 @@
           <a:p>
             <a:fld id="{EC4347D3-4C9A-C240-8F14-750059DFEEB0}" type="datetimeFigureOut">
               <a:rPr lang="en-US" smtClean="0"/>
-              <a:t>1/22/26</a:t>
+              <a:t>2/3/26</a:t>
             </a:fld>
             <a:endParaRPr lang="en-US"/>
           </a:p>
@@ -7608,7 +7609,7 @@
           <a:p>
             <a:fld id="{EC4347D3-4C9A-C240-8F14-750059DFEEB0}" type="datetimeFigureOut">
               <a:rPr lang="en-US" smtClean="0"/>
-              <a:t>1/22/26</a:t>
+              <a:t>2/3/26</a:t>
             </a:fld>
             <a:endParaRPr lang="en-US"/>
           </a:p>
@@ -7778,7 +7779,7 @@
           <a:p>
             <a:fld id="{EC4347D3-4C9A-C240-8F14-750059DFEEB0}" type="datetimeFigureOut">
               <a:rPr lang="en-US" smtClean="0"/>
-              <a:t>1/22/26</a:t>
+              <a:t>2/3/26</a:t>
             </a:fld>
             <a:endParaRPr lang="en-US"/>
           </a:p>
@@ -8028,7 +8029,7 @@
           <a:p>
             <a:fld id="{EC4347D3-4C9A-C240-8F14-750059DFEEB0}" type="datetimeFigureOut">
               <a:rPr lang="en-US" smtClean="0"/>
-              <a:t>1/22/26</a:t>
+              <a:t>2/3/26</a:t>
             </a:fld>
             <a:endParaRPr lang="en-US"/>
           </a:p>
@@ -8260,7 +8261,7 @@
           <a:p>
             <a:fld id="{EC4347D3-4C9A-C240-8F14-750059DFEEB0}" type="datetimeFigureOut">
               <a:rPr lang="en-US" smtClean="0"/>
-              <a:t>1/22/26</a:t>
+              <a:t>2/3/26</a:t>
             </a:fld>
             <a:endParaRPr lang="en-US"/>
           </a:p>
@@ -8646,7 +8647,7 @@
           <a:p>
             <a:fld id="{EC4347D3-4C9A-C240-8F14-750059DFEEB0}" type="datetimeFigureOut">
               <a:rPr lang="en-US" smtClean="0"/>
-              <a:t>1/22/26</a:t>
+              <a:t>2/3/26</a:t>
             </a:fld>
             <a:endParaRPr lang="en-US"/>
           </a:p>
@@ -8769,7 +8770,7 @@
           <a:p>
             <a:fld id="{EC4347D3-4C9A-C240-8F14-750059DFEEB0}" type="datetimeFigureOut">
               <a:rPr lang="en-US" smtClean="0"/>
-              <a:t>1/22/26</a:t>
+              <a:t>2/3/26</a:t>
             </a:fld>
             <a:endParaRPr lang="en-US"/>
           </a:p>
@@ -8864,7 +8865,7 @@
           <a:p>
             <a:fld id="{EC4347D3-4C9A-C240-8F14-750059DFEEB0}" type="datetimeFigureOut">
               <a:rPr lang="en-US" smtClean="0"/>
-              <a:t>1/22/26</a:t>
+              <a:t>2/3/26</a:t>
             </a:fld>
             <a:endParaRPr lang="en-US"/>
           </a:p>
@@ -9113,7 +9114,7 @@
           <a:p>
             <a:fld id="{EC4347D3-4C9A-C240-8F14-750059DFEEB0}" type="datetimeFigureOut">
               <a:rPr lang="en-US" smtClean="0"/>
-              <a:t>1/22/26</a:t>
+              <a:t>2/3/26</a:t>
             </a:fld>
             <a:endParaRPr lang="en-US"/>
           </a:p>
@@ -9398,7 +9399,7 @@
           <a:p>
             <a:fld id="{EC4347D3-4C9A-C240-8F14-750059DFEEB0}" type="datetimeFigureOut">
               <a:rPr lang="en-US" smtClean="0"/>
-              <a:t>1/22/26</a:t>
+              <a:t>2/3/26</a:t>
             </a:fld>
             <a:endParaRPr lang="en-US"/>
           </a:p>
@@ -9521,7 +9522,7 @@
           <a:noFill/>
           <a:extLst>
             <a:ext uri="{909E8E84-426E-40dd-AFC4-6F175D3DCCD1}">
-              <a14:hiddenFill xmlns="" xmlns:a14="http://schemas.microsoft.com/office/drawing/2010/main">
+              <a14:hiddenFill xmlns:a14="http://schemas.microsoft.com/office/drawing/2010/main" xmlns="">
                 <a:solidFill>
                   <a:srgbClr val="FFFFFF"/>
                 </a:solidFill>
@@ -9595,7 +9596,7 @@
               </a:ln>
               <a:extLst>
                 <a:ext uri="{91240B29-F687-4f45-9708-019B960494DF}">
-                  <a14:hiddenLine xmlns="" xmlns:a14="http://schemas.microsoft.com/office/drawing/2010/main" w="9525">
+                  <a14:hiddenLine xmlns:a14="http://schemas.microsoft.com/office/drawing/2010/main" xmlns="" w="9525">
                     <a:solidFill>
                       <a:srgbClr val="000000"/>
                     </a:solidFill>
@@ -9685,7 +9686,7 @@
               </a:ln>
               <a:extLst>
                 <a:ext uri="{91240B29-F687-4f45-9708-019B960494DF}">
-                  <a14:hiddenLine xmlns="" xmlns:a14="http://schemas.microsoft.com/office/drawing/2010/main" w="9525">
+                  <a14:hiddenLine xmlns:a14="http://schemas.microsoft.com/office/drawing/2010/main" xmlns="" w="9525">
                     <a:solidFill>
                       <a:srgbClr val="000000"/>
                     </a:solidFill>
@@ -9775,7 +9776,7 @@
               </a:ln>
               <a:extLst>
                 <a:ext uri="{91240B29-F687-4f45-9708-019B960494DF}">
-                  <a14:hiddenLine xmlns="" xmlns:a14="http://schemas.microsoft.com/office/drawing/2010/main" w="9525">
+                  <a14:hiddenLine xmlns:a14="http://schemas.microsoft.com/office/drawing/2010/main" xmlns="" w="9525">
                     <a:solidFill>
                       <a:srgbClr val="000000"/>
                     </a:solidFill>
@@ -9837,7 +9838,7 @@
               </a:ln>
               <a:extLst>
                 <a:ext uri="{91240B29-F687-4f45-9708-019B960494DF}">
-                  <a14:hiddenLine xmlns="" xmlns:a14="http://schemas.microsoft.com/office/drawing/2010/main" w="9525">
+                  <a14:hiddenLine xmlns:a14="http://schemas.microsoft.com/office/drawing/2010/main" xmlns="" w="9525">
                     <a:solidFill>
                       <a:srgbClr val="000000"/>
                     </a:solidFill>
@@ -9927,7 +9928,7 @@
               </a:ln>
               <a:extLst>
                 <a:ext uri="{91240B29-F687-4f45-9708-019B960494DF}">
-                  <a14:hiddenLine xmlns="" xmlns:a14="http://schemas.microsoft.com/office/drawing/2010/main" w="9525">
+                  <a14:hiddenLine xmlns:a14="http://schemas.microsoft.com/office/drawing/2010/main" xmlns="" w="9525">
                     <a:solidFill>
                       <a:srgbClr val="000000"/>
                     </a:solidFill>
@@ -9989,7 +9990,7 @@
               </a:ln>
               <a:extLst>
                 <a:ext uri="{91240B29-F687-4f45-9708-019B960494DF}">
-                  <a14:hiddenLine xmlns="" xmlns:a14="http://schemas.microsoft.com/office/drawing/2010/main" w="9525">
+                  <a14:hiddenLine xmlns:a14="http://schemas.microsoft.com/office/drawing/2010/main" xmlns="" w="9525">
                     <a:solidFill>
                       <a:srgbClr val="000000"/>
                     </a:solidFill>
@@ -10051,7 +10052,7 @@
               </a:ln>
               <a:extLst>
                 <a:ext uri="{91240B29-F687-4f45-9708-019B960494DF}">
-                  <a14:hiddenLine xmlns="" xmlns:a14="http://schemas.microsoft.com/office/drawing/2010/main" w="9525">
+                  <a14:hiddenLine xmlns:a14="http://schemas.microsoft.com/office/drawing/2010/main" xmlns="" w="9525">
                     <a:solidFill>
                       <a:srgbClr val="000000"/>
                     </a:solidFill>
@@ -10141,7 +10142,7 @@
               </a:ln>
               <a:extLst>
                 <a:ext uri="{91240B29-F687-4f45-9708-019B960494DF}">
-                  <a14:hiddenLine xmlns="" xmlns:a14="http://schemas.microsoft.com/office/drawing/2010/main" w="9525">
+                  <a14:hiddenLine xmlns:a14="http://schemas.microsoft.com/office/drawing/2010/main" xmlns="" w="9525">
                     <a:solidFill>
                       <a:srgbClr val="000000"/>
                     </a:solidFill>
@@ -10231,7 +10232,7 @@
               </a:ln>
               <a:extLst>
                 <a:ext uri="{91240B29-F687-4f45-9708-019B960494DF}">
-                  <a14:hiddenLine xmlns="" xmlns:a14="http://schemas.microsoft.com/office/drawing/2010/main" w="9525">
+                  <a14:hiddenLine xmlns:a14="http://schemas.microsoft.com/office/drawing/2010/main" xmlns="" w="9525">
                     <a:solidFill>
                       <a:srgbClr val="000000"/>
                     </a:solidFill>
@@ -10293,7 +10294,7 @@
               </a:ln>
               <a:extLst>
                 <a:ext uri="{91240B29-F687-4f45-9708-019B960494DF}">
-                  <a14:hiddenLine xmlns="" xmlns:a14="http://schemas.microsoft.com/office/drawing/2010/main" w="9525">
+                  <a14:hiddenLine xmlns:a14="http://schemas.microsoft.com/office/drawing/2010/main" xmlns="" w="9525">
                     <a:solidFill>
                       <a:srgbClr val="000000"/>
                     </a:solidFill>
@@ -10403,7 +10404,7 @@
               </a:ln>
               <a:extLst>
                 <a:ext uri="{91240B29-F687-4f45-9708-019B960494DF}">
-                  <a14:hiddenLine xmlns="" xmlns:a14="http://schemas.microsoft.com/office/drawing/2010/main" w="9525">
+                  <a14:hiddenLine xmlns:a14="http://schemas.microsoft.com/office/drawing/2010/main" xmlns="" w="9525">
                     <a:solidFill>
                       <a:srgbClr val="000000"/>
                     </a:solidFill>
@@ -10487,7 +10488,7 @@
               </a:ln>
               <a:extLst>
                 <a:ext uri="{91240B29-F687-4f45-9708-019B960494DF}">
-                  <a14:hiddenLine xmlns="" xmlns:a14="http://schemas.microsoft.com/office/drawing/2010/main" w="9525">
+                  <a14:hiddenLine xmlns:a14="http://schemas.microsoft.com/office/drawing/2010/main" xmlns="" w="9525">
                     <a:solidFill>
                       <a:srgbClr val="000000"/>
                     </a:solidFill>
@@ -10549,7 +10550,7 @@
               </a:ln>
               <a:extLst>
                 <a:ext uri="{91240B29-F687-4f45-9708-019B960494DF}">
-                  <a14:hiddenLine xmlns="" xmlns:a14="http://schemas.microsoft.com/office/drawing/2010/main" w="9525">
+                  <a14:hiddenLine xmlns:a14="http://schemas.microsoft.com/office/drawing/2010/main" xmlns="" w="9525">
                     <a:solidFill>
                       <a:srgbClr val="000000"/>
                     </a:solidFill>
@@ -10611,7 +10612,7 @@
               </a:ln>
               <a:extLst>
                 <a:ext uri="{91240B29-F687-4f45-9708-019B960494DF}">
-                  <a14:hiddenLine xmlns="" xmlns:a14="http://schemas.microsoft.com/office/drawing/2010/main" w="9525">
+                  <a14:hiddenLine xmlns:a14="http://schemas.microsoft.com/office/drawing/2010/main" xmlns="" w="9525">
                     <a:solidFill>
                       <a:srgbClr val="000000"/>
                     </a:solidFill>
@@ -10701,7 +10702,7 @@
               </a:ln>
               <a:extLst>
                 <a:ext uri="{91240B29-F687-4f45-9708-019B960494DF}">
-                  <a14:hiddenLine xmlns="" xmlns:a14="http://schemas.microsoft.com/office/drawing/2010/main" w="9525">
+                  <a14:hiddenLine xmlns:a14="http://schemas.microsoft.com/office/drawing/2010/main" xmlns="" w="9525">
                     <a:solidFill>
                       <a:srgbClr val="000000"/>
                     </a:solidFill>
@@ -10735,7 +10736,7 @@
               </a:ln>
               <a:extLst>
                 <a:ext uri="{91240B29-F687-4f45-9708-019B960494DF}">
-                  <a14:hiddenLine xmlns="" xmlns:a14="http://schemas.microsoft.com/office/drawing/2010/main" w="9525">
+                  <a14:hiddenLine xmlns:a14="http://schemas.microsoft.com/office/drawing/2010/main" xmlns="" w="9525">
                     <a:solidFill>
                       <a:srgbClr val="000000"/>
                     </a:solidFill>
@@ -10800,7 +10801,7 @@
               </a:ln>
               <a:extLst>
                 <a:ext uri="{91240B29-F687-4f45-9708-019B960494DF}">
-                  <a14:hiddenLine xmlns="" xmlns:a14="http://schemas.microsoft.com/office/drawing/2010/main" w="9525">
+                  <a14:hiddenLine xmlns:a14="http://schemas.microsoft.com/office/drawing/2010/main" xmlns="" w="9525">
                     <a:solidFill>
                       <a:srgbClr val="000000"/>
                     </a:solidFill>
@@ -10890,7 +10891,7 @@
               </a:ln>
               <a:extLst>
                 <a:ext uri="{91240B29-F687-4f45-9708-019B960494DF}">
-                  <a14:hiddenLine xmlns="" xmlns:a14="http://schemas.microsoft.com/office/drawing/2010/main" w="9525">
+                  <a14:hiddenLine xmlns:a14="http://schemas.microsoft.com/office/drawing/2010/main" xmlns="" w="9525">
                     <a:solidFill>
                       <a:srgbClr val="000000"/>
                     </a:solidFill>
@@ -10952,7 +10953,7 @@
               </a:ln>
               <a:extLst>
                 <a:ext uri="{91240B29-F687-4f45-9708-019B960494DF}">
-                  <a14:hiddenLine xmlns="" xmlns:a14="http://schemas.microsoft.com/office/drawing/2010/main" w="9525">
+                  <a14:hiddenLine xmlns:a14="http://schemas.microsoft.com/office/drawing/2010/main" xmlns="" w="9525">
                     <a:solidFill>
                       <a:srgbClr val="000000"/>
                     </a:solidFill>
@@ -11042,7 +11043,7 @@
               </a:ln>
               <a:extLst>
                 <a:ext uri="{91240B29-F687-4f45-9708-019B960494DF}">
-                  <a14:hiddenLine xmlns="" xmlns:a14="http://schemas.microsoft.com/office/drawing/2010/main" w="9525">
+                  <a14:hiddenLine xmlns:a14="http://schemas.microsoft.com/office/drawing/2010/main" xmlns="" w="9525">
                     <a:solidFill>
                       <a:srgbClr val="000000"/>
                     </a:solidFill>
@@ -11107,7 +11108,7 @@
               </a:ln>
               <a:extLst>
                 <a:ext uri="{91240B29-F687-4f45-9708-019B960494DF}">
-                  <a14:hiddenLine xmlns="" xmlns:a14="http://schemas.microsoft.com/office/drawing/2010/main" w="9525">
+                  <a14:hiddenLine xmlns:a14="http://schemas.microsoft.com/office/drawing/2010/main" xmlns="" w="9525">
                     <a:solidFill>
                       <a:srgbClr val="000000"/>
                     </a:solidFill>
@@ -11169,7 +11170,7 @@
               </a:ln>
               <a:extLst>
                 <a:ext uri="{91240B29-F687-4f45-9708-019B960494DF}">
-                  <a14:hiddenLine xmlns="" xmlns:a14="http://schemas.microsoft.com/office/drawing/2010/main" w="9525">
+                  <a14:hiddenLine xmlns:a14="http://schemas.microsoft.com/office/drawing/2010/main" xmlns="" w="9525">
                     <a:solidFill>
                       <a:srgbClr val="000000"/>
                     </a:solidFill>
@@ -11259,7 +11260,7 @@
               </a:ln>
               <a:extLst>
                 <a:ext uri="{91240B29-F687-4f45-9708-019B960494DF}">
-                  <a14:hiddenLine xmlns="" xmlns:a14="http://schemas.microsoft.com/office/drawing/2010/main" w="9525">
+                  <a14:hiddenLine xmlns:a14="http://schemas.microsoft.com/office/drawing/2010/main" xmlns="" w="9525">
                     <a:solidFill>
                       <a:srgbClr val="000000"/>
                     </a:solidFill>
@@ -11349,7 +11350,7 @@
               </a:ln>
               <a:extLst>
                 <a:ext uri="{91240B29-F687-4f45-9708-019B960494DF}">
-                  <a14:hiddenLine xmlns="" xmlns:a14="http://schemas.microsoft.com/office/drawing/2010/main" w="9525">
+                  <a14:hiddenLine xmlns:a14="http://schemas.microsoft.com/office/drawing/2010/main" xmlns="" w="9525">
                     <a:solidFill>
                       <a:srgbClr val="000000"/>
                     </a:solidFill>
@@ -11414,7 +11415,7 @@
               </a:ln>
               <a:extLst>
                 <a:ext uri="{91240B29-F687-4f45-9708-019B960494DF}">
-                  <a14:hiddenLine xmlns="" xmlns:a14="http://schemas.microsoft.com/office/drawing/2010/main" w="9525">
+                  <a14:hiddenLine xmlns:a14="http://schemas.microsoft.com/office/drawing/2010/main" xmlns="" w="9525">
                     <a:solidFill>
                       <a:srgbClr val="000000"/>
                     </a:solidFill>
@@ -11534,7 +11535,7 @@
               </a:ln>
               <a:extLst>
                 <a:ext uri="{91240B29-F687-4f45-9708-019B960494DF}">
-                  <a14:hiddenLine xmlns="" xmlns:a14="http://schemas.microsoft.com/office/drawing/2010/main" w="9525">
+                  <a14:hiddenLine xmlns:a14="http://schemas.microsoft.com/office/drawing/2010/main" xmlns="" w="9525">
                     <a:solidFill>
                       <a:srgbClr val="000000"/>
                     </a:solidFill>
@@ -11615,7 +11616,7 @@
               </a:ln>
               <a:extLst>
                 <a:ext uri="{91240B29-F687-4f45-9708-019B960494DF}">
-                  <a14:hiddenLine xmlns="" xmlns:a14="http://schemas.microsoft.com/office/drawing/2010/main" w="9525">
+                  <a14:hiddenLine xmlns:a14="http://schemas.microsoft.com/office/drawing/2010/main" xmlns="" w="9525">
                     <a:solidFill>
                       <a:srgbClr val="000000"/>
                     </a:solidFill>
@@ -11730,7 +11731,7 @@
               </a:ln>
               <a:extLst>
                 <a:ext uri="{91240B29-F687-4f45-9708-019B960494DF}">
-                  <a14:hiddenLine xmlns="" xmlns:a14="http://schemas.microsoft.com/office/drawing/2010/main" w="9525">
+                  <a14:hiddenLine xmlns:a14="http://schemas.microsoft.com/office/drawing/2010/main" xmlns="" w="9525">
                     <a:solidFill>
                       <a:srgbClr val="000000"/>
                     </a:solidFill>
@@ -11820,7 +11821,7 @@
               </a:ln>
               <a:extLst>
                 <a:ext uri="{91240B29-F687-4f45-9708-019B960494DF}">
-                  <a14:hiddenLine xmlns="" xmlns:a14="http://schemas.microsoft.com/office/drawing/2010/main" w="9525">
+                  <a14:hiddenLine xmlns:a14="http://schemas.microsoft.com/office/drawing/2010/main" xmlns="" w="9525">
                     <a:solidFill>
                       <a:srgbClr val="000000"/>
                     </a:solidFill>
@@ -11885,7 +11886,7 @@
               </a:ln>
               <a:extLst>
                 <a:ext uri="{91240B29-F687-4f45-9708-019B960494DF}">
-                  <a14:hiddenLine xmlns="" xmlns:a14="http://schemas.microsoft.com/office/drawing/2010/main" w="9525">
+                  <a14:hiddenLine xmlns:a14="http://schemas.microsoft.com/office/drawing/2010/main" xmlns="" w="9525">
                     <a:solidFill>
                       <a:srgbClr val="000000"/>
                     </a:solidFill>
@@ -11975,7 +11976,7 @@
               </a:ln>
               <a:extLst>
                 <a:ext uri="{91240B29-F687-4f45-9708-019B960494DF}">
-                  <a14:hiddenLine xmlns="" xmlns:a14="http://schemas.microsoft.com/office/drawing/2010/main" w="9525">
+                  <a14:hiddenLine xmlns:a14="http://schemas.microsoft.com/office/drawing/2010/main" xmlns="" w="9525">
                     <a:solidFill>
                       <a:srgbClr val="000000"/>
                     </a:solidFill>
@@ -12043,7 +12044,7 @@
               </a:ln>
               <a:extLst>
                 <a:ext uri="{91240B29-F687-4f45-9708-019B960494DF}">
-                  <a14:hiddenLine xmlns="" xmlns:a14="http://schemas.microsoft.com/office/drawing/2010/main" w="9525">
+                  <a14:hiddenLine xmlns:a14="http://schemas.microsoft.com/office/drawing/2010/main" xmlns="" w="9525">
                     <a:solidFill>
                       <a:srgbClr val="000000"/>
                     </a:solidFill>
@@ -12133,7 +12134,7 @@
               </a:ln>
               <a:extLst>
                 <a:ext uri="{91240B29-F687-4f45-9708-019B960494DF}">
-                  <a14:hiddenLine xmlns="" xmlns:a14="http://schemas.microsoft.com/office/drawing/2010/main" w="9525">
+                  <a14:hiddenLine xmlns:a14="http://schemas.microsoft.com/office/drawing/2010/main" xmlns="" w="9525">
                     <a:solidFill>
                       <a:srgbClr val="000000"/>
                     </a:solidFill>
@@ -12201,7 +12202,7 @@
               </a:ln>
               <a:extLst>
                 <a:ext uri="{91240B29-F687-4f45-9708-019B960494DF}">
-                  <a14:hiddenLine xmlns="" xmlns:a14="http://schemas.microsoft.com/office/drawing/2010/main" w="9525">
+                  <a14:hiddenLine xmlns:a14="http://schemas.microsoft.com/office/drawing/2010/main" xmlns="" w="9525">
                     <a:solidFill>
                       <a:srgbClr val="000000"/>
                     </a:solidFill>
@@ -12291,7 +12292,7 @@
               </a:ln>
               <a:extLst>
                 <a:ext uri="{91240B29-F687-4f45-9708-019B960494DF}">
-                  <a14:hiddenLine xmlns="" xmlns:a14="http://schemas.microsoft.com/office/drawing/2010/main" w="9525">
+                  <a14:hiddenLine xmlns:a14="http://schemas.microsoft.com/office/drawing/2010/main" xmlns="" w="9525">
                     <a:solidFill>
                       <a:srgbClr val="000000"/>
                     </a:solidFill>
@@ -12325,7 +12326,7 @@
               </a:ln>
               <a:extLst>
                 <a:ext uri="{91240B29-F687-4f45-9708-019B960494DF}">
-                  <a14:hiddenLine xmlns="" xmlns:a14="http://schemas.microsoft.com/office/drawing/2010/main" w="9525">
+                  <a14:hiddenLine xmlns:a14="http://schemas.microsoft.com/office/drawing/2010/main" xmlns="" w="9525">
                     <a:solidFill>
                       <a:srgbClr val="000000"/>
                     </a:solidFill>
@@ -12465,7 +12466,7 @@
           <a:p>
             <a:fld id="{EC4347D3-4C9A-C240-8F14-750059DFEEB0}" type="datetimeFigureOut">
               <a:rPr lang="en-US" smtClean="0"/>
-              <a:t>1/22/26</a:t>
+              <a:t>2/3/26</a:t>
             </a:fld>
             <a:endParaRPr lang="en-US"/>
           </a:p>
@@ -13304,6 +13305,169 @@
 </p:sld>
 </file>
 
+<file path=ppt/slides/slide4.xml><?xml version="1.0" encoding="utf-8"?>
+<p:sld xmlns:a="http://schemas.openxmlformats.org/drawingml/2006/main" xmlns:r="http://schemas.openxmlformats.org/officeDocument/2006/relationships" xmlns:p="http://schemas.openxmlformats.org/presentationml/2006/main">
+  <p:cSld>
+    <p:spTree>
+      <p:nvGrpSpPr>
+        <p:cNvPr id="1" name="">
+          <a:extLst>
+            <a:ext uri="{FF2B5EF4-FFF2-40B4-BE49-F238E27FC236}">
+              <a16:creationId xmlns:a16="http://schemas.microsoft.com/office/drawing/2014/main" id="{9DBAA9F6-61EC-0520-25F9-CD5470C139F5}"/>
+            </a:ext>
+          </a:extLst>
+        </p:cNvPr>
+        <p:cNvGrpSpPr/>
+        <p:nvPr/>
+      </p:nvGrpSpPr>
+      <p:grpSpPr>
+        <a:xfrm>
+          <a:off x="0" y="0"/>
+          <a:ext cx="0" cy="0"/>
+          <a:chOff x="0" y="0"/>
+          <a:chExt cx="0" cy="0"/>
+        </a:xfrm>
+      </p:grpSpPr>
+      <p:sp>
+        <p:nvSpPr>
+          <p:cNvPr id="6146" name="Rectangle 2">
+            <a:extLst>
+              <a:ext uri="{FF2B5EF4-FFF2-40B4-BE49-F238E27FC236}">
+                <a16:creationId xmlns:a16="http://schemas.microsoft.com/office/drawing/2014/main" id="{CA3E9F47-3632-2C47-E58E-B72B1A62A8EE}"/>
+              </a:ext>
+            </a:extLst>
+          </p:cNvPr>
+          <p:cNvSpPr>
+            <a:spLocks noGrp="1" noChangeArrowheads="1"/>
+          </p:cNvSpPr>
+          <p:nvPr>
+            <p:ph type="title"/>
+            <p:custDataLst>
+              <p:tags r:id="rId1"/>
+            </p:custDataLst>
+          </p:nvPr>
+        </p:nvSpPr>
+        <p:spPr>
+          <a:xfrm>
+            <a:off x="1141413" y="284084"/>
+            <a:ext cx="9905998" cy="620791"/>
+          </a:xfrm>
+        </p:spPr>
+        <p:txBody>
+          <a:bodyPr/>
+          <a:lstStyle/>
+          <a:p>
+            <a:pPr algn="ctr"/>
+            <a:r>
+              <a:rPr lang="en-US" dirty="0"/>
+              <a:t>Lecture 4: 2/3/26</a:t>
+            </a:r>
+          </a:p>
+        </p:txBody>
+      </p:sp>
+      <p:sp>
+        <p:nvSpPr>
+          <p:cNvPr id="6147" name="Rectangle 3">
+            <a:extLst>
+              <a:ext uri="{FF2B5EF4-FFF2-40B4-BE49-F238E27FC236}">
+                <a16:creationId xmlns:a16="http://schemas.microsoft.com/office/drawing/2014/main" id="{E98DE7AB-1AC6-9E52-45FB-9BEEED98DC39}"/>
+              </a:ext>
+            </a:extLst>
+          </p:cNvPr>
+          <p:cNvSpPr>
+            <a:spLocks noGrp="1" noChangeArrowheads="1"/>
+          </p:cNvSpPr>
+          <p:nvPr>
+            <p:ph idx="1"/>
+            <p:custDataLst>
+              <p:tags r:id="rId2"/>
+            </p:custDataLst>
+          </p:nvPr>
+        </p:nvSpPr>
+        <p:spPr>
+          <a:xfrm>
+            <a:off x="1021404" y="1123950"/>
+            <a:ext cx="10204315" cy="5149850"/>
+          </a:xfrm>
+        </p:spPr>
+        <p:txBody>
+          <a:bodyPr>
+            <a:normAutofit/>
+          </a:bodyPr>
+          <a:lstStyle/>
+          <a:p>
+            <a:r>
+              <a:rPr lang="en-US" dirty="0"/>
+              <a:t>Missed first lecture, on Waitlist, or just got into the class? Read syllabus VERY carefully. Make sure you see course policies like required attendance, etc.</a:t>
+            </a:r>
+          </a:p>
+          <a:p>
+            <a:r>
+              <a:rPr lang="en-US" dirty="0"/>
+              <a:t>Attendance checks will start more regularly now</a:t>
+            </a:r>
+          </a:p>
+          <a:p>
+            <a:r>
+              <a:rPr lang="en-US" dirty="0"/>
+              <a:t>Second homework (Fenwick Trees) is due tonight!</a:t>
+            </a:r>
+          </a:p>
+          <a:p>
+            <a:pPr lvl="1"/>
+            <a:r>
+              <a:rPr lang="en-US" dirty="0"/>
+              <a:t>It isn’t too bad so try to finish it on time if you can.</a:t>
+            </a:r>
+          </a:p>
+          <a:p>
+            <a:pPr lvl="1"/>
+            <a:r>
+              <a:rPr lang="en-US" dirty="0" err="1"/>
+              <a:t>Rememeber</a:t>
+            </a:r>
+            <a:r>
+              <a:rPr lang="en-US" dirty="0"/>
+              <a:t> you get automatic extension to Sunday for any reason, but NO extensions past that</a:t>
+            </a:r>
+          </a:p>
+          <a:p>
+            <a:r>
+              <a:rPr lang="en-US" dirty="0"/>
+              <a:t>We are one lecture behind due to snow day</a:t>
+            </a:r>
+          </a:p>
+          <a:p>
+            <a:pPr lvl="1"/>
+            <a:r>
+              <a:rPr lang="en-US" dirty="0"/>
+              <a:t>But I think that will be ok as the next section is pretty short so we have a chance to catch up.</a:t>
+            </a:r>
+          </a:p>
+          <a:p>
+            <a:r>
+              <a:rPr lang="en-US" dirty="0"/>
+              <a:t>Today we will start our next topic: Segment Trees</a:t>
+            </a:r>
+          </a:p>
+          <a:p>
+            <a:endParaRPr lang="en-US" dirty="0"/>
+          </a:p>
+        </p:txBody>
+      </p:sp>
+    </p:spTree>
+    <p:extLst>
+      <p:ext uri="{BB962C8B-B14F-4D97-AF65-F5344CB8AC3E}">
+        <p14:creationId xmlns:p14="http://schemas.microsoft.com/office/powerpoint/2010/main" val="2058442111"/>
+      </p:ext>
+    </p:extLst>
+  </p:cSld>
+  <p:clrMapOvr>
+    <a:masterClrMapping/>
+  </p:clrMapOvr>
+</p:sld>
+</file>
+
 <file path=ppt/tags/tag1.xml><?xml version="1.0" encoding="utf-8"?>
 <p:tagLst xmlns:a="http://schemas.openxmlformats.org/drawingml/2006/main" xmlns:r="http://schemas.openxmlformats.org/officeDocument/2006/relationships" xmlns:p="http://schemas.openxmlformats.org/presentationml/2006/main">
   <p:tag name="_INSTRUCTOR VIEW19C14C36-AC8E-43BC-9DB6-C2AAF774C7DC|PANE__TAG" val="_"/>
@@ -13323,6 +13487,18 @@
 </file>
 
 <file path=ppt/tags/tag4.xml><?xml version="1.0" encoding="utf-8"?>
+<p:tagLst xmlns:a="http://schemas.openxmlformats.org/drawingml/2006/main" xmlns:r="http://schemas.openxmlformats.org/officeDocument/2006/relationships" xmlns:p="http://schemas.openxmlformats.org/presentationml/2006/main">
+  <p:tag name="_INSTRUCTOR VIEW19C14C36-AC8E-43BC-9DB6-C2AAF774C7DC|PANE__TAG" val="_"/>
+</p:tagLst>
+</file>
+
+<file path=ppt/tags/tag5.xml><?xml version="1.0" encoding="utf-8"?>
+<p:tagLst xmlns:a="http://schemas.openxmlformats.org/drawingml/2006/main" xmlns:r="http://schemas.openxmlformats.org/officeDocument/2006/relationships" xmlns:p="http://schemas.openxmlformats.org/presentationml/2006/main">
+  <p:tag name="_INSTRUCTOR VIEW19C14C36-AC8E-43BC-9DB6-C2AAF774C7DC|PANE__TAG" val="_"/>
+</p:tagLst>
+</file>
+
+<file path=ppt/tags/tag6.xml><?xml version="1.0" encoding="utf-8"?>
 <p:tagLst xmlns:a="http://schemas.openxmlformats.org/drawingml/2006/main" xmlns:r="http://schemas.openxmlformats.org/officeDocument/2006/relationships" xmlns:p="http://schemas.openxmlformats.org/presentationml/2006/main">
   <p:tag name="_INSTRUCTOR VIEW19C14C36-AC8E-43BC-9DB6-C2AAF774C7DC|PANE__TAG" val="_"/>
 </p:tagLst>

--- a/slides/00-DailyAnnouncements.pptx
+++ b/slides/00-DailyAnnouncements.pptx
@@ -5,13 +5,14 @@
     <p:sldMasterId id="2147484006" r:id="rId1"/>
   </p:sldMasterIdLst>
   <p:notesMasterIdLst>
-    <p:notesMasterId r:id="rId6"/>
+    <p:notesMasterId r:id="rId7"/>
   </p:notesMasterIdLst>
   <p:sldIdLst>
     <p:sldId id="256" r:id="rId2"/>
     <p:sldId id="505" r:id="rId3"/>
     <p:sldId id="506" r:id="rId4"/>
     <p:sldId id="507" r:id="rId5"/>
+    <p:sldId id="508" r:id="rId6"/>
   </p:sldIdLst>
   <p:sldSz cx="12192000" cy="6858000"/>
   <p:notesSz cx="6858000" cy="9144000"/>
@@ -200,7 +201,7 @@
           <a:p>
             <a:fld id="{C5B45307-6ED4-B142-BD64-10F739779302}" type="datetimeFigureOut">
               <a:rPr lang="en-US" smtClean="0"/>
-              <a:t>2/3/26</a:t>
+              <a:t>2/5/26</a:t>
             </a:fld>
             <a:endParaRPr lang="en-US"/>
           </a:p>
@@ -608,7 +609,7 @@
           <a:noFill/>
           <a:extLst>
             <a:ext uri="{909E8E84-426E-40dd-AFC4-6F175D3DCCD1}">
-              <a14:hiddenFill xmlns:a14="http://schemas.microsoft.com/office/drawing/2010/main" xmlns="">
+              <a14:hiddenFill xmlns="" xmlns:a14="http://schemas.microsoft.com/office/drawing/2010/main">
                 <a:solidFill>
                   <a:srgbClr val="FFFFFF"/>
                 </a:solidFill>
@@ -667,7 +668,7 @@
             </a:ln>
             <a:extLst>
               <a:ext uri="{91240B29-F687-4f45-9708-019B960494DF}">
-                <a14:hiddenLine xmlns:a14="http://schemas.microsoft.com/office/drawing/2010/main" xmlns="" w="9525">
+                <a14:hiddenLine xmlns="" xmlns:a14="http://schemas.microsoft.com/office/drawing/2010/main" w="9525">
                   <a:solidFill>
                     <a:srgbClr val="000000"/>
                   </a:solidFill>
@@ -757,7 +758,7 @@
             </a:ln>
             <a:extLst>
               <a:ext uri="{91240B29-F687-4f45-9708-019B960494DF}">
-                <a14:hiddenLine xmlns:a14="http://schemas.microsoft.com/office/drawing/2010/main" xmlns="" w="9525">
+                <a14:hiddenLine xmlns="" xmlns:a14="http://schemas.microsoft.com/office/drawing/2010/main" w="9525">
                   <a:solidFill>
                     <a:srgbClr val="000000"/>
                   </a:solidFill>
@@ -847,7 +848,7 @@
             </a:ln>
             <a:extLst>
               <a:ext uri="{91240B29-F687-4f45-9708-019B960494DF}">
-                <a14:hiddenLine xmlns:a14="http://schemas.microsoft.com/office/drawing/2010/main" xmlns="" w="9525">
+                <a14:hiddenLine xmlns="" xmlns:a14="http://schemas.microsoft.com/office/drawing/2010/main" w="9525">
                   <a:solidFill>
                     <a:srgbClr val="000000"/>
                   </a:solidFill>
@@ -881,7 +882,7 @@
             </a:ln>
             <a:extLst>
               <a:ext uri="{91240B29-F687-4f45-9708-019B960494DF}">
-                <a14:hiddenLine xmlns:a14="http://schemas.microsoft.com/office/drawing/2010/main" xmlns="" w="9525">
+                <a14:hiddenLine xmlns="" xmlns:a14="http://schemas.microsoft.com/office/drawing/2010/main" w="9525">
                   <a:solidFill>
                     <a:srgbClr val="000000"/>
                   </a:solidFill>
@@ -971,7 +972,7 @@
             </a:ln>
             <a:extLst>
               <a:ext uri="{91240B29-F687-4f45-9708-019B960494DF}">
-                <a14:hiddenLine xmlns:a14="http://schemas.microsoft.com/office/drawing/2010/main" xmlns="" w="9525">
+                <a14:hiddenLine xmlns="" xmlns:a14="http://schemas.microsoft.com/office/drawing/2010/main" w="9525">
                   <a:solidFill>
                     <a:srgbClr val="000000"/>
                   </a:solidFill>
@@ -1033,7 +1034,7 @@
             </a:ln>
             <a:extLst>
               <a:ext uri="{91240B29-F687-4f45-9708-019B960494DF}">
-                <a14:hiddenLine xmlns:a14="http://schemas.microsoft.com/office/drawing/2010/main" xmlns="" w="9525">
+                <a14:hiddenLine xmlns="" xmlns:a14="http://schemas.microsoft.com/office/drawing/2010/main" w="9525">
                   <a:solidFill>
                     <a:srgbClr val="000000"/>
                   </a:solidFill>
@@ -1095,7 +1096,7 @@
             </a:ln>
             <a:extLst>
               <a:ext uri="{91240B29-F687-4f45-9708-019B960494DF}">
-                <a14:hiddenLine xmlns:a14="http://schemas.microsoft.com/office/drawing/2010/main" xmlns="" w="9525">
+                <a14:hiddenLine xmlns="" xmlns:a14="http://schemas.microsoft.com/office/drawing/2010/main" w="9525">
                   <a:solidFill>
                     <a:srgbClr val="000000"/>
                   </a:solidFill>
@@ -1185,7 +1186,7 @@
             </a:ln>
             <a:extLst>
               <a:ext uri="{91240B29-F687-4f45-9708-019B960494DF}">
-                <a14:hiddenLine xmlns:a14="http://schemas.microsoft.com/office/drawing/2010/main" xmlns="" w="9525">
+                <a14:hiddenLine xmlns="" xmlns:a14="http://schemas.microsoft.com/office/drawing/2010/main" w="9525">
                   <a:solidFill>
                     <a:srgbClr val="000000"/>
                   </a:solidFill>
@@ -1247,7 +1248,7 @@
             </a:ln>
             <a:extLst>
               <a:ext uri="{91240B29-F687-4f45-9708-019B960494DF}">
-                <a14:hiddenLine xmlns:a14="http://schemas.microsoft.com/office/drawing/2010/main" xmlns="" w="9525">
+                <a14:hiddenLine xmlns="" xmlns:a14="http://schemas.microsoft.com/office/drawing/2010/main" w="9525">
                   <a:solidFill>
                     <a:srgbClr val="000000"/>
                   </a:solidFill>
@@ -1309,7 +1310,7 @@
             </a:ln>
             <a:extLst>
               <a:ext uri="{91240B29-F687-4f45-9708-019B960494DF}">
-                <a14:hiddenLine xmlns:a14="http://schemas.microsoft.com/office/drawing/2010/main" xmlns="" w="9525">
+                <a14:hiddenLine xmlns="" xmlns:a14="http://schemas.microsoft.com/office/drawing/2010/main" w="9525">
                   <a:solidFill>
                     <a:srgbClr val="000000"/>
                   </a:solidFill>
@@ -1399,7 +1400,7 @@
             </a:ln>
             <a:extLst>
               <a:ext uri="{91240B29-F687-4f45-9708-019B960494DF}">
-                <a14:hiddenLine xmlns:a14="http://schemas.microsoft.com/office/drawing/2010/main" xmlns="" w="9525">
+                <a14:hiddenLine xmlns="" xmlns:a14="http://schemas.microsoft.com/office/drawing/2010/main" w="9525">
                   <a:solidFill>
                     <a:srgbClr val="000000"/>
                   </a:solidFill>
@@ -1489,7 +1490,7 @@
             </a:ln>
             <a:extLst>
               <a:ext uri="{91240B29-F687-4f45-9708-019B960494DF}">
-                <a14:hiddenLine xmlns:a14="http://schemas.microsoft.com/office/drawing/2010/main" xmlns="" w="9525">
+                <a14:hiddenLine xmlns="" xmlns:a14="http://schemas.microsoft.com/office/drawing/2010/main" w="9525">
                   <a:solidFill>
                     <a:srgbClr val="000000"/>
                   </a:solidFill>
@@ -1551,7 +1552,7 @@
             </a:ln>
             <a:extLst>
               <a:ext uri="{91240B29-F687-4f45-9708-019B960494DF}">
-                <a14:hiddenLine xmlns:a14="http://schemas.microsoft.com/office/drawing/2010/main" xmlns="" w="9525">
+                <a14:hiddenLine xmlns="" xmlns:a14="http://schemas.microsoft.com/office/drawing/2010/main" w="9525">
                   <a:solidFill>
                     <a:srgbClr val="000000"/>
                   </a:solidFill>
@@ -1661,7 +1662,7 @@
             </a:ln>
             <a:extLst>
               <a:ext uri="{91240B29-F687-4f45-9708-019B960494DF}">
-                <a14:hiddenLine xmlns:a14="http://schemas.microsoft.com/office/drawing/2010/main" xmlns="" w="9525">
+                <a14:hiddenLine xmlns="" xmlns:a14="http://schemas.microsoft.com/office/drawing/2010/main" w="9525">
                   <a:solidFill>
                     <a:srgbClr val="000000"/>
                   </a:solidFill>
@@ -1723,7 +1724,7 @@
             </a:ln>
             <a:extLst>
               <a:ext uri="{91240B29-F687-4f45-9708-019B960494DF}">
-                <a14:hiddenLine xmlns:a14="http://schemas.microsoft.com/office/drawing/2010/main" xmlns="" w="9525">
+                <a14:hiddenLine xmlns="" xmlns:a14="http://schemas.microsoft.com/office/drawing/2010/main" w="9525">
                   <a:solidFill>
                     <a:srgbClr val="000000"/>
                   </a:solidFill>
@@ -1813,7 +1814,7 @@
             </a:ln>
             <a:extLst>
               <a:ext uri="{91240B29-F687-4f45-9708-019B960494DF}">
-                <a14:hiddenLine xmlns:a14="http://schemas.microsoft.com/office/drawing/2010/main" xmlns="" w="9525">
+                <a14:hiddenLine xmlns="" xmlns:a14="http://schemas.microsoft.com/office/drawing/2010/main" w="9525">
                   <a:solidFill>
                     <a:srgbClr val="000000"/>
                   </a:solidFill>
@@ -1903,7 +1904,7 @@
             </a:ln>
             <a:extLst>
               <a:ext uri="{91240B29-F687-4f45-9708-019B960494DF}">
-                <a14:hiddenLine xmlns:a14="http://schemas.microsoft.com/office/drawing/2010/main" xmlns="" w="9525">
+                <a14:hiddenLine xmlns="" xmlns:a14="http://schemas.microsoft.com/office/drawing/2010/main" w="9525">
                   <a:solidFill>
                     <a:srgbClr val="000000"/>
                   </a:solidFill>
@@ -1965,7 +1966,7 @@
             </a:ln>
             <a:extLst>
               <a:ext uri="{91240B29-F687-4f45-9708-019B960494DF}">
-                <a14:hiddenLine xmlns:a14="http://schemas.microsoft.com/office/drawing/2010/main" xmlns="" w="9525">
+                <a14:hiddenLine xmlns="" xmlns:a14="http://schemas.microsoft.com/office/drawing/2010/main" w="9525">
                   <a:solidFill>
                     <a:srgbClr val="000000"/>
                   </a:solidFill>
@@ -2055,7 +2056,7 @@
             </a:ln>
             <a:extLst>
               <a:ext uri="{91240B29-F687-4f45-9708-019B960494DF}">
-                <a14:hiddenLine xmlns:a14="http://schemas.microsoft.com/office/drawing/2010/main" xmlns="" w="9525">
+                <a14:hiddenLine xmlns="" xmlns:a14="http://schemas.microsoft.com/office/drawing/2010/main" w="9525">
                   <a:solidFill>
                     <a:srgbClr val="000000"/>
                   </a:solidFill>
@@ -2145,7 +2146,7 @@
             </a:ln>
             <a:extLst>
               <a:ext uri="{91240B29-F687-4f45-9708-019B960494DF}">
-                <a14:hiddenLine xmlns:a14="http://schemas.microsoft.com/office/drawing/2010/main" xmlns="" w="9525">
+                <a14:hiddenLine xmlns="" xmlns:a14="http://schemas.microsoft.com/office/drawing/2010/main" w="9525">
                   <a:solidFill>
                     <a:srgbClr val="000000"/>
                   </a:solidFill>
@@ -2201,7 +2202,7 @@
             </a:ln>
             <a:extLst>
               <a:ext uri="{91240B29-F687-4f45-9708-019B960494DF}">
-                <a14:hiddenLine xmlns:a14="http://schemas.microsoft.com/office/drawing/2010/main" xmlns="" w="9525">
+                <a14:hiddenLine xmlns="" xmlns:a14="http://schemas.microsoft.com/office/drawing/2010/main" w="9525">
                   <a:solidFill>
                     <a:srgbClr val="000000"/>
                   </a:solidFill>
@@ -2291,7 +2292,7 @@
             </a:ln>
             <a:extLst>
               <a:ext uri="{91240B29-F687-4f45-9708-019B960494DF}">
-                <a14:hiddenLine xmlns:a14="http://schemas.microsoft.com/office/drawing/2010/main" xmlns="" w="9525">
+                <a14:hiddenLine xmlns="" xmlns:a14="http://schemas.microsoft.com/office/drawing/2010/main" w="9525">
                   <a:solidFill>
                     <a:srgbClr val="000000"/>
                   </a:solidFill>
@@ -2347,7 +2348,7 @@
             </a:ln>
             <a:extLst>
               <a:ext uri="{91240B29-F687-4f45-9708-019B960494DF}">
-                <a14:hiddenLine xmlns:a14="http://schemas.microsoft.com/office/drawing/2010/main" xmlns="" w="9525">
+                <a14:hiddenLine xmlns="" xmlns:a14="http://schemas.microsoft.com/office/drawing/2010/main" w="9525">
                   <a:solidFill>
                     <a:srgbClr val="000000"/>
                   </a:solidFill>
@@ -2437,7 +2438,7 @@
             </a:ln>
             <a:extLst>
               <a:ext uri="{91240B29-F687-4f45-9708-019B960494DF}">
-                <a14:hiddenLine xmlns:a14="http://schemas.microsoft.com/office/drawing/2010/main" xmlns="" w="9525">
+                <a14:hiddenLine xmlns="" xmlns:a14="http://schemas.microsoft.com/office/drawing/2010/main" w="9525">
                   <a:solidFill>
                     <a:srgbClr val="000000"/>
                   </a:solidFill>
@@ -2505,7 +2506,7 @@
             </a:ln>
             <a:extLst>
               <a:ext uri="{91240B29-F687-4f45-9708-019B960494DF}">
-                <a14:hiddenLine xmlns:a14="http://schemas.microsoft.com/office/drawing/2010/main" xmlns="" w="9525">
+                <a14:hiddenLine xmlns="" xmlns:a14="http://schemas.microsoft.com/office/drawing/2010/main" w="9525">
                   <a:solidFill>
                     <a:srgbClr val="000000"/>
                   </a:solidFill>
@@ -2595,7 +2596,7 @@
             </a:ln>
             <a:extLst>
               <a:ext uri="{91240B29-F687-4f45-9708-019B960494DF}">
-                <a14:hiddenLine xmlns:a14="http://schemas.microsoft.com/office/drawing/2010/main" xmlns="" w="9525">
+                <a14:hiddenLine xmlns="" xmlns:a14="http://schemas.microsoft.com/office/drawing/2010/main" w="9525">
                   <a:solidFill>
                     <a:srgbClr val="000000"/>
                   </a:solidFill>
@@ -2663,7 +2664,7 @@
             </a:ln>
             <a:extLst>
               <a:ext uri="{91240B29-F687-4f45-9708-019B960494DF}">
-                <a14:hiddenLine xmlns:a14="http://schemas.microsoft.com/office/drawing/2010/main" xmlns="" w="9525">
+                <a14:hiddenLine xmlns="" xmlns:a14="http://schemas.microsoft.com/office/drawing/2010/main" w="9525">
                   <a:solidFill>
                     <a:srgbClr val="000000"/>
                   </a:solidFill>
@@ -2753,7 +2754,7 @@
             </a:ln>
             <a:extLst>
               <a:ext uri="{91240B29-F687-4f45-9708-019B960494DF}">
-                <a14:hiddenLine xmlns:a14="http://schemas.microsoft.com/office/drawing/2010/main" xmlns="" w="9525">
+                <a14:hiddenLine xmlns="" xmlns:a14="http://schemas.microsoft.com/office/drawing/2010/main" w="9525">
                   <a:solidFill>
                     <a:srgbClr val="000000"/>
                   </a:solidFill>
@@ -2787,7 +2788,7 @@
             </a:ln>
             <a:extLst>
               <a:ext uri="{91240B29-F687-4f45-9708-019B960494DF}">
-                <a14:hiddenLine xmlns:a14="http://schemas.microsoft.com/office/drawing/2010/main" xmlns="" w="9525">
+                <a14:hiddenLine xmlns="" xmlns:a14="http://schemas.microsoft.com/office/drawing/2010/main" w="9525">
                   <a:solidFill>
                     <a:srgbClr val="000000"/>
                   </a:solidFill>
@@ -2877,7 +2878,7 @@
             </a:ln>
             <a:extLst>
               <a:ext uri="{91240B29-F687-4f45-9708-019B960494DF}">
-                <a14:hiddenLine xmlns:a14="http://schemas.microsoft.com/office/drawing/2010/main" xmlns="" w="9525">
+                <a14:hiddenLine xmlns="" xmlns:a14="http://schemas.microsoft.com/office/drawing/2010/main" w="9525">
                   <a:solidFill>
                     <a:srgbClr val="000000"/>
                   </a:solidFill>
@@ -2939,7 +2940,7 @@
             </a:ln>
             <a:extLst>
               <a:ext uri="{91240B29-F687-4f45-9708-019B960494DF}">
-                <a14:hiddenLine xmlns:a14="http://schemas.microsoft.com/office/drawing/2010/main" xmlns="" w="9525">
+                <a14:hiddenLine xmlns="" xmlns:a14="http://schemas.microsoft.com/office/drawing/2010/main" w="9525">
                   <a:solidFill>
                     <a:srgbClr val="000000"/>
                   </a:solidFill>
@@ -3001,7 +3002,7 @@
             </a:ln>
             <a:extLst>
               <a:ext uri="{91240B29-F687-4f45-9708-019B960494DF}">
-                <a14:hiddenLine xmlns:a14="http://schemas.microsoft.com/office/drawing/2010/main" xmlns="" w="9525">
+                <a14:hiddenLine xmlns="" xmlns:a14="http://schemas.microsoft.com/office/drawing/2010/main" w="9525">
                   <a:solidFill>
                     <a:srgbClr val="000000"/>
                   </a:solidFill>
@@ -3091,7 +3092,7 @@
             </a:ln>
             <a:extLst>
               <a:ext uri="{91240B29-F687-4f45-9708-019B960494DF}">
-                <a14:hiddenLine xmlns:a14="http://schemas.microsoft.com/office/drawing/2010/main" xmlns="" w="9525">
+                <a14:hiddenLine xmlns="" xmlns:a14="http://schemas.microsoft.com/office/drawing/2010/main" w="9525">
                   <a:solidFill>
                     <a:srgbClr val="000000"/>
                   </a:solidFill>
@@ -3159,7 +3160,7 @@
             </a:ln>
             <a:extLst>
               <a:ext uri="{91240B29-F687-4f45-9708-019B960494DF}">
-                <a14:hiddenLine xmlns:a14="http://schemas.microsoft.com/office/drawing/2010/main" xmlns="" w="9525">
+                <a14:hiddenLine xmlns="" xmlns:a14="http://schemas.microsoft.com/office/drawing/2010/main" w="9525">
                   <a:solidFill>
                     <a:srgbClr val="000000"/>
                   </a:solidFill>
@@ -3221,7 +3222,7 @@
             </a:ln>
             <a:extLst>
               <a:ext uri="{91240B29-F687-4f45-9708-019B960494DF}">
-                <a14:hiddenLine xmlns:a14="http://schemas.microsoft.com/office/drawing/2010/main" xmlns="" w="9525">
+                <a14:hiddenLine xmlns="" xmlns:a14="http://schemas.microsoft.com/office/drawing/2010/main" w="9525">
                   <a:solidFill>
                     <a:srgbClr val="000000"/>
                   </a:solidFill>
@@ -3311,7 +3312,7 @@
             </a:ln>
             <a:extLst>
               <a:ext uri="{91240B29-F687-4f45-9708-019B960494DF}">
-                <a14:hiddenLine xmlns:a14="http://schemas.microsoft.com/office/drawing/2010/main" xmlns="" w="9525">
+                <a14:hiddenLine xmlns="" xmlns:a14="http://schemas.microsoft.com/office/drawing/2010/main" w="9525">
                   <a:solidFill>
                     <a:srgbClr val="000000"/>
                   </a:solidFill>
@@ -3373,7 +3374,7 @@
             </a:ln>
             <a:extLst>
               <a:ext uri="{91240B29-F687-4f45-9708-019B960494DF}">
-                <a14:hiddenLine xmlns:a14="http://schemas.microsoft.com/office/drawing/2010/main" xmlns="" w="9525">
+                <a14:hiddenLine xmlns="" xmlns:a14="http://schemas.microsoft.com/office/drawing/2010/main" w="9525">
                   <a:solidFill>
                     <a:srgbClr val="000000"/>
                   </a:solidFill>
@@ -3463,7 +3464,7 @@
             </a:ln>
             <a:extLst>
               <a:ext uri="{91240B29-F687-4f45-9708-019B960494DF}">
-                <a14:hiddenLine xmlns:a14="http://schemas.microsoft.com/office/drawing/2010/main" xmlns="" w="9525">
+                <a14:hiddenLine xmlns="" xmlns:a14="http://schemas.microsoft.com/office/drawing/2010/main" w="9525">
                   <a:solidFill>
                     <a:srgbClr val="000000"/>
                   </a:solidFill>
@@ -3525,7 +3526,7 @@
             </a:ln>
             <a:extLst>
               <a:ext uri="{91240B29-F687-4f45-9708-019B960494DF}">
-                <a14:hiddenLine xmlns:a14="http://schemas.microsoft.com/office/drawing/2010/main" xmlns="" w="9525">
+                <a14:hiddenLine xmlns="" xmlns:a14="http://schemas.microsoft.com/office/drawing/2010/main" w="9525">
                   <a:solidFill>
                     <a:srgbClr val="000000"/>
                   </a:solidFill>
@@ -3615,7 +3616,7 @@
             </a:ln>
             <a:extLst>
               <a:ext uri="{91240B29-F687-4f45-9708-019B960494DF}">
-                <a14:hiddenLine xmlns:a14="http://schemas.microsoft.com/office/drawing/2010/main" xmlns="" w="9525">
+                <a14:hiddenLine xmlns="" xmlns:a14="http://schemas.microsoft.com/office/drawing/2010/main" w="9525">
                   <a:solidFill>
                     <a:srgbClr val="000000"/>
                   </a:solidFill>
@@ -3649,7 +3650,7 @@
             </a:ln>
             <a:extLst>
               <a:ext uri="{91240B29-F687-4f45-9708-019B960494DF}">
-                <a14:hiddenLine xmlns:a14="http://schemas.microsoft.com/office/drawing/2010/main" xmlns="" w="9525">
+                <a14:hiddenLine xmlns="" xmlns:a14="http://schemas.microsoft.com/office/drawing/2010/main" w="9525">
                   <a:solidFill>
                     <a:srgbClr val="000000"/>
                   </a:solidFill>
@@ -3714,7 +3715,7 @@
             </a:ln>
             <a:extLst>
               <a:ext uri="{91240B29-F687-4f45-9708-019B960494DF}">
-                <a14:hiddenLine xmlns:a14="http://schemas.microsoft.com/office/drawing/2010/main" xmlns="" w="9525">
+                <a14:hiddenLine xmlns="" xmlns:a14="http://schemas.microsoft.com/office/drawing/2010/main" w="9525">
                   <a:solidFill>
                     <a:srgbClr val="000000"/>
                   </a:solidFill>
@@ -3804,7 +3805,7 @@
             </a:ln>
             <a:extLst>
               <a:ext uri="{91240B29-F687-4f45-9708-019B960494DF}">
-                <a14:hiddenLine xmlns:a14="http://schemas.microsoft.com/office/drawing/2010/main" xmlns="" w="9525">
+                <a14:hiddenLine xmlns="" xmlns:a14="http://schemas.microsoft.com/office/drawing/2010/main" w="9525">
                   <a:solidFill>
                     <a:srgbClr val="000000"/>
                   </a:solidFill>
@@ -3866,7 +3867,7 @@
             </a:ln>
             <a:extLst>
               <a:ext uri="{91240B29-F687-4f45-9708-019B960494DF}">
-                <a14:hiddenLine xmlns:a14="http://schemas.microsoft.com/office/drawing/2010/main" xmlns="" w="9525">
+                <a14:hiddenLine xmlns="" xmlns:a14="http://schemas.microsoft.com/office/drawing/2010/main" w="9525">
                   <a:solidFill>
                     <a:srgbClr val="000000"/>
                   </a:solidFill>
@@ -3956,7 +3957,7 @@
             </a:ln>
             <a:extLst>
               <a:ext uri="{91240B29-F687-4f45-9708-019B960494DF}">
-                <a14:hiddenLine xmlns:a14="http://schemas.microsoft.com/office/drawing/2010/main" xmlns="" w="9525">
+                <a14:hiddenLine xmlns="" xmlns:a14="http://schemas.microsoft.com/office/drawing/2010/main" w="9525">
                   <a:solidFill>
                     <a:srgbClr val="000000"/>
                   </a:solidFill>
@@ -4046,7 +4047,7 @@
             </a:ln>
             <a:extLst>
               <a:ext uri="{91240B29-F687-4f45-9708-019B960494DF}">
-                <a14:hiddenLine xmlns:a14="http://schemas.microsoft.com/office/drawing/2010/main" xmlns="" w="9525">
+                <a14:hiddenLine xmlns="" xmlns:a14="http://schemas.microsoft.com/office/drawing/2010/main" w="9525">
                   <a:solidFill>
                     <a:srgbClr val="000000"/>
                   </a:solidFill>
@@ -4111,7 +4112,7 @@
             </a:ln>
             <a:extLst>
               <a:ext uri="{91240B29-F687-4f45-9708-019B960494DF}">
-                <a14:hiddenLine xmlns:a14="http://schemas.microsoft.com/office/drawing/2010/main" xmlns="" w="9525">
+                <a14:hiddenLine xmlns="" xmlns:a14="http://schemas.microsoft.com/office/drawing/2010/main" w="9525">
                   <a:solidFill>
                     <a:srgbClr val="000000"/>
                   </a:solidFill>
@@ -4173,7 +4174,7 @@
             </a:ln>
             <a:extLst>
               <a:ext uri="{91240B29-F687-4f45-9708-019B960494DF}">
-                <a14:hiddenLine xmlns:a14="http://schemas.microsoft.com/office/drawing/2010/main" xmlns="" w="9525">
+                <a14:hiddenLine xmlns="" xmlns:a14="http://schemas.microsoft.com/office/drawing/2010/main" w="9525">
                   <a:solidFill>
                     <a:srgbClr val="000000"/>
                   </a:solidFill>
@@ -4263,7 +4264,7 @@
             </a:ln>
             <a:extLst>
               <a:ext uri="{91240B29-F687-4f45-9708-019B960494DF}">
-                <a14:hiddenLine xmlns:a14="http://schemas.microsoft.com/office/drawing/2010/main" xmlns="" w="9525">
+                <a14:hiddenLine xmlns="" xmlns:a14="http://schemas.microsoft.com/office/drawing/2010/main" w="9525">
                   <a:solidFill>
                     <a:srgbClr val="000000"/>
                   </a:solidFill>
@@ -4353,7 +4354,7 @@
             </a:ln>
             <a:extLst>
               <a:ext uri="{91240B29-F687-4f45-9708-019B960494DF}">
-                <a14:hiddenLine xmlns:a14="http://schemas.microsoft.com/office/drawing/2010/main" xmlns="" w="9525">
+                <a14:hiddenLine xmlns="" xmlns:a14="http://schemas.microsoft.com/office/drawing/2010/main" w="9525">
                   <a:solidFill>
                     <a:srgbClr val="000000"/>
                   </a:solidFill>
@@ -4415,7 +4416,7 @@
             </a:ln>
             <a:extLst>
               <a:ext uri="{91240B29-F687-4f45-9708-019B960494DF}">
-                <a14:hiddenLine xmlns:a14="http://schemas.microsoft.com/office/drawing/2010/main" xmlns="" w="9525">
+                <a14:hiddenLine xmlns="" xmlns:a14="http://schemas.microsoft.com/office/drawing/2010/main" w="9525">
                   <a:solidFill>
                     <a:srgbClr val="000000"/>
                   </a:solidFill>
@@ -4535,7 +4536,7 @@
             </a:ln>
             <a:extLst>
               <a:ext uri="{91240B29-F687-4f45-9708-019B960494DF}">
-                <a14:hiddenLine xmlns:a14="http://schemas.microsoft.com/office/drawing/2010/main" xmlns="" w="9525">
+                <a14:hiddenLine xmlns="" xmlns:a14="http://schemas.microsoft.com/office/drawing/2010/main" w="9525">
                   <a:solidFill>
                     <a:srgbClr val="000000"/>
                   </a:solidFill>
@@ -4603,7 +4604,7 @@
             </a:ln>
             <a:extLst>
               <a:ext uri="{91240B29-F687-4f45-9708-019B960494DF}">
-                <a14:hiddenLine xmlns:a14="http://schemas.microsoft.com/office/drawing/2010/main" xmlns="" w="9525">
+                <a14:hiddenLine xmlns="" xmlns:a14="http://schemas.microsoft.com/office/drawing/2010/main" w="9525">
                   <a:solidFill>
                     <a:srgbClr val="000000"/>
                   </a:solidFill>
@@ -4693,7 +4694,7 @@
             </a:ln>
             <a:extLst>
               <a:ext uri="{91240B29-F687-4f45-9708-019B960494DF}">
-                <a14:hiddenLine xmlns:a14="http://schemas.microsoft.com/office/drawing/2010/main" xmlns="" w="9525">
+                <a14:hiddenLine xmlns="" xmlns:a14="http://schemas.microsoft.com/office/drawing/2010/main" w="9525">
                   <a:solidFill>
                     <a:srgbClr val="000000"/>
                   </a:solidFill>
@@ -4833,7 +4834,7 @@
           <a:p>
             <a:fld id="{EC4347D3-4C9A-C240-8F14-750059DFEEB0}" type="datetimeFigureOut">
               <a:rPr lang="en-US" smtClean="0"/>
-              <a:t>2/3/26</a:t>
+              <a:t>2/5/26</a:t>
             </a:fld>
             <a:endParaRPr lang="en-US"/>
           </a:p>
@@ -5100,7 +5101,7 @@
           <a:p>
             <a:fld id="{EC4347D3-4C9A-C240-8F14-750059DFEEB0}" type="datetimeFigureOut">
               <a:rPr lang="en-US" smtClean="0"/>
-              <a:t>2/3/26</a:t>
+              <a:t>2/5/26</a:t>
             </a:fld>
             <a:endParaRPr lang="en-US"/>
           </a:p>
@@ -5296,7 +5297,7 @@
           <a:p>
             <a:fld id="{EC4347D3-4C9A-C240-8F14-750059DFEEB0}" type="datetimeFigureOut">
               <a:rPr lang="en-US" smtClean="0"/>
-              <a:t>2/3/26</a:t>
+              <a:t>2/5/26</a:t>
             </a:fld>
             <a:endParaRPr lang="en-US"/>
           </a:p>
@@ -5559,7 +5560,7 @@
           <a:p>
             <a:fld id="{EC4347D3-4C9A-C240-8F14-750059DFEEB0}" type="datetimeFigureOut">
               <a:rPr lang="en-US" smtClean="0"/>
-              <a:t>2/3/26</a:t>
+              <a:t>2/5/26</a:t>
             </a:fld>
             <a:endParaRPr lang="en-US"/>
           </a:p>
@@ -5993,7 +5994,7 @@
           <a:p>
             <a:fld id="{EC4347D3-4C9A-C240-8F14-750059DFEEB0}" type="datetimeFigureOut">
               <a:rPr lang="en-US" smtClean="0"/>
-              <a:t>2/3/26</a:t>
+              <a:t>2/5/26</a:t>
             </a:fld>
             <a:endParaRPr lang="en-US"/>
           </a:p>
@@ -6539,7 +6540,7 @@
           <a:p>
             <a:fld id="{EC4347D3-4C9A-C240-8F14-750059DFEEB0}" type="datetimeFigureOut">
               <a:rPr lang="en-US" smtClean="0"/>
-              <a:t>2/3/26</a:t>
+              <a:t>2/5/26</a:t>
             </a:fld>
             <a:endParaRPr lang="en-US"/>
           </a:p>
@@ -7259,7 +7260,7 @@
           <a:p>
             <a:fld id="{EC4347D3-4C9A-C240-8F14-750059DFEEB0}" type="datetimeFigureOut">
               <a:rPr lang="en-US" smtClean="0"/>
-              <a:t>2/3/26</a:t>
+              <a:t>2/5/26</a:t>
             </a:fld>
             <a:endParaRPr lang="en-US"/>
           </a:p>
@@ -7429,7 +7430,7 @@
           <a:p>
             <a:fld id="{EC4347D3-4C9A-C240-8F14-750059DFEEB0}" type="datetimeFigureOut">
               <a:rPr lang="en-US" smtClean="0"/>
-              <a:t>2/3/26</a:t>
+              <a:t>2/5/26</a:t>
             </a:fld>
             <a:endParaRPr lang="en-US"/>
           </a:p>
@@ -7609,7 +7610,7 @@
           <a:p>
             <a:fld id="{EC4347D3-4C9A-C240-8F14-750059DFEEB0}" type="datetimeFigureOut">
               <a:rPr lang="en-US" smtClean="0"/>
-              <a:t>2/3/26</a:t>
+              <a:t>2/5/26</a:t>
             </a:fld>
             <a:endParaRPr lang="en-US"/>
           </a:p>
@@ -7779,7 +7780,7 @@
           <a:p>
             <a:fld id="{EC4347D3-4C9A-C240-8F14-750059DFEEB0}" type="datetimeFigureOut">
               <a:rPr lang="en-US" smtClean="0"/>
-              <a:t>2/3/26</a:t>
+              <a:t>2/5/26</a:t>
             </a:fld>
             <a:endParaRPr lang="en-US"/>
           </a:p>
@@ -8029,7 +8030,7 @@
           <a:p>
             <a:fld id="{EC4347D3-4C9A-C240-8F14-750059DFEEB0}" type="datetimeFigureOut">
               <a:rPr lang="en-US" smtClean="0"/>
-              <a:t>2/3/26</a:t>
+              <a:t>2/5/26</a:t>
             </a:fld>
             <a:endParaRPr lang="en-US"/>
           </a:p>
@@ -8261,7 +8262,7 @@
           <a:p>
             <a:fld id="{EC4347D3-4C9A-C240-8F14-750059DFEEB0}" type="datetimeFigureOut">
               <a:rPr lang="en-US" smtClean="0"/>
-              <a:t>2/3/26</a:t>
+              <a:t>2/5/26</a:t>
             </a:fld>
             <a:endParaRPr lang="en-US"/>
           </a:p>
@@ -8647,7 +8648,7 @@
           <a:p>
             <a:fld id="{EC4347D3-4C9A-C240-8F14-750059DFEEB0}" type="datetimeFigureOut">
               <a:rPr lang="en-US" smtClean="0"/>
-              <a:t>2/3/26</a:t>
+              <a:t>2/5/26</a:t>
             </a:fld>
             <a:endParaRPr lang="en-US"/>
           </a:p>
@@ -8770,7 +8771,7 @@
           <a:p>
             <a:fld id="{EC4347D3-4C9A-C240-8F14-750059DFEEB0}" type="datetimeFigureOut">
               <a:rPr lang="en-US" smtClean="0"/>
-              <a:t>2/3/26</a:t>
+              <a:t>2/5/26</a:t>
             </a:fld>
             <a:endParaRPr lang="en-US"/>
           </a:p>
@@ -8865,7 +8866,7 @@
           <a:p>
             <a:fld id="{EC4347D3-4C9A-C240-8F14-750059DFEEB0}" type="datetimeFigureOut">
               <a:rPr lang="en-US" smtClean="0"/>
-              <a:t>2/3/26</a:t>
+              <a:t>2/5/26</a:t>
             </a:fld>
             <a:endParaRPr lang="en-US"/>
           </a:p>
@@ -9114,7 +9115,7 @@
           <a:p>
             <a:fld id="{EC4347D3-4C9A-C240-8F14-750059DFEEB0}" type="datetimeFigureOut">
               <a:rPr lang="en-US" smtClean="0"/>
-              <a:t>2/3/26</a:t>
+              <a:t>2/5/26</a:t>
             </a:fld>
             <a:endParaRPr lang="en-US"/>
           </a:p>
@@ -9399,7 +9400,7 @@
           <a:p>
             <a:fld id="{EC4347D3-4C9A-C240-8F14-750059DFEEB0}" type="datetimeFigureOut">
               <a:rPr lang="en-US" smtClean="0"/>
-              <a:t>2/3/26</a:t>
+              <a:t>2/5/26</a:t>
             </a:fld>
             <a:endParaRPr lang="en-US"/>
           </a:p>
@@ -9522,7 +9523,7 @@
           <a:noFill/>
           <a:extLst>
             <a:ext uri="{909E8E84-426E-40dd-AFC4-6F175D3DCCD1}">
-              <a14:hiddenFill xmlns:a14="http://schemas.microsoft.com/office/drawing/2010/main" xmlns="">
+              <a14:hiddenFill xmlns="" xmlns:a14="http://schemas.microsoft.com/office/drawing/2010/main">
                 <a:solidFill>
                   <a:srgbClr val="FFFFFF"/>
                 </a:solidFill>
@@ -9596,7 +9597,7 @@
               </a:ln>
               <a:extLst>
                 <a:ext uri="{91240B29-F687-4f45-9708-019B960494DF}">
-                  <a14:hiddenLine xmlns:a14="http://schemas.microsoft.com/office/drawing/2010/main" xmlns="" w="9525">
+                  <a14:hiddenLine xmlns="" xmlns:a14="http://schemas.microsoft.com/office/drawing/2010/main" w="9525">
                     <a:solidFill>
                       <a:srgbClr val="000000"/>
                     </a:solidFill>
@@ -9686,7 +9687,7 @@
               </a:ln>
               <a:extLst>
                 <a:ext uri="{91240B29-F687-4f45-9708-019B960494DF}">
-                  <a14:hiddenLine xmlns:a14="http://schemas.microsoft.com/office/drawing/2010/main" xmlns="" w="9525">
+                  <a14:hiddenLine xmlns="" xmlns:a14="http://schemas.microsoft.com/office/drawing/2010/main" w="9525">
                     <a:solidFill>
                       <a:srgbClr val="000000"/>
                     </a:solidFill>
@@ -9776,7 +9777,7 @@
               </a:ln>
               <a:extLst>
                 <a:ext uri="{91240B29-F687-4f45-9708-019B960494DF}">
-                  <a14:hiddenLine xmlns:a14="http://schemas.microsoft.com/office/drawing/2010/main" xmlns="" w="9525">
+                  <a14:hiddenLine xmlns="" xmlns:a14="http://schemas.microsoft.com/office/drawing/2010/main" w="9525">
                     <a:solidFill>
                       <a:srgbClr val="000000"/>
                     </a:solidFill>
@@ -9838,7 +9839,7 @@
               </a:ln>
               <a:extLst>
                 <a:ext uri="{91240B29-F687-4f45-9708-019B960494DF}">
-                  <a14:hiddenLine xmlns:a14="http://schemas.microsoft.com/office/drawing/2010/main" xmlns="" w="9525">
+                  <a14:hiddenLine xmlns="" xmlns:a14="http://schemas.microsoft.com/office/drawing/2010/main" w="9525">
                     <a:solidFill>
                       <a:srgbClr val="000000"/>
                     </a:solidFill>
@@ -9928,7 +9929,7 @@
               </a:ln>
               <a:extLst>
                 <a:ext uri="{91240B29-F687-4f45-9708-019B960494DF}">
-                  <a14:hiddenLine xmlns:a14="http://schemas.microsoft.com/office/drawing/2010/main" xmlns="" w="9525">
+                  <a14:hiddenLine xmlns="" xmlns:a14="http://schemas.microsoft.com/office/drawing/2010/main" w="9525">
                     <a:solidFill>
                       <a:srgbClr val="000000"/>
                     </a:solidFill>
@@ -9990,7 +9991,7 @@
               </a:ln>
               <a:extLst>
                 <a:ext uri="{91240B29-F687-4f45-9708-019B960494DF}">
-                  <a14:hiddenLine xmlns:a14="http://schemas.microsoft.com/office/drawing/2010/main" xmlns="" w="9525">
+                  <a14:hiddenLine xmlns="" xmlns:a14="http://schemas.microsoft.com/office/drawing/2010/main" w="9525">
                     <a:solidFill>
                       <a:srgbClr val="000000"/>
                     </a:solidFill>
@@ -10052,7 +10053,7 @@
               </a:ln>
               <a:extLst>
                 <a:ext uri="{91240B29-F687-4f45-9708-019B960494DF}">
-                  <a14:hiddenLine xmlns:a14="http://schemas.microsoft.com/office/drawing/2010/main" xmlns="" w="9525">
+                  <a14:hiddenLine xmlns="" xmlns:a14="http://schemas.microsoft.com/office/drawing/2010/main" w="9525">
                     <a:solidFill>
                       <a:srgbClr val="000000"/>
                     </a:solidFill>
@@ -10142,7 +10143,7 @@
               </a:ln>
               <a:extLst>
                 <a:ext uri="{91240B29-F687-4f45-9708-019B960494DF}">
-                  <a14:hiddenLine xmlns:a14="http://schemas.microsoft.com/office/drawing/2010/main" xmlns="" w="9525">
+                  <a14:hiddenLine xmlns="" xmlns:a14="http://schemas.microsoft.com/office/drawing/2010/main" w="9525">
                     <a:solidFill>
                       <a:srgbClr val="000000"/>
                     </a:solidFill>
@@ -10232,7 +10233,7 @@
               </a:ln>
               <a:extLst>
                 <a:ext uri="{91240B29-F687-4f45-9708-019B960494DF}">
-                  <a14:hiddenLine xmlns:a14="http://schemas.microsoft.com/office/drawing/2010/main" xmlns="" w="9525">
+                  <a14:hiddenLine xmlns="" xmlns:a14="http://schemas.microsoft.com/office/drawing/2010/main" w="9525">
                     <a:solidFill>
                       <a:srgbClr val="000000"/>
                     </a:solidFill>
@@ -10294,7 +10295,7 @@
               </a:ln>
               <a:extLst>
                 <a:ext uri="{91240B29-F687-4f45-9708-019B960494DF}">
-                  <a14:hiddenLine xmlns:a14="http://schemas.microsoft.com/office/drawing/2010/main" xmlns="" w="9525">
+                  <a14:hiddenLine xmlns="" xmlns:a14="http://schemas.microsoft.com/office/drawing/2010/main" w="9525">
                     <a:solidFill>
                       <a:srgbClr val="000000"/>
                     </a:solidFill>
@@ -10404,7 +10405,7 @@
               </a:ln>
               <a:extLst>
                 <a:ext uri="{91240B29-F687-4f45-9708-019B960494DF}">
-                  <a14:hiddenLine xmlns:a14="http://schemas.microsoft.com/office/drawing/2010/main" xmlns="" w="9525">
+                  <a14:hiddenLine xmlns="" xmlns:a14="http://schemas.microsoft.com/office/drawing/2010/main" w="9525">
                     <a:solidFill>
                       <a:srgbClr val="000000"/>
                     </a:solidFill>
@@ -10488,7 +10489,7 @@
               </a:ln>
               <a:extLst>
                 <a:ext uri="{91240B29-F687-4f45-9708-019B960494DF}">
-                  <a14:hiddenLine xmlns:a14="http://schemas.microsoft.com/office/drawing/2010/main" xmlns="" w="9525">
+                  <a14:hiddenLine xmlns="" xmlns:a14="http://schemas.microsoft.com/office/drawing/2010/main" w="9525">
                     <a:solidFill>
                       <a:srgbClr val="000000"/>
                     </a:solidFill>
@@ -10550,7 +10551,7 @@
               </a:ln>
               <a:extLst>
                 <a:ext uri="{91240B29-F687-4f45-9708-019B960494DF}">
-                  <a14:hiddenLine xmlns:a14="http://schemas.microsoft.com/office/drawing/2010/main" xmlns="" w="9525">
+                  <a14:hiddenLine xmlns="" xmlns:a14="http://schemas.microsoft.com/office/drawing/2010/main" w="9525">
                     <a:solidFill>
                       <a:srgbClr val="000000"/>
                     </a:solidFill>
@@ -10612,7 +10613,7 @@
               </a:ln>
               <a:extLst>
                 <a:ext uri="{91240B29-F687-4f45-9708-019B960494DF}">
-                  <a14:hiddenLine xmlns:a14="http://schemas.microsoft.com/office/drawing/2010/main" xmlns="" w="9525">
+                  <a14:hiddenLine xmlns="" xmlns:a14="http://schemas.microsoft.com/office/drawing/2010/main" w="9525">
                     <a:solidFill>
                       <a:srgbClr val="000000"/>
                     </a:solidFill>
@@ -10702,7 +10703,7 @@
               </a:ln>
               <a:extLst>
                 <a:ext uri="{91240B29-F687-4f45-9708-019B960494DF}">
-                  <a14:hiddenLine xmlns:a14="http://schemas.microsoft.com/office/drawing/2010/main" xmlns="" w="9525">
+                  <a14:hiddenLine xmlns="" xmlns:a14="http://schemas.microsoft.com/office/drawing/2010/main" w="9525">
                     <a:solidFill>
                       <a:srgbClr val="000000"/>
                     </a:solidFill>
@@ -10736,7 +10737,7 @@
               </a:ln>
               <a:extLst>
                 <a:ext uri="{91240B29-F687-4f45-9708-019B960494DF}">
-                  <a14:hiddenLine xmlns:a14="http://schemas.microsoft.com/office/drawing/2010/main" xmlns="" w="9525">
+                  <a14:hiddenLine xmlns="" xmlns:a14="http://schemas.microsoft.com/office/drawing/2010/main" w="9525">
                     <a:solidFill>
                       <a:srgbClr val="000000"/>
                     </a:solidFill>
@@ -10801,7 +10802,7 @@
               </a:ln>
               <a:extLst>
                 <a:ext uri="{91240B29-F687-4f45-9708-019B960494DF}">
-                  <a14:hiddenLine xmlns:a14="http://schemas.microsoft.com/office/drawing/2010/main" xmlns="" w="9525">
+                  <a14:hiddenLine xmlns="" xmlns:a14="http://schemas.microsoft.com/office/drawing/2010/main" w="9525">
                     <a:solidFill>
                       <a:srgbClr val="000000"/>
                     </a:solidFill>
@@ -10891,7 +10892,7 @@
               </a:ln>
               <a:extLst>
                 <a:ext uri="{91240B29-F687-4f45-9708-019B960494DF}">
-                  <a14:hiddenLine xmlns:a14="http://schemas.microsoft.com/office/drawing/2010/main" xmlns="" w="9525">
+                  <a14:hiddenLine xmlns="" xmlns:a14="http://schemas.microsoft.com/office/drawing/2010/main" w="9525">
                     <a:solidFill>
                       <a:srgbClr val="000000"/>
                     </a:solidFill>
@@ -10953,7 +10954,7 @@
               </a:ln>
               <a:extLst>
                 <a:ext uri="{91240B29-F687-4f45-9708-019B960494DF}">
-                  <a14:hiddenLine xmlns:a14="http://schemas.microsoft.com/office/drawing/2010/main" xmlns="" w="9525">
+                  <a14:hiddenLine xmlns="" xmlns:a14="http://schemas.microsoft.com/office/drawing/2010/main" w="9525">
                     <a:solidFill>
                       <a:srgbClr val="000000"/>
                     </a:solidFill>
@@ -11043,7 +11044,7 @@
               </a:ln>
               <a:extLst>
                 <a:ext uri="{91240B29-F687-4f45-9708-019B960494DF}">
-                  <a14:hiddenLine xmlns:a14="http://schemas.microsoft.com/office/drawing/2010/main" xmlns="" w="9525">
+                  <a14:hiddenLine xmlns="" xmlns:a14="http://schemas.microsoft.com/office/drawing/2010/main" w="9525">
                     <a:solidFill>
                       <a:srgbClr val="000000"/>
                     </a:solidFill>
@@ -11108,7 +11109,7 @@
               </a:ln>
               <a:extLst>
                 <a:ext uri="{91240B29-F687-4f45-9708-019B960494DF}">
-                  <a14:hiddenLine xmlns:a14="http://schemas.microsoft.com/office/drawing/2010/main" xmlns="" w="9525">
+                  <a14:hiddenLine xmlns="" xmlns:a14="http://schemas.microsoft.com/office/drawing/2010/main" w="9525">
                     <a:solidFill>
                       <a:srgbClr val="000000"/>
                     </a:solidFill>
@@ -11170,7 +11171,7 @@
               </a:ln>
               <a:extLst>
                 <a:ext uri="{91240B29-F687-4f45-9708-019B960494DF}">
-                  <a14:hiddenLine xmlns:a14="http://schemas.microsoft.com/office/drawing/2010/main" xmlns="" w="9525">
+                  <a14:hiddenLine xmlns="" xmlns:a14="http://schemas.microsoft.com/office/drawing/2010/main" w="9525">
                     <a:solidFill>
                       <a:srgbClr val="000000"/>
                     </a:solidFill>
@@ -11260,7 +11261,7 @@
               </a:ln>
               <a:extLst>
                 <a:ext uri="{91240B29-F687-4f45-9708-019B960494DF}">
-                  <a14:hiddenLine xmlns:a14="http://schemas.microsoft.com/office/drawing/2010/main" xmlns="" w="9525">
+                  <a14:hiddenLine xmlns="" xmlns:a14="http://schemas.microsoft.com/office/drawing/2010/main" w="9525">
                     <a:solidFill>
                       <a:srgbClr val="000000"/>
                     </a:solidFill>
@@ -11350,7 +11351,7 @@
               </a:ln>
               <a:extLst>
                 <a:ext uri="{91240B29-F687-4f45-9708-019B960494DF}">
-                  <a14:hiddenLine xmlns:a14="http://schemas.microsoft.com/office/drawing/2010/main" xmlns="" w="9525">
+                  <a14:hiddenLine xmlns="" xmlns:a14="http://schemas.microsoft.com/office/drawing/2010/main" w="9525">
                     <a:solidFill>
                       <a:srgbClr val="000000"/>
                     </a:solidFill>
@@ -11415,7 +11416,7 @@
               </a:ln>
               <a:extLst>
                 <a:ext uri="{91240B29-F687-4f45-9708-019B960494DF}">
-                  <a14:hiddenLine xmlns:a14="http://schemas.microsoft.com/office/drawing/2010/main" xmlns="" w="9525">
+                  <a14:hiddenLine xmlns="" xmlns:a14="http://schemas.microsoft.com/office/drawing/2010/main" w="9525">
                     <a:solidFill>
                       <a:srgbClr val="000000"/>
                     </a:solidFill>
@@ -11535,7 +11536,7 @@
               </a:ln>
               <a:extLst>
                 <a:ext uri="{91240B29-F687-4f45-9708-019B960494DF}">
-                  <a14:hiddenLine xmlns:a14="http://schemas.microsoft.com/office/drawing/2010/main" xmlns="" w="9525">
+                  <a14:hiddenLine xmlns="" xmlns:a14="http://schemas.microsoft.com/office/drawing/2010/main" w="9525">
                     <a:solidFill>
                       <a:srgbClr val="000000"/>
                     </a:solidFill>
@@ -11616,7 +11617,7 @@
               </a:ln>
               <a:extLst>
                 <a:ext uri="{91240B29-F687-4f45-9708-019B960494DF}">
-                  <a14:hiddenLine xmlns:a14="http://schemas.microsoft.com/office/drawing/2010/main" xmlns="" w="9525">
+                  <a14:hiddenLine xmlns="" xmlns:a14="http://schemas.microsoft.com/office/drawing/2010/main" w="9525">
                     <a:solidFill>
                       <a:srgbClr val="000000"/>
                     </a:solidFill>
@@ -11731,7 +11732,7 @@
               </a:ln>
               <a:extLst>
                 <a:ext uri="{91240B29-F687-4f45-9708-019B960494DF}">
-                  <a14:hiddenLine xmlns:a14="http://schemas.microsoft.com/office/drawing/2010/main" xmlns="" w="9525">
+                  <a14:hiddenLine xmlns="" xmlns:a14="http://schemas.microsoft.com/office/drawing/2010/main" w="9525">
                     <a:solidFill>
                       <a:srgbClr val="000000"/>
                     </a:solidFill>
@@ -11821,7 +11822,7 @@
               </a:ln>
               <a:extLst>
                 <a:ext uri="{91240B29-F687-4f45-9708-019B960494DF}">
-                  <a14:hiddenLine xmlns:a14="http://schemas.microsoft.com/office/drawing/2010/main" xmlns="" w="9525">
+                  <a14:hiddenLine xmlns="" xmlns:a14="http://schemas.microsoft.com/office/drawing/2010/main" w="9525">
                     <a:solidFill>
                       <a:srgbClr val="000000"/>
                     </a:solidFill>
@@ -11886,7 +11887,7 @@
               </a:ln>
               <a:extLst>
                 <a:ext uri="{91240B29-F687-4f45-9708-019B960494DF}">
-                  <a14:hiddenLine xmlns:a14="http://schemas.microsoft.com/office/drawing/2010/main" xmlns="" w="9525">
+                  <a14:hiddenLine xmlns="" xmlns:a14="http://schemas.microsoft.com/office/drawing/2010/main" w="9525">
                     <a:solidFill>
                       <a:srgbClr val="000000"/>
                     </a:solidFill>
@@ -11976,7 +11977,7 @@
               </a:ln>
               <a:extLst>
                 <a:ext uri="{91240B29-F687-4f45-9708-019B960494DF}">
-                  <a14:hiddenLine xmlns:a14="http://schemas.microsoft.com/office/drawing/2010/main" xmlns="" w="9525">
+                  <a14:hiddenLine xmlns="" xmlns:a14="http://schemas.microsoft.com/office/drawing/2010/main" w="9525">
                     <a:solidFill>
                       <a:srgbClr val="000000"/>
                     </a:solidFill>
@@ -12044,7 +12045,7 @@
               </a:ln>
               <a:extLst>
                 <a:ext uri="{91240B29-F687-4f45-9708-019B960494DF}">
-                  <a14:hiddenLine xmlns:a14="http://schemas.microsoft.com/office/drawing/2010/main" xmlns="" w="9525">
+                  <a14:hiddenLine xmlns="" xmlns:a14="http://schemas.microsoft.com/office/drawing/2010/main" w="9525">
                     <a:solidFill>
                       <a:srgbClr val="000000"/>
                     </a:solidFill>
@@ -12134,7 +12135,7 @@
               </a:ln>
               <a:extLst>
                 <a:ext uri="{91240B29-F687-4f45-9708-019B960494DF}">
-                  <a14:hiddenLine xmlns:a14="http://schemas.microsoft.com/office/drawing/2010/main" xmlns="" w="9525">
+                  <a14:hiddenLine xmlns="" xmlns:a14="http://schemas.microsoft.com/office/drawing/2010/main" w="9525">
                     <a:solidFill>
                       <a:srgbClr val="000000"/>
                     </a:solidFill>
@@ -12202,7 +12203,7 @@
               </a:ln>
               <a:extLst>
                 <a:ext uri="{91240B29-F687-4f45-9708-019B960494DF}">
-                  <a14:hiddenLine xmlns:a14="http://schemas.microsoft.com/office/drawing/2010/main" xmlns="" w="9525">
+                  <a14:hiddenLine xmlns="" xmlns:a14="http://schemas.microsoft.com/office/drawing/2010/main" w="9525">
                     <a:solidFill>
                       <a:srgbClr val="000000"/>
                     </a:solidFill>
@@ -12292,7 +12293,7 @@
               </a:ln>
               <a:extLst>
                 <a:ext uri="{91240B29-F687-4f45-9708-019B960494DF}">
-                  <a14:hiddenLine xmlns:a14="http://schemas.microsoft.com/office/drawing/2010/main" xmlns="" w="9525">
+                  <a14:hiddenLine xmlns="" xmlns:a14="http://schemas.microsoft.com/office/drawing/2010/main" w="9525">
                     <a:solidFill>
                       <a:srgbClr val="000000"/>
                     </a:solidFill>
@@ -12326,7 +12327,7 @@
               </a:ln>
               <a:extLst>
                 <a:ext uri="{91240B29-F687-4f45-9708-019B960494DF}">
-                  <a14:hiddenLine xmlns:a14="http://schemas.microsoft.com/office/drawing/2010/main" xmlns="" w="9525">
+                  <a14:hiddenLine xmlns="" xmlns:a14="http://schemas.microsoft.com/office/drawing/2010/main" w="9525">
                     <a:solidFill>
                       <a:srgbClr val="000000"/>
                     </a:solidFill>
@@ -12466,7 +12467,7 @@
           <a:p>
             <a:fld id="{EC4347D3-4C9A-C240-8F14-750059DFEEB0}" type="datetimeFigureOut">
               <a:rPr lang="en-US" smtClean="0"/>
-              <a:t>2/3/26</a:t>
+              <a:t>2/5/26</a:t>
             </a:fld>
             <a:endParaRPr lang="en-US"/>
           </a:p>
@@ -13468,6 +13469,178 @@
 </p:sld>
 </file>
 
+<file path=ppt/slides/slide5.xml><?xml version="1.0" encoding="utf-8"?>
+<p:sld xmlns:a="http://schemas.openxmlformats.org/drawingml/2006/main" xmlns:r="http://schemas.openxmlformats.org/officeDocument/2006/relationships" xmlns:p="http://schemas.openxmlformats.org/presentationml/2006/main">
+  <p:cSld>
+    <p:spTree>
+      <p:nvGrpSpPr>
+        <p:cNvPr id="1" name="">
+          <a:extLst>
+            <a:ext uri="{FF2B5EF4-FFF2-40B4-BE49-F238E27FC236}">
+              <a16:creationId xmlns:a16="http://schemas.microsoft.com/office/drawing/2014/main" id="{D64C0EDA-61C2-F8B4-AE1E-2544AC26ABE4}"/>
+            </a:ext>
+          </a:extLst>
+        </p:cNvPr>
+        <p:cNvGrpSpPr/>
+        <p:nvPr/>
+      </p:nvGrpSpPr>
+      <p:grpSpPr>
+        <a:xfrm>
+          <a:off x="0" y="0"/>
+          <a:ext cx="0" cy="0"/>
+          <a:chOff x="0" y="0"/>
+          <a:chExt cx="0" cy="0"/>
+        </a:xfrm>
+      </p:grpSpPr>
+      <p:sp>
+        <p:nvSpPr>
+          <p:cNvPr id="6146" name="Rectangle 2">
+            <a:extLst>
+              <a:ext uri="{FF2B5EF4-FFF2-40B4-BE49-F238E27FC236}">
+                <a16:creationId xmlns:a16="http://schemas.microsoft.com/office/drawing/2014/main" id="{5AFAFC40-3FB8-739E-1BCB-DB5FF7024EDF}"/>
+              </a:ext>
+            </a:extLst>
+          </p:cNvPr>
+          <p:cNvSpPr>
+            <a:spLocks noGrp="1" noChangeArrowheads="1"/>
+          </p:cNvSpPr>
+          <p:nvPr>
+            <p:ph type="title"/>
+            <p:custDataLst>
+              <p:tags r:id="rId1"/>
+            </p:custDataLst>
+          </p:nvPr>
+        </p:nvSpPr>
+        <p:spPr>
+          <a:xfrm>
+            <a:off x="1141413" y="284084"/>
+            <a:ext cx="9905998" cy="620791"/>
+          </a:xfrm>
+        </p:spPr>
+        <p:txBody>
+          <a:bodyPr/>
+          <a:lstStyle/>
+          <a:p>
+            <a:pPr algn="ctr"/>
+            <a:r>
+              <a:rPr lang="en-US" dirty="0"/>
+              <a:t>Lecture 5: 2/5/26</a:t>
+            </a:r>
+          </a:p>
+        </p:txBody>
+      </p:sp>
+      <p:sp>
+        <p:nvSpPr>
+          <p:cNvPr id="6147" name="Rectangle 3">
+            <a:extLst>
+              <a:ext uri="{FF2B5EF4-FFF2-40B4-BE49-F238E27FC236}">
+                <a16:creationId xmlns:a16="http://schemas.microsoft.com/office/drawing/2014/main" id="{5042BF07-22F5-77CA-00DC-63FA80339BEC}"/>
+              </a:ext>
+            </a:extLst>
+          </p:cNvPr>
+          <p:cNvSpPr>
+            <a:spLocks noGrp="1" noChangeArrowheads="1"/>
+          </p:cNvSpPr>
+          <p:nvPr>
+            <p:ph idx="1"/>
+            <p:custDataLst>
+              <p:tags r:id="rId2"/>
+            </p:custDataLst>
+          </p:nvPr>
+        </p:nvSpPr>
+        <p:spPr>
+          <a:xfrm>
+            <a:off x="1021404" y="1123950"/>
+            <a:ext cx="10204315" cy="5149850"/>
+          </a:xfrm>
+        </p:spPr>
+        <p:txBody>
+          <a:bodyPr>
+            <a:normAutofit/>
+          </a:bodyPr>
+          <a:lstStyle/>
+          <a:p>
+            <a:r>
+              <a:rPr lang="en-US" dirty="0"/>
+              <a:t>Missed first lecture, on Waitlist, or just got into the class? Read syllabus VERY carefully. Make sure you see course policies like required attendance, etc.</a:t>
+            </a:r>
+          </a:p>
+          <a:p>
+            <a:r>
+              <a:rPr lang="en-US" dirty="0"/>
+              <a:t>Attendance checks will start more regularly now</a:t>
+            </a:r>
+          </a:p>
+          <a:p>
+            <a:r>
+              <a:rPr lang="en-US" dirty="0"/>
+              <a:t>Second homework (Fenwick Trees) was due Tuesday!</a:t>
+            </a:r>
+          </a:p>
+          <a:p>
+            <a:pPr lvl="1"/>
+            <a:r>
+              <a:rPr lang="en-US" dirty="0"/>
+              <a:t>I hope you finished it on </a:t>
+            </a:r>
+            <a:r>
+              <a:rPr lang="en-US" dirty="0" err="1"/>
+              <a:t>time.d</a:t>
+            </a:r>
+            <a:endParaRPr lang="en-US" dirty="0"/>
+          </a:p>
+          <a:p>
+            <a:pPr lvl="1"/>
+            <a:r>
+              <a:rPr lang="en-US" dirty="0"/>
+              <a:t>Remember you get automatic extension to Sunday for any reason, but NO extensions past that</a:t>
+            </a:r>
+          </a:p>
+          <a:p>
+            <a:r>
+              <a:rPr lang="en-US" dirty="0"/>
+              <a:t>We are about one half lecture (</a:t>
+            </a:r>
+            <a:r>
+              <a:rPr lang="en-US" dirty="0" err="1"/>
+              <a:t>ish</a:t>
+            </a:r>
+            <a:r>
+              <a:rPr lang="en-US" dirty="0"/>
+              <a:t>) behind due to snow day</a:t>
+            </a:r>
+          </a:p>
+          <a:p>
+            <a:pPr lvl="1"/>
+            <a:r>
+              <a:rPr lang="en-US" dirty="0"/>
+              <a:t>But I think that will be ok as the next section is pretty short so we have a chance to catch up.</a:t>
+            </a:r>
+          </a:p>
+          <a:p>
+            <a:r>
+              <a:rPr lang="en-US" dirty="0"/>
+              <a:t>Today we will finish Segment Trees and Start Linear Programming</a:t>
+            </a:r>
+          </a:p>
+          <a:p>
+            <a:endParaRPr lang="en-US" dirty="0"/>
+          </a:p>
+        </p:txBody>
+      </p:sp>
+    </p:spTree>
+    <p:extLst>
+      <p:ext uri="{BB962C8B-B14F-4D97-AF65-F5344CB8AC3E}">
+        <p14:creationId xmlns:p14="http://schemas.microsoft.com/office/powerpoint/2010/main" val="3675900589"/>
+      </p:ext>
+    </p:extLst>
+  </p:cSld>
+  <p:clrMapOvr>
+    <a:masterClrMapping/>
+  </p:clrMapOvr>
+</p:sld>
+</file>
+
 <file path=ppt/tags/tag1.xml><?xml version="1.0" encoding="utf-8"?>
 <p:tagLst xmlns:a="http://schemas.openxmlformats.org/drawingml/2006/main" xmlns:r="http://schemas.openxmlformats.org/officeDocument/2006/relationships" xmlns:p="http://schemas.openxmlformats.org/presentationml/2006/main">
   <p:tag name="_INSTRUCTOR VIEW19C14C36-AC8E-43BC-9DB6-C2AAF774C7DC|PANE__TAG" val="_"/>
@@ -13499,6 +13672,18 @@
 </file>
 
 <file path=ppt/tags/tag6.xml><?xml version="1.0" encoding="utf-8"?>
+<p:tagLst xmlns:a="http://schemas.openxmlformats.org/drawingml/2006/main" xmlns:r="http://schemas.openxmlformats.org/officeDocument/2006/relationships" xmlns:p="http://schemas.openxmlformats.org/presentationml/2006/main">
+  <p:tag name="_INSTRUCTOR VIEW19C14C36-AC8E-43BC-9DB6-C2AAF774C7DC|PANE__TAG" val="_"/>
+</p:tagLst>
+</file>
+
+<file path=ppt/tags/tag7.xml><?xml version="1.0" encoding="utf-8"?>
+<p:tagLst xmlns:a="http://schemas.openxmlformats.org/drawingml/2006/main" xmlns:r="http://schemas.openxmlformats.org/officeDocument/2006/relationships" xmlns:p="http://schemas.openxmlformats.org/presentationml/2006/main">
+  <p:tag name="_INSTRUCTOR VIEW19C14C36-AC8E-43BC-9DB6-C2AAF774C7DC|PANE__TAG" val="_"/>
+</p:tagLst>
+</file>
+
+<file path=ppt/tags/tag8.xml><?xml version="1.0" encoding="utf-8"?>
 <p:tagLst xmlns:a="http://schemas.openxmlformats.org/drawingml/2006/main" xmlns:r="http://schemas.openxmlformats.org/officeDocument/2006/relationships" xmlns:p="http://schemas.openxmlformats.org/presentationml/2006/main">
   <p:tag name="_INSTRUCTOR VIEW19C14C36-AC8E-43BC-9DB6-C2AAF774C7DC|PANE__TAG" val="_"/>
 </p:tagLst>

--- a/slides/00-DailyAnnouncements.pptx
+++ b/slides/00-DailyAnnouncements.pptx
@@ -5,7 +5,7 @@
     <p:sldMasterId id="2147484006" r:id="rId1"/>
   </p:sldMasterIdLst>
   <p:notesMasterIdLst>
-    <p:notesMasterId r:id="rId7"/>
+    <p:notesMasterId r:id="rId8"/>
   </p:notesMasterIdLst>
   <p:sldIdLst>
     <p:sldId id="256" r:id="rId2"/>
@@ -13,6 +13,7 @@
     <p:sldId id="506" r:id="rId4"/>
     <p:sldId id="507" r:id="rId5"/>
     <p:sldId id="508" r:id="rId6"/>
+    <p:sldId id="509" r:id="rId7"/>
   </p:sldIdLst>
   <p:sldSz cx="12192000" cy="6858000"/>
   <p:notesSz cx="6858000" cy="9144000"/>
@@ -201,7 +202,7 @@
           <a:p>
             <a:fld id="{C5B45307-6ED4-B142-BD64-10F739779302}" type="datetimeFigureOut">
               <a:rPr lang="en-US" smtClean="0"/>
-              <a:t>2/5/26</a:t>
+              <a:t>2/10/26</a:t>
             </a:fld>
             <a:endParaRPr lang="en-US"/>
           </a:p>
@@ -609,7 +610,7 @@
           <a:noFill/>
           <a:extLst>
             <a:ext uri="{909E8E84-426E-40dd-AFC4-6F175D3DCCD1}">
-              <a14:hiddenFill xmlns="" xmlns:a14="http://schemas.microsoft.com/office/drawing/2010/main">
+              <a14:hiddenFill xmlns:a14="http://schemas.microsoft.com/office/drawing/2010/main" xmlns="">
                 <a:solidFill>
                   <a:srgbClr val="FFFFFF"/>
                 </a:solidFill>
@@ -668,7 +669,7 @@
             </a:ln>
             <a:extLst>
               <a:ext uri="{91240B29-F687-4f45-9708-019B960494DF}">
-                <a14:hiddenLine xmlns="" xmlns:a14="http://schemas.microsoft.com/office/drawing/2010/main" w="9525">
+                <a14:hiddenLine xmlns:a14="http://schemas.microsoft.com/office/drawing/2010/main" xmlns="" w="9525">
                   <a:solidFill>
                     <a:srgbClr val="000000"/>
                   </a:solidFill>
@@ -758,7 +759,7 @@
             </a:ln>
             <a:extLst>
               <a:ext uri="{91240B29-F687-4f45-9708-019B960494DF}">
-                <a14:hiddenLine xmlns="" xmlns:a14="http://schemas.microsoft.com/office/drawing/2010/main" w="9525">
+                <a14:hiddenLine xmlns:a14="http://schemas.microsoft.com/office/drawing/2010/main" xmlns="" w="9525">
                   <a:solidFill>
                     <a:srgbClr val="000000"/>
                   </a:solidFill>
@@ -848,7 +849,7 @@
             </a:ln>
             <a:extLst>
               <a:ext uri="{91240B29-F687-4f45-9708-019B960494DF}">
-                <a14:hiddenLine xmlns="" xmlns:a14="http://schemas.microsoft.com/office/drawing/2010/main" w="9525">
+                <a14:hiddenLine xmlns:a14="http://schemas.microsoft.com/office/drawing/2010/main" xmlns="" w="9525">
                   <a:solidFill>
                     <a:srgbClr val="000000"/>
                   </a:solidFill>
@@ -882,7 +883,7 @@
             </a:ln>
             <a:extLst>
               <a:ext uri="{91240B29-F687-4f45-9708-019B960494DF}">
-                <a14:hiddenLine xmlns="" xmlns:a14="http://schemas.microsoft.com/office/drawing/2010/main" w="9525">
+                <a14:hiddenLine xmlns:a14="http://schemas.microsoft.com/office/drawing/2010/main" xmlns="" w="9525">
                   <a:solidFill>
                     <a:srgbClr val="000000"/>
                   </a:solidFill>
@@ -972,7 +973,7 @@
             </a:ln>
             <a:extLst>
               <a:ext uri="{91240B29-F687-4f45-9708-019B960494DF}">
-                <a14:hiddenLine xmlns="" xmlns:a14="http://schemas.microsoft.com/office/drawing/2010/main" w="9525">
+                <a14:hiddenLine xmlns:a14="http://schemas.microsoft.com/office/drawing/2010/main" xmlns="" w="9525">
                   <a:solidFill>
                     <a:srgbClr val="000000"/>
                   </a:solidFill>
@@ -1034,7 +1035,7 @@
             </a:ln>
             <a:extLst>
               <a:ext uri="{91240B29-F687-4f45-9708-019B960494DF}">
-                <a14:hiddenLine xmlns="" xmlns:a14="http://schemas.microsoft.com/office/drawing/2010/main" w="9525">
+                <a14:hiddenLine xmlns:a14="http://schemas.microsoft.com/office/drawing/2010/main" xmlns="" w="9525">
                   <a:solidFill>
                     <a:srgbClr val="000000"/>
                   </a:solidFill>
@@ -1096,7 +1097,7 @@
             </a:ln>
             <a:extLst>
               <a:ext uri="{91240B29-F687-4f45-9708-019B960494DF}">
-                <a14:hiddenLine xmlns="" xmlns:a14="http://schemas.microsoft.com/office/drawing/2010/main" w="9525">
+                <a14:hiddenLine xmlns:a14="http://schemas.microsoft.com/office/drawing/2010/main" xmlns="" w="9525">
                   <a:solidFill>
                     <a:srgbClr val="000000"/>
                   </a:solidFill>
@@ -1186,7 +1187,7 @@
             </a:ln>
             <a:extLst>
               <a:ext uri="{91240B29-F687-4f45-9708-019B960494DF}">
-                <a14:hiddenLine xmlns="" xmlns:a14="http://schemas.microsoft.com/office/drawing/2010/main" w="9525">
+                <a14:hiddenLine xmlns:a14="http://schemas.microsoft.com/office/drawing/2010/main" xmlns="" w="9525">
                   <a:solidFill>
                     <a:srgbClr val="000000"/>
                   </a:solidFill>
@@ -1248,7 +1249,7 @@
             </a:ln>
             <a:extLst>
               <a:ext uri="{91240B29-F687-4f45-9708-019B960494DF}">
-                <a14:hiddenLine xmlns="" xmlns:a14="http://schemas.microsoft.com/office/drawing/2010/main" w="9525">
+                <a14:hiddenLine xmlns:a14="http://schemas.microsoft.com/office/drawing/2010/main" xmlns="" w="9525">
                   <a:solidFill>
                     <a:srgbClr val="000000"/>
                   </a:solidFill>
@@ -1310,7 +1311,7 @@
             </a:ln>
             <a:extLst>
               <a:ext uri="{91240B29-F687-4f45-9708-019B960494DF}">
-                <a14:hiddenLine xmlns="" xmlns:a14="http://schemas.microsoft.com/office/drawing/2010/main" w="9525">
+                <a14:hiddenLine xmlns:a14="http://schemas.microsoft.com/office/drawing/2010/main" xmlns="" w="9525">
                   <a:solidFill>
                     <a:srgbClr val="000000"/>
                   </a:solidFill>
@@ -1400,7 +1401,7 @@
             </a:ln>
             <a:extLst>
               <a:ext uri="{91240B29-F687-4f45-9708-019B960494DF}">
-                <a14:hiddenLine xmlns="" xmlns:a14="http://schemas.microsoft.com/office/drawing/2010/main" w="9525">
+                <a14:hiddenLine xmlns:a14="http://schemas.microsoft.com/office/drawing/2010/main" xmlns="" w="9525">
                   <a:solidFill>
                     <a:srgbClr val="000000"/>
                   </a:solidFill>
@@ -1490,7 +1491,7 @@
             </a:ln>
             <a:extLst>
               <a:ext uri="{91240B29-F687-4f45-9708-019B960494DF}">
-                <a14:hiddenLine xmlns="" xmlns:a14="http://schemas.microsoft.com/office/drawing/2010/main" w="9525">
+                <a14:hiddenLine xmlns:a14="http://schemas.microsoft.com/office/drawing/2010/main" xmlns="" w="9525">
                   <a:solidFill>
                     <a:srgbClr val="000000"/>
                   </a:solidFill>
@@ -1552,7 +1553,7 @@
             </a:ln>
             <a:extLst>
               <a:ext uri="{91240B29-F687-4f45-9708-019B960494DF}">
-                <a14:hiddenLine xmlns="" xmlns:a14="http://schemas.microsoft.com/office/drawing/2010/main" w="9525">
+                <a14:hiddenLine xmlns:a14="http://schemas.microsoft.com/office/drawing/2010/main" xmlns="" w="9525">
                   <a:solidFill>
                     <a:srgbClr val="000000"/>
                   </a:solidFill>
@@ -1662,7 +1663,7 @@
             </a:ln>
             <a:extLst>
               <a:ext uri="{91240B29-F687-4f45-9708-019B960494DF}">
-                <a14:hiddenLine xmlns="" xmlns:a14="http://schemas.microsoft.com/office/drawing/2010/main" w="9525">
+                <a14:hiddenLine xmlns:a14="http://schemas.microsoft.com/office/drawing/2010/main" xmlns="" w="9525">
                   <a:solidFill>
                     <a:srgbClr val="000000"/>
                   </a:solidFill>
@@ -1724,7 +1725,7 @@
             </a:ln>
             <a:extLst>
               <a:ext uri="{91240B29-F687-4f45-9708-019B960494DF}">
-                <a14:hiddenLine xmlns="" xmlns:a14="http://schemas.microsoft.com/office/drawing/2010/main" w="9525">
+                <a14:hiddenLine xmlns:a14="http://schemas.microsoft.com/office/drawing/2010/main" xmlns="" w="9525">
                   <a:solidFill>
                     <a:srgbClr val="000000"/>
                   </a:solidFill>
@@ -1814,7 +1815,7 @@
             </a:ln>
             <a:extLst>
               <a:ext uri="{91240B29-F687-4f45-9708-019B960494DF}">
-                <a14:hiddenLine xmlns="" xmlns:a14="http://schemas.microsoft.com/office/drawing/2010/main" w="9525">
+                <a14:hiddenLine xmlns:a14="http://schemas.microsoft.com/office/drawing/2010/main" xmlns="" w="9525">
                   <a:solidFill>
                     <a:srgbClr val="000000"/>
                   </a:solidFill>
@@ -1904,7 +1905,7 @@
             </a:ln>
             <a:extLst>
               <a:ext uri="{91240B29-F687-4f45-9708-019B960494DF}">
-                <a14:hiddenLine xmlns="" xmlns:a14="http://schemas.microsoft.com/office/drawing/2010/main" w="9525">
+                <a14:hiddenLine xmlns:a14="http://schemas.microsoft.com/office/drawing/2010/main" xmlns="" w="9525">
                   <a:solidFill>
                     <a:srgbClr val="000000"/>
                   </a:solidFill>
@@ -1966,7 +1967,7 @@
             </a:ln>
             <a:extLst>
               <a:ext uri="{91240B29-F687-4f45-9708-019B960494DF}">
-                <a14:hiddenLine xmlns="" xmlns:a14="http://schemas.microsoft.com/office/drawing/2010/main" w="9525">
+                <a14:hiddenLine xmlns:a14="http://schemas.microsoft.com/office/drawing/2010/main" xmlns="" w="9525">
                   <a:solidFill>
                     <a:srgbClr val="000000"/>
                   </a:solidFill>
@@ -2056,7 +2057,7 @@
             </a:ln>
             <a:extLst>
               <a:ext uri="{91240B29-F687-4f45-9708-019B960494DF}">
-                <a14:hiddenLine xmlns="" xmlns:a14="http://schemas.microsoft.com/office/drawing/2010/main" w="9525">
+                <a14:hiddenLine xmlns:a14="http://schemas.microsoft.com/office/drawing/2010/main" xmlns="" w="9525">
                   <a:solidFill>
                     <a:srgbClr val="000000"/>
                   </a:solidFill>
@@ -2146,7 +2147,7 @@
             </a:ln>
             <a:extLst>
               <a:ext uri="{91240B29-F687-4f45-9708-019B960494DF}">
-                <a14:hiddenLine xmlns="" xmlns:a14="http://schemas.microsoft.com/office/drawing/2010/main" w="9525">
+                <a14:hiddenLine xmlns:a14="http://schemas.microsoft.com/office/drawing/2010/main" xmlns="" w="9525">
                   <a:solidFill>
                     <a:srgbClr val="000000"/>
                   </a:solidFill>
@@ -2202,7 +2203,7 @@
             </a:ln>
             <a:extLst>
               <a:ext uri="{91240B29-F687-4f45-9708-019B960494DF}">
-                <a14:hiddenLine xmlns="" xmlns:a14="http://schemas.microsoft.com/office/drawing/2010/main" w="9525">
+                <a14:hiddenLine xmlns:a14="http://schemas.microsoft.com/office/drawing/2010/main" xmlns="" w="9525">
                   <a:solidFill>
                     <a:srgbClr val="000000"/>
                   </a:solidFill>
@@ -2292,7 +2293,7 @@
             </a:ln>
             <a:extLst>
               <a:ext uri="{91240B29-F687-4f45-9708-019B960494DF}">
-                <a14:hiddenLine xmlns="" xmlns:a14="http://schemas.microsoft.com/office/drawing/2010/main" w="9525">
+                <a14:hiddenLine xmlns:a14="http://schemas.microsoft.com/office/drawing/2010/main" xmlns="" w="9525">
                   <a:solidFill>
                     <a:srgbClr val="000000"/>
                   </a:solidFill>
@@ -2348,7 +2349,7 @@
             </a:ln>
             <a:extLst>
               <a:ext uri="{91240B29-F687-4f45-9708-019B960494DF}">
-                <a14:hiddenLine xmlns="" xmlns:a14="http://schemas.microsoft.com/office/drawing/2010/main" w="9525">
+                <a14:hiddenLine xmlns:a14="http://schemas.microsoft.com/office/drawing/2010/main" xmlns="" w="9525">
                   <a:solidFill>
                     <a:srgbClr val="000000"/>
                   </a:solidFill>
@@ -2438,7 +2439,7 @@
             </a:ln>
             <a:extLst>
               <a:ext uri="{91240B29-F687-4f45-9708-019B960494DF}">
-                <a14:hiddenLine xmlns="" xmlns:a14="http://schemas.microsoft.com/office/drawing/2010/main" w="9525">
+                <a14:hiddenLine xmlns:a14="http://schemas.microsoft.com/office/drawing/2010/main" xmlns="" w="9525">
                   <a:solidFill>
                     <a:srgbClr val="000000"/>
                   </a:solidFill>
@@ -2506,7 +2507,7 @@
             </a:ln>
             <a:extLst>
               <a:ext uri="{91240B29-F687-4f45-9708-019B960494DF}">
-                <a14:hiddenLine xmlns="" xmlns:a14="http://schemas.microsoft.com/office/drawing/2010/main" w="9525">
+                <a14:hiddenLine xmlns:a14="http://schemas.microsoft.com/office/drawing/2010/main" xmlns="" w="9525">
                   <a:solidFill>
                     <a:srgbClr val="000000"/>
                   </a:solidFill>
@@ -2596,7 +2597,7 @@
             </a:ln>
             <a:extLst>
               <a:ext uri="{91240B29-F687-4f45-9708-019B960494DF}">
-                <a14:hiddenLine xmlns="" xmlns:a14="http://schemas.microsoft.com/office/drawing/2010/main" w="9525">
+                <a14:hiddenLine xmlns:a14="http://schemas.microsoft.com/office/drawing/2010/main" xmlns="" w="9525">
                   <a:solidFill>
                     <a:srgbClr val="000000"/>
                   </a:solidFill>
@@ -2664,7 +2665,7 @@
             </a:ln>
             <a:extLst>
               <a:ext uri="{91240B29-F687-4f45-9708-019B960494DF}">
-                <a14:hiddenLine xmlns="" xmlns:a14="http://schemas.microsoft.com/office/drawing/2010/main" w="9525">
+                <a14:hiddenLine xmlns:a14="http://schemas.microsoft.com/office/drawing/2010/main" xmlns="" w="9525">
                   <a:solidFill>
                     <a:srgbClr val="000000"/>
                   </a:solidFill>
@@ -2754,7 +2755,7 @@
             </a:ln>
             <a:extLst>
               <a:ext uri="{91240B29-F687-4f45-9708-019B960494DF}">
-                <a14:hiddenLine xmlns="" xmlns:a14="http://schemas.microsoft.com/office/drawing/2010/main" w="9525">
+                <a14:hiddenLine xmlns:a14="http://schemas.microsoft.com/office/drawing/2010/main" xmlns="" w="9525">
                   <a:solidFill>
                     <a:srgbClr val="000000"/>
                   </a:solidFill>
@@ -2788,7 +2789,7 @@
             </a:ln>
             <a:extLst>
               <a:ext uri="{91240B29-F687-4f45-9708-019B960494DF}">
-                <a14:hiddenLine xmlns="" xmlns:a14="http://schemas.microsoft.com/office/drawing/2010/main" w="9525">
+                <a14:hiddenLine xmlns:a14="http://schemas.microsoft.com/office/drawing/2010/main" xmlns="" w="9525">
                   <a:solidFill>
                     <a:srgbClr val="000000"/>
                   </a:solidFill>
@@ -2878,7 +2879,7 @@
             </a:ln>
             <a:extLst>
               <a:ext uri="{91240B29-F687-4f45-9708-019B960494DF}">
-                <a14:hiddenLine xmlns="" xmlns:a14="http://schemas.microsoft.com/office/drawing/2010/main" w="9525">
+                <a14:hiddenLine xmlns:a14="http://schemas.microsoft.com/office/drawing/2010/main" xmlns="" w="9525">
                   <a:solidFill>
                     <a:srgbClr val="000000"/>
                   </a:solidFill>
@@ -2940,7 +2941,7 @@
             </a:ln>
             <a:extLst>
               <a:ext uri="{91240B29-F687-4f45-9708-019B960494DF}">
-                <a14:hiddenLine xmlns="" xmlns:a14="http://schemas.microsoft.com/office/drawing/2010/main" w="9525">
+                <a14:hiddenLine xmlns:a14="http://schemas.microsoft.com/office/drawing/2010/main" xmlns="" w="9525">
                   <a:solidFill>
                     <a:srgbClr val="000000"/>
                   </a:solidFill>
@@ -3002,7 +3003,7 @@
             </a:ln>
             <a:extLst>
               <a:ext uri="{91240B29-F687-4f45-9708-019B960494DF}">
-                <a14:hiddenLine xmlns="" xmlns:a14="http://schemas.microsoft.com/office/drawing/2010/main" w="9525">
+                <a14:hiddenLine xmlns:a14="http://schemas.microsoft.com/office/drawing/2010/main" xmlns="" w="9525">
                   <a:solidFill>
                     <a:srgbClr val="000000"/>
                   </a:solidFill>
@@ -3092,7 +3093,7 @@
             </a:ln>
             <a:extLst>
               <a:ext uri="{91240B29-F687-4f45-9708-019B960494DF}">
-                <a14:hiddenLine xmlns="" xmlns:a14="http://schemas.microsoft.com/office/drawing/2010/main" w="9525">
+                <a14:hiddenLine xmlns:a14="http://schemas.microsoft.com/office/drawing/2010/main" xmlns="" w="9525">
                   <a:solidFill>
                     <a:srgbClr val="000000"/>
                   </a:solidFill>
@@ -3160,7 +3161,7 @@
             </a:ln>
             <a:extLst>
               <a:ext uri="{91240B29-F687-4f45-9708-019B960494DF}">
-                <a14:hiddenLine xmlns="" xmlns:a14="http://schemas.microsoft.com/office/drawing/2010/main" w="9525">
+                <a14:hiddenLine xmlns:a14="http://schemas.microsoft.com/office/drawing/2010/main" xmlns="" w="9525">
                   <a:solidFill>
                     <a:srgbClr val="000000"/>
                   </a:solidFill>
@@ -3222,7 +3223,7 @@
             </a:ln>
             <a:extLst>
               <a:ext uri="{91240B29-F687-4f45-9708-019B960494DF}">
-                <a14:hiddenLine xmlns="" xmlns:a14="http://schemas.microsoft.com/office/drawing/2010/main" w="9525">
+                <a14:hiddenLine xmlns:a14="http://schemas.microsoft.com/office/drawing/2010/main" xmlns="" w="9525">
                   <a:solidFill>
                     <a:srgbClr val="000000"/>
                   </a:solidFill>
@@ -3312,7 +3313,7 @@
             </a:ln>
             <a:extLst>
               <a:ext uri="{91240B29-F687-4f45-9708-019B960494DF}">
-                <a14:hiddenLine xmlns="" xmlns:a14="http://schemas.microsoft.com/office/drawing/2010/main" w="9525">
+                <a14:hiddenLine xmlns:a14="http://schemas.microsoft.com/office/drawing/2010/main" xmlns="" w="9525">
                   <a:solidFill>
                     <a:srgbClr val="000000"/>
                   </a:solidFill>
@@ -3374,7 +3375,7 @@
             </a:ln>
             <a:extLst>
               <a:ext uri="{91240B29-F687-4f45-9708-019B960494DF}">
-                <a14:hiddenLine xmlns="" xmlns:a14="http://schemas.microsoft.com/office/drawing/2010/main" w="9525">
+                <a14:hiddenLine xmlns:a14="http://schemas.microsoft.com/office/drawing/2010/main" xmlns="" w="9525">
                   <a:solidFill>
                     <a:srgbClr val="000000"/>
                   </a:solidFill>
@@ -3464,7 +3465,7 @@
             </a:ln>
             <a:extLst>
               <a:ext uri="{91240B29-F687-4f45-9708-019B960494DF}">
-                <a14:hiddenLine xmlns="" xmlns:a14="http://schemas.microsoft.com/office/drawing/2010/main" w="9525">
+                <a14:hiddenLine xmlns:a14="http://schemas.microsoft.com/office/drawing/2010/main" xmlns="" w="9525">
                   <a:solidFill>
                     <a:srgbClr val="000000"/>
                   </a:solidFill>
@@ -3526,7 +3527,7 @@
             </a:ln>
             <a:extLst>
               <a:ext uri="{91240B29-F687-4f45-9708-019B960494DF}">
-                <a14:hiddenLine xmlns="" xmlns:a14="http://schemas.microsoft.com/office/drawing/2010/main" w="9525">
+                <a14:hiddenLine xmlns:a14="http://schemas.microsoft.com/office/drawing/2010/main" xmlns="" w="9525">
                   <a:solidFill>
                     <a:srgbClr val="000000"/>
                   </a:solidFill>
@@ -3616,7 +3617,7 @@
             </a:ln>
             <a:extLst>
               <a:ext uri="{91240B29-F687-4f45-9708-019B960494DF}">
-                <a14:hiddenLine xmlns="" xmlns:a14="http://schemas.microsoft.com/office/drawing/2010/main" w="9525">
+                <a14:hiddenLine xmlns:a14="http://schemas.microsoft.com/office/drawing/2010/main" xmlns="" w="9525">
                   <a:solidFill>
                     <a:srgbClr val="000000"/>
                   </a:solidFill>
@@ -3650,7 +3651,7 @@
             </a:ln>
             <a:extLst>
               <a:ext uri="{91240B29-F687-4f45-9708-019B960494DF}">
-                <a14:hiddenLine xmlns="" xmlns:a14="http://schemas.microsoft.com/office/drawing/2010/main" w="9525">
+                <a14:hiddenLine xmlns:a14="http://schemas.microsoft.com/office/drawing/2010/main" xmlns="" w="9525">
                   <a:solidFill>
                     <a:srgbClr val="000000"/>
                   </a:solidFill>
@@ -3715,7 +3716,7 @@
             </a:ln>
             <a:extLst>
               <a:ext uri="{91240B29-F687-4f45-9708-019B960494DF}">
-                <a14:hiddenLine xmlns="" xmlns:a14="http://schemas.microsoft.com/office/drawing/2010/main" w="9525">
+                <a14:hiddenLine xmlns:a14="http://schemas.microsoft.com/office/drawing/2010/main" xmlns="" w="9525">
                   <a:solidFill>
                     <a:srgbClr val="000000"/>
                   </a:solidFill>
@@ -3805,7 +3806,7 @@
             </a:ln>
             <a:extLst>
               <a:ext uri="{91240B29-F687-4f45-9708-019B960494DF}">
-                <a14:hiddenLine xmlns="" xmlns:a14="http://schemas.microsoft.com/office/drawing/2010/main" w="9525">
+                <a14:hiddenLine xmlns:a14="http://schemas.microsoft.com/office/drawing/2010/main" xmlns="" w="9525">
                   <a:solidFill>
                     <a:srgbClr val="000000"/>
                   </a:solidFill>
@@ -3867,7 +3868,7 @@
             </a:ln>
             <a:extLst>
               <a:ext uri="{91240B29-F687-4f45-9708-019B960494DF}">
-                <a14:hiddenLine xmlns="" xmlns:a14="http://schemas.microsoft.com/office/drawing/2010/main" w="9525">
+                <a14:hiddenLine xmlns:a14="http://schemas.microsoft.com/office/drawing/2010/main" xmlns="" w="9525">
                   <a:solidFill>
                     <a:srgbClr val="000000"/>
                   </a:solidFill>
@@ -3957,7 +3958,7 @@
             </a:ln>
             <a:extLst>
               <a:ext uri="{91240B29-F687-4f45-9708-019B960494DF}">
-                <a14:hiddenLine xmlns="" xmlns:a14="http://schemas.microsoft.com/office/drawing/2010/main" w="9525">
+                <a14:hiddenLine xmlns:a14="http://schemas.microsoft.com/office/drawing/2010/main" xmlns="" w="9525">
                   <a:solidFill>
                     <a:srgbClr val="000000"/>
                   </a:solidFill>
@@ -4047,7 +4048,7 @@
             </a:ln>
             <a:extLst>
               <a:ext uri="{91240B29-F687-4f45-9708-019B960494DF}">
-                <a14:hiddenLine xmlns="" xmlns:a14="http://schemas.microsoft.com/office/drawing/2010/main" w="9525">
+                <a14:hiddenLine xmlns:a14="http://schemas.microsoft.com/office/drawing/2010/main" xmlns="" w="9525">
                   <a:solidFill>
                     <a:srgbClr val="000000"/>
                   </a:solidFill>
@@ -4112,7 +4113,7 @@
             </a:ln>
             <a:extLst>
               <a:ext uri="{91240B29-F687-4f45-9708-019B960494DF}">
-                <a14:hiddenLine xmlns="" xmlns:a14="http://schemas.microsoft.com/office/drawing/2010/main" w="9525">
+                <a14:hiddenLine xmlns:a14="http://schemas.microsoft.com/office/drawing/2010/main" xmlns="" w="9525">
                   <a:solidFill>
                     <a:srgbClr val="000000"/>
                   </a:solidFill>
@@ -4174,7 +4175,7 @@
             </a:ln>
             <a:extLst>
               <a:ext uri="{91240B29-F687-4f45-9708-019B960494DF}">
-                <a14:hiddenLine xmlns="" xmlns:a14="http://schemas.microsoft.com/office/drawing/2010/main" w="9525">
+                <a14:hiddenLine xmlns:a14="http://schemas.microsoft.com/office/drawing/2010/main" xmlns="" w="9525">
                   <a:solidFill>
                     <a:srgbClr val="000000"/>
                   </a:solidFill>
@@ -4264,7 +4265,7 @@
             </a:ln>
             <a:extLst>
               <a:ext uri="{91240B29-F687-4f45-9708-019B960494DF}">
-                <a14:hiddenLine xmlns="" xmlns:a14="http://schemas.microsoft.com/office/drawing/2010/main" w="9525">
+                <a14:hiddenLine xmlns:a14="http://schemas.microsoft.com/office/drawing/2010/main" xmlns="" w="9525">
                   <a:solidFill>
                     <a:srgbClr val="000000"/>
                   </a:solidFill>
@@ -4354,7 +4355,7 @@
             </a:ln>
             <a:extLst>
               <a:ext uri="{91240B29-F687-4f45-9708-019B960494DF}">
-                <a14:hiddenLine xmlns="" xmlns:a14="http://schemas.microsoft.com/office/drawing/2010/main" w="9525">
+                <a14:hiddenLine xmlns:a14="http://schemas.microsoft.com/office/drawing/2010/main" xmlns="" w="9525">
                   <a:solidFill>
                     <a:srgbClr val="000000"/>
                   </a:solidFill>
@@ -4416,7 +4417,7 @@
             </a:ln>
             <a:extLst>
               <a:ext uri="{91240B29-F687-4f45-9708-019B960494DF}">
-                <a14:hiddenLine xmlns="" xmlns:a14="http://schemas.microsoft.com/office/drawing/2010/main" w="9525">
+                <a14:hiddenLine xmlns:a14="http://schemas.microsoft.com/office/drawing/2010/main" xmlns="" w="9525">
                   <a:solidFill>
                     <a:srgbClr val="000000"/>
                   </a:solidFill>
@@ -4536,7 +4537,7 @@
             </a:ln>
             <a:extLst>
               <a:ext uri="{91240B29-F687-4f45-9708-019B960494DF}">
-                <a14:hiddenLine xmlns="" xmlns:a14="http://schemas.microsoft.com/office/drawing/2010/main" w="9525">
+                <a14:hiddenLine xmlns:a14="http://schemas.microsoft.com/office/drawing/2010/main" xmlns="" w="9525">
                   <a:solidFill>
                     <a:srgbClr val="000000"/>
                   </a:solidFill>
@@ -4604,7 +4605,7 @@
             </a:ln>
             <a:extLst>
               <a:ext uri="{91240B29-F687-4f45-9708-019B960494DF}">
-                <a14:hiddenLine xmlns="" xmlns:a14="http://schemas.microsoft.com/office/drawing/2010/main" w="9525">
+                <a14:hiddenLine xmlns:a14="http://schemas.microsoft.com/office/drawing/2010/main" xmlns="" w="9525">
                   <a:solidFill>
                     <a:srgbClr val="000000"/>
                   </a:solidFill>
@@ -4694,7 +4695,7 @@
             </a:ln>
             <a:extLst>
               <a:ext uri="{91240B29-F687-4f45-9708-019B960494DF}">
-                <a14:hiddenLine xmlns="" xmlns:a14="http://schemas.microsoft.com/office/drawing/2010/main" w="9525">
+                <a14:hiddenLine xmlns:a14="http://schemas.microsoft.com/office/drawing/2010/main" xmlns="" w="9525">
                   <a:solidFill>
                     <a:srgbClr val="000000"/>
                   </a:solidFill>
@@ -4834,7 +4835,7 @@
           <a:p>
             <a:fld id="{EC4347D3-4C9A-C240-8F14-750059DFEEB0}" type="datetimeFigureOut">
               <a:rPr lang="en-US" smtClean="0"/>
-              <a:t>2/5/26</a:t>
+              <a:t>2/10/26</a:t>
             </a:fld>
             <a:endParaRPr lang="en-US"/>
           </a:p>
@@ -5101,7 +5102,7 @@
           <a:p>
             <a:fld id="{EC4347D3-4C9A-C240-8F14-750059DFEEB0}" type="datetimeFigureOut">
               <a:rPr lang="en-US" smtClean="0"/>
-              <a:t>2/5/26</a:t>
+              <a:t>2/10/26</a:t>
             </a:fld>
             <a:endParaRPr lang="en-US"/>
           </a:p>
@@ -5297,7 +5298,7 @@
           <a:p>
             <a:fld id="{EC4347D3-4C9A-C240-8F14-750059DFEEB0}" type="datetimeFigureOut">
               <a:rPr lang="en-US" smtClean="0"/>
-              <a:t>2/5/26</a:t>
+              <a:t>2/10/26</a:t>
             </a:fld>
             <a:endParaRPr lang="en-US"/>
           </a:p>
@@ -5560,7 +5561,7 @@
           <a:p>
             <a:fld id="{EC4347D3-4C9A-C240-8F14-750059DFEEB0}" type="datetimeFigureOut">
               <a:rPr lang="en-US" smtClean="0"/>
-              <a:t>2/5/26</a:t>
+              <a:t>2/10/26</a:t>
             </a:fld>
             <a:endParaRPr lang="en-US"/>
           </a:p>
@@ -5994,7 +5995,7 @@
           <a:p>
             <a:fld id="{EC4347D3-4C9A-C240-8F14-750059DFEEB0}" type="datetimeFigureOut">
               <a:rPr lang="en-US" smtClean="0"/>
-              <a:t>2/5/26</a:t>
+              <a:t>2/10/26</a:t>
             </a:fld>
             <a:endParaRPr lang="en-US"/>
           </a:p>
@@ -6540,7 +6541,7 @@
           <a:p>
             <a:fld id="{EC4347D3-4C9A-C240-8F14-750059DFEEB0}" type="datetimeFigureOut">
               <a:rPr lang="en-US" smtClean="0"/>
-              <a:t>2/5/26</a:t>
+              <a:t>2/10/26</a:t>
             </a:fld>
             <a:endParaRPr lang="en-US"/>
           </a:p>
@@ -7260,7 +7261,7 @@
           <a:p>
             <a:fld id="{EC4347D3-4C9A-C240-8F14-750059DFEEB0}" type="datetimeFigureOut">
               <a:rPr lang="en-US" smtClean="0"/>
-              <a:t>2/5/26</a:t>
+              <a:t>2/10/26</a:t>
             </a:fld>
             <a:endParaRPr lang="en-US"/>
           </a:p>
@@ -7430,7 +7431,7 @@
           <a:p>
             <a:fld id="{EC4347D3-4C9A-C240-8F14-750059DFEEB0}" type="datetimeFigureOut">
               <a:rPr lang="en-US" smtClean="0"/>
-              <a:t>2/5/26</a:t>
+              <a:t>2/10/26</a:t>
             </a:fld>
             <a:endParaRPr lang="en-US"/>
           </a:p>
@@ -7610,7 +7611,7 @@
           <a:p>
             <a:fld id="{EC4347D3-4C9A-C240-8F14-750059DFEEB0}" type="datetimeFigureOut">
               <a:rPr lang="en-US" smtClean="0"/>
-              <a:t>2/5/26</a:t>
+              <a:t>2/10/26</a:t>
             </a:fld>
             <a:endParaRPr lang="en-US"/>
           </a:p>
@@ -7780,7 +7781,7 @@
           <a:p>
             <a:fld id="{EC4347D3-4C9A-C240-8F14-750059DFEEB0}" type="datetimeFigureOut">
               <a:rPr lang="en-US" smtClean="0"/>
-              <a:t>2/5/26</a:t>
+              <a:t>2/10/26</a:t>
             </a:fld>
             <a:endParaRPr lang="en-US"/>
           </a:p>
@@ -8030,7 +8031,7 @@
           <a:p>
             <a:fld id="{EC4347D3-4C9A-C240-8F14-750059DFEEB0}" type="datetimeFigureOut">
               <a:rPr lang="en-US" smtClean="0"/>
-              <a:t>2/5/26</a:t>
+              <a:t>2/10/26</a:t>
             </a:fld>
             <a:endParaRPr lang="en-US"/>
           </a:p>
@@ -8262,7 +8263,7 @@
           <a:p>
             <a:fld id="{EC4347D3-4C9A-C240-8F14-750059DFEEB0}" type="datetimeFigureOut">
               <a:rPr lang="en-US" smtClean="0"/>
-              <a:t>2/5/26</a:t>
+              <a:t>2/10/26</a:t>
             </a:fld>
             <a:endParaRPr lang="en-US"/>
           </a:p>
@@ -8648,7 +8649,7 @@
           <a:p>
             <a:fld id="{EC4347D3-4C9A-C240-8F14-750059DFEEB0}" type="datetimeFigureOut">
               <a:rPr lang="en-US" smtClean="0"/>
-              <a:t>2/5/26</a:t>
+              <a:t>2/10/26</a:t>
             </a:fld>
             <a:endParaRPr lang="en-US"/>
           </a:p>
@@ -8771,7 +8772,7 @@
           <a:p>
             <a:fld id="{EC4347D3-4C9A-C240-8F14-750059DFEEB0}" type="datetimeFigureOut">
               <a:rPr lang="en-US" smtClean="0"/>
-              <a:t>2/5/26</a:t>
+              <a:t>2/10/26</a:t>
             </a:fld>
             <a:endParaRPr lang="en-US"/>
           </a:p>
@@ -8866,7 +8867,7 @@
           <a:p>
             <a:fld id="{EC4347D3-4C9A-C240-8F14-750059DFEEB0}" type="datetimeFigureOut">
               <a:rPr lang="en-US" smtClean="0"/>
-              <a:t>2/5/26</a:t>
+              <a:t>2/10/26</a:t>
             </a:fld>
             <a:endParaRPr lang="en-US"/>
           </a:p>
@@ -9115,7 +9116,7 @@
           <a:p>
             <a:fld id="{EC4347D3-4C9A-C240-8F14-750059DFEEB0}" type="datetimeFigureOut">
               <a:rPr lang="en-US" smtClean="0"/>
-              <a:t>2/5/26</a:t>
+              <a:t>2/10/26</a:t>
             </a:fld>
             <a:endParaRPr lang="en-US"/>
           </a:p>
@@ -9400,7 +9401,7 @@
           <a:p>
             <a:fld id="{EC4347D3-4C9A-C240-8F14-750059DFEEB0}" type="datetimeFigureOut">
               <a:rPr lang="en-US" smtClean="0"/>
-              <a:t>2/5/26</a:t>
+              <a:t>2/10/26</a:t>
             </a:fld>
             <a:endParaRPr lang="en-US"/>
           </a:p>
@@ -9523,7 +9524,7 @@
           <a:noFill/>
           <a:extLst>
             <a:ext uri="{909E8E84-426E-40dd-AFC4-6F175D3DCCD1}">
-              <a14:hiddenFill xmlns="" xmlns:a14="http://schemas.microsoft.com/office/drawing/2010/main">
+              <a14:hiddenFill xmlns:a14="http://schemas.microsoft.com/office/drawing/2010/main" xmlns="">
                 <a:solidFill>
                   <a:srgbClr val="FFFFFF"/>
                 </a:solidFill>
@@ -9597,7 +9598,7 @@
               </a:ln>
               <a:extLst>
                 <a:ext uri="{91240B29-F687-4f45-9708-019B960494DF}">
-                  <a14:hiddenLine xmlns="" xmlns:a14="http://schemas.microsoft.com/office/drawing/2010/main" w="9525">
+                  <a14:hiddenLine xmlns:a14="http://schemas.microsoft.com/office/drawing/2010/main" xmlns="" w="9525">
                     <a:solidFill>
                       <a:srgbClr val="000000"/>
                     </a:solidFill>
@@ -9687,7 +9688,7 @@
               </a:ln>
               <a:extLst>
                 <a:ext uri="{91240B29-F687-4f45-9708-019B960494DF}">
-                  <a14:hiddenLine xmlns="" xmlns:a14="http://schemas.microsoft.com/office/drawing/2010/main" w="9525">
+                  <a14:hiddenLine xmlns:a14="http://schemas.microsoft.com/office/drawing/2010/main" xmlns="" w="9525">
                     <a:solidFill>
                       <a:srgbClr val="000000"/>
                     </a:solidFill>
@@ -9777,7 +9778,7 @@
               </a:ln>
               <a:extLst>
                 <a:ext uri="{91240B29-F687-4f45-9708-019B960494DF}">
-                  <a14:hiddenLine xmlns="" xmlns:a14="http://schemas.microsoft.com/office/drawing/2010/main" w="9525">
+                  <a14:hiddenLine xmlns:a14="http://schemas.microsoft.com/office/drawing/2010/main" xmlns="" w="9525">
                     <a:solidFill>
                       <a:srgbClr val="000000"/>
                     </a:solidFill>
@@ -9839,7 +9840,7 @@
               </a:ln>
               <a:extLst>
                 <a:ext uri="{91240B29-F687-4f45-9708-019B960494DF}">
-                  <a14:hiddenLine xmlns="" xmlns:a14="http://schemas.microsoft.com/office/drawing/2010/main" w="9525">
+                  <a14:hiddenLine xmlns:a14="http://schemas.microsoft.com/office/drawing/2010/main" xmlns="" w="9525">
                     <a:solidFill>
                       <a:srgbClr val="000000"/>
                     </a:solidFill>
@@ -9929,7 +9930,7 @@
               </a:ln>
               <a:extLst>
                 <a:ext uri="{91240B29-F687-4f45-9708-019B960494DF}">
-                  <a14:hiddenLine xmlns="" xmlns:a14="http://schemas.microsoft.com/office/drawing/2010/main" w="9525">
+                  <a14:hiddenLine xmlns:a14="http://schemas.microsoft.com/office/drawing/2010/main" xmlns="" w="9525">
                     <a:solidFill>
                       <a:srgbClr val="000000"/>
                     </a:solidFill>
@@ -9991,7 +9992,7 @@
               </a:ln>
               <a:extLst>
                 <a:ext uri="{91240B29-F687-4f45-9708-019B960494DF}">
-                  <a14:hiddenLine xmlns="" xmlns:a14="http://schemas.microsoft.com/office/drawing/2010/main" w="9525">
+                  <a14:hiddenLine xmlns:a14="http://schemas.microsoft.com/office/drawing/2010/main" xmlns="" w="9525">
                     <a:solidFill>
                       <a:srgbClr val="000000"/>
                     </a:solidFill>
@@ -10053,7 +10054,7 @@
               </a:ln>
               <a:extLst>
                 <a:ext uri="{91240B29-F687-4f45-9708-019B960494DF}">
-                  <a14:hiddenLine xmlns="" xmlns:a14="http://schemas.microsoft.com/office/drawing/2010/main" w="9525">
+                  <a14:hiddenLine xmlns:a14="http://schemas.microsoft.com/office/drawing/2010/main" xmlns="" w="9525">
                     <a:solidFill>
                       <a:srgbClr val="000000"/>
                     </a:solidFill>
@@ -10143,7 +10144,7 @@
               </a:ln>
               <a:extLst>
                 <a:ext uri="{91240B29-F687-4f45-9708-019B960494DF}">
-                  <a14:hiddenLine xmlns="" xmlns:a14="http://schemas.microsoft.com/office/drawing/2010/main" w="9525">
+                  <a14:hiddenLine xmlns:a14="http://schemas.microsoft.com/office/drawing/2010/main" xmlns="" w="9525">
                     <a:solidFill>
                       <a:srgbClr val="000000"/>
                     </a:solidFill>
@@ -10233,7 +10234,7 @@
               </a:ln>
               <a:extLst>
                 <a:ext uri="{91240B29-F687-4f45-9708-019B960494DF}">
-                  <a14:hiddenLine xmlns="" xmlns:a14="http://schemas.microsoft.com/office/drawing/2010/main" w="9525">
+                  <a14:hiddenLine xmlns:a14="http://schemas.microsoft.com/office/drawing/2010/main" xmlns="" w="9525">
                     <a:solidFill>
                       <a:srgbClr val="000000"/>
                     </a:solidFill>
@@ -10295,7 +10296,7 @@
               </a:ln>
               <a:extLst>
                 <a:ext uri="{91240B29-F687-4f45-9708-019B960494DF}">
-                  <a14:hiddenLine xmlns="" xmlns:a14="http://schemas.microsoft.com/office/drawing/2010/main" w="9525">
+                  <a14:hiddenLine xmlns:a14="http://schemas.microsoft.com/office/drawing/2010/main" xmlns="" w="9525">
                     <a:solidFill>
                       <a:srgbClr val="000000"/>
                     </a:solidFill>
@@ -10405,7 +10406,7 @@
               </a:ln>
               <a:extLst>
                 <a:ext uri="{91240B29-F687-4f45-9708-019B960494DF}">
-                  <a14:hiddenLine xmlns="" xmlns:a14="http://schemas.microsoft.com/office/drawing/2010/main" w="9525">
+                  <a14:hiddenLine xmlns:a14="http://schemas.microsoft.com/office/drawing/2010/main" xmlns="" w="9525">
                     <a:solidFill>
                       <a:srgbClr val="000000"/>
                     </a:solidFill>
@@ -10489,7 +10490,7 @@
               </a:ln>
               <a:extLst>
                 <a:ext uri="{91240B29-F687-4f45-9708-019B960494DF}">
-                  <a14:hiddenLine xmlns="" xmlns:a14="http://schemas.microsoft.com/office/drawing/2010/main" w="9525">
+                  <a14:hiddenLine xmlns:a14="http://schemas.microsoft.com/office/drawing/2010/main" xmlns="" w="9525">
                     <a:solidFill>
                       <a:srgbClr val="000000"/>
                     </a:solidFill>
@@ -10551,7 +10552,7 @@
               </a:ln>
               <a:extLst>
                 <a:ext uri="{91240B29-F687-4f45-9708-019B960494DF}">
-                  <a14:hiddenLine xmlns="" xmlns:a14="http://schemas.microsoft.com/office/drawing/2010/main" w="9525">
+                  <a14:hiddenLine xmlns:a14="http://schemas.microsoft.com/office/drawing/2010/main" xmlns="" w="9525">
                     <a:solidFill>
                       <a:srgbClr val="000000"/>
                     </a:solidFill>
@@ -10613,7 +10614,7 @@
               </a:ln>
               <a:extLst>
                 <a:ext uri="{91240B29-F687-4f45-9708-019B960494DF}">
-                  <a14:hiddenLine xmlns="" xmlns:a14="http://schemas.microsoft.com/office/drawing/2010/main" w="9525">
+                  <a14:hiddenLine xmlns:a14="http://schemas.microsoft.com/office/drawing/2010/main" xmlns="" w="9525">
                     <a:solidFill>
                       <a:srgbClr val="000000"/>
                     </a:solidFill>
@@ -10703,7 +10704,7 @@
               </a:ln>
               <a:extLst>
                 <a:ext uri="{91240B29-F687-4f45-9708-019B960494DF}">
-                  <a14:hiddenLine xmlns="" xmlns:a14="http://schemas.microsoft.com/office/drawing/2010/main" w="9525">
+                  <a14:hiddenLine xmlns:a14="http://schemas.microsoft.com/office/drawing/2010/main" xmlns="" w="9525">
                     <a:solidFill>
                       <a:srgbClr val="000000"/>
                     </a:solidFill>
@@ -10737,7 +10738,7 @@
               </a:ln>
               <a:extLst>
                 <a:ext uri="{91240B29-F687-4f45-9708-019B960494DF}">
-                  <a14:hiddenLine xmlns="" xmlns:a14="http://schemas.microsoft.com/office/drawing/2010/main" w="9525">
+                  <a14:hiddenLine xmlns:a14="http://schemas.microsoft.com/office/drawing/2010/main" xmlns="" w="9525">
                     <a:solidFill>
                       <a:srgbClr val="000000"/>
                     </a:solidFill>
@@ -10802,7 +10803,7 @@
               </a:ln>
               <a:extLst>
                 <a:ext uri="{91240B29-F687-4f45-9708-019B960494DF}">
-                  <a14:hiddenLine xmlns="" xmlns:a14="http://schemas.microsoft.com/office/drawing/2010/main" w="9525">
+                  <a14:hiddenLine xmlns:a14="http://schemas.microsoft.com/office/drawing/2010/main" xmlns="" w="9525">
                     <a:solidFill>
                       <a:srgbClr val="000000"/>
                     </a:solidFill>
@@ -10892,7 +10893,7 @@
               </a:ln>
               <a:extLst>
                 <a:ext uri="{91240B29-F687-4f45-9708-019B960494DF}">
-                  <a14:hiddenLine xmlns="" xmlns:a14="http://schemas.microsoft.com/office/drawing/2010/main" w="9525">
+                  <a14:hiddenLine xmlns:a14="http://schemas.microsoft.com/office/drawing/2010/main" xmlns="" w="9525">
                     <a:solidFill>
                       <a:srgbClr val="000000"/>
                     </a:solidFill>
@@ -10954,7 +10955,7 @@
               </a:ln>
               <a:extLst>
                 <a:ext uri="{91240B29-F687-4f45-9708-019B960494DF}">
-                  <a14:hiddenLine xmlns="" xmlns:a14="http://schemas.microsoft.com/office/drawing/2010/main" w="9525">
+                  <a14:hiddenLine xmlns:a14="http://schemas.microsoft.com/office/drawing/2010/main" xmlns="" w="9525">
                     <a:solidFill>
                       <a:srgbClr val="000000"/>
                     </a:solidFill>
@@ -11044,7 +11045,7 @@
               </a:ln>
               <a:extLst>
                 <a:ext uri="{91240B29-F687-4f45-9708-019B960494DF}">
-                  <a14:hiddenLine xmlns="" xmlns:a14="http://schemas.microsoft.com/office/drawing/2010/main" w="9525">
+                  <a14:hiddenLine xmlns:a14="http://schemas.microsoft.com/office/drawing/2010/main" xmlns="" w="9525">
                     <a:solidFill>
                       <a:srgbClr val="000000"/>
                     </a:solidFill>
@@ -11109,7 +11110,7 @@
               </a:ln>
               <a:extLst>
                 <a:ext uri="{91240B29-F687-4f45-9708-019B960494DF}">
-                  <a14:hiddenLine xmlns="" xmlns:a14="http://schemas.microsoft.com/office/drawing/2010/main" w="9525">
+                  <a14:hiddenLine xmlns:a14="http://schemas.microsoft.com/office/drawing/2010/main" xmlns="" w="9525">
                     <a:solidFill>
                       <a:srgbClr val="000000"/>
                     </a:solidFill>
@@ -11171,7 +11172,7 @@
               </a:ln>
               <a:extLst>
                 <a:ext uri="{91240B29-F687-4f45-9708-019B960494DF}">
-                  <a14:hiddenLine xmlns="" xmlns:a14="http://schemas.microsoft.com/office/drawing/2010/main" w="9525">
+                  <a14:hiddenLine xmlns:a14="http://schemas.microsoft.com/office/drawing/2010/main" xmlns="" w="9525">
                     <a:solidFill>
                       <a:srgbClr val="000000"/>
                     </a:solidFill>
@@ -11261,7 +11262,7 @@
               </a:ln>
               <a:extLst>
                 <a:ext uri="{91240B29-F687-4f45-9708-019B960494DF}">
-                  <a14:hiddenLine xmlns="" xmlns:a14="http://schemas.microsoft.com/office/drawing/2010/main" w="9525">
+                  <a14:hiddenLine xmlns:a14="http://schemas.microsoft.com/office/drawing/2010/main" xmlns="" w="9525">
                     <a:solidFill>
                       <a:srgbClr val="000000"/>
                     </a:solidFill>
@@ -11351,7 +11352,7 @@
               </a:ln>
               <a:extLst>
                 <a:ext uri="{91240B29-F687-4f45-9708-019B960494DF}">
-                  <a14:hiddenLine xmlns="" xmlns:a14="http://schemas.microsoft.com/office/drawing/2010/main" w="9525">
+                  <a14:hiddenLine xmlns:a14="http://schemas.microsoft.com/office/drawing/2010/main" xmlns="" w="9525">
                     <a:solidFill>
                       <a:srgbClr val="000000"/>
                     </a:solidFill>
@@ -11416,7 +11417,7 @@
               </a:ln>
               <a:extLst>
                 <a:ext uri="{91240B29-F687-4f45-9708-019B960494DF}">
-                  <a14:hiddenLine xmlns="" xmlns:a14="http://schemas.microsoft.com/office/drawing/2010/main" w="9525">
+                  <a14:hiddenLine xmlns:a14="http://schemas.microsoft.com/office/drawing/2010/main" xmlns="" w="9525">
                     <a:solidFill>
                       <a:srgbClr val="000000"/>
                     </a:solidFill>
@@ -11536,7 +11537,7 @@
               </a:ln>
               <a:extLst>
                 <a:ext uri="{91240B29-F687-4f45-9708-019B960494DF}">
-                  <a14:hiddenLine xmlns="" xmlns:a14="http://schemas.microsoft.com/office/drawing/2010/main" w="9525">
+                  <a14:hiddenLine xmlns:a14="http://schemas.microsoft.com/office/drawing/2010/main" xmlns="" w="9525">
                     <a:solidFill>
                       <a:srgbClr val="000000"/>
                     </a:solidFill>
@@ -11617,7 +11618,7 @@
               </a:ln>
               <a:extLst>
                 <a:ext uri="{91240B29-F687-4f45-9708-019B960494DF}">
-                  <a14:hiddenLine xmlns="" xmlns:a14="http://schemas.microsoft.com/office/drawing/2010/main" w="9525">
+                  <a14:hiddenLine xmlns:a14="http://schemas.microsoft.com/office/drawing/2010/main" xmlns="" w="9525">
                     <a:solidFill>
                       <a:srgbClr val="000000"/>
                     </a:solidFill>
@@ -11732,7 +11733,7 @@
               </a:ln>
               <a:extLst>
                 <a:ext uri="{91240B29-F687-4f45-9708-019B960494DF}">
-                  <a14:hiddenLine xmlns="" xmlns:a14="http://schemas.microsoft.com/office/drawing/2010/main" w="9525">
+                  <a14:hiddenLine xmlns:a14="http://schemas.microsoft.com/office/drawing/2010/main" xmlns="" w="9525">
                     <a:solidFill>
                       <a:srgbClr val="000000"/>
                     </a:solidFill>
@@ -11822,7 +11823,7 @@
               </a:ln>
               <a:extLst>
                 <a:ext uri="{91240B29-F687-4f45-9708-019B960494DF}">
-                  <a14:hiddenLine xmlns="" xmlns:a14="http://schemas.microsoft.com/office/drawing/2010/main" w="9525">
+                  <a14:hiddenLine xmlns:a14="http://schemas.microsoft.com/office/drawing/2010/main" xmlns="" w="9525">
                     <a:solidFill>
                       <a:srgbClr val="000000"/>
                     </a:solidFill>
@@ -11887,7 +11888,7 @@
               </a:ln>
               <a:extLst>
                 <a:ext uri="{91240B29-F687-4f45-9708-019B960494DF}">
-                  <a14:hiddenLine xmlns="" xmlns:a14="http://schemas.microsoft.com/office/drawing/2010/main" w="9525">
+                  <a14:hiddenLine xmlns:a14="http://schemas.microsoft.com/office/drawing/2010/main" xmlns="" w="9525">
                     <a:solidFill>
                       <a:srgbClr val="000000"/>
                     </a:solidFill>
@@ -11977,7 +11978,7 @@
               </a:ln>
               <a:extLst>
                 <a:ext uri="{91240B29-F687-4f45-9708-019B960494DF}">
-                  <a14:hiddenLine xmlns="" xmlns:a14="http://schemas.microsoft.com/office/drawing/2010/main" w="9525">
+                  <a14:hiddenLine xmlns:a14="http://schemas.microsoft.com/office/drawing/2010/main" xmlns="" w="9525">
                     <a:solidFill>
                       <a:srgbClr val="000000"/>
                     </a:solidFill>
@@ -12045,7 +12046,7 @@
               </a:ln>
               <a:extLst>
                 <a:ext uri="{91240B29-F687-4f45-9708-019B960494DF}">
-                  <a14:hiddenLine xmlns="" xmlns:a14="http://schemas.microsoft.com/office/drawing/2010/main" w="9525">
+                  <a14:hiddenLine xmlns:a14="http://schemas.microsoft.com/office/drawing/2010/main" xmlns="" w="9525">
                     <a:solidFill>
                       <a:srgbClr val="000000"/>
                     </a:solidFill>
@@ -12135,7 +12136,7 @@
               </a:ln>
               <a:extLst>
                 <a:ext uri="{91240B29-F687-4f45-9708-019B960494DF}">
-                  <a14:hiddenLine xmlns="" xmlns:a14="http://schemas.microsoft.com/office/drawing/2010/main" w="9525">
+                  <a14:hiddenLine xmlns:a14="http://schemas.microsoft.com/office/drawing/2010/main" xmlns="" w="9525">
                     <a:solidFill>
                       <a:srgbClr val="000000"/>
                     </a:solidFill>
@@ -12203,7 +12204,7 @@
               </a:ln>
               <a:extLst>
                 <a:ext uri="{91240B29-F687-4f45-9708-019B960494DF}">
-                  <a14:hiddenLine xmlns="" xmlns:a14="http://schemas.microsoft.com/office/drawing/2010/main" w="9525">
+                  <a14:hiddenLine xmlns:a14="http://schemas.microsoft.com/office/drawing/2010/main" xmlns="" w="9525">
                     <a:solidFill>
                       <a:srgbClr val="000000"/>
                     </a:solidFill>
@@ -12293,7 +12294,7 @@
               </a:ln>
               <a:extLst>
                 <a:ext uri="{91240B29-F687-4f45-9708-019B960494DF}">
-                  <a14:hiddenLine xmlns="" xmlns:a14="http://schemas.microsoft.com/office/drawing/2010/main" w="9525">
+                  <a14:hiddenLine xmlns:a14="http://schemas.microsoft.com/office/drawing/2010/main" xmlns="" w="9525">
                     <a:solidFill>
                       <a:srgbClr val="000000"/>
                     </a:solidFill>
@@ -12327,7 +12328,7 @@
               </a:ln>
               <a:extLst>
                 <a:ext uri="{91240B29-F687-4f45-9708-019B960494DF}">
-                  <a14:hiddenLine xmlns="" xmlns:a14="http://schemas.microsoft.com/office/drawing/2010/main" w="9525">
+                  <a14:hiddenLine xmlns:a14="http://schemas.microsoft.com/office/drawing/2010/main" xmlns="" w="9525">
                     <a:solidFill>
                       <a:srgbClr val="000000"/>
                     </a:solidFill>
@@ -12467,7 +12468,7 @@
           <a:p>
             <a:fld id="{EC4347D3-4C9A-C240-8F14-750059DFEEB0}" type="datetimeFigureOut">
               <a:rPr lang="en-US" smtClean="0"/>
-              <a:t>2/5/26</a:t>
+              <a:t>2/10/26</a:t>
             </a:fld>
             <a:endParaRPr lang="en-US"/>
           </a:p>
@@ -13641,7 +13642,173 @@
 </p:sld>
 </file>
 
+<file path=ppt/slides/slide6.xml><?xml version="1.0" encoding="utf-8"?>
+<p:sld xmlns:a="http://schemas.openxmlformats.org/drawingml/2006/main" xmlns:r="http://schemas.openxmlformats.org/officeDocument/2006/relationships" xmlns:p="http://schemas.openxmlformats.org/presentationml/2006/main">
+  <p:cSld>
+    <p:spTree>
+      <p:nvGrpSpPr>
+        <p:cNvPr id="1" name="">
+          <a:extLst>
+            <a:ext uri="{FF2B5EF4-FFF2-40B4-BE49-F238E27FC236}">
+              <a16:creationId xmlns:a16="http://schemas.microsoft.com/office/drawing/2014/main" id="{78341EA6-8D40-F2C5-88D7-763BD5815900}"/>
+            </a:ext>
+          </a:extLst>
+        </p:cNvPr>
+        <p:cNvGrpSpPr/>
+        <p:nvPr/>
+      </p:nvGrpSpPr>
+      <p:grpSpPr>
+        <a:xfrm>
+          <a:off x="0" y="0"/>
+          <a:ext cx="0" cy="0"/>
+          <a:chOff x="0" y="0"/>
+          <a:chExt cx="0" cy="0"/>
+        </a:xfrm>
+      </p:grpSpPr>
+      <p:sp>
+        <p:nvSpPr>
+          <p:cNvPr id="6146" name="Rectangle 2">
+            <a:extLst>
+              <a:ext uri="{FF2B5EF4-FFF2-40B4-BE49-F238E27FC236}">
+                <a16:creationId xmlns:a16="http://schemas.microsoft.com/office/drawing/2014/main" id="{2076E4AD-2F10-C409-AA94-63CAC2AC6A5A}"/>
+              </a:ext>
+            </a:extLst>
+          </p:cNvPr>
+          <p:cNvSpPr>
+            <a:spLocks noGrp="1" noChangeArrowheads="1"/>
+          </p:cNvSpPr>
+          <p:nvPr>
+            <p:ph type="title"/>
+            <p:custDataLst>
+              <p:tags r:id="rId1"/>
+            </p:custDataLst>
+          </p:nvPr>
+        </p:nvSpPr>
+        <p:spPr>
+          <a:xfrm>
+            <a:off x="1141413" y="284084"/>
+            <a:ext cx="9905998" cy="620791"/>
+          </a:xfrm>
+        </p:spPr>
+        <p:txBody>
+          <a:bodyPr/>
+          <a:lstStyle/>
+          <a:p>
+            <a:pPr algn="ctr"/>
+            <a:r>
+              <a:rPr lang="en-US" dirty="0"/>
+              <a:t>Lecture 6: 2/10/26</a:t>
+            </a:r>
+          </a:p>
+        </p:txBody>
+      </p:sp>
+      <p:sp>
+        <p:nvSpPr>
+          <p:cNvPr id="6147" name="Rectangle 3">
+            <a:extLst>
+              <a:ext uri="{FF2B5EF4-FFF2-40B4-BE49-F238E27FC236}">
+                <a16:creationId xmlns:a16="http://schemas.microsoft.com/office/drawing/2014/main" id="{1A10BCF2-793E-E5DD-46A5-EFBCD60EF4F1}"/>
+              </a:ext>
+            </a:extLst>
+          </p:cNvPr>
+          <p:cNvSpPr>
+            <a:spLocks noGrp="1" noChangeArrowheads="1"/>
+          </p:cNvSpPr>
+          <p:nvPr>
+            <p:ph idx="1"/>
+            <p:custDataLst>
+              <p:tags r:id="rId2"/>
+            </p:custDataLst>
+          </p:nvPr>
+        </p:nvSpPr>
+        <p:spPr>
+          <a:xfrm>
+            <a:off x="1021404" y="1123950"/>
+            <a:ext cx="10204315" cy="5149850"/>
+          </a:xfrm>
+        </p:spPr>
+        <p:txBody>
+          <a:bodyPr>
+            <a:normAutofit/>
+          </a:bodyPr>
+          <a:lstStyle/>
+          <a:p>
+            <a:r>
+              <a:rPr lang="en-US" dirty="0"/>
+              <a:t>Attendance checks will start more regularly now</a:t>
+            </a:r>
+          </a:p>
+          <a:p>
+            <a:r>
+              <a:rPr lang="en-US" dirty="0"/>
+              <a:t>Second homework (Fenwick Trees) was due Tuesday!</a:t>
+            </a:r>
+          </a:p>
+          <a:p>
+            <a:pPr lvl="1"/>
+            <a:r>
+              <a:rPr lang="en-US" dirty="0"/>
+              <a:t>I hope you finished it on time</a:t>
+            </a:r>
+          </a:p>
+          <a:p>
+            <a:r>
+              <a:rPr lang="en-US" dirty="0"/>
+              <a:t>We will be doing our next homework day on Thursday. Please bring your laptop. This one is a fun challenge, think you will enjoy!</a:t>
+            </a:r>
+          </a:p>
+          <a:p>
+            <a:r>
+              <a:rPr lang="en-US" dirty="0"/>
+              <a:t>We are about one half lecture (</a:t>
+            </a:r>
+            <a:r>
+              <a:rPr lang="en-US" dirty="0" err="1"/>
+              <a:t>ish</a:t>
+            </a:r>
+            <a:r>
+              <a:rPr lang="en-US" dirty="0"/>
+              <a:t>) behind due to snow day</a:t>
+            </a:r>
+          </a:p>
+          <a:p>
+            <a:pPr lvl="1"/>
+            <a:r>
+              <a:rPr lang="en-US" dirty="0"/>
+              <a:t>But I think we will naturally catch up over time.</a:t>
+            </a:r>
+          </a:p>
+          <a:p>
+            <a:r>
+              <a:rPr lang="en-US" dirty="0"/>
+              <a:t>Today we will continue discussing linear programming.</a:t>
+            </a:r>
+          </a:p>
+          <a:p>
+            <a:endParaRPr lang="en-US" dirty="0"/>
+          </a:p>
+        </p:txBody>
+      </p:sp>
+    </p:spTree>
+    <p:extLst>
+      <p:ext uri="{BB962C8B-B14F-4D97-AF65-F5344CB8AC3E}">
+        <p14:creationId xmlns:p14="http://schemas.microsoft.com/office/powerpoint/2010/main" val="3987018902"/>
+      </p:ext>
+    </p:extLst>
+  </p:cSld>
+  <p:clrMapOvr>
+    <a:masterClrMapping/>
+  </p:clrMapOvr>
+</p:sld>
+</file>
+
 <file path=ppt/tags/tag1.xml><?xml version="1.0" encoding="utf-8"?>
+<p:tagLst xmlns:a="http://schemas.openxmlformats.org/drawingml/2006/main" xmlns:r="http://schemas.openxmlformats.org/officeDocument/2006/relationships" xmlns:p="http://schemas.openxmlformats.org/presentationml/2006/main">
+  <p:tag name="_INSTRUCTOR VIEW19C14C36-AC8E-43BC-9DB6-C2AAF774C7DC|PANE__TAG" val="_"/>
+</p:tagLst>
+</file>
+
+<file path=ppt/tags/tag10.xml><?xml version="1.0" encoding="utf-8"?>
 <p:tagLst xmlns:a="http://schemas.openxmlformats.org/drawingml/2006/main" xmlns:r="http://schemas.openxmlformats.org/officeDocument/2006/relationships" xmlns:p="http://schemas.openxmlformats.org/presentationml/2006/main">
   <p:tag name="_INSTRUCTOR VIEW19C14C36-AC8E-43BC-9DB6-C2AAF774C7DC|PANE__TAG" val="_"/>
 </p:tagLst>
@@ -13684,6 +13851,12 @@
 </file>
 
 <file path=ppt/tags/tag8.xml><?xml version="1.0" encoding="utf-8"?>
+<p:tagLst xmlns:a="http://schemas.openxmlformats.org/drawingml/2006/main" xmlns:r="http://schemas.openxmlformats.org/officeDocument/2006/relationships" xmlns:p="http://schemas.openxmlformats.org/presentationml/2006/main">
+  <p:tag name="_INSTRUCTOR VIEW19C14C36-AC8E-43BC-9DB6-C2AAF774C7DC|PANE__TAG" val="_"/>
+</p:tagLst>
+</file>
+
+<file path=ppt/tags/tag9.xml><?xml version="1.0" encoding="utf-8"?>
 <p:tagLst xmlns:a="http://schemas.openxmlformats.org/drawingml/2006/main" xmlns:r="http://schemas.openxmlformats.org/officeDocument/2006/relationships" xmlns:p="http://schemas.openxmlformats.org/presentationml/2006/main">
   <p:tag name="_INSTRUCTOR VIEW19C14C36-AC8E-43BC-9DB6-C2AAF774C7DC|PANE__TAG" val="_"/>
 </p:tagLst>

--- a/slides/00-DailyAnnouncements.pptx
+++ b/slides/00-DailyAnnouncements.pptx
@@ -5,7 +5,7 @@
     <p:sldMasterId id="2147484006" r:id="rId1"/>
   </p:sldMasterIdLst>
   <p:notesMasterIdLst>
-    <p:notesMasterId r:id="rId8"/>
+    <p:notesMasterId r:id="rId9"/>
   </p:notesMasterIdLst>
   <p:sldIdLst>
     <p:sldId id="256" r:id="rId2"/>
@@ -14,6 +14,7 @@
     <p:sldId id="507" r:id="rId5"/>
     <p:sldId id="508" r:id="rId6"/>
     <p:sldId id="509" r:id="rId7"/>
+    <p:sldId id="510" r:id="rId8"/>
   </p:sldIdLst>
   <p:sldSz cx="12192000" cy="6858000"/>
   <p:notesSz cx="6858000" cy="9144000"/>
@@ -202,7 +203,7 @@
           <a:p>
             <a:fld id="{C5B45307-6ED4-B142-BD64-10F739779302}" type="datetimeFigureOut">
               <a:rPr lang="en-US" smtClean="0"/>
-              <a:t>2/10/26</a:t>
+              <a:t>2/17/26</a:t>
             </a:fld>
             <a:endParaRPr lang="en-US"/>
           </a:p>
@@ -610,7 +611,7 @@
           <a:noFill/>
           <a:extLst>
             <a:ext uri="{909E8E84-426E-40dd-AFC4-6F175D3DCCD1}">
-              <a14:hiddenFill xmlns:a14="http://schemas.microsoft.com/office/drawing/2010/main" xmlns="">
+              <a14:hiddenFill xmlns="" xmlns:a14="http://schemas.microsoft.com/office/drawing/2010/main">
                 <a:solidFill>
                   <a:srgbClr val="FFFFFF"/>
                 </a:solidFill>
@@ -669,7 +670,7 @@
             </a:ln>
             <a:extLst>
               <a:ext uri="{91240B29-F687-4f45-9708-019B960494DF}">
-                <a14:hiddenLine xmlns:a14="http://schemas.microsoft.com/office/drawing/2010/main" xmlns="" w="9525">
+                <a14:hiddenLine xmlns="" xmlns:a14="http://schemas.microsoft.com/office/drawing/2010/main" w="9525">
                   <a:solidFill>
                     <a:srgbClr val="000000"/>
                   </a:solidFill>
@@ -759,7 +760,7 @@
             </a:ln>
             <a:extLst>
               <a:ext uri="{91240B29-F687-4f45-9708-019B960494DF}">
-                <a14:hiddenLine xmlns:a14="http://schemas.microsoft.com/office/drawing/2010/main" xmlns="" w="9525">
+                <a14:hiddenLine xmlns="" xmlns:a14="http://schemas.microsoft.com/office/drawing/2010/main" w="9525">
                   <a:solidFill>
                     <a:srgbClr val="000000"/>
                   </a:solidFill>
@@ -849,7 +850,7 @@
             </a:ln>
             <a:extLst>
               <a:ext uri="{91240B29-F687-4f45-9708-019B960494DF}">
-                <a14:hiddenLine xmlns:a14="http://schemas.microsoft.com/office/drawing/2010/main" xmlns="" w="9525">
+                <a14:hiddenLine xmlns="" xmlns:a14="http://schemas.microsoft.com/office/drawing/2010/main" w="9525">
                   <a:solidFill>
                     <a:srgbClr val="000000"/>
                   </a:solidFill>
@@ -883,7 +884,7 @@
             </a:ln>
             <a:extLst>
               <a:ext uri="{91240B29-F687-4f45-9708-019B960494DF}">
-                <a14:hiddenLine xmlns:a14="http://schemas.microsoft.com/office/drawing/2010/main" xmlns="" w="9525">
+                <a14:hiddenLine xmlns="" xmlns:a14="http://schemas.microsoft.com/office/drawing/2010/main" w="9525">
                   <a:solidFill>
                     <a:srgbClr val="000000"/>
                   </a:solidFill>
@@ -973,7 +974,7 @@
             </a:ln>
             <a:extLst>
               <a:ext uri="{91240B29-F687-4f45-9708-019B960494DF}">
-                <a14:hiddenLine xmlns:a14="http://schemas.microsoft.com/office/drawing/2010/main" xmlns="" w="9525">
+                <a14:hiddenLine xmlns="" xmlns:a14="http://schemas.microsoft.com/office/drawing/2010/main" w="9525">
                   <a:solidFill>
                     <a:srgbClr val="000000"/>
                   </a:solidFill>
@@ -1035,7 +1036,7 @@
             </a:ln>
             <a:extLst>
               <a:ext uri="{91240B29-F687-4f45-9708-019B960494DF}">
-                <a14:hiddenLine xmlns:a14="http://schemas.microsoft.com/office/drawing/2010/main" xmlns="" w="9525">
+                <a14:hiddenLine xmlns="" xmlns:a14="http://schemas.microsoft.com/office/drawing/2010/main" w="9525">
                   <a:solidFill>
                     <a:srgbClr val="000000"/>
                   </a:solidFill>
@@ -1097,7 +1098,7 @@
             </a:ln>
             <a:extLst>
               <a:ext uri="{91240B29-F687-4f45-9708-019B960494DF}">
-                <a14:hiddenLine xmlns:a14="http://schemas.microsoft.com/office/drawing/2010/main" xmlns="" w="9525">
+                <a14:hiddenLine xmlns="" xmlns:a14="http://schemas.microsoft.com/office/drawing/2010/main" w="9525">
                   <a:solidFill>
                     <a:srgbClr val="000000"/>
                   </a:solidFill>
@@ -1187,7 +1188,7 @@
             </a:ln>
             <a:extLst>
               <a:ext uri="{91240B29-F687-4f45-9708-019B960494DF}">
-                <a14:hiddenLine xmlns:a14="http://schemas.microsoft.com/office/drawing/2010/main" xmlns="" w="9525">
+                <a14:hiddenLine xmlns="" xmlns:a14="http://schemas.microsoft.com/office/drawing/2010/main" w="9525">
                   <a:solidFill>
                     <a:srgbClr val="000000"/>
                   </a:solidFill>
@@ -1249,7 +1250,7 @@
             </a:ln>
             <a:extLst>
               <a:ext uri="{91240B29-F687-4f45-9708-019B960494DF}">
-                <a14:hiddenLine xmlns:a14="http://schemas.microsoft.com/office/drawing/2010/main" xmlns="" w="9525">
+                <a14:hiddenLine xmlns="" xmlns:a14="http://schemas.microsoft.com/office/drawing/2010/main" w="9525">
                   <a:solidFill>
                     <a:srgbClr val="000000"/>
                   </a:solidFill>
@@ -1311,7 +1312,7 @@
             </a:ln>
             <a:extLst>
               <a:ext uri="{91240B29-F687-4f45-9708-019B960494DF}">
-                <a14:hiddenLine xmlns:a14="http://schemas.microsoft.com/office/drawing/2010/main" xmlns="" w="9525">
+                <a14:hiddenLine xmlns="" xmlns:a14="http://schemas.microsoft.com/office/drawing/2010/main" w="9525">
                   <a:solidFill>
                     <a:srgbClr val="000000"/>
                   </a:solidFill>
@@ -1401,7 +1402,7 @@
             </a:ln>
             <a:extLst>
               <a:ext uri="{91240B29-F687-4f45-9708-019B960494DF}">
-                <a14:hiddenLine xmlns:a14="http://schemas.microsoft.com/office/drawing/2010/main" xmlns="" w="9525">
+                <a14:hiddenLine xmlns="" xmlns:a14="http://schemas.microsoft.com/office/drawing/2010/main" w="9525">
                   <a:solidFill>
                     <a:srgbClr val="000000"/>
                   </a:solidFill>
@@ -1491,7 +1492,7 @@
             </a:ln>
             <a:extLst>
               <a:ext uri="{91240B29-F687-4f45-9708-019B960494DF}">
-                <a14:hiddenLine xmlns:a14="http://schemas.microsoft.com/office/drawing/2010/main" xmlns="" w="9525">
+                <a14:hiddenLine xmlns="" xmlns:a14="http://schemas.microsoft.com/office/drawing/2010/main" w="9525">
                   <a:solidFill>
                     <a:srgbClr val="000000"/>
                   </a:solidFill>
@@ -1553,7 +1554,7 @@
             </a:ln>
             <a:extLst>
               <a:ext uri="{91240B29-F687-4f45-9708-019B960494DF}">
-                <a14:hiddenLine xmlns:a14="http://schemas.microsoft.com/office/drawing/2010/main" xmlns="" w="9525">
+                <a14:hiddenLine xmlns="" xmlns:a14="http://schemas.microsoft.com/office/drawing/2010/main" w="9525">
                   <a:solidFill>
                     <a:srgbClr val="000000"/>
                   </a:solidFill>
@@ -1663,7 +1664,7 @@
             </a:ln>
             <a:extLst>
               <a:ext uri="{91240B29-F687-4f45-9708-019B960494DF}">
-                <a14:hiddenLine xmlns:a14="http://schemas.microsoft.com/office/drawing/2010/main" xmlns="" w="9525">
+                <a14:hiddenLine xmlns="" xmlns:a14="http://schemas.microsoft.com/office/drawing/2010/main" w="9525">
                   <a:solidFill>
                     <a:srgbClr val="000000"/>
                   </a:solidFill>
@@ -1725,7 +1726,7 @@
             </a:ln>
             <a:extLst>
               <a:ext uri="{91240B29-F687-4f45-9708-019B960494DF}">
-                <a14:hiddenLine xmlns:a14="http://schemas.microsoft.com/office/drawing/2010/main" xmlns="" w="9525">
+                <a14:hiddenLine xmlns="" xmlns:a14="http://schemas.microsoft.com/office/drawing/2010/main" w="9525">
                   <a:solidFill>
                     <a:srgbClr val="000000"/>
                   </a:solidFill>
@@ -1815,7 +1816,7 @@
             </a:ln>
             <a:extLst>
               <a:ext uri="{91240B29-F687-4f45-9708-019B960494DF}">
-                <a14:hiddenLine xmlns:a14="http://schemas.microsoft.com/office/drawing/2010/main" xmlns="" w="9525">
+                <a14:hiddenLine xmlns="" xmlns:a14="http://schemas.microsoft.com/office/drawing/2010/main" w="9525">
                   <a:solidFill>
                     <a:srgbClr val="000000"/>
                   </a:solidFill>
@@ -1905,7 +1906,7 @@
             </a:ln>
             <a:extLst>
               <a:ext uri="{91240B29-F687-4f45-9708-019B960494DF}">
-                <a14:hiddenLine xmlns:a14="http://schemas.microsoft.com/office/drawing/2010/main" xmlns="" w="9525">
+                <a14:hiddenLine xmlns="" xmlns:a14="http://schemas.microsoft.com/office/drawing/2010/main" w="9525">
                   <a:solidFill>
                     <a:srgbClr val="000000"/>
                   </a:solidFill>
@@ -1967,7 +1968,7 @@
             </a:ln>
             <a:extLst>
               <a:ext uri="{91240B29-F687-4f45-9708-019B960494DF}">
-                <a14:hiddenLine xmlns:a14="http://schemas.microsoft.com/office/drawing/2010/main" xmlns="" w="9525">
+                <a14:hiddenLine xmlns="" xmlns:a14="http://schemas.microsoft.com/office/drawing/2010/main" w="9525">
                   <a:solidFill>
                     <a:srgbClr val="000000"/>
                   </a:solidFill>
@@ -2057,7 +2058,7 @@
             </a:ln>
             <a:extLst>
               <a:ext uri="{91240B29-F687-4f45-9708-019B960494DF}">
-                <a14:hiddenLine xmlns:a14="http://schemas.microsoft.com/office/drawing/2010/main" xmlns="" w="9525">
+                <a14:hiddenLine xmlns="" xmlns:a14="http://schemas.microsoft.com/office/drawing/2010/main" w="9525">
                   <a:solidFill>
                     <a:srgbClr val="000000"/>
                   </a:solidFill>
@@ -2147,7 +2148,7 @@
             </a:ln>
             <a:extLst>
               <a:ext uri="{91240B29-F687-4f45-9708-019B960494DF}">
-                <a14:hiddenLine xmlns:a14="http://schemas.microsoft.com/office/drawing/2010/main" xmlns="" w="9525">
+                <a14:hiddenLine xmlns="" xmlns:a14="http://schemas.microsoft.com/office/drawing/2010/main" w="9525">
                   <a:solidFill>
                     <a:srgbClr val="000000"/>
                   </a:solidFill>
@@ -2203,7 +2204,7 @@
             </a:ln>
             <a:extLst>
               <a:ext uri="{91240B29-F687-4f45-9708-019B960494DF}">
-                <a14:hiddenLine xmlns:a14="http://schemas.microsoft.com/office/drawing/2010/main" xmlns="" w="9525">
+                <a14:hiddenLine xmlns="" xmlns:a14="http://schemas.microsoft.com/office/drawing/2010/main" w="9525">
                   <a:solidFill>
                     <a:srgbClr val="000000"/>
                   </a:solidFill>
@@ -2293,7 +2294,7 @@
             </a:ln>
             <a:extLst>
               <a:ext uri="{91240B29-F687-4f45-9708-019B960494DF}">
-                <a14:hiddenLine xmlns:a14="http://schemas.microsoft.com/office/drawing/2010/main" xmlns="" w="9525">
+                <a14:hiddenLine xmlns="" xmlns:a14="http://schemas.microsoft.com/office/drawing/2010/main" w="9525">
                   <a:solidFill>
                     <a:srgbClr val="000000"/>
                   </a:solidFill>
@@ -2349,7 +2350,7 @@
             </a:ln>
             <a:extLst>
               <a:ext uri="{91240B29-F687-4f45-9708-019B960494DF}">
-                <a14:hiddenLine xmlns:a14="http://schemas.microsoft.com/office/drawing/2010/main" xmlns="" w="9525">
+                <a14:hiddenLine xmlns="" xmlns:a14="http://schemas.microsoft.com/office/drawing/2010/main" w="9525">
                   <a:solidFill>
                     <a:srgbClr val="000000"/>
                   </a:solidFill>
@@ -2439,7 +2440,7 @@
             </a:ln>
             <a:extLst>
               <a:ext uri="{91240B29-F687-4f45-9708-019B960494DF}">
-                <a14:hiddenLine xmlns:a14="http://schemas.microsoft.com/office/drawing/2010/main" xmlns="" w="9525">
+                <a14:hiddenLine xmlns="" xmlns:a14="http://schemas.microsoft.com/office/drawing/2010/main" w="9525">
                   <a:solidFill>
                     <a:srgbClr val="000000"/>
                   </a:solidFill>
@@ -2507,7 +2508,7 @@
             </a:ln>
             <a:extLst>
               <a:ext uri="{91240B29-F687-4f45-9708-019B960494DF}">
-                <a14:hiddenLine xmlns:a14="http://schemas.microsoft.com/office/drawing/2010/main" xmlns="" w="9525">
+                <a14:hiddenLine xmlns="" xmlns:a14="http://schemas.microsoft.com/office/drawing/2010/main" w="9525">
                   <a:solidFill>
                     <a:srgbClr val="000000"/>
                   </a:solidFill>
@@ -2597,7 +2598,7 @@
             </a:ln>
             <a:extLst>
               <a:ext uri="{91240B29-F687-4f45-9708-019B960494DF}">
-                <a14:hiddenLine xmlns:a14="http://schemas.microsoft.com/office/drawing/2010/main" xmlns="" w="9525">
+                <a14:hiddenLine xmlns="" xmlns:a14="http://schemas.microsoft.com/office/drawing/2010/main" w="9525">
                   <a:solidFill>
                     <a:srgbClr val="000000"/>
                   </a:solidFill>
@@ -2665,7 +2666,7 @@
             </a:ln>
             <a:extLst>
               <a:ext uri="{91240B29-F687-4f45-9708-019B960494DF}">
-                <a14:hiddenLine xmlns:a14="http://schemas.microsoft.com/office/drawing/2010/main" xmlns="" w="9525">
+                <a14:hiddenLine xmlns="" xmlns:a14="http://schemas.microsoft.com/office/drawing/2010/main" w="9525">
                   <a:solidFill>
                     <a:srgbClr val="000000"/>
                   </a:solidFill>
@@ -2755,7 +2756,7 @@
             </a:ln>
             <a:extLst>
               <a:ext uri="{91240B29-F687-4f45-9708-019B960494DF}">
-                <a14:hiddenLine xmlns:a14="http://schemas.microsoft.com/office/drawing/2010/main" xmlns="" w="9525">
+                <a14:hiddenLine xmlns="" xmlns:a14="http://schemas.microsoft.com/office/drawing/2010/main" w="9525">
                   <a:solidFill>
                     <a:srgbClr val="000000"/>
                   </a:solidFill>
@@ -2789,7 +2790,7 @@
             </a:ln>
             <a:extLst>
               <a:ext uri="{91240B29-F687-4f45-9708-019B960494DF}">
-                <a14:hiddenLine xmlns:a14="http://schemas.microsoft.com/office/drawing/2010/main" xmlns="" w="9525">
+                <a14:hiddenLine xmlns="" xmlns:a14="http://schemas.microsoft.com/office/drawing/2010/main" w="9525">
                   <a:solidFill>
                     <a:srgbClr val="000000"/>
                   </a:solidFill>
@@ -2879,7 +2880,7 @@
             </a:ln>
             <a:extLst>
               <a:ext uri="{91240B29-F687-4f45-9708-019B960494DF}">
-                <a14:hiddenLine xmlns:a14="http://schemas.microsoft.com/office/drawing/2010/main" xmlns="" w="9525">
+                <a14:hiddenLine xmlns="" xmlns:a14="http://schemas.microsoft.com/office/drawing/2010/main" w="9525">
                   <a:solidFill>
                     <a:srgbClr val="000000"/>
                   </a:solidFill>
@@ -2941,7 +2942,7 @@
             </a:ln>
             <a:extLst>
               <a:ext uri="{91240B29-F687-4f45-9708-019B960494DF}">
-                <a14:hiddenLine xmlns:a14="http://schemas.microsoft.com/office/drawing/2010/main" xmlns="" w="9525">
+                <a14:hiddenLine xmlns="" xmlns:a14="http://schemas.microsoft.com/office/drawing/2010/main" w="9525">
                   <a:solidFill>
                     <a:srgbClr val="000000"/>
                   </a:solidFill>
@@ -3003,7 +3004,7 @@
             </a:ln>
             <a:extLst>
               <a:ext uri="{91240B29-F687-4f45-9708-019B960494DF}">
-                <a14:hiddenLine xmlns:a14="http://schemas.microsoft.com/office/drawing/2010/main" xmlns="" w="9525">
+                <a14:hiddenLine xmlns="" xmlns:a14="http://schemas.microsoft.com/office/drawing/2010/main" w="9525">
                   <a:solidFill>
                     <a:srgbClr val="000000"/>
                   </a:solidFill>
@@ -3093,7 +3094,7 @@
             </a:ln>
             <a:extLst>
               <a:ext uri="{91240B29-F687-4f45-9708-019B960494DF}">
-                <a14:hiddenLine xmlns:a14="http://schemas.microsoft.com/office/drawing/2010/main" xmlns="" w="9525">
+                <a14:hiddenLine xmlns="" xmlns:a14="http://schemas.microsoft.com/office/drawing/2010/main" w="9525">
                   <a:solidFill>
                     <a:srgbClr val="000000"/>
                   </a:solidFill>
@@ -3161,7 +3162,7 @@
             </a:ln>
             <a:extLst>
               <a:ext uri="{91240B29-F687-4f45-9708-019B960494DF}">
-                <a14:hiddenLine xmlns:a14="http://schemas.microsoft.com/office/drawing/2010/main" xmlns="" w="9525">
+                <a14:hiddenLine xmlns="" xmlns:a14="http://schemas.microsoft.com/office/drawing/2010/main" w="9525">
                   <a:solidFill>
                     <a:srgbClr val="000000"/>
                   </a:solidFill>
@@ -3223,7 +3224,7 @@
             </a:ln>
             <a:extLst>
               <a:ext uri="{91240B29-F687-4f45-9708-019B960494DF}">
-                <a14:hiddenLine xmlns:a14="http://schemas.microsoft.com/office/drawing/2010/main" xmlns="" w="9525">
+                <a14:hiddenLine xmlns="" xmlns:a14="http://schemas.microsoft.com/office/drawing/2010/main" w="9525">
                   <a:solidFill>
                     <a:srgbClr val="000000"/>
                   </a:solidFill>
@@ -3313,7 +3314,7 @@
             </a:ln>
             <a:extLst>
               <a:ext uri="{91240B29-F687-4f45-9708-019B960494DF}">
-                <a14:hiddenLine xmlns:a14="http://schemas.microsoft.com/office/drawing/2010/main" xmlns="" w="9525">
+                <a14:hiddenLine xmlns="" xmlns:a14="http://schemas.microsoft.com/office/drawing/2010/main" w="9525">
                   <a:solidFill>
                     <a:srgbClr val="000000"/>
                   </a:solidFill>
@@ -3375,7 +3376,7 @@
             </a:ln>
             <a:extLst>
               <a:ext uri="{91240B29-F687-4f45-9708-019B960494DF}">
-                <a14:hiddenLine xmlns:a14="http://schemas.microsoft.com/office/drawing/2010/main" xmlns="" w="9525">
+                <a14:hiddenLine xmlns="" xmlns:a14="http://schemas.microsoft.com/office/drawing/2010/main" w="9525">
                   <a:solidFill>
                     <a:srgbClr val="000000"/>
                   </a:solidFill>
@@ -3465,7 +3466,7 @@
             </a:ln>
             <a:extLst>
               <a:ext uri="{91240B29-F687-4f45-9708-019B960494DF}">
-                <a14:hiddenLine xmlns:a14="http://schemas.microsoft.com/office/drawing/2010/main" xmlns="" w="9525">
+                <a14:hiddenLine xmlns="" xmlns:a14="http://schemas.microsoft.com/office/drawing/2010/main" w="9525">
                   <a:solidFill>
                     <a:srgbClr val="000000"/>
                   </a:solidFill>
@@ -3527,7 +3528,7 @@
             </a:ln>
             <a:extLst>
               <a:ext uri="{91240B29-F687-4f45-9708-019B960494DF}">
-                <a14:hiddenLine xmlns:a14="http://schemas.microsoft.com/office/drawing/2010/main" xmlns="" w="9525">
+                <a14:hiddenLine xmlns="" xmlns:a14="http://schemas.microsoft.com/office/drawing/2010/main" w="9525">
                   <a:solidFill>
                     <a:srgbClr val="000000"/>
                   </a:solidFill>
@@ -3617,7 +3618,7 @@
             </a:ln>
             <a:extLst>
               <a:ext uri="{91240B29-F687-4f45-9708-019B960494DF}">
-                <a14:hiddenLine xmlns:a14="http://schemas.microsoft.com/office/drawing/2010/main" xmlns="" w="9525">
+                <a14:hiddenLine xmlns="" xmlns:a14="http://schemas.microsoft.com/office/drawing/2010/main" w="9525">
                   <a:solidFill>
                     <a:srgbClr val="000000"/>
                   </a:solidFill>
@@ -3651,7 +3652,7 @@
             </a:ln>
             <a:extLst>
               <a:ext uri="{91240B29-F687-4f45-9708-019B960494DF}">
-                <a14:hiddenLine xmlns:a14="http://schemas.microsoft.com/office/drawing/2010/main" xmlns="" w="9525">
+                <a14:hiddenLine xmlns="" xmlns:a14="http://schemas.microsoft.com/office/drawing/2010/main" w="9525">
                   <a:solidFill>
                     <a:srgbClr val="000000"/>
                   </a:solidFill>
@@ -3716,7 +3717,7 @@
             </a:ln>
             <a:extLst>
               <a:ext uri="{91240B29-F687-4f45-9708-019B960494DF}">
-                <a14:hiddenLine xmlns:a14="http://schemas.microsoft.com/office/drawing/2010/main" xmlns="" w="9525">
+                <a14:hiddenLine xmlns="" xmlns:a14="http://schemas.microsoft.com/office/drawing/2010/main" w="9525">
                   <a:solidFill>
                     <a:srgbClr val="000000"/>
                   </a:solidFill>
@@ -3806,7 +3807,7 @@
             </a:ln>
             <a:extLst>
               <a:ext uri="{91240B29-F687-4f45-9708-019B960494DF}">
-                <a14:hiddenLine xmlns:a14="http://schemas.microsoft.com/office/drawing/2010/main" xmlns="" w="9525">
+                <a14:hiddenLine xmlns="" xmlns:a14="http://schemas.microsoft.com/office/drawing/2010/main" w="9525">
                   <a:solidFill>
                     <a:srgbClr val="000000"/>
                   </a:solidFill>
@@ -3868,7 +3869,7 @@
             </a:ln>
             <a:extLst>
               <a:ext uri="{91240B29-F687-4f45-9708-019B960494DF}">
-                <a14:hiddenLine xmlns:a14="http://schemas.microsoft.com/office/drawing/2010/main" xmlns="" w="9525">
+                <a14:hiddenLine xmlns="" xmlns:a14="http://schemas.microsoft.com/office/drawing/2010/main" w="9525">
                   <a:solidFill>
                     <a:srgbClr val="000000"/>
                   </a:solidFill>
@@ -3958,7 +3959,7 @@
             </a:ln>
             <a:extLst>
               <a:ext uri="{91240B29-F687-4f45-9708-019B960494DF}">
-                <a14:hiddenLine xmlns:a14="http://schemas.microsoft.com/office/drawing/2010/main" xmlns="" w="9525">
+                <a14:hiddenLine xmlns="" xmlns:a14="http://schemas.microsoft.com/office/drawing/2010/main" w="9525">
                   <a:solidFill>
                     <a:srgbClr val="000000"/>
                   </a:solidFill>
@@ -4048,7 +4049,7 @@
             </a:ln>
             <a:extLst>
               <a:ext uri="{91240B29-F687-4f45-9708-019B960494DF}">
-                <a14:hiddenLine xmlns:a14="http://schemas.microsoft.com/office/drawing/2010/main" xmlns="" w="9525">
+                <a14:hiddenLine xmlns="" xmlns:a14="http://schemas.microsoft.com/office/drawing/2010/main" w="9525">
                   <a:solidFill>
                     <a:srgbClr val="000000"/>
                   </a:solidFill>
@@ -4113,7 +4114,7 @@
             </a:ln>
             <a:extLst>
               <a:ext uri="{91240B29-F687-4f45-9708-019B960494DF}">
-                <a14:hiddenLine xmlns:a14="http://schemas.microsoft.com/office/drawing/2010/main" xmlns="" w="9525">
+                <a14:hiddenLine xmlns="" xmlns:a14="http://schemas.microsoft.com/office/drawing/2010/main" w="9525">
                   <a:solidFill>
                     <a:srgbClr val="000000"/>
                   </a:solidFill>
@@ -4175,7 +4176,7 @@
             </a:ln>
             <a:extLst>
               <a:ext uri="{91240B29-F687-4f45-9708-019B960494DF}">
-                <a14:hiddenLine xmlns:a14="http://schemas.microsoft.com/office/drawing/2010/main" xmlns="" w="9525">
+                <a14:hiddenLine xmlns="" xmlns:a14="http://schemas.microsoft.com/office/drawing/2010/main" w="9525">
                   <a:solidFill>
                     <a:srgbClr val="000000"/>
                   </a:solidFill>
@@ -4265,7 +4266,7 @@
             </a:ln>
             <a:extLst>
               <a:ext uri="{91240B29-F687-4f45-9708-019B960494DF}">
-                <a14:hiddenLine xmlns:a14="http://schemas.microsoft.com/office/drawing/2010/main" xmlns="" w="9525">
+                <a14:hiddenLine xmlns="" xmlns:a14="http://schemas.microsoft.com/office/drawing/2010/main" w="9525">
                   <a:solidFill>
                     <a:srgbClr val="000000"/>
                   </a:solidFill>
@@ -4355,7 +4356,7 @@
             </a:ln>
             <a:extLst>
               <a:ext uri="{91240B29-F687-4f45-9708-019B960494DF}">
-                <a14:hiddenLine xmlns:a14="http://schemas.microsoft.com/office/drawing/2010/main" xmlns="" w="9525">
+                <a14:hiddenLine xmlns="" xmlns:a14="http://schemas.microsoft.com/office/drawing/2010/main" w="9525">
                   <a:solidFill>
                     <a:srgbClr val="000000"/>
                   </a:solidFill>
@@ -4417,7 +4418,7 @@
             </a:ln>
             <a:extLst>
               <a:ext uri="{91240B29-F687-4f45-9708-019B960494DF}">
-                <a14:hiddenLine xmlns:a14="http://schemas.microsoft.com/office/drawing/2010/main" xmlns="" w="9525">
+                <a14:hiddenLine xmlns="" xmlns:a14="http://schemas.microsoft.com/office/drawing/2010/main" w="9525">
                   <a:solidFill>
                     <a:srgbClr val="000000"/>
                   </a:solidFill>
@@ -4537,7 +4538,7 @@
             </a:ln>
             <a:extLst>
               <a:ext uri="{91240B29-F687-4f45-9708-019B960494DF}">
-                <a14:hiddenLine xmlns:a14="http://schemas.microsoft.com/office/drawing/2010/main" xmlns="" w="9525">
+                <a14:hiddenLine xmlns="" xmlns:a14="http://schemas.microsoft.com/office/drawing/2010/main" w="9525">
                   <a:solidFill>
                     <a:srgbClr val="000000"/>
                   </a:solidFill>
@@ -4605,7 +4606,7 @@
             </a:ln>
             <a:extLst>
               <a:ext uri="{91240B29-F687-4f45-9708-019B960494DF}">
-                <a14:hiddenLine xmlns:a14="http://schemas.microsoft.com/office/drawing/2010/main" xmlns="" w="9525">
+                <a14:hiddenLine xmlns="" xmlns:a14="http://schemas.microsoft.com/office/drawing/2010/main" w="9525">
                   <a:solidFill>
                     <a:srgbClr val="000000"/>
                   </a:solidFill>
@@ -4695,7 +4696,7 @@
             </a:ln>
             <a:extLst>
               <a:ext uri="{91240B29-F687-4f45-9708-019B960494DF}">
-                <a14:hiddenLine xmlns:a14="http://schemas.microsoft.com/office/drawing/2010/main" xmlns="" w="9525">
+                <a14:hiddenLine xmlns="" xmlns:a14="http://schemas.microsoft.com/office/drawing/2010/main" w="9525">
                   <a:solidFill>
                     <a:srgbClr val="000000"/>
                   </a:solidFill>
@@ -4835,7 +4836,7 @@
           <a:p>
             <a:fld id="{EC4347D3-4C9A-C240-8F14-750059DFEEB0}" type="datetimeFigureOut">
               <a:rPr lang="en-US" smtClean="0"/>
-              <a:t>2/10/26</a:t>
+              <a:t>2/17/26</a:t>
             </a:fld>
             <a:endParaRPr lang="en-US"/>
           </a:p>
@@ -5102,7 +5103,7 @@
           <a:p>
             <a:fld id="{EC4347D3-4C9A-C240-8F14-750059DFEEB0}" type="datetimeFigureOut">
               <a:rPr lang="en-US" smtClean="0"/>
-              <a:t>2/10/26</a:t>
+              <a:t>2/17/26</a:t>
             </a:fld>
             <a:endParaRPr lang="en-US"/>
           </a:p>
@@ -5298,7 +5299,7 @@
           <a:p>
             <a:fld id="{EC4347D3-4C9A-C240-8F14-750059DFEEB0}" type="datetimeFigureOut">
               <a:rPr lang="en-US" smtClean="0"/>
-              <a:t>2/10/26</a:t>
+              <a:t>2/17/26</a:t>
             </a:fld>
             <a:endParaRPr lang="en-US"/>
           </a:p>
@@ -5561,7 +5562,7 @@
           <a:p>
             <a:fld id="{EC4347D3-4C9A-C240-8F14-750059DFEEB0}" type="datetimeFigureOut">
               <a:rPr lang="en-US" smtClean="0"/>
-              <a:t>2/10/26</a:t>
+              <a:t>2/17/26</a:t>
             </a:fld>
             <a:endParaRPr lang="en-US"/>
           </a:p>
@@ -5995,7 +5996,7 @@
           <a:p>
             <a:fld id="{EC4347D3-4C9A-C240-8F14-750059DFEEB0}" type="datetimeFigureOut">
               <a:rPr lang="en-US" smtClean="0"/>
-              <a:t>2/10/26</a:t>
+              <a:t>2/17/26</a:t>
             </a:fld>
             <a:endParaRPr lang="en-US"/>
           </a:p>
@@ -6541,7 +6542,7 @@
           <a:p>
             <a:fld id="{EC4347D3-4C9A-C240-8F14-750059DFEEB0}" type="datetimeFigureOut">
               <a:rPr lang="en-US" smtClean="0"/>
-              <a:t>2/10/26</a:t>
+              <a:t>2/17/26</a:t>
             </a:fld>
             <a:endParaRPr lang="en-US"/>
           </a:p>
@@ -7261,7 +7262,7 @@
           <a:p>
             <a:fld id="{EC4347D3-4C9A-C240-8F14-750059DFEEB0}" type="datetimeFigureOut">
               <a:rPr lang="en-US" smtClean="0"/>
-              <a:t>2/10/26</a:t>
+              <a:t>2/17/26</a:t>
             </a:fld>
             <a:endParaRPr lang="en-US"/>
           </a:p>
@@ -7431,7 +7432,7 @@
           <a:p>
             <a:fld id="{EC4347D3-4C9A-C240-8F14-750059DFEEB0}" type="datetimeFigureOut">
               <a:rPr lang="en-US" smtClean="0"/>
-              <a:t>2/10/26</a:t>
+              <a:t>2/17/26</a:t>
             </a:fld>
             <a:endParaRPr lang="en-US"/>
           </a:p>
@@ -7611,7 +7612,7 @@
           <a:p>
             <a:fld id="{EC4347D3-4C9A-C240-8F14-750059DFEEB0}" type="datetimeFigureOut">
               <a:rPr lang="en-US" smtClean="0"/>
-              <a:t>2/10/26</a:t>
+              <a:t>2/17/26</a:t>
             </a:fld>
             <a:endParaRPr lang="en-US"/>
           </a:p>
@@ -7781,7 +7782,7 @@
           <a:p>
             <a:fld id="{EC4347D3-4C9A-C240-8F14-750059DFEEB0}" type="datetimeFigureOut">
               <a:rPr lang="en-US" smtClean="0"/>
-              <a:t>2/10/26</a:t>
+              <a:t>2/17/26</a:t>
             </a:fld>
             <a:endParaRPr lang="en-US"/>
           </a:p>
@@ -8031,7 +8032,7 @@
           <a:p>
             <a:fld id="{EC4347D3-4C9A-C240-8F14-750059DFEEB0}" type="datetimeFigureOut">
               <a:rPr lang="en-US" smtClean="0"/>
-              <a:t>2/10/26</a:t>
+              <a:t>2/17/26</a:t>
             </a:fld>
             <a:endParaRPr lang="en-US"/>
           </a:p>
@@ -8263,7 +8264,7 @@
           <a:p>
             <a:fld id="{EC4347D3-4C9A-C240-8F14-750059DFEEB0}" type="datetimeFigureOut">
               <a:rPr lang="en-US" smtClean="0"/>
-              <a:t>2/10/26</a:t>
+              <a:t>2/17/26</a:t>
             </a:fld>
             <a:endParaRPr lang="en-US"/>
           </a:p>
@@ -8649,7 +8650,7 @@
           <a:p>
             <a:fld id="{EC4347D3-4C9A-C240-8F14-750059DFEEB0}" type="datetimeFigureOut">
               <a:rPr lang="en-US" smtClean="0"/>
-              <a:t>2/10/26</a:t>
+              <a:t>2/17/26</a:t>
             </a:fld>
             <a:endParaRPr lang="en-US"/>
           </a:p>
@@ -8772,7 +8773,7 @@
           <a:p>
             <a:fld id="{EC4347D3-4C9A-C240-8F14-750059DFEEB0}" type="datetimeFigureOut">
               <a:rPr lang="en-US" smtClean="0"/>
-              <a:t>2/10/26</a:t>
+              <a:t>2/17/26</a:t>
             </a:fld>
             <a:endParaRPr lang="en-US"/>
           </a:p>
@@ -8867,7 +8868,7 @@
           <a:p>
             <a:fld id="{EC4347D3-4C9A-C240-8F14-750059DFEEB0}" type="datetimeFigureOut">
               <a:rPr lang="en-US" smtClean="0"/>
-              <a:t>2/10/26</a:t>
+              <a:t>2/17/26</a:t>
             </a:fld>
             <a:endParaRPr lang="en-US"/>
           </a:p>
@@ -9116,7 +9117,7 @@
           <a:p>
             <a:fld id="{EC4347D3-4C9A-C240-8F14-750059DFEEB0}" type="datetimeFigureOut">
               <a:rPr lang="en-US" smtClean="0"/>
-              <a:t>2/10/26</a:t>
+              <a:t>2/17/26</a:t>
             </a:fld>
             <a:endParaRPr lang="en-US"/>
           </a:p>
@@ -9401,7 +9402,7 @@
           <a:p>
             <a:fld id="{EC4347D3-4C9A-C240-8F14-750059DFEEB0}" type="datetimeFigureOut">
               <a:rPr lang="en-US" smtClean="0"/>
-              <a:t>2/10/26</a:t>
+              <a:t>2/17/26</a:t>
             </a:fld>
             <a:endParaRPr lang="en-US"/>
           </a:p>
@@ -9524,7 +9525,7 @@
           <a:noFill/>
           <a:extLst>
             <a:ext uri="{909E8E84-426E-40dd-AFC4-6F175D3DCCD1}">
-              <a14:hiddenFill xmlns:a14="http://schemas.microsoft.com/office/drawing/2010/main" xmlns="">
+              <a14:hiddenFill xmlns="" xmlns:a14="http://schemas.microsoft.com/office/drawing/2010/main">
                 <a:solidFill>
                   <a:srgbClr val="FFFFFF"/>
                 </a:solidFill>
@@ -9598,7 +9599,7 @@
               </a:ln>
               <a:extLst>
                 <a:ext uri="{91240B29-F687-4f45-9708-019B960494DF}">
-                  <a14:hiddenLine xmlns:a14="http://schemas.microsoft.com/office/drawing/2010/main" xmlns="" w="9525">
+                  <a14:hiddenLine xmlns="" xmlns:a14="http://schemas.microsoft.com/office/drawing/2010/main" w="9525">
                     <a:solidFill>
                       <a:srgbClr val="000000"/>
                     </a:solidFill>
@@ -9688,7 +9689,7 @@
               </a:ln>
               <a:extLst>
                 <a:ext uri="{91240B29-F687-4f45-9708-019B960494DF}">
-                  <a14:hiddenLine xmlns:a14="http://schemas.microsoft.com/office/drawing/2010/main" xmlns="" w="9525">
+                  <a14:hiddenLine xmlns="" xmlns:a14="http://schemas.microsoft.com/office/drawing/2010/main" w="9525">
                     <a:solidFill>
                       <a:srgbClr val="000000"/>
                     </a:solidFill>
@@ -9778,7 +9779,7 @@
               </a:ln>
               <a:extLst>
                 <a:ext uri="{91240B29-F687-4f45-9708-019B960494DF}">
-                  <a14:hiddenLine xmlns:a14="http://schemas.microsoft.com/office/drawing/2010/main" xmlns="" w="9525">
+                  <a14:hiddenLine xmlns="" xmlns:a14="http://schemas.microsoft.com/office/drawing/2010/main" w="9525">
                     <a:solidFill>
                       <a:srgbClr val="000000"/>
                     </a:solidFill>
@@ -9840,7 +9841,7 @@
               </a:ln>
               <a:extLst>
                 <a:ext uri="{91240B29-F687-4f45-9708-019B960494DF}">
-                  <a14:hiddenLine xmlns:a14="http://schemas.microsoft.com/office/drawing/2010/main" xmlns="" w="9525">
+                  <a14:hiddenLine xmlns="" xmlns:a14="http://schemas.microsoft.com/office/drawing/2010/main" w="9525">
                     <a:solidFill>
                       <a:srgbClr val="000000"/>
                     </a:solidFill>
@@ -9930,7 +9931,7 @@
               </a:ln>
               <a:extLst>
                 <a:ext uri="{91240B29-F687-4f45-9708-019B960494DF}">
-                  <a14:hiddenLine xmlns:a14="http://schemas.microsoft.com/office/drawing/2010/main" xmlns="" w="9525">
+                  <a14:hiddenLine xmlns="" xmlns:a14="http://schemas.microsoft.com/office/drawing/2010/main" w="9525">
                     <a:solidFill>
                       <a:srgbClr val="000000"/>
                     </a:solidFill>
@@ -9992,7 +9993,7 @@
               </a:ln>
               <a:extLst>
                 <a:ext uri="{91240B29-F687-4f45-9708-019B960494DF}">
-                  <a14:hiddenLine xmlns:a14="http://schemas.microsoft.com/office/drawing/2010/main" xmlns="" w="9525">
+                  <a14:hiddenLine xmlns="" xmlns:a14="http://schemas.microsoft.com/office/drawing/2010/main" w="9525">
                     <a:solidFill>
                       <a:srgbClr val="000000"/>
                     </a:solidFill>
@@ -10054,7 +10055,7 @@
               </a:ln>
               <a:extLst>
                 <a:ext uri="{91240B29-F687-4f45-9708-019B960494DF}">
-                  <a14:hiddenLine xmlns:a14="http://schemas.microsoft.com/office/drawing/2010/main" xmlns="" w="9525">
+                  <a14:hiddenLine xmlns="" xmlns:a14="http://schemas.microsoft.com/office/drawing/2010/main" w="9525">
                     <a:solidFill>
                       <a:srgbClr val="000000"/>
                     </a:solidFill>
@@ -10144,7 +10145,7 @@
               </a:ln>
               <a:extLst>
                 <a:ext uri="{91240B29-F687-4f45-9708-019B960494DF}">
-                  <a14:hiddenLine xmlns:a14="http://schemas.microsoft.com/office/drawing/2010/main" xmlns="" w="9525">
+                  <a14:hiddenLine xmlns="" xmlns:a14="http://schemas.microsoft.com/office/drawing/2010/main" w="9525">
                     <a:solidFill>
                       <a:srgbClr val="000000"/>
                     </a:solidFill>
@@ -10234,7 +10235,7 @@
               </a:ln>
               <a:extLst>
                 <a:ext uri="{91240B29-F687-4f45-9708-019B960494DF}">
-                  <a14:hiddenLine xmlns:a14="http://schemas.microsoft.com/office/drawing/2010/main" xmlns="" w="9525">
+                  <a14:hiddenLine xmlns="" xmlns:a14="http://schemas.microsoft.com/office/drawing/2010/main" w="9525">
                     <a:solidFill>
                       <a:srgbClr val="000000"/>
                     </a:solidFill>
@@ -10296,7 +10297,7 @@
               </a:ln>
               <a:extLst>
                 <a:ext uri="{91240B29-F687-4f45-9708-019B960494DF}">
-                  <a14:hiddenLine xmlns:a14="http://schemas.microsoft.com/office/drawing/2010/main" xmlns="" w="9525">
+                  <a14:hiddenLine xmlns="" xmlns:a14="http://schemas.microsoft.com/office/drawing/2010/main" w="9525">
                     <a:solidFill>
                       <a:srgbClr val="000000"/>
                     </a:solidFill>
@@ -10406,7 +10407,7 @@
               </a:ln>
               <a:extLst>
                 <a:ext uri="{91240B29-F687-4f45-9708-019B960494DF}">
-                  <a14:hiddenLine xmlns:a14="http://schemas.microsoft.com/office/drawing/2010/main" xmlns="" w="9525">
+                  <a14:hiddenLine xmlns="" xmlns:a14="http://schemas.microsoft.com/office/drawing/2010/main" w="9525">
                     <a:solidFill>
                       <a:srgbClr val="000000"/>
                     </a:solidFill>
@@ -10490,7 +10491,7 @@
               </a:ln>
               <a:extLst>
                 <a:ext uri="{91240B29-F687-4f45-9708-019B960494DF}">
-                  <a14:hiddenLine xmlns:a14="http://schemas.microsoft.com/office/drawing/2010/main" xmlns="" w="9525">
+                  <a14:hiddenLine xmlns="" xmlns:a14="http://schemas.microsoft.com/office/drawing/2010/main" w="9525">
                     <a:solidFill>
                       <a:srgbClr val="000000"/>
                     </a:solidFill>
@@ -10552,7 +10553,7 @@
               </a:ln>
               <a:extLst>
                 <a:ext uri="{91240B29-F687-4f45-9708-019B960494DF}">
-                  <a14:hiddenLine xmlns:a14="http://schemas.microsoft.com/office/drawing/2010/main" xmlns="" w="9525">
+                  <a14:hiddenLine xmlns="" xmlns:a14="http://schemas.microsoft.com/office/drawing/2010/main" w="9525">
                     <a:solidFill>
                       <a:srgbClr val="000000"/>
                     </a:solidFill>
@@ -10614,7 +10615,7 @@
               </a:ln>
               <a:extLst>
                 <a:ext uri="{91240B29-F687-4f45-9708-019B960494DF}">
-                  <a14:hiddenLine xmlns:a14="http://schemas.microsoft.com/office/drawing/2010/main" xmlns="" w="9525">
+                  <a14:hiddenLine xmlns="" xmlns:a14="http://schemas.microsoft.com/office/drawing/2010/main" w="9525">
                     <a:solidFill>
                       <a:srgbClr val="000000"/>
                     </a:solidFill>
@@ -10704,7 +10705,7 @@
               </a:ln>
               <a:extLst>
                 <a:ext uri="{91240B29-F687-4f45-9708-019B960494DF}">
-                  <a14:hiddenLine xmlns:a14="http://schemas.microsoft.com/office/drawing/2010/main" xmlns="" w="9525">
+                  <a14:hiddenLine xmlns="" xmlns:a14="http://schemas.microsoft.com/office/drawing/2010/main" w="9525">
                     <a:solidFill>
                       <a:srgbClr val="000000"/>
                     </a:solidFill>
@@ -10738,7 +10739,7 @@
               </a:ln>
               <a:extLst>
                 <a:ext uri="{91240B29-F687-4f45-9708-019B960494DF}">
-                  <a14:hiddenLine xmlns:a14="http://schemas.microsoft.com/office/drawing/2010/main" xmlns="" w="9525">
+                  <a14:hiddenLine xmlns="" xmlns:a14="http://schemas.microsoft.com/office/drawing/2010/main" w="9525">
                     <a:solidFill>
                       <a:srgbClr val="000000"/>
                     </a:solidFill>
@@ -10803,7 +10804,7 @@
               </a:ln>
               <a:extLst>
                 <a:ext uri="{91240B29-F687-4f45-9708-019B960494DF}">
-                  <a14:hiddenLine xmlns:a14="http://schemas.microsoft.com/office/drawing/2010/main" xmlns="" w="9525">
+                  <a14:hiddenLine xmlns="" xmlns:a14="http://schemas.microsoft.com/office/drawing/2010/main" w="9525">
                     <a:solidFill>
                       <a:srgbClr val="000000"/>
                     </a:solidFill>
@@ -10893,7 +10894,7 @@
               </a:ln>
               <a:extLst>
                 <a:ext uri="{91240B29-F687-4f45-9708-019B960494DF}">
-                  <a14:hiddenLine xmlns:a14="http://schemas.microsoft.com/office/drawing/2010/main" xmlns="" w="9525">
+                  <a14:hiddenLine xmlns="" xmlns:a14="http://schemas.microsoft.com/office/drawing/2010/main" w="9525">
                     <a:solidFill>
                       <a:srgbClr val="000000"/>
                     </a:solidFill>
@@ -10955,7 +10956,7 @@
               </a:ln>
               <a:extLst>
                 <a:ext uri="{91240B29-F687-4f45-9708-019B960494DF}">
-                  <a14:hiddenLine xmlns:a14="http://schemas.microsoft.com/office/drawing/2010/main" xmlns="" w="9525">
+                  <a14:hiddenLine xmlns="" xmlns:a14="http://schemas.microsoft.com/office/drawing/2010/main" w="9525">
                     <a:solidFill>
                       <a:srgbClr val="000000"/>
                     </a:solidFill>
@@ -11045,7 +11046,7 @@
               </a:ln>
               <a:extLst>
                 <a:ext uri="{91240B29-F687-4f45-9708-019B960494DF}">
-                  <a14:hiddenLine xmlns:a14="http://schemas.microsoft.com/office/drawing/2010/main" xmlns="" w="9525">
+                  <a14:hiddenLine xmlns="" xmlns:a14="http://schemas.microsoft.com/office/drawing/2010/main" w="9525">
                     <a:solidFill>
                       <a:srgbClr val="000000"/>
                     </a:solidFill>
@@ -11110,7 +11111,7 @@
               </a:ln>
               <a:extLst>
                 <a:ext uri="{91240B29-F687-4f45-9708-019B960494DF}">
-                  <a14:hiddenLine xmlns:a14="http://schemas.microsoft.com/office/drawing/2010/main" xmlns="" w="9525">
+                  <a14:hiddenLine xmlns="" xmlns:a14="http://schemas.microsoft.com/office/drawing/2010/main" w="9525">
                     <a:solidFill>
                       <a:srgbClr val="000000"/>
                     </a:solidFill>
@@ -11172,7 +11173,7 @@
               </a:ln>
               <a:extLst>
                 <a:ext uri="{91240B29-F687-4f45-9708-019B960494DF}">
-                  <a14:hiddenLine xmlns:a14="http://schemas.microsoft.com/office/drawing/2010/main" xmlns="" w="9525">
+                  <a14:hiddenLine xmlns="" xmlns:a14="http://schemas.microsoft.com/office/drawing/2010/main" w="9525">
                     <a:solidFill>
                       <a:srgbClr val="000000"/>
                     </a:solidFill>
@@ -11262,7 +11263,7 @@
               </a:ln>
               <a:extLst>
                 <a:ext uri="{91240B29-F687-4f45-9708-019B960494DF}">
-                  <a14:hiddenLine xmlns:a14="http://schemas.microsoft.com/office/drawing/2010/main" xmlns="" w="9525">
+                  <a14:hiddenLine xmlns="" xmlns:a14="http://schemas.microsoft.com/office/drawing/2010/main" w="9525">
                     <a:solidFill>
                       <a:srgbClr val="000000"/>
                     </a:solidFill>
@@ -11352,7 +11353,7 @@
               </a:ln>
               <a:extLst>
                 <a:ext uri="{91240B29-F687-4f45-9708-019B960494DF}">
-                  <a14:hiddenLine xmlns:a14="http://schemas.microsoft.com/office/drawing/2010/main" xmlns="" w="9525">
+                  <a14:hiddenLine xmlns="" xmlns:a14="http://schemas.microsoft.com/office/drawing/2010/main" w="9525">
                     <a:solidFill>
                       <a:srgbClr val="000000"/>
                     </a:solidFill>
@@ -11417,7 +11418,7 @@
               </a:ln>
               <a:extLst>
                 <a:ext uri="{91240B29-F687-4f45-9708-019B960494DF}">
-                  <a14:hiddenLine xmlns:a14="http://schemas.microsoft.com/office/drawing/2010/main" xmlns="" w="9525">
+                  <a14:hiddenLine xmlns="" xmlns:a14="http://schemas.microsoft.com/office/drawing/2010/main" w="9525">
                     <a:solidFill>
                       <a:srgbClr val="000000"/>
                     </a:solidFill>
@@ -11537,7 +11538,7 @@
               </a:ln>
               <a:extLst>
                 <a:ext uri="{91240B29-F687-4f45-9708-019B960494DF}">
-                  <a14:hiddenLine xmlns:a14="http://schemas.microsoft.com/office/drawing/2010/main" xmlns="" w="9525">
+                  <a14:hiddenLine xmlns="" xmlns:a14="http://schemas.microsoft.com/office/drawing/2010/main" w="9525">
                     <a:solidFill>
                       <a:srgbClr val="000000"/>
                     </a:solidFill>
@@ -11618,7 +11619,7 @@
               </a:ln>
               <a:extLst>
                 <a:ext uri="{91240B29-F687-4f45-9708-019B960494DF}">
-                  <a14:hiddenLine xmlns:a14="http://schemas.microsoft.com/office/drawing/2010/main" xmlns="" w="9525">
+                  <a14:hiddenLine xmlns="" xmlns:a14="http://schemas.microsoft.com/office/drawing/2010/main" w="9525">
                     <a:solidFill>
                       <a:srgbClr val="000000"/>
                     </a:solidFill>
@@ -11733,7 +11734,7 @@
               </a:ln>
               <a:extLst>
                 <a:ext uri="{91240B29-F687-4f45-9708-019B960494DF}">
-                  <a14:hiddenLine xmlns:a14="http://schemas.microsoft.com/office/drawing/2010/main" xmlns="" w="9525">
+                  <a14:hiddenLine xmlns="" xmlns:a14="http://schemas.microsoft.com/office/drawing/2010/main" w="9525">
                     <a:solidFill>
                       <a:srgbClr val="000000"/>
                     </a:solidFill>
@@ -11823,7 +11824,7 @@
               </a:ln>
               <a:extLst>
                 <a:ext uri="{91240B29-F687-4f45-9708-019B960494DF}">
-                  <a14:hiddenLine xmlns:a14="http://schemas.microsoft.com/office/drawing/2010/main" xmlns="" w="9525">
+                  <a14:hiddenLine xmlns="" xmlns:a14="http://schemas.microsoft.com/office/drawing/2010/main" w="9525">
                     <a:solidFill>
                       <a:srgbClr val="000000"/>
                     </a:solidFill>
@@ -11888,7 +11889,7 @@
               </a:ln>
               <a:extLst>
                 <a:ext uri="{91240B29-F687-4f45-9708-019B960494DF}">
-                  <a14:hiddenLine xmlns:a14="http://schemas.microsoft.com/office/drawing/2010/main" xmlns="" w="9525">
+                  <a14:hiddenLine xmlns="" xmlns:a14="http://schemas.microsoft.com/office/drawing/2010/main" w="9525">
                     <a:solidFill>
                       <a:srgbClr val="000000"/>
                     </a:solidFill>
@@ -11978,7 +11979,7 @@
               </a:ln>
               <a:extLst>
                 <a:ext uri="{91240B29-F687-4f45-9708-019B960494DF}">
-                  <a14:hiddenLine xmlns:a14="http://schemas.microsoft.com/office/drawing/2010/main" xmlns="" w="9525">
+                  <a14:hiddenLine xmlns="" xmlns:a14="http://schemas.microsoft.com/office/drawing/2010/main" w="9525">
                     <a:solidFill>
                       <a:srgbClr val="000000"/>
                     </a:solidFill>
@@ -12046,7 +12047,7 @@
               </a:ln>
               <a:extLst>
                 <a:ext uri="{91240B29-F687-4f45-9708-019B960494DF}">
-                  <a14:hiddenLine xmlns:a14="http://schemas.microsoft.com/office/drawing/2010/main" xmlns="" w="9525">
+                  <a14:hiddenLine xmlns="" xmlns:a14="http://schemas.microsoft.com/office/drawing/2010/main" w="9525">
                     <a:solidFill>
                       <a:srgbClr val="000000"/>
                     </a:solidFill>
@@ -12136,7 +12137,7 @@
               </a:ln>
               <a:extLst>
                 <a:ext uri="{91240B29-F687-4f45-9708-019B960494DF}">
-                  <a14:hiddenLine xmlns:a14="http://schemas.microsoft.com/office/drawing/2010/main" xmlns="" w="9525">
+                  <a14:hiddenLine xmlns="" xmlns:a14="http://schemas.microsoft.com/office/drawing/2010/main" w="9525">
                     <a:solidFill>
                       <a:srgbClr val="000000"/>
                     </a:solidFill>
@@ -12204,7 +12205,7 @@
               </a:ln>
               <a:extLst>
                 <a:ext uri="{91240B29-F687-4f45-9708-019B960494DF}">
-                  <a14:hiddenLine xmlns:a14="http://schemas.microsoft.com/office/drawing/2010/main" xmlns="" w="9525">
+                  <a14:hiddenLine xmlns="" xmlns:a14="http://schemas.microsoft.com/office/drawing/2010/main" w="9525">
                     <a:solidFill>
                       <a:srgbClr val="000000"/>
                     </a:solidFill>
@@ -12294,7 +12295,7 @@
               </a:ln>
               <a:extLst>
                 <a:ext uri="{91240B29-F687-4f45-9708-019B960494DF}">
-                  <a14:hiddenLine xmlns:a14="http://schemas.microsoft.com/office/drawing/2010/main" xmlns="" w="9525">
+                  <a14:hiddenLine xmlns="" xmlns:a14="http://schemas.microsoft.com/office/drawing/2010/main" w="9525">
                     <a:solidFill>
                       <a:srgbClr val="000000"/>
                     </a:solidFill>
@@ -12328,7 +12329,7 @@
               </a:ln>
               <a:extLst>
                 <a:ext uri="{91240B29-F687-4f45-9708-019B960494DF}">
-                  <a14:hiddenLine xmlns:a14="http://schemas.microsoft.com/office/drawing/2010/main" xmlns="" w="9525">
+                  <a14:hiddenLine xmlns="" xmlns:a14="http://schemas.microsoft.com/office/drawing/2010/main" w="9525">
                     <a:solidFill>
                       <a:srgbClr val="000000"/>
                     </a:solidFill>
@@ -12468,7 +12469,7 @@
           <a:p>
             <a:fld id="{EC4347D3-4C9A-C240-8F14-750059DFEEB0}" type="datetimeFigureOut">
               <a:rPr lang="en-US" smtClean="0"/>
-              <a:t>2/10/26</a:t>
+              <a:t>2/17/26</a:t>
             </a:fld>
             <a:endParaRPr lang="en-US"/>
           </a:p>
@@ -13802,6 +13803,186 @@
 </p:sld>
 </file>
 
+<file path=ppt/slides/slide7.xml><?xml version="1.0" encoding="utf-8"?>
+<p:sld xmlns:a="http://schemas.openxmlformats.org/drawingml/2006/main" xmlns:r="http://schemas.openxmlformats.org/officeDocument/2006/relationships" xmlns:p="http://schemas.openxmlformats.org/presentationml/2006/main">
+  <p:cSld>
+    <p:spTree>
+      <p:nvGrpSpPr>
+        <p:cNvPr id="1" name="">
+          <a:extLst>
+            <a:ext uri="{FF2B5EF4-FFF2-40B4-BE49-F238E27FC236}">
+              <a16:creationId xmlns:a16="http://schemas.microsoft.com/office/drawing/2014/main" id="{8B1FC905-FA82-21FF-D77D-EC770B7DC9AC}"/>
+            </a:ext>
+          </a:extLst>
+        </p:cNvPr>
+        <p:cNvGrpSpPr/>
+        <p:nvPr/>
+      </p:nvGrpSpPr>
+      <p:grpSpPr>
+        <a:xfrm>
+          <a:off x="0" y="0"/>
+          <a:ext cx="0" cy="0"/>
+          <a:chOff x="0" y="0"/>
+          <a:chExt cx="0" cy="0"/>
+        </a:xfrm>
+      </p:grpSpPr>
+      <p:sp>
+        <p:nvSpPr>
+          <p:cNvPr id="6146" name="Rectangle 2">
+            <a:extLst>
+              <a:ext uri="{FF2B5EF4-FFF2-40B4-BE49-F238E27FC236}">
+                <a16:creationId xmlns:a16="http://schemas.microsoft.com/office/drawing/2014/main" id="{4CF69A73-D90B-5CBB-3998-AB1459301106}"/>
+              </a:ext>
+            </a:extLst>
+          </p:cNvPr>
+          <p:cNvSpPr>
+            <a:spLocks noGrp="1" noChangeArrowheads="1"/>
+          </p:cNvSpPr>
+          <p:nvPr>
+            <p:ph type="title"/>
+            <p:custDataLst>
+              <p:tags r:id="rId1"/>
+            </p:custDataLst>
+          </p:nvPr>
+        </p:nvSpPr>
+        <p:spPr>
+          <a:xfrm>
+            <a:off x="1141413" y="284084"/>
+            <a:ext cx="9905998" cy="620791"/>
+          </a:xfrm>
+        </p:spPr>
+        <p:txBody>
+          <a:bodyPr/>
+          <a:lstStyle/>
+          <a:p>
+            <a:pPr algn="ctr"/>
+            <a:r>
+              <a:rPr lang="en-US" dirty="0"/>
+              <a:t>Lecture 7: 2/17/26</a:t>
+            </a:r>
+          </a:p>
+        </p:txBody>
+      </p:sp>
+      <p:sp>
+        <p:nvSpPr>
+          <p:cNvPr id="6147" name="Rectangle 3">
+            <a:extLst>
+              <a:ext uri="{FF2B5EF4-FFF2-40B4-BE49-F238E27FC236}">
+                <a16:creationId xmlns:a16="http://schemas.microsoft.com/office/drawing/2014/main" id="{48D2C36A-635F-C4B0-868D-4A4B0FE90CBD}"/>
+              </a:ext>
+            </a:extLst>
+          </p:cNvPr>
+          <p:cNvSpPr>
+            <a:spLocks noGrp="1" noChangeArrowheads="1"/>
+          </p:cNvSpPr>
+          <p:nvPr>
+            <p:ph idx="1"/>
+            <p:custDataLst>
+              <p:tags r:id="rId2"/>
+            </p:custDataLst>
+          </p:nvPr>
+        </p:nvSpPr>
+        <p:spPr>
+          <a:xfrm>
+            <a:off x="1021404" y="1123950"/>
+            <a:ext cx="10204315" cy="5149850"/>
+          </a:xfrm>
+        </p:spPr>
+        <p:txBody>
+          <a:bodyPr>
+            <a:normAutofit fontScale="92500" lnSpcReduction="20000"/>
+          </a:bodyPr>
+          <a:lstStyle/>
+          <a:p>
+            <a:r>
+              <a:rPr lang="en-US" dirty="0"/>
+              <a:t>Attendance checks will start more regularly now</a:t>
+            </a:r>
+          </a:p>
+          <a:p>
+            <a:r>
+              <a:rPr lang="en-US" dirty="0"/>
+              <a:t>Third homework (Segment Trees) is due tonight </a:t>
+            </a:r>
+          </a:p>
+          <a:p>
+            <a:pPr lvl="1"/>
+            <a:r>
+              <a:rPr lang="en-US" dirty="0"/>
+              <a:t>As always, extension for up to 5 days if necessary. No extension past that.</a:t>
+            </a:r>
+          </a:p>
+          <a:p>
+            <a:r>
+              <a:rPr lang="en-US" dirty="0"/>
+              <a:t>We have another lab day this Thursday (sorry for having two in a row)</a:t>
+            </a:r>
+          </a:p>
+          <a:p>
+            <a:pPr lvl="1"/>
+            <a:r>
+              <a:rPr lang="en-US" dirty="0"/>
+              <a:t>I’m away at a conference on Thursday but the TAs will be here to assist.</a:t>
+            </a:r>
+          </a:p>
+          <a:p>
+            <a:r>
+              <a:rPr lang="en-US" dirty="0"/>
+              <a:t>Next week we will have a normal two-lecture week and will start the next section on Computational Geometry</a:t>
+            </a:r>
+          </a:p>
+          <a:p>
+            <a:r>
+              <a:rPr lang="en-US" dirty="0"/>
+              <a:t>Spring break is the week after that! Several things happen after that:</a:t>
+            </a:r>
+          </a:p>
+          <a:p>
+            <a:pPr lvl="1"/>
+            <a:r>
+              <a:rPr lang="en-US" dirty="0"/>
+              <a:t>Quizzes start to happen. First one is the week after Spring break. Only two </a:t>
+            </a:r>
+            <a:r>
+              <a:rPr lang="en-US" dirty="0" err="1"/>
+              <a:t>homeworks</a:t>
+            </a:r>
+            <a:r>
+              <a:rPr lang="en-US" dirty="0"/>
+              <a:t> after spring break, class gets more quiz focused.</a:t>
+            </a:r>
+          </a:p>
+          <a:p>
+            <a:pPr lvl="1"/>
+            <a:r>
+              <a:rPr lang="en-US" dirty="0"/>
+              <a:t>Final project details will be finalized and you will sign up for groups for that after break.</a:t>
+            </a:r>
+          </a:p>
+          <a:p>
+            <a:r>
+              <a:rPr lang="en-US" dirty="0"/>
+              <a:t>Today we will finish discussing linear programming.</a:t>
+            </a:r>
+          </a:p>
+          <a:p>
+            <a:endParaRPr lang="en-US" dirty="0"/>
+          </a:p>
+        </p:txBody>
+      </p:sp>
+    </p:spTree>
+    <p:extLst>
+      <p:ext uri="{BB962C8B-B14F-4D97-AF65-F5344CB8AC3E}">
+        <p14:creationId xmlns:p14="http://schemas.microsoft.com/office/powerpoint/2010/main" val="2665277534"/>
+      </p:ext>
+    </p:extLst>
+  </p:cSld>
+  <p:clrMapOvr>
+    <a:masterClrMapping/>
+  </p:clrMapOvr>
+</p:sld>
+</file>
+
 <file path=ppt/tags/tag1.xml><?xml version="1.0" encoding="utf-8"?>
 <p:tagLst xmlns:a="http://schemas.openxmlformats.org/drawingml/2006/main" xmlns:r="http://schemas.openxmlformats.org/officeDocument/2006/relationships" xmlns:p="http://schemas.openxmlformats.org/presentationml/2006/main">
   <p:tag name="_INSTRUCTOR VIEW19C14C36-AC8E-43BC-9DB6-C2AAF774C7DC|PANE__TAG" val="_"/>
@@ -13809,6 +13990,18 @@
 </file>
 
 <file path=ppt/tags/tag10.xml><?xml version="1.0" encoding="utf-8"?>
+<p:tagLst xmlns:a="http://schemas.openxmlformats.org/drawingml/2006/main" xmlns:r="http://schemas.openxmlformats.org/officeDocument/2006/relationships" xmlns:p="http://schemas.openxmlformats.org/presentationml/2006/main">
+  <p:tag name="_INSTRUCTOR VIEW19C14C36-AC8E-43BC-9DB6-C2AAF774C7DC|PANE__TAG" val="_"/>
+</p:tagLst>
+</file>
+
+<file path=ppt/tags/tag11.xml><?xml version="1.0" encoding="utf-8"?>
+<p:tagLst xmlns:a="http://schemas.openxmlformats.org/drawingml/2006/main" xmlns:r="http://schemas.openxmlformats.org/officeDocument/2006/relationships" xmlns:p="http://schemas.openxmlformats.org/presentationml/2006/main">
+  <p:tag name="_INSTRUCTOR VIEW19C14C36-AC8E-43BC-9DB6-C2AAF774C7DC|PANE__TAG" val="_"/>
+</p:tagLst>
+</file>
+
+<file path=ppt/tags/tag12.xml><?xml version="1.0" encoding="utf-8"?>
 <p:tagLst xmlns:a="http://schemas.openxmlformats.org/drawingml/2006/main" xmlns:r="http://schemas.openxmlformats.org/officeDocument/2006/relationships" xmlns:p="http://schemas.openxmlformats.org/presentationml/2006/main">
   <p:tag name="_INSTRUCTOR VIEW19C14C36-AC8E-43BC-9DB6-C2AAF774C7DC|PANE__TAG" val="_"/>
 </p:tagLst>

--- a/slides/00-DailyAnnouncements.pptx
+++ b/slides/00-DailyAnnouncements.pptx
@@ -5,7 +5,7 @@
     <p:sldMasterId id="2147484006" r:id="rId1"/>
   </p:sldMasterIdLst>
   <p:notesMasterIdLst>
-    <p:notesMasterId r:id="rId9"/>
+    <p:notesMasterId r:id="rId10"/>
   </p:notesMasterIdLst>
   <p:sldIdLst>
     <p:sldId id="256" r:id="rId2"/>
@@ -15,6 +15,7 @@
     <p:sldId id="508" r:id="rId6"/>
     <p:sldId id="509" r:id="rId7"/>
     <p:sldId id="510" r:id="rId8"/>
+    <p:sldId id="511" r:id="rId9"/>
   </p:sldIdLst>
   <p:sldSz cx="12192000" cy="6858000"/>
   <p:notesSz cx="6858000" cy="9144000"/>
@@ -203,7 +204,7 @@
           <a:p>
             <a:fld id="{C5B45307-6ED4-B142-BD64-10F739779302}" type="datetimeFigureOut">
               <a:rPr lang="en-US" smtClean="0"/>
-              <a:t>2/17/26</a:t>
+              <a:t>2/24/26</a:t>
             </a:fld>
             <a:endParaRPr lang="en-US"/>
           </a:p>
@@ -611,7 +612,7 @@
           <a:noFill/>
           <a:extLst>
             <a:ext uri="{909E8E84-426E-40dd-AFC4-6F175D3DCCD1}">
-              <a14:hiddenFill xmlns="" xmlns:a14="http://schemas.microsoft.com/office/drawing/2010/main">
+              <a14:hiddenFill xmlns:a14="http://schemas.microsoft.com/office/drawing/2010/main" xmlns="">
                 <a:solidFill>
                   <a:srgbClr val="FFFFFF"/>
                 </a:solidFill>
@@ -670,7 +671,7 @@
             </a:ln>
             <a:extLst>
               <a:ext uri="{91240B29-F687-4f45-9708-019B960494DF}">
-                <a14:hiddenLine xmlns="" xmlns:a14="http://schemas.microsoft.com/office/drawing/2010/main" w="9525">
+                <a14:hiddenLine xmlns:a14="http://schemas.microsoft.com/office/drawing/2010/main" xmlns="" w="9525">
                   <a:solidFill>
                     <a:srgbClr val="000000"/>
                   </a:solidFill>
@@ -760,7 +761,7 @@
             </a:ln>
             <a:extLst>
               <a:ext uri="{91240B29-F687-4f45-9708-019B960494DF}">
-                <a14:hiddenLine xmlns="" xmlns:a14="http://schemas.microsoft.com/office/drawing/2010/main" w="9525">
+                <a14:hiddenLine xmlns:a14="http://schemas.microsoft.com/office/drawing/2010/main" xmlns="" w="9525">
                   <a:solidFill>
                     <a:srgbClr val="000000"/>
                   </a:solidFill>
@@ -850,7 +851,7 @@
             </a:ln>
             <a:extLst>
               <a:ext uri="{91240B29-F687-4f45-9708-019B960494DF}">
-                <a14:hiddenLine xmlns="" xmlns:a14="http://schemas.microsoft.com/office/drawing/2010/main" w="9525">
+                <a14:hiddenLine xmlns:a14="http://schemas.microsoft.com/office/drawing/2010/main" xmlns="" w="9525">
                   <a:solidFill>
                     <a:srgbClr val="000000"/>
                   </a:solidFill>
@@ -884,7 +885,7 @@
             </a:ln>
             <a:extLst>
               <a:ext uri="{91240B29-F687-4f45-9708-019B960494DF}">
-                <a14:hiddenLine xmlns="" xmlns:a14="http://schemas.microsoft.com/office/drawing/2010/main" w="9525">
+                <a14:hiddenLine xmlns:a14="http://schemas.microsoft.com/office/drawing/2010/main" xmlns="" w="9525">
                   <a:solidFill>
                     <a:srgbClr val="000000"/>
                   </a:solidFill>
@@ -974,7 +975,7 @@
             </a:ln>
             <a:extLst>
               <a:ext uri="{91240B29-F687-4f45-9708-019B960494DF}">
-                <a14:hiddenLine xmlns="" xmlns:a14="http://schemas.microsoft.com/office/drawing/2010/main" w="9525">
+                <a14:hiddenLine xmlns:a14="http://schemas.microsoft.com/office/drawing/2010/main" xmlns="" w="9525">
                   <a:solidFill>
                     <a:srgbClr val="000000"/>
                   </a:solidFill>
@@ -1036,7 +1037,7 @@
             </a:ln>
             <a:extLst>
               <a:ext uri="{91240B29-F687-4f45-9708-019B960494DF}">
-                <a14:hiddenLine xmlns="" xmlns:a14="http://schemas.microsoft.com/office/drawing/2010/main" w="9525">
+                <a14:hiddenLine xmlns:a14="http://schemas.microsoft.com/office/drawing/2010/main" xmlns="" w="9525">
                   <a:solidFill>
                     <a:srgbClr val="000000"/>
                   </a:solidFill>
@@ -1098,7 +1099,7 @@
             </a:ln>
             <a:extLst>
               <a:ext uri="{91240B29-F687-4f45-9708-019B960494DF}">
-                <a14:hiddenLine xmlns="" xmlns:a14="http://schemas.microsoft.com/office/drawing/2010/main" w="9525">
+                <a14:hiddenLine xmlns:a14="http://schemas.microsoft.com/office/drawing/2010/main" xmlns="" w="9525">
                   <a:solidFill>
                     <a:srgbClr val="000000"/>
                   </a:solidFill>
@@ -1188,7 +1189,7 @@
             </a:ln>
             <a:extLst>
               <a:ext uri="{91240B29-F687-4f45-9708-019B960494DF}">
-                <a14:hiddenLine xmlns="" xmlns:a14="http://schemas.microsoft.com/office/drawing/2010/main" w="9525">
+                <a14:hiddenLine xmlns:a14="http://schemas.microsoft.com/office/drawing/2010/main" xmlns="" w="9525">
                   <a:solidFill>
                     <a:srgbClr val="000000"/>
                   </a:solidFill>
@@ -1250,7 +1251,7 @@
             </a:ln>
             <a:extLst>
               <a:ext uri="{91240B29-F687-4f45-9708-019B960494DF}">
-                <a14:hiddenLine xmlns="" xmlns:a14="http://schemas.microsoft.com/office/drawing/2010/main" w="9525">
+                <a14:hiddenLine xmlns:a14="http://schemas.microsoft.com/office/drawing/2010/main" xmlns="" w="9525">
                   <a:solidFill>
                     <a:srgbClr val="000000"/>
                   </a:solidFill>
@@ -1312,7 +1313,7 @@
             </a:ln>
             <a:extLst>
               <a:ext uri="{91240B29-F687-4f45-9708-019B960494DF}">
-                <a14:hiddenLine xmlns="" xmlns:a14="http://schemas.microsoft.com/office/drawing/2010/main" w="9525">
+                <a14:hiddenLine xmlns:a14="http://schemas.microsoft.com/office/drawing/2010/main" xmlns="" w="9525">
                   <a:solidFill>
                     <a:srgbClr val="000000"/>
                   </a:solidFill>
@@ -1402,7 +1403,7 @@
             </a:ln>
             <a:extLst>
               <a:ext uri="{91240B29-F687-4f45-9708-019B960494DF}">
-                <a14:hiddenLine xmlns="" xmlns:a14="http://schemas.microsoft.com/office/drawing/2010/main" w="9525">
+                <a14:hiddenLine xmlns:a14="http://schemas.microsoft.com/office/drawing/2010/main" xmlns="" w="9525">
                   <a:solidFill>
                     <a:srgbClr val="000000"/>
                   </a:solidFill>
@@ -1492,7 +1493,7 @@
             </a:ln>
             <a:extLst>
               <a:ext uri="{91240B29-F687-4f45-9708-019B960494DF}">
-                <a14:hiddenLine xmlns="" xmlns:a14="http://schemas.microsoft.com/office/drawing/2010/main" w="9525">
+                <a14:hiddenLine xmlns:a14="http://schemas.microsoft.com/office/drawing/2010/main" xmlns="" w="9525">
                   <a:solidFill>
                     <a:srgbClr val="000000"/>
                   </a:solidFill>
@@ -1554,7 +1555,7 @@
             </a:ln>
             <a:extLst>
               <a:ext uri="{91240B29-F687-4f45-9708-019B960494DF}">
-                <a14:hiddenLine xmlns="" xmlns:a14="http://schemas.microsoft.com/office/drawing/2010/main" w="9525">
+                <a14:hiddenLine xmlns:a14="http://schemas.microsoft.com/office/drawing/2010/main" xmlns="" w="9525">
                   <a:solidFill>
                     <a:srgbClr val="000000"/>
                   </a:solidFill>
@@ -1664,7 +1665,7 @@
             </a:ln>
             <a:extLst>
               <a:ext uri="{91240B29-F687-4f45-9708-019B960494DF}">
-                <a14:hiddenLine xmlns="" xmlns:a14="http://schemas.microsoft.com/office/drawing/2010/main" w="9525">
+                <a14:hiddenLine xmlns:a14="http://schemas.microsoft.com/office/drawing/2010/main" xmlns="" w="9525">
                   <a:solidFill>
                     <a:srgbClr val="000000"/>
                   </a:solidFill>
@@ -1726,7 +1727,7 @@
             </a:ln>
             <a:extLst>
               <a:ext uri="{91240B29-F687-4f45-9708-019B960494DF}">
-                <a14:hiddenLine xmlns="" xmlns:a14="http://schemas.microsoft.com/office/drawing/2010/main" w="9525">
+                <a14:hiddenLine xmlns:a14="http://schemas.microsoft.com/office/drawing/2010/main" xmlns="" w="9525">
                   <a:solidFill>
                     <a:srgbClr val="000000"/>
                   </a:solidFill>
@@ -1816,7 +1817,7 @@
             </a:ln>
             <a:extLst>
               <a:ext uri="{91240B29-F687-4f45-9708-019B960494DF}">
-                <a14:hiddenLine xmlns="" xmlns:a14="http://schemas.microsoft.com/office/drawing/2010/main" w="9525">
+                <a14:hiddenLine xmlns:a14="http://schemas.microsoft.com/office/drawing/2010/main" xmlns="" w="9525">
                   <a:solidFill>
                     <a:srgbClr val="000000"/>
                   </a:solidFill>
@@ -1906,7 +1907,7 @@
             </a:ln>
             <a:extLst>
               <a:ext uri="{91240B29-F687-4f45-9708-019B960494DF}">
-                <a14:hiddenLine xmlns="" xmlns:a14="http://schemas.microsoft.com/office/drawing/2010/main" w="9525">
+                <a14:hiddenLine xmlns:a14="http://schemas.microsoft.com/office/drawing/2010/main" xmlns="" w="9525">
                   <a:solidFill>
                     <a:srgbClr val="000000"/>
                   </a:solidFill>
@@ -1968,7 +1969,7 @@
             </a:ln>
             <a:extLst>
               <a:ext uri="{91240B29-F687-4f45-9708-019B960494DF}">
-                <a14:hiddenLine xmlns="" xmlns:a14="http://schemas.microsoft.com/office/drawing/2010/main" w="9525">
+                <a14:hiddenLine xmlns:a14="http://schemas.microsoft.com/office/drawing/2010/main" xmlns="" w="9525">
                   <a:solidFill>
                     <a:srgbClr val="000000"/>
                   </a:solidFill>
@@ -2058,7 +2059,7 @@
             </a:ln>
             <a:extLst>
               <a:ext uri="{91240B29-F687-4f45-9708-019B960494DF}">
-                <a14:hiddenLine xmlns="" xmlns:a14="http://schemas.microsoft.com/office/drawing/2010/main" w="9525">
+                <a14:hiddenLine xmlns:a14="http://schemas.microsoft.com/office/drawing/2010/main" xmlns="" w="9525">
                   <a:solidFill>
                     <a:srgbClr val="000000"/>
                   </a:solidFill>
@@ -2148,7 +2149,7 @@
             </a:ln>
             <a:extLst>
               <a:ext uri="{91240B29-F687-4f45-9708-019B960494DF}">
-                <a14:hiddenLine xmlns="" xmlns:a14="http://schemas.microsoft.com/office/drawing/2010/main" w="9525">
+                <a14:hiddenLine xmlns:a14="http://schemas.microsoft.com/office/drawing/2010/main" xmlns="" w="9525">
                   <a:solidFill>
                     <a:srgbClr val="000000"/>
                   </a:solidFill>
@@ -2204,7 +2205,7 @@
             </a:ln>
             <a:extLst>
               <a:ext uri="{91240B29-F687-4f45-9708-019B960494DF}">
-                <a14:hiddenLine xmlns="" xmlns:a14="http://schemas.microsoft.com/office/drawing/2010/main" w="9525">
+                <a14:hiddenLine xmlns:a14="http://schemas.microsoft.com/office/drawing/2010/main" xmlns="" w="9525">
                   <a:solidFill>
                     <a:srgbClr val="000000"/>
                   </a:solidFill>
@@ -2294,7 +2295,7 @@
             </a:ln>
             <a:extLst>
               <a:ext uri="{91240B29-F687-4f45-9708-019B960494DF}">
-                <a14:hiddenLine xmlns="" xmlns:a14="http://schemas.microsoft.com/office/drawing/2010/main" w="9525">
+                <a14:hiddenLine xmlns:a14="http://schemas.microsoft.com/office/drawing/2010/main" xmlns="" w="9525">
                   <a:solidFill>
                     <a:srgbClr val="000000"/>
                   </a:solidFill>
@@ -2350,7 +2351,7 @@
             </a:ln>
             <a:extLst>
               <a:ext uri="{91240B29-F687-4f45-9708-019B960494DF}">
-                <a14:hiddenLine xmlns="" xmlns:a14="http://schemas.microsoft.com/office/drawing/2010/main" w="9525">
+                <a14:hiddenLine xmlns:a14="http://schemas.microsoft.com/office/drawing/2010/main" xmlns="" w="9525">
                   <a:solidFill>
                     <a:srgbClr val="000000"/>
                   </a:solidFill>
@@ -2440,7 +2441,7 @@
             </a:ln>
             <a:extLst>
               <a:ext uri="{91240B29-F687-4f45-9708-019B960494DF}">
-                <a14:hiddenLine xmlns="" xmlns:a14="http://schemas.microsoft.com/office/drawing/2010/main" w="9525">
+                <a14:hiddenLine xmlns:a14="http://schemas.microsoft.com/office/drawing/2010/main" xmlns="" w="9525">
                   <a:solidFill>
                     <a:srgbClr val="000000"/>
                   </a:solidFill>
@@ -2508,7 +2509,7 @@
             </a:ln>
             <a:extLst>
               <a:ext uri="{91240B29-F687-4f45-9708-019B960494DF}">
-                <a14:hiddenLine xmlns="" xmlns:a14="http://schemas.microsoft.com/office/drawing/2010/main" w="9525">
+                <a14:hiddenLine xmlns:a14="http://schemas.microsoft.com/office/drawing/2010/main" xmlns="" w="9525">
                   <a:solidFill>
                     <a:srgbClr val="000000"/>
                   </a:solidFill>
@@ -2598,7 +2599,7 @@
             </a:ln>
             <a:extLst>
               <a:ext uri="{91240B29-F687-4f45-9708-019B960494DF}">
-                <a14:hiddenLine xmlns="" xmlns:a14="http://schemas.microsoft.com/office/drawing/2010/main" w="9525">
+                <a14:hiddenLine xmlns:a14="http://schemas.microsoft.com/office/drawing/2010/main" xmlns="" w="9525">
                   <a:solidFill>
                     <a:srgbClr val="000000"/>
                   </a:solidFill>
@@ -2666,7 +2667,7 @@
             </a:ln>
             <a:extLst>
               <a:ext uri="{91240B29-F687-4f45-9708-019B960494DF}">
-                <a14:hiddenLine xmlns="" xmlns:a14="http://schemas.microsoft.com/office/drawing/2010/main" w="9525">
+                <a14:hiddenLine xmlns:a14="http://schemas.microsoft.com/office/drawing/2010/main" xmlns="" w="9525">
                   <a:solidFill>
                     <a:srgbClr val="000000"/>
                   </a:solidFill>
@@ -2756,7 +2757,7 @@
             </a:ln>
             <a:extLst>
               <a:ext uri="{91240B29-F687-4f45-9708-019B960494DF}">
-                <a14:hiddenLine xmlns="" xmlns:a14="http://schemas.microsoft.com/office/drawing/2010/main" w="9525">
+                <a14:hiddenLine xmlns:a14="http://schemas.microsoft.com/office/drawing/2010/main" xmlns="" w="9525">
                   <a:solidFill>
                     <a:srgbClr val="000000"/>
                   </a:solidFill>
@@ -2790,7 +2791,7 @@
             </a:ln>
             <a:extLst>
               <a:ext uri="{91240B29-F687-4f45-9708-019B960494DF}">
-                <a14:hiddenLine xmlns="" xmlns:a14="http://schemas.microsoft.com/office/drawing/2010/main" w="9525">
+                <a14:hiddenLine xmlns:a14="http://schemas.microsoft.com/office/drawing/2010/main" xmlns="" w="9525">
                   <a:solidFill>
                     <a:srgbClr val="000000"/>
                   </a:solidFill>
@@ -2880,7 +2881,7 @@
             </a:ln>
             <a:extLst>
               <a:ext uri="{91240B29-F687-4f45-9708-019B960494DF}">
-                <a14:hiddenLine xmlns="" xmlns:a14="http://schemas.microsoft.com/office/drawing/2010/main" w="9525">
+                <a14:hiddenLine xmlns:a14="http://schemas.microsoft.com/office/drawing/2010/main" xmlns="" w="9525">
                   <a:solidFill>
                     <a:srgbClr val="000000"/>
                   </a:solidFill>
@@ -2942,7 +2943,7 @@
             </a:ln>
             <a:extLst>
               <a:ext uri="{91240B29-F687-4f45-9708-019B960494DF}">
-                <a14:hiddenLine xmlns="" xmlns:a14="http://schemas.microsoft.com/office/drawing/2010/main" w="9525">
+                <a14:hiddenLine xmlns:a14="http://schemas.microsoft.com/office/drawing/2010/main" xmlns="" w="9525">
                   <a:solidFill>
                     <a:srgbClr val="000000"/>
                   </a:solidFill>
@@ -3004,7 +3005,7 @@
             </a:ln>
             <a:extLst>
               <a:ext uri="{91240B29-F687-4f45-9708-019B960494DF}">
-                <a14:hiddenLine xmlns="" xmlns:a14="http://schemas.microsoft.com/office/drawing/2010/main" w="9525">
+                <a14:hiddenLine xmlns:a14="http://schemas.microsoft.com/office/drawing/2010/main" xmlns="" w="9525">
                   <a:solidFill>
                     <a:srgbClr val="000000"/>
                   </a:solidFill>
@@ -3094,7 +3095,7 @@
             </a:ln>
             <a:extLst>
               <a:ext uri="{91240B29-F687-4f45-9708-019B960494DF}">
-                <a14:hiddenLine xmlns="" xmlns:a14="http://schemas.microsoft.com/office/drawing/2010/main" w="9525">
+                <a14:hiddenLine xmlns:a14="http://schemas.microsoft.com/office/drawing/2010/main" xmlns="" w="9525">
                   <a:solidFill>
                     <a:srgbClr val="000000"/>
                   </a:solidFill>
@@ -3162,7 +3163,7 @@
             </a:ln>
             <a:extLst>
               <a:ext uri="{91240B29-F687-4f45-9708-019B960494DF}">
-                <a14:hiddenLine xmlns="" xmlns:a14="http://schemas.microsoft.com/office/drawing/2010/main" w="9525">
+                <a14:hiddenLine xmlns:a14="http://schemas.microsoft.com/office/drawing/2010/main" xmlns="" w="9525">
                   <a:solidFill>
                     <a:srgbClr val="000000"/>
                   </a:solidFill>
@@ -3224,7 +3225,7 @@
             </a:ln>
             <a:extLst>
               <a:ext uri="{91240B29-F687-4f45-9708-019B960494DF}">
-                <a14:hiddenLine xmlns="" xmlns:a14="http://schemas.microsoft.com/office/drawing/2010/main" w="9525">
+                <a14:hiddenLine xmlns:a14="http://schemas.microsoft.com/office/drawing/2010/main" xmlns="" w="9525">
                   <a:solidFill>
                     <a:srgbClr val="000000"/>
                   </a:solidFill>
@@ -3314,7 +3315,7 @@
             </a:ln>
             <a:extLst>
               <a:ext uri="{91240B29-F687-4f45-9708-019B960494DF}">
-                <a14:hiddenLine xmlns="" xmlns:a14="http://schemas.microsoft.com/office/drawing/2010/main" w="9525">
+                <a14:hiddenLine xmlns:a14="http://schemas.microsoft.com/office/drawing/2010/main" xmlns="" w="9525">
                   <a:solidFill>
                     <a:srgbClr val="000000"/>
                   </a:solidFill>
@@ -3376,7 +3377,7 @@
             </a:ln>
             <a:extLst>
               <a:ext uri="{91240B29-F687-4f45-9708-019B960494DF}">
-                <a14:hiddenLine xmlns="" xmlns:a14="http://schemas.microsoft.com/office/drawing/2010/main" w="9525">
+                <a14:hiddenLine xmlns:a14="http://schemas.microsoft.com/office/drawing/2010/main" xmlns="" w="9525">
                   <a:solidFill>
                     <a:srgbClr val="000000"/>
                   </a:solidFill>
@@ -3466,7 +3467,7 @@
             </a:ln>
             <a:extLst>
               <a:ext uri="{91240B29-F687-4f45-9708-019B960494DF}">
-                <a14:hiddenLine xmlns="" xmlns:a14="http://schemas.microsoft.com/office/drawing/2010/main" w="9525">
+                <a14:hiddenLine xmlns:a14="http://schemas.microsoft.com/office/drawing/2010/main" xmlns="" w="9525">
                   <a:solidFill>
                     <a:srgbClr val="000000"/>
                   </a:solidFill>
@@ -3528,7 +3529,7 @@
             </a:ln>
             <a:extLst>
               <a:ext uri="{91240B29-F687-4f45-9708-019B960494DF}">
-                <a14:hiddenLine xmlns="" xmlns:a14="http://schemas.microsoft.com/office/drawing/2010/main" w="9525">
+                <a14:hiddenLine xmlns:a14="http://schemas.microsoft.com/office/drawing/2010/main" xmlns="" w="9525">
                   <a:solidFill>
                     <a:srgbClr val="000000"/>
                   </a:solidFill>
@@ -3618,7 +3619,7 @@
             </a:ln>
             <a:extLst>
               <a:ext uri="{91240B29-F687-4f45-9708-019B960494DF}">
-                <a14:hiddenLine xmlns="" xmlns:a14="http://schemas.microsoft.com/office/drawing/2010/main" w="9525">
+                <a14:hiddenLine xmlns:a14="http://schemas.microsoft.com/office/drawing/2010/main" xmlns="" w="9525">
                   <a:solidFill>
                     <a:srgbClr val="000000"/>
                   </a:solidFill>
@@ -3652,7 +3653,7 @@
             </a:ln>
             <a:extLst>
               <a:ext uri="{91240B29-F687-4f45-9708-019B960494DF}">
-                <a14:hiddenLine xmlns="" xmlns:a14="http://schemas.microsoft.com/office/drawing/2010/main" w="9525">
+                <a14:hiddenLine xmlns:a14="http://schemas.microsoft.com/office/drawing/2010/main" xmlns="" w="9525">
                   <a:solidFill>
                     <a:srgbClr val="000000"/>
                   </a:solidFill>
@@ -3717,7 +3718,7 @@
             </a:ln>
             <a:extLst>
               <a:ext uri="{91240B29-F687-4f45-9708-019B960494DF}">
-                <a14:hiddenLine xmlns="" xmlns:a14="http://schemas.microsoft.com/office/drawing/2010/main" w="9525">
+                <a14:hiddenLine xmlns:a14="http://schemas.microsoft.com/office/drawing/2010/main" xmlns="" w="9525">
                   <a:solidFill>
                     <a:srgbClr val="000000"/>
                   </a:solidFill>
@@ -3807,7 +3808,7 @@
             </a:ln>
             <a:extLst>
               <a:ext uri="{91240B29-F687-4f45-9708-019B960494DF}">
-                <a14:hiddenLine xmlns="" xmlns:a14="http://schemas.microsoft.com/office/drawing/2010/main" w="9525">
+                <a14:hiddenLine xmlns:a14="http://schemas.microsoft.com/office/drawing/2010/main" xmlns="" w="9525">
                   <a:solidFill>
                     <a:srgbClr val="000000"/>
                   </a:solidFill>
@@ -3869,7 +3870,7 @@
             </a:ln>
             <a:extLst>
               <a:ext uri="{91240B29-F687-4f45-9708-019B960494DF}">
-                <a14:hiddenLine xmlns="" xmlns:a14="http://schemas.microsoft.com/office/drawing/2010/main" w="9525">
+                <a14:hiddenLine xmlns:a14="http://schemas.microsoft.com/office/drawing/2010/main" xmlns="" w="9525">
                   <a:solidFill>
                     <a:srgbClr val="000000"/>
                   </a:solidFill>
@@ -3959,7 +3960,7 @@
             </a:ln>
             <a:extLst>
               <a:ext uri="{91240B29-F687-4f45-9708-019B960494DF}">
-                <a14:hiddenLine xmlns="" xmlns:a14="http://schemas.microsoft.com/office/drawing/2010/main" w="9525">
+                <a14:hiddenLine xmlns:a14="http://schemas.microsoft.com/office/drawing/2010/main" xmlns="" w="9525">
                   <a:solidFill>
                     <a:srgbClr val="000000"/>
                   </a:solidFill>
@@ -4049,7 +4050,7 @@
             </a:ln>
             <a:extLst>
               <a:ext uri="{91240B29-F687-4f45-9708-019B960494DF}">
-                <a14:hiddenLine xmlns="" xmlns:a14="http://schemas.microsoft.com/office/drawing/2010/main" w="9525">
+                <a14:hiddenLine xmlns:a14="http://schemas.microsoft.com/office/drawing/2010/main" xmlns="" w="9525">
                   <a:solidFill>
                     <a:srgbClr val="000000"/>
                   </a:solidFill>
@@ -4114,7 +4115,7 @@
             </a:ln>
             <a:extLst>
               <a:ext uri="{91240B29-F687-4f45-9708-019B960494DF}">
-                <a14:hiddenLine xmlns="" xmlns:a14="http://schemas.microsoft.com/office/drawing/2010/main" w="9525">
+                <a14:hiddenLine xmlns:a14="http://schemas.microsoft.com/office/drawing/2010/main" xmlns="" w="9525">
                   <a:solidFill>
                     <a:srgbClr val="000000"/>
                   </a:solidFill>
@@ -4176,7 +4177,7 @@
             </a:ln>
             <a:extLst>
               <a:ext uri="{91240B29-F687-4f45-9708-019B960494DF}">
-                <a14:hiddenLine xmlns="" xmlns:a14="http://schemas.microsoft.com/office/drawing/2010/main" w="9525">
+                <a14:hiddenLine xmlns:a14="http://schemas.microsoft.com/office/drawing/2010/main" xmlns="" w="9525">
                   <a:solidFill>
                     <a:srgbClr val="000000"/>
                   </a:solidFill>
@@ -4266,7 +4267,7 @@
             </a:ln>
             <a:extLst>
               <a:ext uri="{91240B29-F687-4f45-9708-019B960494DF}">
-                <a14:hiddenLine xmlns="" xmlns:a14="http://schemas.microsoft.com/office/drawing/2010/main" w="9525">
+                <a14:hiddenLine xmlns:a14="http://schemas.microsoft.com/office/drawing/2010/main" xmlns="" w="9525">
                   <a:solidFill>
                     <a:srgbClr val="000000"/>
                   </a:solidFill>
@@ -4356,7 +4357,7 @@
             </a:ln>
             <a:extLst>
               <a:ext uri="{91240B29-F687-4f45-9708-019B960494DF}">
-                <a14:hiddenLine xmlns="" xmlns:a14="http://schemas.microsoft.com/office/drawing/2010/main" w="9525">
+                <a14:hiddenLine xmlns:a14="http://schemas.microsoft.com/office/drawing/2010/main" xmlns="" w="9525">
                   <a:solidFill>
                     <a:srgbClr val="000000"/>
                   </a:solidFill>
@@ -4418,7 +4419,7 @@
             </a:ln>
             <a:extLst>
               <a:ext uri="{91240B29-F687-4f45-9708-019B960494DF}">
-                <a14:hiddenLine xmlns="" xmlns:a14="http://schemas.microsoft.com/office/drawing/2010/main" w="9525">
+                <a14:hiddenLine xmlns:a14="http://schemas.microsoft.com/office/drawing/2010/main" xmlns="" w="9525">
                   <a:solidFill>
                     <a:srgbClr val="000000"/>
                   </a:solidFill>
@@ -4538,7 +4539,7 @@
             </a:ln>
             <a:extLst>
               <a:ext uri="{91240B29-F687-4f45-9708-019B960494DF}">
-                <a14:hiddenLine xmlns="" xmlns:a14="http://schemas.microsoft.com/office/drawing/2010/main" w="9525">
+                <a14:hiddenLine xmlns:a14="http://schemas.microsoft.com/office/drawing/2010/main" xmlns="" w="9525">
                   <a:solidFill>
                     <a:srgbClr val="000000"/>
                   </a:solidFill>
@@ -4606,7 +4607,7 @@
             </a:ln>
             <a:extLst>
               <a:ext uri="{91240B29-F687-4f45-9708-019B960494DF}">
-                <a14:hiddenLine xmlns="" xmlns:a14="http://schemas.microsoft.com/office/drawing/2010/main" w="9525">
+                <a14:hiddenLine xmlns:a14="http://schemas.microsoft.com/office/drawing/2010/main" xmlns="" w="9525">
                   <a:solidFill>
                     <a:srgbClr val="000000"/>
                   </a:solidFill>
@@ -4696,7 +4697,7 @@
             </a:ln>
             <a:extLst>
               <a:ext uri="{91240B29-F687-4f45-9708-019B960494DF}">
-                <a14:hiddenLine xmlns="" xmlns:a14="http://schemas.microsoft.com/office/drawing/2010/main" w="9525">
+                <a14:hiddenLine xmlns:a14="http://schemas.microsoft.com/office/drawing/2010/main" xmlns="" w="9525">
                   <a:solidFill>
                     <a:srgbClr val="000000"/>
                   </a:solidFill>
@@ -4836,7 +4837,7 @@
           <a:p>
             <a:fld id="{EC4347D3-4C9A-C240-8F14-750059DFEEB0}" type="datetimeFigureOut">
               <a:rPr lang="en-US" smtClean="0"/>
-              <a:t>2/17/26</a:t>
+              <a:t>2/24/26</a:t>
             </a:fld>
             <a:endParaRPr lang="en-US"/>
           </a:p>
@@ -5103,7 +5104,7 @@
           <a:p>
             <a:fld id="{EC4347D3-4C9A-C240-8F14-750059DFEEB0}" type="datetimeFigureOut">
               <a:rPr lang="en-US" smtClean="0"/>
-              <a:t>2/17/26</a:t>
+              <a:t>2/24/26</a:t>
             </a:fld>
             <a:endParaRPr lang="en-US"/>
           </a:p>
@@ -5299,7 +5300,7 @@
           <a:p>
             <a:fld id="{EC4347D3-4C9A-C240-8F14-750059DFEEB0}" type="datetimeFigureOut">
               <a:rPr lang="en-US" smtClean="0"/>
-              <a:t>2/17/26</a:t>
+              <a:t>2/24/26</a:t>
             </a:fld>
             <a:endParaRPr lang="en-US"/>
           </a:p>
@@ -5562,7 +5563,7 @@
           <a:p>
             <a:fld id="{EC4347D3-4C9A-C240-8F14-750059DFEEB0}" type="datetimeFigureOut">
               <a:rPr lang="en-US" smtClean="0"/>
-              <a:t>2/17/26</a:t>
+              <a:t>2/24/26</a:t>
             </a:fld>
             <a:endParaRPr lang="en-US"/>
           </a:p>
@@ -5996,7 +5997,7 @@
           <a:p>
             <a:fld id="{EC4347D3-4C9A-C240-8F14-750059DFEEB0}" type="datetimeFigureOut">
               <a:rPr lang="en-US" smtClean="0"/>
-              <a:t>2/17/26</a:t>
+              <a:t>2/24/26</a:t>
             </a:fld>
             <a:endParaRPr lang="en-US"/>
           </a:p>
@@ -6542,7 +6543,7 @@
           <a:p>
             <a:fld id="{EC4347D3-4C9A-C240-8F14-750059DFEEB0}" type="datetimeFigureOut">
               <a:rPr lang="en-US" smtClean="0"/>
-              <a:t>2/17/26</a:t>
+              <a:t>2/24/26</a:t>
             </a:fld>
             <a:endParaRPr lang="en-US"/>
           </a:p>
@@ -7262,7 +7263,7 @@
           <a:p>
             <a:fld id="{EC4347D3-4C9A-C240-8F14-750059DFEEB0}" type="datetimeFigureOut">
               <a:rPr lang="en-US" smtClean="0"/>
-              <a:t>2/17/26</a:t>
+              <a:t>2/24/26</a:t>
             </a:fld>
             <a:endParaRPr lang="en-US"/>
           </a:p>
@@ -7432,7 +7433,7 @@
           <a:p>
             <a:fld id="{EC4347D3-4C9A-C240-8F14-750059DFEEB0}" type="datetimeFigureOut">
               <a:rPr lang="en-US" smtClean="0"/>
-              <a:t>2/17/26</a:t>
+              <a:t>2/24/26</a:t>
             </a:fld>
             <a:endParaRPr lang="en-US"/>
           </a:p>
@@ -7612,7 +7613,7 @@
           <a:p>
             <a:fld id="{EC4347D3-4C9A-C240-8F14-750059DFEEB0}" type="datetimeFigureOut">
               <a:rPr lang="en-US" smtClean="0"/>
-              <a:t>2/17/26</a:t>
+              <a:t>2/24/26</a:t>
             </a:fld>
             <a:endParaRPr lang="en-US"/>
           </a:p>
@@ -7782,7 +7783,7 @@
           <a:p>
             <a:fld id="{EC4347D3-4C9A-C240-8F14-750059DFEEB0}" type="datetimeFigureOut">
               <a:rPr lang="en-US" smtClean="0"/>
-              <a:t>2/17/26</a:t>
+              <a:t>2/24/26</a:t>
             </a:fld>
             <a:endParaRPr lang="en-US"/>
           </a:p>
@@ -8032,7 +8033,7 @@
           <a:p>
             <a:fld id="{EC4347D3-4C9A-C240-8F14-750059DFEEB0}" type="datetimeFigureOut">
               <a:rPr lang="en-US" smtClean="0"/>
-              <a:t>2/17/26</a:t>
+              <a:t>2/24/26</a:t>
             </a:fld>
             <a:endParaRPr lang="en-US"/>
           </a:p>
@@ -8264,7 +8265,7 @@
           <a:p>
             <a:fld id="{EC4347D3-4C9A-C240-8F14-750059DFEEB0}" type="datetimeFigureOut">
               <a:rPr lang="en-US" smtClean="0"/>
-              <a:t>2/17/26</a:t>
+              <a:t>2/24/26</a:t>
             </a:fld>
             <a:endParaRPr lang="en-US"/>
           </a:p>
@@ -8650,7 +8651,7 @@
           <a:p>
             <a:fld id="{EC4347D3-4C9A-C240-8F14-750059DFEEB0}" type="datetimeFigureOut">
               <a:rPr lang="en-US" smtClean="0"/>
-              <a:t>2/17/26</a:t>
+              <a:t>2/24/26</a:t>
             </a:fld>
             <a:endParaRPr lang="en-US"/>
           </a:p>
@@ -8773,7 +8774,7 @@
           <a:p>
             <a:fld id="{EC4347D3-4C9A-C240-8F14-750059DFEEB0}" type="datetimeFigureOut">
               <a:rPr lang="en-US" smtClean="0"/>
-              <a:t>2/17/26</a:t>
+              <a:t>2/24/26</a:t>
             </a:fld>
             <a:endParaRPr lang="en-US"/>
           </a:p>
@@ -8868,7 +8869,7 @@
           <a:p>
             <a:fld id="{EC4347D3-4C9A-C240-8F14-750059DFEEB0}" type="datetimeFigureOut">
               <a:rPr lang="en-US" smtClean="0"/>
-              <a:t>2/17/26</a:t>
+              <a:t>2/24/26</a:t>
             </a:fld>
             <a:endParaRPr lang="en-US"/>
           </a:p>
@@ -9117,7 +9118,7 @@
           <a:p>
             <a:fld id="{EC4347D3-4C9A-C240-8F14-750059DFEEB0}" type="datetimeFigureOut">
               <a:rPr lang="en-US" smtClean="0"/>
-              <a:t>2/17/26</a:t>
+              <a:t>2/24/26</a:t>
             </a:fld>
             <a:endParaRPr lang="en-US"/>
           </a:p>
@@ -9402,7 +9403,7 @@
           <a:p>
             <a:fld id="{EC4347D3-4C9A-C240-8F14-750059DFEEB0}" type="datetimeFigureOut">
               <a:rPr lang="en-US" smtClean="0"/>
-              <a:t>2/17/26</a:t>
+              <a:t>2/24/26</a:t>
             </a:fld>
             <a:endParaRPr lang="en-US"/>
           </a:p>
@@ -9525,7 +9526,7 @@
           <a:noFill/>
           <a:extLst>
             <a:ext uri="{909E8E84-426E-40dd-AFC4-6F175D3DCCD1}">
-              <a14:hiddenFill xmlns="" xmlns:a14="http://schemas.microsoft.com/office/drawing/2010/main">
+              <a14:hiddenFill xmlns:a14="http://schemas.microsoft.com/office/drawing/2010/main" xmlns="">
                 <a:solidFill>
                   <a:srgbClr val="FFFFFF"/>
                 </a:solidFill>
@@ -9599,7 +9600,7 @@
               </a:ln>
               <a:extLst>
                 <a:ext uri="{91240B29-F687-4f45-9708-019B960494DF}">
-                  <a14:hiddenLine xmlns="" xmlns:a14="http://schemas.microsoft.com/office/drawing/2010/main" w="9525">
+                  <a14:hiddenLine xmlns:a14="http://schemas.microsoft.com/office/drawing/2010/main" xmlns="" w="9525">
                     <a:solidFill>
                       <a:srgbClr val="000000"/>
                     </a:solidFill>
@@ -9689,7 +9690,7 @@
               </a:ln>
               <a:extLst>
                 <a:ext uri="{91240B29-F687-4f45-9708-019B960494DF}">
-                  <a14:hiddenLine xmlns="" xmlns:a14="http://schemas.microsoft.com/office/drawing/2010/main" w="9525">
+                  <a14:hiddenLine xmlns:a14="http://schemas.microsoft.com/office/drawing/2010/main" xmlns="" w="9525">
                     <a:solidFill>
                       <a:srgbClr val="000000"/>
                     </a:solidFill>
@@ -9779,7 +9780,7 @@
               </a:ln>
               <a:extLst>
                 <a:ext uri="{91240B29-F687-4f45-9708-019B960494DF}">
-                  <a14:hiddenLine xmlns="" xmlns:a14="http://schemas.microsoft.com/office/drawing/2010/main" w="9525">
+                  <a14:hiddenLine xmlns:a14="http://schemas.microsoft.com/office/drawing/2010/main" xmlns="" w="9525">
                     <a:solidFill>
                       <a:srgbClr val="000000"/>
                     </a:solidFill>
@@ -9841,7 +9842,7 @@
               </a:ln>
               <a:extLst>
                 <a:ext uri="{91240B29-F687-4f45-9708-019B960494DF}">
-                  <a14:hiddenLine xmlns="" xmlns:a14="http://schemas.microsoft.com/office/drawing/2010/main" w="9525">
+                  <a14:hiddenLine xmlns:a14="http://schemas.microsoft.com/office/drawing/2010/main" xmlns="" w="9525">
                     <a:solidFill>
                       <a:srgbClr val="000000"/>
                     </a:solidFill>
@@ -9931,7 +9932,7 @@
               </a:ln>
               <a:extLst>
                 <a:ext uri="{91240B29-F687-4f45-9708-019B960494DF}">
-                  <a14:hiddenLine xmlns="" xmlns:a14="http://schemas.microsoft.com/office/drawing/2010/main" w="9525">
+                  <a14:hiddenLine xmlns:a14="http://schemas.microsoft.com/office/drawing/2010/main" xmlns="" w="9525">
                     <a:solidFill>
                       <a:srgbClr val="000000"/>
                     </a:solidFill>
@@ -9993,7 +9994,7 @@
               </a:ln>
               <a:extLst>
                 <a:ext uri="{91240B29-F687-4f45-9708-019B960494DF}">
-                  <a14:hiddenLine xmlns="" xmlns:a14="http://schemas.microsoft.com/office/drawing/2010/main" w="9525">
+                  <a14:hiddenLine xmlns:a14="http://schemas.microsoft.com/office/drawing/2010/main" xmlns="" w="9525">
                     <a:solidFill>
                       <a:srgbClr val="000000"/>
                     </a:solidFill>
@@ -10055,7 +10056,7 @@
               </a:ln>
               <a:extLst>
                 <a:ext uri="{91240B29-F687-4f45-9708-019B960494DF}">
-                  <a14:hiddenLine xmlns="" xmlns:a14="http://schemas.microsoft.com/office/drawing/2010/main" w="9525">
+                  <a14:hiddenLine xmlns:a14="http://schemas.microsoft.com/office/drawing/2010/main" xmlns="" w="9525">
                     <a:solidFill>
                       <a:srgbClr val="000000"/>
                     </a:solidFill>
@@ -10145,7 +10146,7 @@
               </a:ln>
               <a:extLst>
                 <a:ext uri="{91240B29-F687-4f45-9708-019B960494DF}">
-                  <a14:hiddenLine xmlns="" xmlns:a14="http://schemas.microsoft.com/office/drawing/2010/main" w="9525">
+                  <a14:hiddenLine xmlns:a14="http://schemas.microsoft.com/office/drawing/2010/main" xmlns="" w="9525">
                     <a:solidFill>
                       <a:srgbClr val="000000"/>
                     </a:solidFill>
@@ -10235,7 +10236,7 @@
               </a:ln>
               <a:extLst>
                 <a:ext uri="{91240B29-F687-4f45-9708-019B960494DF}">
-                  <a14:hiddenLine xmlns="" xmlns:a14="http://schemas.microsoft.com/office/drawing/2010/main" w="9525">
+                  <a14:hiddenLine xmlns:a14="http://schemas.microsoft.com/office/drawing/2010/main" xmlns="" w="9525">
                     <a:solidFill>
                       <a:srgbClr val="000000"/>
                     </a:solidFill>
@@ -10297,7 +10298,7 @@
               </a:ln>
               <a:extLst>
                 <a:ext uri="{91240B29-F687-4f45-9708-019B960494DF}">
-                  <a14:hiddenLine xmlns="" xmlns:a14="http://schemas.microsoft.com/office/drawing/2010/main" w="9525">
+                  <a14:hiddenLine xmlns:a14="http://schemas.microsoft.com/office/drawing/2010/main" xmlns="" w="9525">
                     <a:solidFill>
                       <a:srgbClr val="000000"/>
                     </a:solidFill>
@@ -10407,7 +10408,7 @@
               </a:ln>
               <a:extLst>
                 <a:ext uri="{91240B29-F687-4f45-9708-019B960494DF}">
-                  <a14:hiddenLine xmlns="" xmlns:a14="http://schemas.microsoft.com/office/drawing/2010/main" w="9525">
+                  <a14:hiddenLine xmlns:a14="http://schemas.microsoft.com/office/drawing/2010/main" xmlns="" w="9525">
                     <a:solidFill>
                       <a:srgbClr val="000000"/>
                     </a:solidFill>
@@ -10491,7 +10492,7 @@
               </a:ln>
               <a:extLst>
                 <a:ext uri="{91240B29-F687-4f45-9708-019B960494DF}">
-                  <a14:hiddenLine xmlns="" xmlns:a14="http://schemas.microsoft.com/office/drawing/2010/main" w="9525">
+                  <a14:hiddenLine xmlns:a14="http://schemas.microsoft.com/office/drawing/2010/main" xmlns="" w="9525">
                     <a:solidFill>
                       <a:srgbClr val="000000"/>
                     </a:solidFill>
@@ -10553,7 +10554,7 @@
               </a:ln>
               <a:extLst>
                 <a:ext uri="{91240B29-F687-4f45-9708-019B960494DF}">
-                  <a14:hiddenLine xmlns="" xmlns:a14="http://schemas.microsoft.com/office/drawing/2010/main" w="9525">
+                  <a14:hiddenLine xmlns:a14="http://schemas.microsoft.com/office/drawing/2010/main" xmlns="" w="9525">
                     <a:solidFill>
                       <a:srgbClr val="000000"/>
                     </a:solidFill>
@@ -10615,7 +10616,7 @@
               </a:ln>
               <a:extLst>
                 <a:ext uri="{91240B29-F687-4f45-9708-019B960494DF}">
-                  <a14:hiddenLine xmlns="" xmlns:a14="http://schemas.microsoft.com/office/drawing/2010/main" w="9525">
+                  <a14:hiddenLine xmlns:a14="http://schemas.microsoft.com/office/drawing/2010/main" xmlns="" w="9525">
                     <a:solidFill>
                       <a:srgbClr val="000000"/>
                     </a:solidFill>
@@ -10705,7 +10706,7 @@
               </a:ln>
               <a:extLst>
                 <a:ext uri="{91240B29-F687-4f45-9708-019B960494DF}">
-                  <a14:hiddenLine xmlns="" xmlns:a14="http://schemas.microsoft.com/office/drawing/2010/main" w="9525">
+                  <a14:hiddenLine xmlns:a14="http://schemas.microsoft.com/office/drawing/2010/main" xmlns="" w="9525">
                     <a:solidFill>
                       <a:srgbClr val="000000"/>
                     </a:solidFill>
@@ -10739,7 +10740,7 @@
               </a:ln>
               <a:extLst>
                 <a:ext uri="{91240B29-F687-4f45-9708-019B960494DF}">
-                  <a14:hiddenLine xmlns="" xmlns:a14="http://schemas.microsoft.com/office/drawing/2010/main" w="9525">
+                  <a14:hiddenLine xmlns:a14="http://schemas.microsoft.com/office/drawing/2010/main" xmlns="" w="9525">
                     <a:solidFill>
                       <a:srgbClr val="000000"/>
                     </a:solidFill>
@@ -10804,7 +10805,7 @@
               </a:ln>
               <a:extLst>
                 <a:ext uri="{91240B29-F687-4f45-9708-019B960494DF}">
-                  <a14:hiddenLine xmlns="" xmlns:a14="http://schemas.microsoft.com/office/drawing/2010/main" w="9525">
+                  <a14:hiddenLine xmlns:a14="http://schemas.microsoft.com/office/drawing/2010/main" xmlns="" w="9525">
                     <a:solidFill>
                       <a:srgbClr val="000000"/>
                     </a:solidFill>
@@ -10894,7 +10895,7 @@
               </a:ln>
               <a:extLst>
                 <a:ext uri="{91240B29-F687-4f45-9708-019B960494DF}">
-                  <a14:hiddenLine xmlns="" xmlns:a14="http://schemas.microsoft.com/office/drawing/2010/main" w="9525">
+                  <a14:hiddenLine xmlns:a14="http://schemas.microsoft.com/office/drawing/2010/main" xmlns="" w="9525">
                     <a:solidFill>
                       <a:srgbClr val="000000"/>
                     </a:solidFill>
@@ -10956,7 +10957,7 @@
               </a:ln>
               <a:extLst>
                 <a:ext uri="{91240B29-F687-4f45-9708-019B960494DF}">
-                  <a14:hiddenLine xmlns="" xmlns:a14="http://schemas.microsoft.com/office/drawing/2010/main" w="9525">
+                  <a14:hiddenLine xmlns:a14="http://schemas.microsoft.com/office/drawing/2010/main" xmlns="" w="9525">
                     <a:solidFill>
                       <a:srgbClr val="000000"/>
                     </a:solidFill>
@@ -11046,7 +11047,7 @@
               </a:ln>
               <a:extLst>
                 <a:ext uri="{91240B29-F687-4f45-9708-019B960494DF}">
-                  <a14:hiddenLine xmlns="" xmlns:a14="http://schemas.microsoft.com/office/drawing/2010/main" w="9525">
+                  <a14:hiddenLine xmlns:a14="http://schemas.microsoft.com/office/drawing/2010/main" xmlns="" w="9525">
                     <a:solidFill>
                       <a:srgbClr val="000000"/>
                     </a:solidFill>
@@ -11111,7 +11112,7 @@
               </a:ln>
               <a:extLst>
                 <a:ext uri="{91240B29-F687-4f45-9708-019B960494DF}">
-                  <a14:hiddenLine xmlns="" xmlns:a14="http://schemas.microsoft.com/office/drawing/2010/main" w="9525">
+                  <a14:hiddenLine xmlns:a14="http://schemas.microsoft.com/office/drawing/2010/main" xmlns="" w="9525">
                     <a:solidFill>
                       <a:srgbClr val="000000"/>
                     </a:solidFill>
@@ -11173,7 +11174,7 @@
               </a:ln>
               <a:extLst>
                 <a:ext uri="{91240B29-F687-4f45-9708-019B960494DF}">
-                  <a14:hiddenLine xmlns="" xmlns:a14="http://schemas.microsoft.com/office/drawing/2010/main" w="9525">
+                  <a14:hiddenLine xmlns:a14="http://schemas.microsoft.com/office/drawing/2010/main" xmlns="" w="9525">
                     <a:solidFill>
                       <a:srgbClr val="000000"/>
                     </a:solidFill>
@@ -11263,7 +11264,7 @@
               </a:ln>
               <a:extLst>
                 <a:ext uri="{91240B29-F687-4f45-9708-019B960494DF}">
-                  <a14:hiddenLine xmlns="" xmlns:a14="http://schemas.microsoft.com/office/drawing/2010/main" w="9525">
+                  <a14:hiddenLine xmlns:a14="http://schemas.microsoft.com/office/drawing/2010/main" xmlns="" w="9525">
                     <a:solidFill>
                       <a:srgbClr val="000000"/>
                     </a:solidFill>
@@ -11353,7 +11354,7 @@
               </a:ln>
               <a:extLst>
                 <a:ext uri="{91240B29-F687-4f45-9708-019B960494DF}">
-                  <a14:hiddenLine xmlns="" xmlns:a14="http://schemas.microsoft.com/office/drawing/2010/main" w="9525">
+                  <a14:hiddenLine xmlns:a14="http://schemas.microsoft.com/office/drawing/2010/main" xmlns="" w="9525">
                     <a:solidFill>
                       <a:srgbClr val="000000"/>
                     </a:solidFill>
@@ -11418,7 +11419,7 @@
               </a:ln>
               <a:extLst>
                 <a:ext uri="{91240B29-F687-4f45-9708-019B960494DF}">
-                  <a14:hiddenLine xmlns="" xmlns:a14="http://schemas.microsoft.com/office/drawing/2010/main" w="9525">
+                  <a14:hiddenLine xmlns:a14="http://schemas.microsoft.com/office/drawing/2010/main" xmlns="" w="9525">
                     <a:solidFill>
                       <a:srgbClr val="000000"/>
                     </a:solidFill>
@@ -11538,7 +11539,7 @@
               </a:ln>
               <a:extLst>
                 <a:ext uri="{91240B29-F687-4f45-9708-019B960494DF}">
-                  <a14:hiddenLine xmlns="" xmlns:a14="http://schemas.microsoft.com/office/drawing/2010/main" w="9525">
+                  <a14:hiddenLine xmlns:a14="http://schemas.microsoft.com/office/drawing/2010/main" xmlns="" w="9525">
                     <a:solidFill>
                       <a:srgbClr val="000000"/>
                     </a:solidFill>
@@ -11619,7 +11620,7 @@
               </a:ln>
               <a:extLst>
                 <a:ext uri="{91240B29-F687-4f45-9708-019B960494DF}">
-                  <a14:hiddenLine xmlns="" xmlns:a14="http://schemas.microsoft.com/office/drawing/2010/main" w="9525">
+                  <a14:hiddenLine xmlns:a14="http://schemas.microsoft.com/office/drawing/2010/main" xmlns="" w="9525">
                     <a:solidFill>
                       <a:srgbClr val="000000"/>
                     </a:solidFill>
@@ -11734,7 +11735,7 @@
               </a:ln>
               <a:extLst>
                 <a:ext uri="{91240B29-F687-4f45-9708-019B960494DF}">
-                  <a14:hiddenLine xmlns="" xmlns:a14="http://schemas.microsoft.com/office/drawing/2010/main" w="9525">
+                  <a14:hiddenLine xmlns:a14="http://schemas.microsoft.com/office/drawing/2010/main" xmlns="" w="9525">
                     <a:solidFill>
                       <a:srgbClr val="000000"/>
                     </a:solidFill>
@@ -11824,7 +11825,7 @@
               </a:ln>
               <a:extLst>
                 <a:ext uri="{91240B29-F687-4f45-9708-019B960494DF}">
-                  <a14:hiddenLine xmlns="" xmlns:a14="http://schemas.microsoft.com/office/drawing/2010/main" w="9525">
+                  <a14:hiddenLine xmlns:a14="http://schemas.microsoft.com/office/drawing/2010/main" xmlns="" w="9525">
                     <a:solidFill>
                       <a:srgbClr val="000000"/>
                     </a:solidFill>
@@ -11889,7 +11890,7 @@
               </a:ln>
               <a:extLst>
                 <a:ext uri="{91240B29-F687-4f45-9708-019B960494DF}">
-                  <a14:hiddenLine xmlns="" xmlns:a14="http://schemas.microsoft.com/office/drawing/2010/main" w="9525">
+                  <a14:hiddenLine xmlns:a14="http://schemas.microsoft.com/office/drawing/2010/main" xmlns="" w="9525">
                     <a:solidFill>
                       <a:srgbClr val="000000"/>
                     </a:solidFill>
@@ -11979,7 +11980,7 @@
               </a:ln>
               <a:extLst>
                 <a:ext uri="{91240B29-F687-4f45-9708-019B960494DF}">
-                  <a14:hiddenLine xmlns="" xmlns:a14="http://schemas.microsoft.com/office/drawing/2010/main" w="9525">
+                  <a14:hiddenLine xmlns:a14="http://schemas.microsoft.com/office/drawing/2010/main" xmlns="" w="9525">
                     <a:solidFill>
                       <a:srgbClr val="000000"/>
                     </a:solidFill>
@@ -12047,7 +12048,7 @@
               </a:ln>
               <a:extLst>
                 <a:ext uri="{91240B29-F687-4f45-9708-019B960494DF}">
-                  <a14:hiddenLine xmlns="" xmlns:a14="http://schemas.microsoft.com/office/drawing/2010/main" w="9525">
+                  <a14:hiddenLine xmlns:a14="http://schemas.microsoft.com/office/drawing/2010/main" xmlns="" w="9525">
                     <a:solidFill>
                       <a:srgbClr val="000000"/>
                     </a:solidFill>
@@ -12137,7 +12138,7 @@
               </a:ln>
               <a:extLst>
                 <a:ext uri="{91240B29-F687-4f45-9708-019B960494DF}">
-                  <a14:hiddenLine xmlns="" xmlns:a14="http://schemas.microsoft.com/office/drawing/2010/main" w="9525">
+                  <a14:hiddenLine xmlns:a14="http://schemas.microsoft.com/office/drawing/2010/main" xmlns="" w="9525">
                     <a:solidFill>
                       <a:srgbClr val="000000"/>
                     </a:solidFill>
@@ -12205,7 +12206,7 @@
               </a:ln>
               <a:extLst>
                 <a:ext uri="{91240B29-F687-4f45-9708-019B960494DF}">
-                  <a14:hiddenLine xmlns="" xmlns:a14="http://schemas.microsoft.com/office/drawing/2010/main" w="9525">
+                  <a14:hiddenLine xmlns:a14="http://schemas.microsoft.com/office/drawing/2010/main" xmlns="" w="9525">
                     <a:solidFill>
                       <a:srgbClr val="000000"/>
                     </a:solidFill>
@@ -12295,7 +12296,7 @@
               </a:ln>
               <a:extLst>
                 <a:ext uri="{91240B29-F687-4f45-9708-019B960494DF}">
-                  <a14:hiddenLine xmlns="" xmlns:a14="http://schemas.microsoft.com/office/drawing/2010/main" w="9525">
+                  <a14:hiddenLine xmlns:a14="http://schemas.microsoft.com/office/drawing/2010/main" xmlns="" w="9525">
                     <a:solidFill>
                       <a:srgbClr val="000000"/>
                     </a:solidFill>
@@ -12329,7 +12330,7 @@
               </a:ln>
               <a:extLst>
                 <a:ext uri="{91240B29-F687-4f45-9708-019B960494DF}">
-                  <a14:hiddenLine xmlns="" xmlns:a14="http://schemas.microsoft.com/office/drawing/2010/main" w="9525">
+                  <a14:hiddenLine xmlns:a14="http://schemas.microsoft.com/office/drawing/2010/main" xmlns="" w="9525">
                     <a:solidFill>
                       <a:srgbClr val="000000"/>
                     </a:solidFill>
@@ -12469,7 +12470,7 @@
           <a:p>
             <a:fld id="{EC4347D3-4C9A-C240-8F14-750059DFEEB0}" type="datetimeFigureOut">
               <a:rPr lang="en-US" smtClean="0"/>
-              <a:t>2/17/26</a:t>
+              <a:t>2/24/26</a:t>
             </a:fld>
             <a:endParaRPr lang="en-US"/>
           </a:p>
@@ -13983,6 +13984,184 @@
 </p:sld>
 </file>
 
+<file path=ppt/slides/slide8.xml><?xml version="1.0" encoding="utf-8"?>
+<p:sld xmlns:a="http://schemas.openxmlformats.org/drawingml/2006/main" xmlns:r="http://schemas.openxmlformats.org/officeDocument/2006/relationships" xmlns:p="http://schemas.openxmlformats.org/presentationml/2006/main">
+  <p:cSld>
+    <p:spTree>
+      <p:nvGrpSpPr>
+        <p:cNvPr id="1" name="">
+          <a:extLst>
+            <a:ext uri="{FF2B5EF4-FFF2-40B4-BE49-F238E27FC236}">
+              <a16:creationId xmlns:a16="http://schemas.microsoft.com/office/drawing/2014/main" id="{17EB50F3-DCE1-4F0A-6254-422B103FB122}"/>
+            </a:ext>
+          </a:extLst>
+        </p:cNvPr>
+        <p:cNvGrpSpPr/>
+        <p:nvPr/>
+      </p:nvGrpSpPr>
+      <p:grpSpPr>
+        <a:xfrm>
+          <a:off x="0" y="0"/>
+          <a:ext cx="0" cy="0"/>
+          <a:chOff x="0" y="0"/>
+          <a:chExt cx="0" cy="0"/>
+        </a:xfrm>
+      </p:grpSpPr>
+      <p:sp>
+        <p:nvSpPr>
+          <p:cNvPr id="6146" name="Rectangle 2">
+            <a:extLst>
+              <a:ext uri="{FF2B5EF4-FFF2-40B4-BE49-F238E27FC236}">
+                <a16:creationId xmlns:a16="http://schemas.microsoft.com/office/drawing/2014/main" id="{27701B42-5E43-EE83-E27E-4EC3FE33DDF0}"/>
+              </a:ext>
+            </a:extLst>
+          </p:cNvPr>
+          <p:cNvSpPr>
+            <a:spLocks noGrp="1" noChangeArrowheads="1"/>
+          </p:cNvSpPr>
+          <p:nvPr>
+            <p:ph type="title"/>
+            <p:custDataLst>
+              <p:tags r:id="rId1"/>
+            </p:custDataLst>
+          </p:nvPr>
+        </p:nvSpPr>
+        <p:spPr>
+          <a:xfrm>
+            <a:off x="1141413" y="284084"/>
+            <a:ext cx="9905998" cy="620791"/>
+          </a:xfrm>
+        </p:spPr>
+        <p:txBody>
+          <a:bodyPr/>
+          <a:lstStyle/>
+          <a:p>
+            <a:pPr algn="ctr"/>
+            <a:r>
+              <a:rPr lang="en-US" dirty="0"/>
+              <a:t>Lecture 8: 2/24/26</a:t>
+            </a:r>
+          </a:p>
+        </p:txBody>
+      </p:sp>
+      <p:sp>
+        <p:nvSpPr>
+          <p:cNvPr id="6147" name="Rectangle 3">
+            <a:extLst>
+              <a:ext uri="{FF2B5EF4-FFF2-40B4-BE49-F238E27FC236}">
+                <a16:creationId xmlns:a16="http://schemas.microsoft.com/office/drawing/2014/main" id="{82FE8E27-708C-EADC-CBFE-D9A2F8D5FFF9}"/>
+              </a:ext>
+            </a:extLst>
+          </p:cNvPr>
+          <p:cNvSpPr>
+            <a:spLocks noGrp="1" noChangeArrowheads="1"/>
+          </p:cNvSpPr>
+          <p:nvPr>
+            <p:ph idx="1"/>
+            <p:custDataLst>
+              <p:tags r:id="rId2"/>
+            </p:custDataLst>
+          </p:nvPr>
+        </p:nvSpPr>
+        <p:spPr>
+          <a:xfrm>
+            <a:off x="1021404" y="1123950"/>
+            <a:ext cx="10204315" cy="5149850"/>
+          </a:xfrm>
+        </p:spPr>
+        <p:txBody>
+          <a:bodyPr>
+            <a:normAutofit fontScale="92500"/>
+          </a:bodyPr>
+          <a:lstStyle/>
+          <a:p>
+            <a:r>
+              <a:rPr lang="en-US" dirty="0"/>
+              <a:t>Attendance checks will start more regularly now</a:t>
+            </a:r>
+          </a:p>
+          <a:p>
+            <a:r>
+              <a:rPr lang="en-US" dirty="0"/>
+              <a:t>Fourth homework (Linear Programming) is due tonight </a:t>
+            </a:r>
+          </a:p>
+          <a:p>
+            <a:pPr lvl="1"/>
+            <a:r>
+              <a:rPr lang="en-US" dirty="0"/>
+              <a:t>How is it going?? Seems like many of you are getting it.</a:t>
+            </a:r>
+          </a:p>
+          <a:p>
+            <a:pPr lvl="1"/>
+            <a:r>
+              <a:rPr lang="en-US" dirty="0"/>
+              <a:t>As always, extension for up to 5 days if necessary. No extension past that.</a:t>
+            </a:r>
+          </a:p>
+          <a:p>
+            <a:r>
+              <a:rPr lang="en-US" dirty="0"/>
+              <a:t>Normal lecture for both days this week.</a:t>
+            </a:r>
+          </a:p>
+          <a:p>
+            <a:pPr lvl="1"/>
+            <a:r>
+              <a:rPr lang="en-US" dirty="0"/>
+              <a:t>I won’t do the attendance thing on Thursday…so no worries if you are leaving for break early</a:t>
+            </a:r>
+          </a:p>
+          <a:p>
+            <a:r>
+              <a:rPr lang="en-US" dirty="0"/>
+              <a:t>Next week is Spring Break!</a:t>
+            </a:r>
+          </a:p>
+          <a:p>
+            <a:pPr lvl="1"/>
+            <a:r>
+              <a:rPr lang="en-US" dirty="0"/>
+              <a:t>First quiz is the week we get back (on Thursday). I’ll post a sample soon.</a:t>
+            </a:r>
+          </a:p>
+          <a:p>
+            <a:pPr lvl="1"/>
+            <a:r>
+              <a:rPr lang="en-US" dirty="0"/>
+              <a:t>Project starts after break as well…we will sign up for groups, etc. More on this when we get back from spring break.</a:t>
+            </a:r>
+          </a:p>
+          <a:p>
+            <a:r>
+              <a:rPr lang="en-US" dirty="0"/>
+              <a:t>Today we will finish discussing linear programming and start </a:t>
+            </a:r>
+            <a:r>
+              <a:rPr lang="en-US"/>
+              <a:t>computational geometry</a:t>
+            </a:r>
+            <a:endParaRPr lang="en-US" dirty="0"/>
+          </a:p>
+          <a:p>
+            <a:endParaRPr lang="en-US" dirty="0"/>
+          </a:p>
+        </p:txBody>
+      </p:sp>
+    </p:spTree>
+    <p:extLst>
+      <p:ext uri="{BB962C8B-B14F-4D97-AF65-F5344CB8AC3E}">
+        <p14:creationId xmlns:p14="http://schemas.microsoft.com/office/powerpoint/2010/main" val="1914064716"/>
+      </p:ext>
+    </p:extLst>
+  </p:cSld>
+  <p:clrMapOvr>
+    <a:masterClrMapping/>
+  </p:clrMapOvr>
+</p:sld>
+</file>
+
 <file path=ppt/tags/tag1.xml><?xml version="1.0" encoding="utf-8"?>
 <p:tagLst xmlns:a="http://schemas.openxmlformats.org/drawingml/2006/main" xmlns:r="http://schemas.openxmlformats.org/officeDocument/2006/relationships" xmlns:p="http://schemas.openxmlformats.org/presentationml/2006/main">
   <p:tag name="_INSTRUCTOR VIEW19C14C36-AC8E-43BC-9DB6-C2AAF774C7DC|PANE__TAG" val="_"/>
@@ -14002,6 +14181,18 @@
 </file>
 
 <file path=ppt/tags/tag12.xml><?xml version="1.0" encoding="utf-8"?>
+<p:tagLst xmlns:a="http://schemas.openxmlformats.org/drawingml/2006/main" xmlns:r="http://schemas.openxmlformats.org/officeDocument/2006/relationships" xmlns:p="http://schemas.openxmlformats.org/presentationml/2006/main">
+  <p:tag name="_INSTRUCTOR VIEW19C14C36-AC8E-43BC-9DB6-C2AAF774C7DC|PANE__TAG" val="_"/>
+</p:tagLst>
+</file>
+
+<file path=ppt/tags/tag13.xml><?xml version="1.0" encoding="utf-8"?>
+<p:tagLst xmlns:a="http://schemas.openxmlformats.org/drawingml/2006/main" xmlns:r="http://schemas.openxmlformats.org/officeDocument/2006/relationships" xmlns:p="http://schemas.openxmlformats.org/presentationml/2006/main">
+  <p:tag name="_INSTRUCTOR VIEW19C14C36-AC8E-43BC-9DB6-C2AAF774C7DC|PANE__TAG" val="_"/>
+</p:tagLst>
+</file>
+
+<file path=ppt/tags/tag14.xml><?xml version="1.0" encoding="utf-8"?>
 <p:tagLst xmlns:a="http://schemas.openxmlformats.org/drawingml/2006/main" xmlns:r="http://schemas.openxmlformats.org/officeDocument/2006/relationships" xmlns:p="http://schemas.openxmlformats.org/presentationml/2006/main">
   <p:tag name="_INSTRUCTOR VIEW19C14C36-AC8E-43BC-9DB6-C2AAF774C7DC|PANE__TAG" val="_"/>
 </p:tagLst>

--- a/slides/00-DailyAnnouncements.pptx
+++ b/slides/00-DailyAnnouncements.pptx
@@ -5,7 +5,7 @@
     <p:sldMasterId id="2147484006" r:id="rId1"/>
   </p:sldMasterIdLst>
   <p:notesMasterIdLst>
-    <p:notesMasterId r:id="rId10"/>
+    <p:notesMasterId r:id="rId11"/>
   </p:notesMasterIdLst>
   <p:sldIdLst>
     <p:sldId id="256" r:id="rId2"/>
@@ -16,6 +16,7 @@
     <p:sldId id="509" r:id="rId7"/>
     <p:sldId id="510" r:id="rId8"/>
     <p:sldId id="511" r:id="rId9"/>
+    <p:sldId id="512" r:id="rId10"/>
   </p:sldIdLst>
   <p:sldSz cx="12192000" cy="6858000"/>
   <p:notesSz cx="6858000" cy="9144000"/>
@@ -204,7 +205,7 @@
           <a:p>
             <a:fld id="{C5B45307-6ED4-B142-BD64-10F739779302}" type="datetimeFigureOut">
               <a:rPr lang="en-US" smtClean="0"/>
-              <a:t>2/24/26</a:t>
+              <a:t>2/26/26</a:t>
             </a:fld>
             <a:endParaRPr lang="en-US"/>
           </a:p>
@@ -612,7 +613,7 @@
           <a:noFill/>
           <a:extLst>
             <a:ext uri="{909E8E84-426E-40dd-AFC4-6F175D3DCCD1}">
-              <a14:hiddenFill xmlns:a14="http://schemas.microsoft.com/office/drawing/2010/main" xmlns="">
+              <a14:hiddenFill xmlns="" xmlns:a14="http://schemas.microsoft.com/office/drawing/2010/main">
                 <a:solidFill>
                   <a:srgbClr val="FFFFFF"/>
                 </a:solidFill>
@@ -671,7 +672,7 @@
             </a:ln>
             <a:extLst>
               <a:ext uri="{91240B29-F687-4f45-9708-019B960494DF}">
-                <a14:hiddenLine xmlns:a14="http://schemas.microsoft.com/office/drawing/2010/main" xmlns="" w="9525">
+                <a14:hiddenLine xmlns="" xmlns:a14="http://schemas.microsoft.com/office/drawing/2010/main" w="9525">
                   <a:solidFill>
                     <a:srgbClr val="000000"/>
                   </a:solidFill>
@@ -761,7 +762,7 @@
             </a:ln>
             <a:extLst>
               <a:ext uri="{91240B29-F687-4f45-9708-019B960494DF}">
-                <a14:hiddenLine xmlns:a14="http://schemas.microsoft.com/office/drawing/2010/main" xmlns="" w="9525">
+                <a14:hiddenLine xmlns="" xmlns:a14="http://schemas.microsoft.com/office/drawing/2010/main" w="9525">
                   <a:solidFill>
                     <a:srgbClr val="000000"/>
                   </a:solidFill>
@@ -851,7 +852,7 @@
             </a:ln>
             <a:extLst>
               <a:ext uri="{91240B29-F687-4f45-9708-019B960494DF}">
-                <a14:hiddenLine xmlns:a14="http://schemas.microsoft.com/office/drawing/2010/main" xmlns="" w="9525">
+                <a14:hiddenLine xmlns="" xmlns:a14="http://schemas.microsoft.com/office/drawing/2010/main" w="9525">
                   <a:solidFill>
                     <a:srgbClr val="000000"/>
                   </a:solidFill>
@@ -885,7 +886,7 @@
             </a:ln>
             <a:extLst>
               <a:ext uri="{91240B29-F687-4f45-9708-019B960494DF}">
-                <a14:hiddenLine xmlns:a14="http://schemas.microsoft.com/office/drawing/2010/main" xmlns="" w="9525">
+                <a14:hiddenLine xmlns="" xmlns:a14="http://schemas.microsoft.com/office/drawing/2010/main" w="9525">
                   <a:solidFill>
                     <a:srgbClr val="000000"/>
                   </a:solidFill>
@@ -975,7 +976,7 @@
             </a:ln>
             <a:extLst>
               <a:ext uri="{91240B29-F687-4f45-9708-019B960494DF}">
-                <a14:hiddenLine xmlns:a14="http://schemas.microsoft.com/office/drawing/2010/main" xmlns="" w="9525">
+                <a14:hiddenLine xmlns="" xmlns:a14="http://schemas.microsoft.com/office/drawing/2010/main" w="9525">
                   <a:solidFill>
                     <a:srgbClr val="000000"/>
                   </a:solidFill>
@@ -1037,7 +1038,7 @@
             </a:ln>
             <a:extLst>
               <a:ext uri="{91240B29-F687-4f45-9708-019B960494DF}">
-                <a14:hiddenLine xmlns:a14="http://schemas.microsoft.com/office/drawing/2010/main" xmlns="" w="9525">
+                <a14:hiddenLine xmlns="" xmlns:a14="http://schemas.microsoft.com/office/drawing/2010/main" w="9525">
                   <a:solidFill>
                     <a:srgbClr val="000000"/>
                   </a:solidFill>
@@ -1099,7 +1100,7 @@
             </a:ln>
             <a:extLst>
               <a:ext uri="{91240B29-F687-4f45-9708-019B960494DF}">
-                <a14:hiddenLine xmlns:a14="http://schemas.microsoft.com/office/drawing/2010/main" xmlns="" w="9525">
+                <a14:hiddenLine xmlns="" xmlns:a14="http://schemas.microsoft.com/office/drawing/2010/main" w="9525">
                   <a:solidFill>
                     <a:srgbClr val="000000"/>
                   </a:solidFill>
@@ -1189,7 +1190,7 @@
             </a:ln>
             <a:extLst>
               <a:ext uri="{91240B29-F687-4f45-9708-019B960494DF}">
-                <a14:hiddenLine xmlns:a14="http://schemas.microsoft.com/office/drawing/2010/main" xmlns="" w="9525">
+                <a14:hiddenLine xmlns="" xmlns:a14="http://schemas.microsoft.com/office/drawing/2010/main" w="9525">
                   <a:solidFill>
                     <a:srgbClr val="000000"/>
                   </a:solidFill>
@@ -1251,7 +1252,7 @@
             </a:ln>
             <a:extLst>
               <a:ext uri="{91240B29-F687-4f45-9708-019B960494DF}">
-                <a14:hiddenLine xmlns:a14="http://schemas.microsoft.com/office/drawing/2010/main" xmlns="" w="9525">
+                <a14:hiddenLine xmlns="" xmlns:a14="http://schemas.microsoft.com/office/drawing/2010/main" w="9525">
                   <a:solidFill>
                     <a:srgbClr val="000000"/>
                   </a:solidFill>
@@ -1313,7 +1314,7 @@
             </a:ln>
             <a:extLst>
               <a:ext uri="{91240B29-F687-4f45-9708-019B960494DF}">
-                <a14:hiddenLine xmlns:a14="http://schemas.microsoft.com/office/drawing/2010/main" xmlns="" w="9525">
+                <a14:hiddenLine xmlns="" xmlns:a14="http://schemas.microsoft.com/office/drawing/2010/main" w="9525">
                   <a:solidFill>
                     <a:srgbClr val="000000"/>
                   </a:solidFill>
@@ -1403,7 +1404,7 @@
             </a:ln>
             <a:extLst>
               <a:ext uri="{91240B29-F687-4f45-9708-019B960494DF}">
-                <a14:hiddenLine xmlns:a14="http://schemas.microsoft.com/office/drawing/2010/main" xmlns="" w="9525">
+                <a14:hiddenLine xmlns="" xmlns:a14="http://schemas.microsoft.com/office/drawing/2010/main" w="9525">
                   <a:solidFill>
                     <a:srgbClr val="000000"/>
                   </a:solidFill>
@@ -1493,7 +1494,7 @@
             </a:ln>
             <a:extLst>
               <a:ext uri="{91240B29-F687-4f45-9708-019B960494DF}">
-                <a14:hiddenLine xmlns:a14="http://schemas.microsoft.com/office/drawing/2010/main" xmlns="" w="9525">
+                <a14:hiddenLine xmlns="" xmlns:a14="http://schemas.microsoft.com/office/drawing/2010/main" w="9525">
                   <a:solidFill>
                     <a:srgbClr val="000000"/>
                   </a:solidFill>
@@ -1555,7 +1556,7 @@
             </a:ln>
             <a:extLst>
               <a:ext uri="{91240B29-F687-4f45-9708-019B960494DF}">
-                <a14:hiddenLine xmlns:a14="http://schemas.microsoft.com/office/drawing/2010/main" xmlns="" w="9525">
+                <a14:hiddenLine xmlns="" xmlns:a14="http://schemas.microsoft.com/office/drawing/2010/main" w="9525">
                   <a:solidFill>
                     <a:srgbClr val="000000"/>
                   </a:solidFill>
@@ -1665,7 +1666,7 @@
             </a:ln>
             <a:extLst>
               <a:ext uri="{91240B29-F687-4f45-9708-019B960494DF}">
-                <a14:hiddenLine xmlns:a14="http://schemas.microsoft.com/office/drawing/2010/main" xmlns="" w="9525">
+                <a14:hiddenLine xmlns="" xmlns:a14="http://schemas.microsoft.com/office/drawing/2010/main" w="9525">
                   <a:solidFill>
                     <a:srgbClr val="000000"/>
                   </a:solidFill>
@@ -1727,7 +1728,7 @@
             </a:ln>
             <a:extLst>
               <a:ext uri="{91240B29-F687-4f45-9708-019B960494DF}">
-                <a14:hiddenLine xmlns:a14="http://schemas.microsoft.com/office/drawing/2010/main" xmlns="" w="9525">
+                <a14:hiddenLine xmlns="" xmlns:a14="http://schemas.microsoft.com/office/drawing/2010/main" w="9525">
                   <a:solidFill>
                     <a:srgbClr val="000000"/>
                   </a:solidFill>
@@ -1817,7 +1818,7 @@
             </a:ln>
             <a:extLst>
               <a:ext uri="{91240B29-F687-4f45-9708-019B960494DF}">
-                <a14:hiddenLine xmlns:a14="http://schemas.microsoft.com/office/drawing/2010/main" xmlns="" w="9525">
+                <a14:hiddenLine xmlns="" xmlns:a14="http://schemas.microsoft.com/office/drawing/2010/main" w="9525">
                   <a:solidFill>
                     <a:srgbClr val="000000"/>
                   </a:solidFill>
@@ -1907,7 +1908,7 @@
             </a:ln>
             <a:extLst>
               <a:ext uri="{91240B29-F687-4f45-9708-019B960494DF}">
-                <a14:hiddenLine xmlns:a14="http://schemas.microsoft.com/office/drawing/2010/main" xmlns="" w="9525">
+                <a14:hiddenLine xmlns="" xmlns:a14="http://schemas.microsoft.com/office/drawing/2010/main" w="9525">
                   <a:solidFill>
                     <a:srgbClr val="000000"/>
                   </a:solidFill>
@@ -1969,7 +1970,7 @@
             </a:ln>
             <a:extLst>
               <a:ext uri="{91240B29-F687-4f45-9708-019B960494DF}">
-                <a14:hiddenLine xmlns:a14="http://schemas.microsoft.com/office/drawing/2010/main" xmlns="" w="9525">
+                <a14:hiddenLine xmlns="" xmlns:a14="http://schemas.microsoft.com/office/drawing/2010/main" w="9525">
                   <a:solidFill>
                     <a:srgbClr val="000000"/>
                   </a:solidFill>
@@ -2059,7 +2060,7 @@
             </a:ln>
             <a:extLst>
               <a:ext uri="{91240B29-F687-4f45-9708-019B960494DF}">
-                <a14:hiddenLine xmlns:a14="http://schemas.microsoft.com/office/drawing/2010/main" xmlns="" w="9525">
+                <a14:hiddenLine xmlns="" xmlns:a14="http://schemas.microsoft.com/office/drawing/2010/main" w="9525">
                   <a:solidFill>
                     <a:srgbClr val="000000"/>
                   </a:solidFill>
@@ -2149,7 +2150,7 @@
             </a:ln>
             <a:extLst>
               <a:ext uri="{91240B29-F687-4f45-9708-019B960494DF}">
-                <a14:hiddenLine xmlns:a14="http://schemas.microsoft.com/office/drawing/2010/main" xmlns="" w="9525">
+                <a14:hiddenLine xmlns="" xmlns:a14="http://schemas.microsoft.com/office/drawing/2010/main" w="9525">
                   <a:solidFill>
                     <a:srgbClr val="000000"/>
                   </a:solidFill>
@@ -2205,7 +2206,7 @@
             </a:ln>
             <a:extLst>
               <a:ext uri="{91240B29-F687-4f45-9708-019B960494DF}">
-                <a14:hiddenLine xmlns:a14="http://schemas.microsoft.com/office/drawing/2010/main" xmlns="" w="9525">
+                <a14:hiddenLine xmlns="" xmlns:a14="http://schemas.microsoft.com/office/drawing/2010/main" w="9525">
                   <a:solidFill>
                     <a:srgbClr val="000000"/>
                   </a:solidFill>
@@ -2295,7 +2296,7 @@
             </a:ln>
             <a:extLst>
               <a:ext uri="{91240B29-F687-4f45-9708-019B960494DF}">
-                <a14:hiddenLine xmlns:a14="http://schemas.microsoft.com/office/drawing/2010/main" xmlns="" w="9525">
+                <a14:hiddenLine xmlns="" xmlns:a14="http://schemas.microsoft.com/office/drawing/2010/main" w="9525">
                   <a:solidFill>
                     <a:srgbClr val="000000"/>
                   </a:solidFill>
@@ -2351,7 +2352,7 @@
             </a:ln>
             <a:extLst>
               <a:ext uri="{91240B29-F687-4f45-9708-019B960494DF}">
-                <a14:hiddenLine xmlns:a14="http://schemas.microsoft.com/office/drawing/2010/main" xmlns="" w="9525">
+                <a14:hiddenLine xmlns="" xmlns:a14="http://schemas.microsoft.com/office/drawing/2010/main" w="9525">
                   <a:solidFill>
                     <a:srgbClr val="000000"/>
                   </a:solidFill>
@@ -2441,7 +2442,7 @@
             </a:ln>
             <a:extLst>
               <a:ext uri="{91240B29-F687-4f45-9708-019B960494DF}">
-                <a14:hiddenLine xmlns:a14="http://schemas.microsoft.com/office/drawing/2010/main" xmlns="" w="9525">
+                <a14:hiddenLine xmlns="" xmlns:a14="http://schemas.microsoft.com/office/drawing/2010/main" w="9525">
                   <a:solidFill>
                     <a:srgbClr val="000000"/>
                   </a:solidFill>
@@ -2509,7 +2510,7 @@
             </a:ln>
             <a:extLst>
               <a:ext uri="{91240B29-F687-4f45-9708-019B960494DF}">
-                <a14:hiddenLine xmlns:a14="http://schemas.microsoft.com/office/drawing/2010/main" xmlns="" w="9525">
+                <a14:hiddenLine xmlns="" xmlns:a14="http://schemas.microsoft.com/office/drawing/2010/main" w="9525">
                   <a:solidFill>
                     <a:srgbClr val="000000"/>
                   </a:solidFill>
@@ -2599,7 +2600,7 @@
             </a:ln>
             <a:extLst>
               <a:ext uri="{91240B29-F687-4f45-9708-019B960494DF}">
-                <a14:hiddenLine xmlns:a14="http://schemas.microsoft.com/office/drawing/2010/main" xmlns="" w="9525">
+                <a14:hiddenLine xmlns="" xmlns:a14="http://schemas.microsoft.com/office/drawing/2010/main" w="9525">
                   <a:solidFill>
                     <a:srgbClr val="000000"/>
                   </a:solidFill>
@@ -2667,7 +2668,7 @@
             </a:ln>
             <a:extLst>
               <a:ext uri="{91240B29-F687-4f45-9708-019B960494DF}">
-                <a14:hiddenLine xmlns:a14="http://schemas.microsoft.com/office/drawing/2010/main" xmlns="" w="9525">
+                <a14:hiddenLine xmlns="" xmlns:a14="http://schemas.microsoft.com/office/drawing/2010/main" w="9525">
                   <a:solidFill>
                     <a:srgbClr val="000000"/>
                   </a:solidFill>
@@ -2757,7 +2758,7 @@
             </a:ln>
             <a:extLst>
               <a:ext uri="{91240B29-F687-4f45-9708-019B960494DF}">
-                <a14:hiddenLine xmlns:a14="http://schemas.microsoft.com/office/drawing/2010/main" xmlns="" w="9525">
+                <a14:hiddenLine xmlns="" xmlns:a14="http://schemas.microsoft.com/office/drawing/2010/main" w="9525">
                   <a:solidFill>
                     <a:srgbClr val="000000"/>
                   </a:solidFill>
@@ -2791,7 +2792,7 @@
             </a:ln>
             <a:extLst>
               <a:ext uri="{91240B29-F687-4f45-9708-019B960494DF}">
-                <a14:hiddenLine xmlns:a14="http://schemas.microsoft.com/office/drawing/2010/main" xmlns="" w="9525">
+                <a14:hiddenLine xmlns="" xmlns:a14="http://schemas.microsoft.com/office/drawing/2010/main" w="9525">
                   <a:solidFill>
                     <a:srgbClr val="000000"/>
                   </a:solidFill>
@@ -2881,7 +2882,7 @@
             </a:ln>
             <a:extLst>
               <a:ext uri="{91240B29-F687-4f45-9708-019B960494DF}">
-                <a14:hiddenLine xmlns:a14="http://schemas.microsoft.com/office/drawing/2010/main" xmlns="" w="9525">
+                <a14:hiddenLine xmlns="" xmlns:a14="http://schemas.microsoft.com/office/drawing/2010/main" w="9525">
                   <a:solidFill>
                     <a:srgbClr val="000000"/>
                   </a:solidFill>
@@ -2943,7 +2944,7 @@
             </a:ln>
             <a:extLst>
               <a:ext uri="{91240B29-F687-4f45-9708-019B960494DF}">
-                <a14:hiddenLine xmlns:a14="http://schemas.microsoft.com/office/drawing/2010/main" xmlns="" w="9525">
+                <a14:hiddenLine xmlns="" xmlns:a14="http://schemas.microsoft.com/office/drawing/2010/main" w="9525">
                   <a:solidFill>
                     <a:srgbClr val="000000"/>
                   </a:solidFill>
@@ -3005,7 +3006,7 @@
             </a:ln>
             <a:extLst>
               <a:ext uri="{91240B29-F687-4f45-9708-019B960494DF}">
-                <a14:hiddenLine xmlns:a14="http://schemas.microsoft.com/office/drawing/2010/main" xmlns="" w="9525">
+                <a14:hiddenLine xmlns="" xmlns:a14="http://schemas.microsoft.com/office/drawing/2010/main" w="9525">
                   <a:solidFill>
                     <a:srgbClr val="000000"/>
                   </a:solidFill>
@@ -3095,7 +3096,7 @@
             </a:ln>
             <a:extLst>
               <a:ext uri="{91240B29-F687-4f45-9708-019B960494DF}">
-                <a14:hiddenLine xmlns:a14="http://schemas.microsoft.com/office/drawing/2010/main" xmlns="" w="9525">
+                <a14:hiddenLine xmlns="" xmlns:a14="http://schemas.microsoft.com/office/drawing/2010/main" w="9525">
                   <a:solidFill>
                     <a:srgbClr val="000000"/>
                   </a:solidFill>
@@ -3163,7 +3164,7 @@
             </a:ln>
             <a:extLst>
               <a:ext uri="{91240B29-F687-4f45-9708-019B960494DF}">
-                <a14:hiddenLine xmlns:a14="http://schemas.microsoft.com/office/drawing/2010/main" xmlns="" w="9525">
+                <a14:hiddenLine xmlns="" xmlns:a14="http://schemas.microsoft.com/office/drawing/2010/main" w="9525">
                   <a:solidFill>
                     <a:srgbClr val="000000"/>
                   </a:solidFill>
@@ -3225,7 +3226,7 @@
             </a:ln>
             <a:extLst>
               <a:ext uri="{91240B29-F687-4f45-9708-019B960494DF}">
-                <a14:hiddenLine xmlns:a14="http://schemas.microsoft.com/office/drawing/2010/main" xmlns="" w="9525">
+                <a14:hiddenLine xmlns="" xmlns:a14="http://schemas.microsoft.com/office/drawing/2010/main" w="9525">
                   <a:solidFill>
                     <a:srgbClr val="000000"/>
                   </a:solidFill>
@@ -3315,7 +3316,7 @@
             </a:ln>
             <a:extLst>
               <a:ext uri="{91240B29-F687-4f45-9708-019B960494DF}">
-                <a14:hiddenLine xmlns:a14="http://schemas.microsoft.com/office/drawing/2010/main" xmlns="" w="9525">
+                <a14:hiddenLine xmlns="" xmlns:a14="http://schemas.microsoft.com/office/drawing/2010/main" w="9525">
                   <a:solidFill>
                     <a:srgbClr val="000000"/>
                   </a:solidFill>
@@ -3377,7 +3378,7 @@
             </a:ln>
             <a:extLst>
               <a:ext uri="{91240B29-F687-4f45-9708-019B960494DF}">
-                <a14:hiddenLine xmlns:a14="http://schemas.microsoft.com/office/drawing/2010/main" xmlns="" w="9525">
+                <a14:hiddenLine xmlns="" xmlns:a14="http://schemas.microsoft.com/office/drawing/2010/main" w="9525">
                   <a:solidFill>
                     <a:srgbClr val="000000"/>
                   </a:solidFill>
@@ -3467,7 +3468,7 @@
             </a:ln>
             <a:extLst>
               <a:ext uri="{91240B29-F687-4f45-9708-019B960494DF}">
-                <a14:hiddenLine xmlns:a14="http://schemas.microsoft.com/office/drawing/2010/main" xmlns="" w="9525">
+                <a14:hiddenLine xmlns="" xmlns:a14="http://schemas.microsoft.com/office/drawing/2010/main" w="9525">
                   <a:solidFill>
                     <a:srgbClr val="000000"/>
                   </a:solidFill>
@@ -3529,7 +3530,7 @@
             </a:ln>
             <a:extLst>
               <a:ext uri="{91240B29-F687-4f45-9708-019B960494DF}">
-                <a14:hiddenLine xmlns:a14="http://schemas.microsoft.com/office/drawing/2010/main" xmlns="" w="9525">
+                <a14:hiddenLine xmlns="" xmlns:a14="http://schemas.microsoft.com/office/drawing/2010/main" w="9525">
                   <a:solidFill>
                     <a:srgbClr val="000000"/>
                   </a:solidFill>
@@ -3619,7 +3620,7 @@
             </a:ln>
             <a:extLst>
               <a:ext uri="{91240B29-F687-4f45-9708-019B960494DF}">
-                <a14:hiddenLine xmlns:a14="http://schemas.microsoft.com/office/drawing/2010/main" xmlns="" w="9525">
+                <a14:hiddenLine xmlns="" xmlns:a14="http://schemas.microsoft.com/office/drawing/2010/main" w="9525">
                   <a:solidFill>
                     <a:srgbClr val="000000"/>
                   </a:solidFill>
@@ -3653,7 +3654,7 @@
             </a:ln>
             <a:extLst>
               <a:ext uri="{91240B29-F687-4f45-9708-019B960494DF}">
-                <a14:hiddenLine xmlns:a14="http://schemas.microsoft.com/office/drawing/2010/main" xmlns="" w="9525">
+                <a14:hiddenLine xmlns="" xmlns:a14="http://schemas.microsoft.com/office/drawing/2010/main" w="9525">
                   <a:solidFill>
                     <a:srgbClr val="000000"/>
                   </a:solidFill>
@@ -3718,7 +3719,7 @@
             </a:ln>
             <a:extLst>
               <a:ext uri="{91240B29-F687-4f45-9708-019B960494DF}">
-                <a14:hiddenLine xmlns:a14="http://schemas.microsoft.com/office/drawing/2010/main" xmlns="" w="9525">
+                <a14:hiddenLine xmlns="" xmlns:a14="http://schemas.microsoft.com/office/drawing/2010/main" w="9525">
                   <a:solidFill>
                     <a:srgbClr val="000000"/>
                   </a:solidFill>
@@ -3808,7 +3809,7 @@
             </a:ln>
             <a:extLst>
               <a:ext uri="{91240B29-F687-4f45-9708-019B960494DF}">
-                <a14:hiddenLine xmlns:a14="http://schemas.microsoft.com/office/drawing/2010/main" xmlns="" w="9525">
+                <a14:hiddenLine xmlns="" xmlns:a14="http://schemas.microsoft.com/office/drawing/2010/main" w="9525">
                   <a:solidFill>
                     <a:srgbClr val="000000"/>
                   </a:solidFill>
@@ -3870,7 +3871,7 @@
             </a:ln>
             <a:extLst>
               <a:ext uri="{91240B29-F687-4f45-9708-019B960494DF}">
-                <a14:hiddenLine xmlns:a14="http://schemas.microsoft.com/office/drawing/2010/main" xmlns="" w="9525">
+                <a14:hiddenLine xmlns="" xmlns:a14="http://schemas.microsoft.com/office/drawing/2010/main" w="9525">
                   <a:solidFill>
                     <a:srgbClr val="000000"/>
                   </a:solidFill>
@@ -3960,7 +3961,7 @@
             </a:ln>
             <a:extLst>
               <a:ext uri="{91240B29-F687-4f45-9708-019B960494DF}">
-                <a14:hiddenLine xmlns:a14="http://schemas.microsoft.com/office/drawing/2010/main" xmlns="" w="9525">
+                <a14:hiddenLine xmlns="" xmlns:a14="http://schemas.microsoft.com/office/drawing/2010/main" w="9525">
                   <a:solidFill>
                     <a:srgbClr val="000000"/>
                   </a:solidFill>
@@ -4050,7 +4051,7 @@
             </a:ln>
             <a:extLst>
               <a:ext uri="{91240B29-F687-4f45-9708-019B960494DF}">
-                <a14:hiddenLine xmlns:a14="http://schemas.microsoft.com/office/drawing/2010/main" xmlns="" w="9525">
+                <a14:hiddenLine xmlns="" xmlns:a14="http://schemas.microsoft.com/office/drawing/2010/main" w="9525">
                   <a:solidFill>
                     <a:srgbClr val="000000"/>
                   </a:solidFill>
@@ -4115,7 +4116,7 @@
             </a:ln>
             <a:extLst>
               <a:ext uri="{91240B29-F687-4f45-9708-019B960494DF}">
-                <a14:hiddenLine xmlns:a14="http://schemas.microsoft.com/office/drawing/2010/main" xmlns="" w="9525">
+                <a14:hiddenLine xmlns="" xmlns:a14="http://schemas.microsoft.com/office/drawing/2010/main" w="9525">
                   <a:solidFill>
                     <a:srgbClr val="000000"/>
                   </a:solidFill>
@@ -4177,7 +4178,7 @@
             </a:ln>
             <a:extLst>
               <a:ext uri="{91240B29-F687-4f45-9708-019B960494DF}">
-                <a14:hiddenLine xmlns:a14="http://schemas.microsoft.com/office/drawing/2010/main" xmlns="" w="9525">
+                <a14:hiddenLine xmlns="" xmlns:a14="http://schemas.microsoft.com/office/drawing/2010/main" w="9525">
                   <a:solidFill>
                     <a:srgbClr val="000000"/>
                   </a:solidFill>
@@ -4267,7 +4268,7 @@
             </a:ln>
             <a:extLst>
               <a:ext uri="{91240B29-F687-4f45-9708-019B960494DF}">
-                <a14:hiddenLine xmlns:a14="http://schemas.microsoft.com/office/drawing/2010/main" xmlns="" w="9525">
+                <a14:hiddenLine xmlns="" xmlns:a14="http://schemas.microsoft.com/office/drawing/2010/main" w="9525">
                   <a:solidFill>
                     <a:srgbClr val="000000"/>
                   </a:solidFill>
@@ -4357,7 +4358,7 @@
             </a:ln>
             <a:extLst>
               <a:ext uri="{91240B29-F687-4f45-9708-019B960494DF}">
-                <a14:hiddenLine xmlns:a14="http://schemas.microsoft.com/office/drawing/2010/main" xmlns="" w="9525">
+                <a14:hiddenLine xmlns="" xmlns:a14="http://schemas.microsoft.com/office/drawing/2010/main" w="9525">
                   <a:solidFill>
                     <a:srgbClr val="000000"/>
                   </a:solidFill>
@@ -4419,7 +4420,7 @@
             </a:ln>
             <a:extLst>
               <a:ext uri="{91240B29-F687-4f45-9708-019B960494DF}">
-                <a14:hiddenLine xmlns:a14="http://schemas.microsoft.com/office/drawing/2010/main" xmlns="" w="9525">
+                <a14:hiddenLine xmlns="" xmlns:a14="http://schemas.microsoft.com/office/drawing/2010/main" w="9525">
                   <a:solidFill>
                     <a:srgbClr val="000000"/>
                   </a:solidFill>
@@ -4539,7 +4540,7 @@
             </a:ln>
             <a:extLst>
               <a:ext uri="{91240B29-F687-4f45-9708-019B960494DF}">
-                <a14:hiddenLine xmlns:a14="http://schemas.microsoft.com/office/drawing/2010/main" xmlns="" w="9525">
+                <a14:hiddenLine xmlns="" xmlns:a14="http://schemas.microsoft.com/office/drawing/2010/main" w="9525">
                   <a:solidFill>
                     <a:srgbClr val="000000"/>
                   </a:solidFill>
@@ -4607,7 +4608,7 @@
             </a:ln>
             <a:extLst>
               <a:ext uri="{91240B29-F687-4f45-9708-019B960494DF}">
-                <a14:hiddenLine xmlns:a14="http://schemas.microsoft.com/office/drawing/2010/main" xmlns="" w="9525">
+                <a14:hiddenLine xmlns="" xmlns:a14="http://schemas.microsoft.com/office/drawing/2010/main" w="9525">
                   <a:solidFill>
                     <a:srgbClr val="000000"/>
                   </a:solidFill>
@@ -4697,7 +4698,7 @@
             </a:ln>
             <a:extLst>
               <a:ext uri="{91240B29-F687-4f45-9708-019B960494DF}">
-                <a14:hiddenLine xmlns:a14="http://schemas.microsoft.com/office/drawing/2010/main" xmlns="" w="9525">
+                <a14:hiddenLine xmlns="" xmlns:a14="http://schemas.microsoft.com/office/drawing/2010/main" w="9525">
                   <a:solidFill>
                     <a:srgbClr val="000000"/>
                   </a:solidFill>
@@ -4837,7 +4838,7 @@
           <a:p>
             <a:fld id="{EC4347D3-4C9A-C240-8F14-750059DFEEB0}" type="datetimeFigureOut">
               <a:rPr lang="en-US" smtClean="0"/>
-              <a:t>2/24/26</a:t>
+              <a:t>2/26/26</a:t>
             </a:fld>
             <a:endParaRPr lang="en-US"/>
           </a:p>
@@ -5104,7 +5105,7 @@
           <a:p>
             <a:fld id="{EC4347D3-4C9A-C240-8F14-750059DFEEB0}" type="datetimeFigureOut">
               <a:rPr lang="en-US" smtClean="0"/>
-              <a:t>2/24/26</a:t>
+              <a:t>2/26/26</a:t>
             </a:fld>
             <a:endParaRPr lang="en-US"/>
           </a:p>
@@ -5300,7 +5301,7 @@
           <a:p>
             <a:fld id="{EC4347D3-4C9A-C240-8F14-750059DFEEB0}" type="datetimeFigureOut">
               <a:rPr lang="en-US" smtClean="0"/>
-              <a:t>2/24/26</a:t>
+              <a:t>2/26/26</a:t>
             </a:fld>
             <a:endParaRPr lang="en-US"/>
           </a:p>
@@ -5563,7 +5564,7 @@
           <a:p>
             <a:fld id="{EC4347D3-4C9A-C240-8F14-750059DFEEB0}" type="datetimeFigureOut">
               <a:rPr lang="en-US" smtClean="0"/>
-              <a:t>2/24/26</a:t>
+              <a:t>2/26/26</a:t>
             </a:fld>
             <a:endParaRPr lang="en-US"/>
           </a:p>
@@ -5997,7 +5998,7 @@
           <a:p>
             <a:fld id="{EC4347D3-4C9A-C240-8F14-750059DFEEB0}" type="datetimeFigureOut">
               <a:rPr lang="en-US" smtClean="0"/>
-              <a:t>2/24/26</a:t>
+              <a:t>2/26/26</a:t>
             </a:fld>
             <a:endParaRPr lang="en-US"/>
           </a:p>
@@ -6543,7 +6544,7 @@
           <a:p>
             <a:fld id="{EC4347D3-4C9A-C240-8F14-750059DFEEB0}" type="datetimeFigureOut">
               <a:rPr lang="en-US" smtClean="0"/>
-              <a:t>2/24/26</a:t>
+              <a:t>2/26/26</a:t>
             </a:fld>
             <a:endParaRPr lang="en-US"/>
           </a:p>
@@ -7263,7 +7264,7 @@
           <a:p>
             <a:fld id="{EC4347D3-4C9A-C240-8F14-750059DFEEB0}" type="datetimeFigureOut">
               <a:rPr lang="en-US" smtClean="0"/>
-              <a:t>2/24/26</a:t>
+              <a:t>2/26/26</a:t>
             </a:fld>
             <a:endParaRPr lang="en-US"/>
           </a:p>
@@ -7433,7 +7434,7 @@
           <a:p>
             <a:fld id="{EC4347D3-4C9A-C240-8F14-750059DFEEB0}" type="datetimeFigureOut">
               <a:rPr lang="en-US" smtClean="0"/>
-              <a:t>2/24/26</a:t>
+              <a:t>2/26/26</a:t>
             </a:fld>
             <a:endParaRPr lang="en-US"/>
           </a:p>
@@ -7613,7 +7614,7 @@
           <a:p>
             <a:fld id="{EC4347D3-4C9A-C240-8F14-750059DFEEB0}" type="datetimeFigureOut">
               <a:rPr lang="en-US" smtClean="0"/>
-              <a:t>2/24/26</a:t>
+              <a:t>2/26/26</a:t>
             </a:fld>
             <a:endParaRPr lang="en-US"/>
           </a:p>
@@ -7783,7 +7784,7 @@
           <a:p>
             <a:fld id="{EC4347D3-4C9A-C240-8F14-750059DFEEB0}" type="datetimeFigureOut">
               <a:rPr lang="en-US" smtClean="0"/>
-              <a:t>2/24/26</a:t>
+              <a:t>2/26/26</a:t>
             </a:fld>
             <a:endParaRPr lang="en-US"/>
           </a:p>
@@ -8033,7 +8034,7 @@
           <a:p>
             <a:fld id="{EC4347D3-4C9A-C240-8F14-750059DFEEB0}" type="datetimeFigureOut">
               <a:rPr lang="en-US" smtClean="0"/>
-              <a:t>2/24/26</a:t>
+              <a:t>2/26/26</a:t>
             </a:fld>
             <a:endParaRPr lang="en-US"/>
           </a:p>
@@ -8265,7 +8266,7 @@
           <a:p>
             <a:fld id="{EC4347D3-4C9A-C240-8F14-750059DFEEB0}" type="datetimeFigureOut">
               <a:rPr lang="en-US" smtClean="0"/>
-              <a:t>2/24/26</a:t>
+              <a:t>2/26/26</a:t>
             </a:fld>
             <a:endParaRPr lang="en-US"/>
           </a:p>
@@ -8651,7 +8652,7 @@
           <a:p>
             <a:fld id="{EC4347D3-4C9A-C240-8F14-750059DFEEB0}" type="datetimeFigureOut">
               <a:rPr lang="en-US" smtClean="0"/>
-              <a:t>2/24/26</a:t>
+              <a:t>2/26/26</a:t>
             </a:fld>
             <a:endParaRPr lang="en-US"/>
           </a:p>
@@ -8774,7 +8775,7 @@
           <a:p>
             <a:fld id="{EC4347D3-4C9A-C240-8F14-750059DFEEB0}" type="datetimeFigureOut">
               <a:rPr lang="en-US" smtClean="0"/>
-              <a:t>2/24/26</a:t>
+              <a:t>2/26/26</a:t>
             </a:fld>
             <a:endParaRPr lang="en-US"/>
           </a:p>
@@ -8869,7 +8870,7 @@
           <a:p>
             <a:fld id="{EC4347D3-4C9A-C240-8F14-750059DFEEB0}" type="datetimeFigureOut">
               <a:rPr lang="en-US" smtClean="0"/>
-              <a:t>2/24/26</a:t>
+              <a:t>2/26/26</a:t>
             </a:fld>
             <a:endParaRPr lang="en-US"/>
           </a:p>
@@ -9118,7 +9119,7 @@
           <a:p>
             <a:fld id="{EC4347D3-4C9A-C240-8F14-750059DFEEB0}" type="datetimeFigureOut">
               <a:rPr lang="en-US" smtClean="0"/>
-              <a:t>2/24/26</a:t>
+              <a:t>2/26/26</a:t>
             </a:fld>
             <a:endParaRPr lang="en-US"/>
           </a:p>
@@ -9403,7 +9404,7 @@
           <a:p>
             <a:fld id="{EC4347D3-4C9A-C240-8F14-750059DFEEB0}" type="datetimeFigureOut">
               <a:rPr lang="en-US" smtClean="0"/>
-              <a:t>2/24/26</a:t>
+              <a:t>2/26/26</a:t>
             </a:fld>
             <a:endParaRPr lang="en-US"/>
           </a:p>
@@ -9526,7 +9527,7 @@
           <a:noFill/>
           <a:extLst>
             <a:ext uri="{909E8E84-426E-40dd-AFC4-6F175D3DCCD1}">
-              <a14:hiddenFill xmlns:a14="http://schemas.microsoft.com/office/drawing/2010/main" xmlns="">
+              <a14:hiddenFill xmlns="" xmlns:a14="http://schemas.microsoft.com/office/drawing/2010/main">
                 <a:solidFill>
                   <a:srgbClr val="FFFFFF"/>
                 </a:solidFill>
@@ -9600,7 +9601,7 @@
               </a:ln>
               <a:extLst>
                 <a:ext uri="{91240B29-F687-4f45-9708-019B960494DF}">
-                  <a14:hiddenLine xmlns:a14="http://schemas.microsoft.com/office/drawing/2010/main" xmlns="" w="9525">
+                  <a14:hiddenLine xmlns="" xmlns:a14="http://schemas.microsoft.com/office/drawing/2010/main" w="9525">
                     <a:solidFill>
                       <a:srgbClr val="000000"/>
                     </a:solidFill>
@@ -9690,7 +9691,7 @@
               </a:ln>
               <a:extLst>
                 <a:ext uri="{91240B29-F687-4f45-9708-019B960494DF}">
-                  <a14:hiddenLine xmlns:a14="http://schemas.microsoft.com/office/drawing/2010/main" xmlns="" w="9525">
+                  <a14:hiddenLine xmlns="" xmlns:a14="http://schemas.microsoft.com/office/drawing/2010/main" w="9525">
                     <a:solidFill>
                       <a:srgbClr val="000000"/>
                     </a:solidFill>
@@ -9780,7 +9781,7 @@
               </a:ln>
               <a:extLst>
                 <a:ext uri="{91240B29-F687-4f45-9708-019B960494DF}">
-                  <a14:hiddenLine xmlns:a14="http://schemas.microsoft.com/office/drawing/2010/main" xmlns="" w="9525">
+                  <a14:hiddenLine xmlns="" xmlns:a14="http://schemas.microsoft.com/office/drawing/2010/main" w="9525">
                     <a:solidFill>
                       <a:srgbClr val="000000"/>
                     </a:solidFill>
@@ -9842,7 +9843,7 @@
               </a:ln>
               <a:extLst>
                 <a:ext uri="{91240B29-F687-4f45-9708-019B960494DF}">
-                  <a14:hiddenLine xmlns:a14="http://schemas.microsoft.com/office/drawing/2010/main" xmlns="" w="9525">
+                  <a14:hiddenLine xmlns="" xmlns:a14="http://schemas.microsoft.com/office/drawing/2010/main" w="9525">
                     <a:solidFill>
                       <a:srgbClr val="000000"/>
                     </a:solidFill>
@@ -9932,7 +9933,7 @@
               </a:ln>
               <a:extLst>
                 <a:ext uri="{91240B29-F687-4f45-9708-019B960494DF}">
-                  <a14:hiddenLine xmlns:a14="http://schemas.microsoft.com/office/drawing/2010/main" xmlns="" w="9525">
+                  <a14:hiddenLine xmlns="" xmlns:a14="http://schemas.microsoft.com/office/drawing/2010/main" w="9525">
                     <a:solidFill>
                       <a:srgbClr val="000000"/>
                     </a:solidFill>
@@ -9994,7 +9995,7 @@
               </a:ln>
               <a:extLst>
                 <a:ext uri="{91240B29-F687-4f45-9708-019B960494DF}">
-                  <a14:hiddenLine xmlns:a14="http://schemas.microsoft.com/office/drawing/2010/main" xmlns="" w="9525">
+                  <a14:hiddenLine xmlns="" xmlns:a14="http://schemas.microsoft.com/office/drawing/2010/main" w="9525">
                     <a:solidFill>
                       <a:srgbClr val="000000"/>
                     </a:solidFill>
@@ -10056,7 +10057,7 @@
               </a:ln>
               <a:extLst>
                 <a:ext uri="{91240B29-F687-4f45-9708-019B960494DF}">
-                  <a14:hiddenLine xmlns:a14="http://schemas.microsoft.com/office/drawing/2010/main" xmlns="" w="9525">
+                  <a14:hiddenLine xmlns="" xmlns:a14="http://schemas.microsoft.com/office/drawing/2010/main" w="9525">
                     <a:solidFill>
                       <a:srgbClr val="000000"/>
                     </a:solidFill>
@@ -10146,7 +10147,7 @@
               </a:ln>
               <a:extLst>
                 <a:ext uri="{91240B29-F687-4f45-9708-019B960494DF}">
-                  <a14:hiddenLine xmlns:a14="http://schemas.microsoft.com/office/drawing/2010/main" xmlns="" w="9525">
+                  <a14:hiddenLine xmlns="" xmlns:a14="http://schemas.microsoft.com/office/drawing/2010/main" w="9525">
                     <a:solidFill>
                       <a:srgbClr val="000000"/>
                     </a:solidFill>
@@ -10236,7 +10237,7 @@
               </a:ln>
               <a:extLst>
                 <a:ext uri="{91240B29-F687-4f45-9708-019B960494DF}">
-                  <a14:hiddenLine xmlns:a14="http://schemas.microsoft.com/office/drawing/2010/main" xmlns="" w="9525">
+                  <a14:hiddenLine xmlns="" xmlns:a14="http://schemas.microsoft.com/office/drawing/2010/main" w="9525">
                     <a:solidFill>
                       <a:srgbClr val="000000"/>
                     </a:solidFill>
@@ -10298,7 +10299,7 @@
               </a:ln>
               <a:extLst>
                 <a:ext uri="{91240B29-F687-4f45-9708-019B960494DF}">
-                  <a14:hiddenLine xmlns:a14="http://schemas.microsoft.com/office/drawing/2010/main" xmlns="" w="9525">
+                  <a14:hiddenLine xmlns="" xmlns:a14="http://schemas.microsoft.com/office/drawing/2010/main" w="9525">
                     <a:solidFill>
                       <a:srgbClr val="000000"/>
                     </a:solidFill>
@@ -10408,7 +10409,7 @@
               </a:ln>
               <a:extLst>
                 <a:ext uri="{91240B29-F687-4f45-9708-019B960494DF}">
-                  <a14:hiddenLine xmlns:a14="http://schemas.microsoft.com/office/drawing/2010/main" xmlns="" w="9525">
+                  <a14:hiddenLine xmlns="" xmlns:a14="http://schemas.microsoft.com/office/drawing/2010/main" w="9525">
                     <a:solidFill>
                       <a:srgbClr val="000000"/>
                     </a:solidFill>
@@ -10492,7 +10493,7 @@
               </a:ln>
               <a:extLst>
                 <a:ext uri="{91240B29-F687-4f45-9708-019B960494DF}">
-                  <a14:hiddenLine xmlns:a14="http://schemas.microsoft.com/office/drawing/2010/main" xmlns="" w="9525">
+                  <a14:hiddenLine xmlns="" xmlns:a14="http://schemas.microsoft.com/office/drawing/2010/main" w="9525">
                     <a:solidFill>
                       <a:srgbClr val="000000"/>
                     </a:solidFill>
@@ -10554,7 +10555,7 @@
               </a:ln>
               <a:extLst>
                 <a:ext uri="{91240B29-F687-4f45-9708-019B960494DF}">
-                  <a14:hiddenLine xmlns:a14="http://schemas.microsoft.com/office/drawing/2010/main" xmlns="" w="9525">
+                  <a14:hiddenLine xmlns="" xmlns:a14="http://schemas.microsoft.com/office/drawing/2010/main" w="9525">
                     <a:solidFill>
                       <a:srgbClr val="000000"/>
                     </a:solidFill>
@@ -10616,7 +10617,7 @@
               </a:ln>
               <a:extLst>
                 <a:ext uri="{91240B29-F687-4f45-9708-019B960494DF}">
-                  <a14:hiddenLine xmlns:a14="http://schemas.microsoft.com/office/drawing/2010/main" xmlns="" w="9525">
+                  <a14:hiddenLine xmlns="" xmlns:a14="http://schemas.microsoft.com/office/drawing/2010/main" w="9525">
                     <a:solidFill>
                       <a:srgbClr val="000000"/>
                     </a:solidFill>
@@ -10706,7 +10707,7 @@
               </a:ln>
               <a:extLst>
                 <a:ext uri="{91240B29-F687-4f45-9708-019B960494DF}">
-                  <a14:hiddenLine xmlns:a14="http://schemas.microsoft.com/office/drawing/2010/main" xmlns="" w="9525">
+                  <a14:hiddenLine xmlns="" xmlns:a14="http://schemas.microsoft.com/office/drawing/2010/main" w="9525">
                     <a:solidFill>
                       <a:srgbClr val="000000"/>
                     </a:solidFill>
@@ -10740,7 +10741,7 @@
               </a:ln>
               <a:extLst>
                 <a:ext uri="{91240B29-F687-4f45-9708-019B960494DF}">
-                  <a14:hiddenLine xmlns:a14="http://schemas.microsoft.com/office/drawing/2010/main" xmlns="" w="9525">
+                  <a14:hiddenLine xmlns="" xmlns:a14="http://schemas.microsoft.com/office/drawing/2010/main" w="9525">
                     <a:solidFill>
                       <a:srgbClr val="000000"/>
                     </a:solidFill>
@@ -10805,7 +10806,7 @@
               </a:ln>
               <a:extLst>
                 <a:ext uri="{91240B29-F687-4f45-9708-019B960494DF}">
-                  <a14:hiddenLine xmlns:a14="http://schemas.microsoft.com/office/drawing/2010/main" xmlns="" w="9525">
+                  <a14:hiddenLine xmlns="" xmlns:a14="http://schemas.microsoft.com/office/drawing/2010/main" w="9525">
                     <a:solidFill>
                       <a:srgbClr val="000000"/>
                     </a:solidFill>
@@ -10895,7 +10896,7 @@
               </a:ln>
               <a:extLst>
                 <a:ext uri="{91240B29-F687-4f45-9708-019B960494DF}">
-                  <a14:hiddenLine xmlns:a14="http://schemas.microsoft.com/office/drawing/2010/main" xmlns="" w="9525">
+                  <a14:hiddenLine xmlns="" xmlns:a14="http://schemas.microsoft.com/office/drawing/2010/main" w="9525">
                     <a:solidFill>
                       <a:srgbClr val="000000"/>
                     </a:solidFill>
@@ -10957,7 +10958,7 @@
               </a:ln>
               <a:extLst>
                 <a:ext uri="{91240B29-F687-4f45-9708-019B960494DF}">
-                  <a14:hiddenLine xmlns:a14="http://schemas.microsoft.com/office/drawing/2010/main" xmlns="" w="9525">
+                  <a14:hiddenLine xmlns="" xmlns:a14="http://schemas.microsoft.com/office/drawing/2010/main" w="9525">
                     <a:solidFill>
                       <a:srgbClr val="000000"/>
                     </a:solidFill>
@@ -11047,7 +11048,7 @@
               </a:ln>
               <a:extLst>
                 <a:ext uri="{91240B29-F687-4f45-9708-019B960494DF}">
-                  <a14:hiddenLine xmlns:a14="http://schemas.microsoft.com/office/drawing/2010/main" xmlns="" w="9525">
+                  <a14:hiddenLine xmlns="" xmlns:a14="http://schemas.microsoft.com/office/drawing/2010/main" w="9525">
                     <a:solidFill>
                       <a:srgbClr val="000000"/>
                     </a:solidFill>
@@ -11112,7 +11113,7 @@
               </a:ln>
               <a:extLst>
                 <a:ext uri="{91240B29-F687-4f45-9708-019B960494DF}">
-                  <a14:hiddenLine xmlns:a14="http://schemas.microsoft.com/office/drawing/2010/main" xmlns="" w="9525">
+                  <a14:hiddenLine xmlns="" xmlns:a14="http://schemas.microsoft.com/office/drawing/2010/main" w="9525">
                     <a:solidFill>
                       <a:srgbClr val="000000"/>
                     </a:solidFill>
@@ -11174,7 +11175,7 @@
               </a:ln>
               <a:extLst>
                 <a:ext uri="{91240B29-F687-4f45-9708-019B960494DF}">
-                  <a14:hiddenLine xmlns:a14="http://schemas.microsoft.com/office/drawing/2010/main" xmlns="" w="9525">
+                  <a14:hiddenLine xmlns="" xmlns:a14="http://schemas.microsoft.com/office/drawing/2010/main" w="9525">
                     <a:solidFill>
                       <a:srgbClr val="000000"/>
                     </a:solidFill>
@@ -11264,7 +11265,7 @@
               </a:ln>
               <a:extLst>
                 <a:ext uri="{91240B29-F687-4f45-9708-019B960494DF}">
-                  <a14:hiddenLine xmlns:a14="http://schemas.microsoft.com/office/drawing/2010/main" xmlns="" w="9525">
+                  <a14:hiddenLine xmlns="" xmlns:a14="http://schemas.microsoft.com/office/drawing/2010/main" w="9525">
                     <a:solidFill>
                       <a:srgbClr val="000000"/>
                     </a:solidFill>
@@ -11354,7 +11355,7 @@
               </a:ln>
               <a:extLst>
                 <a:ext uri="{91240B29-F687-4f45-9708-019B960494DF}">
-                  <a14:hiddenLine xmlns:a14="http://schemas.microsoft.com/office/drawing/2010/main" xmlns="" w="9525">
+                  <a14:hiddenLine xmlns="" xmlns:a14="http://schemas.microsoft.com/office/drawing/2010/main" w="9525">
                     <a:solidFill>
                       <a:srgbClr val="000000"/>
                     </a:solidFill>
@@ -11419,7 +11420,7 @@
               </a:ln>
               <a:extLst>
                 <a:ext uri="{91240B29-F687-4f45-9708-019B960494DF}">
-                  <a14:hiddenLine xmlns:a14="http://schemas.microsoft.com/office/drawing/2010/main" xmlns="" w="9525">
+                  <a14:hiddenLine xmlns="" xmlns:a14="http://schemas.microsoft.com/office/drawing/2010/main" w="9525">
                     <a:solidFill>
                       <a:srgbClr val="000000"/>
                     </a:solidFill>
@@ -11539,7 +11540,7 @@
               </a:ln>
               <a:extLst>
                 <a:ext uri="{91240B29-F687-4f45-9708-019B960494DF}">
-                  <a14:hiddenLine xmlns:a14="http://schemas.microsoft.com/office/drawing/2010/main" xmlns="" w="9525">
+                  <a14:hiddenLine xmlns="" xmlns:a14="http://schemas.microsoft.com/office/drawing/2010/main" w="9525">
                     <a:solidFill>
                       <a:srgbClr val="000000"/>
                     </a:solidFill>
@@ -11620,7 +11621,7 @@
               </a:ln>
               <a:extLst>
                 <a:ext uri="{91240B29-F687-4f45-9708-019B960494DF}">
-                  <a14:hiddenLine xmlns:a14="http://schemas.microsoft.com/office/drawing/2010/main" xmlns="" w="9525">
+                  <a14:hiddenLine xmlns="" xmlns:a14="http://schemas.microsoft.com/office/drawing/2010/main" w="9525">
                     <a:solidFill>
                       <a:srgbClr val="000000"/>
                     </a:solidFill>
@@ -11735,7 +11736,7 @@
               </a:ln>
               <a:extLst>
                 <a:ext uri="{91240B29-F687-4f45-9708-019B960494DF}">
-                  <a14:hiddenLine xmlns:a14="http://schemas.microsoft.com/office/drawing/2010/main" xmlns="" w="9525">
+                  <a14:hiddenLine xmlns="" xmlns:a14="http://schemas.microsoft.com/office/drawing/2010/main" w="9525">
                     <a:solidFill>
                       <a:srgbClr val="000000"/>
                     </a:solidFill>
@@ -11825,7 +11826,7 @@
               </a:ln>
               <a:extLst>
                 <a:ext uri="{91240B29-F687-4f45-9708-019B960494DF}">
-                  <a14:hiddenLine xmlns:a14="http://schemas.microsoft.com/office/drawing/2010/main" xmlns="" w="9525">
+                  <a14:hiddenLine xmlns="" xmlns:a14="http://schemas.microsoft.com/office/drawing/2010/main" w="9525">
                     <a:solidFill>
                       <a:srgbClr val="000000"/>
                     </a:solidFill>
@@ -11890,7 +11891,7 @@
               </a:ln>
               <a:extLst>
                 <a:ext uri="{91240B29-F687-4f45-9708-019B960494DF}">
-                  <a14:hiddenLine xmlns:a14="http://schemas.microsoft.com/office/drawing/2010/main" xmlns="" w="9525">
+                  <a14:hiddenLine xmlns="" xmlns:a14="http://schemas.microsoft.com/office/drawing/2010/main" w="9525">
                     <a:solidFill>
                       <a:srgbClr val="000000"/>
                     </a:solidFill>
@@ -11980,7 +11981,7 @@
               </a:ln>
               <a:extLst>
                 <a:ext uri="{91240B29-F687-4f45-9708-019B960494DF}">
-                  <a14:hiddenLine xmlns:a14="http://schemas.microsoft.com/office/drawing/2010/main" xmlns="" w="9525">
+                  <a14:hiddenLine xmlns="" xmlns:a14="http://schemas.microsoft.com/office/drawing/2010/main" w="9525">
                     <a:solidFill>
                       <a:srgbClr val="000000"/>
                     </a:solidFill>
@@ -12048,7 +12049,7 @@
               </a:ln>
               <a:extLst>
                 <a:ext uri="{91240B29-F687-4f45-9708-019B960494DF}">
-                  <a14:hiddenLine xmlns:a14="http://schemas.microsoft.com/office/drawing/2010/main" xmlns="" w="9525">
+                  <a14:hiddenLine xmlns="" xmlns:a14="http://schemas.microsoft.com/office/drawing/2010/main" w="9525">
                     <a:solidFill>
                       <a:srgbClr val="000000"/>
                     </a:solidFill>
@@ -12138,7 +12139,7 @@
               </a:ln>
               <a:extLst>
                 <a:ext uri="{91240B29-F687-4f45-9708-019B960494DF}">
-                  <a14:hiddenLine xmlns:a14="http://schemas.microsoft.com/office/drawing/2010/main" xmlns="" w="9525">
+                  <a14:hiddenLine xmlns="" xmlns:a14="http://schemas.microsoft.com/office/drawing/2010/main" w="9525">
                     <a:solidFill>
                       <a:srgbClr val="000000"/>
                     </a:solidFill>
@@ -12206,7 +12207,7 @@
               </a:ln>
               <a:extLst>
                 <a:ext uri="{91240B29-F687-4f45-9708-019B960494DF}">
-                  <a14:hiddenLine xmlns:a14="http://schemas.microsoft.com/office/drawing/2010/main" xmlns="" w="9525">
+                  <a14:hiddenLine xmlns="" xmlns:a14="http://schemas.microsoft.com/office/drawing/2010/main" w="9525">
                     <a:solidFill>
                       <a:srgbClr val="000000"/>
                     </a:solidFill>
@@ -12296,7 +12297,7 @@
               </a:ln>
               <a:extLst>
                 <a:ext uri="{91240B29-F687-4f45-9708-019B960494DF}">
-                  <a14:hiddenLine xmlns:a14="http://schemas.microsoft.com/office/drawing/2010/main" xmlns="" w="9525">
+                  <a14:hiddenLine xmlns="" xmlns:a14="http://schemas.microsoft.com/office/drawing/2010/main" w="9525">
                     <a:solidFill>
                       <a:srgbClr val="000000"/>
                     </a:solidFill>
@@ -12330,7 +12331,7 @@
               </a:ln>
               <a:extLst>
                 <a:ext uri="{91240B29-F687-4f45-9708-019B960494DF}">
-                  <a14:hiddenLine xmlns:a14="http://schemas.microsoft.com/office/drawing/2010/main" xmlns="" w="9525">
+                  <a14:hiddenLine xmlns="" xmlns:a14="http://schemas.microsoft.com/office/drawing/2010/main" w="9525">
                     <a:solidFill>
                       <a:srgbClr val="000000"/>
                     </a:solidFill>
@@ -12470,7 +12471,7 @@
           <a:p>
             <a:fld id="{EC4347D3-4C9A-C240-8F14-750059DFEEB0}" type="datetimeFigureOut">
               <a:rPr lang="en-US" smtClean="0"/>
-              <a:t>2/24/26</a:t>
+              <a:t>2/26/26</a:t>
             </a:fld>
             <a:endParaRPr lang="en-US"/>
           </a:p>
@@ -14162,6 +14163,177 @@
 </p:sld>
 </file>
 
+<file path=ppt/slides/slide9.xml><?xml version="1.0" encoding="utf-8"?>
+<p:sld xmlns:a="http://schemas.openxmlformats.org/drawingml/2006/main" xmlns:r="http://schemas.openxmlformats.org/officeDocument/2006/relationships" xmlns:p="http://schemas.openxmlformats.org/presentationml/2006/main">
+  <p:cSld>
+    <p:spTree>
+      <p:nvGrpSpPr>
+        <p:cNvPr id="1" name="">
+          <a:extLst>
+            <a:ext uri="{FF2B5EF4-FFF2-40B4-BE49-F238E27FC236}">
+              <a16:creationId xmlns:a16="http://schemas.microsoft.com/office/drawing/2014/main" id="{931AA559-3086-DC2C-36A6-4597E8CDD14E}"/>
+            </a:ext>
+          </a:extLst>
+        </p:cNvPr>
+        <p:cNvGrpSpPr/>
+        <p:nvPr/>
+      </p:nvGrpSpPr>
+      <p:grpSpPr>
+        <a:xfrm>
+          <a:off x="0" y="0"/>
+          <a:ext cx="0" cy="0"/>
+          <a:chOff x="0" y="0"/>
+          <a:chExt cx="0" cy="0"/>
+        </a:xfrm>
+      </p:grpSpPr>
+      <p:sp>
+        <p:nvSpPr>
+          <p:cNvPr id="6146" name="Rectangle 2">
+            <a:extLst>
+              <a:ext uri="{FF2B5EF4-FFF2-40B4-BE49-F238E27FC236}">
+                <a16:creationId xmlns:a16="http://schemas.microsoft.com/office/drawing/2014/main" id="{BD7D48FF-8BC3-94C8-F131-BF49950E1C11}"/>
+              </a:ext>
+            </a:extLst>
+          </p:cNvPr>
+          <p:cNvSpPr>
+            <a:spLocks noGrp="1" noChangeArrowheads="1"/>
+          </p:cNvSpPr>
+          <p:nvPr>
+            <p:ph type="title"/>
+            <p:custDataLst>
+              <p:tags r:id="rId1"/>
+            </p:custDataLst>
+          </p:nvPr>
+        </p:nvSpPr>
+        <p:spPr>
+          <a:xfrm>
+            <a:off x="1141413" y="284084"/>
+            <a:ext cx="9905998" cy="620791"/>
+          </a:xfrm>
+        </p:spPr>
+        <p:txBody>
+          <a:bodyPr/>
+          <a:lstStyle/>
+          <a:p>
+            <a:pPr algn="ctr"/>
+            <a:r>
+              <a:rPr lang="en-US" dirty="0"/>
+              <a:t>Lecture 9: 2/26/26</a:t>
+            </a:r>
+          </a:p>
+        </p:txBody>
+      </p:sp>
+      <p:sp>
+        <p:nvSpPr>
+          <p:cNvPr id="6147" name="Rectangle 3">
+            <a:extLst>
+              <a:ext uri="{FF2B5EF4-FFF2-40B4-BE49-F238E27FC236}">
+                <a16:creationId xmlns:a16="http://schemas.microsoft.com/office/drawing/2014/main" id="{8A60C6B0-125E-204F-1311-799DAD5F8A0B}"/>
+              </a:ext>
+            </a:extLst>
+          </p:cNvPr>
+          <p:cNvSpPr>
+            <a:spLocks noGrp="1" noChangeArrowheads="1"/>
+          </p:cNvSpPr>
+          <p:nvPr>
+            <p:ph idx="1"/>
+            <p:custDataLst>
+              <p:tags r:id="rId2"/>
+            </p:custDataLst>
+          </p:nvPr>
+        </p:nvSpPr>
+        <p:spPr>
+          <a:xfrm>
+            <a:off x="1021404" y="1123950"/>
+            <a:ext cx="10204315" cy="5149850"/>
+          </a:xfrm>
+        </p:spPr>
+        <p:txBody>
+          <a:bodyPr>
+            <a:normAutofit fontScale="85000" lnSpcReduction="20000"/>
+          </a:bodyPr>
+          <a:lstStyle/>
+          <a:p>
+            <a:r>
+              <a:rPr lang="en-US" dirty="0"/>
+              <a:t>February is almost over!! Hooray!</a:t>
+            </a:r>
+          </a:p>
+          <a:p>
+            <a:r>
+              <a:rPr lang="en-US" dirty="0"/>
+              <a:t>No attendance check today</a:t>
+            </a:r>
+          </a:p>
+          <a:p>
+            <a:r>
+              <a:rPr lang="en-US" dirty="0"/>
+              <a:t>Fourth homework (Linear Programming) was due Tuesday</a:t>
+            </a:r>
+          </a:p>
+          <a:p>
+            <a:pPr lvl="1"/>
+            <a:r>
+              <a:rPr lang="en-US" dirty="0"/>
+              <a:t>We are in the extension period now</a:t>
+            </a:r>
+          </a:p>
+          <a:p>
+            <a:r>
+              <a:rPr lang="en-US" dirty="0"/>
+              <a:t>Some of you are on your phone in lecture a lot and I can clearly see it. I’ve learned your names (great way to get me to learn that!) and will start deducting from your attendance score if it keeps happening.</a:t>
+            </a:r>
+          </a:p>
+          <a:p>
+            <a:r>
+              <a:rPr lang="en-US" dirty="0"/>
+              <a:t>Normal lecture for both days this week.</a:t>
+            </a:r>
+          </a:p>
+          <a:p>
+            <a:r>
+              <a:rPr lang="en-US" dirty="0"/>
+              <a:t>Next week is Spring Break!</a:t>
+            </a:r>
+          </a:p>
+          <a:p>
+            <a:pPr lvl="1"/>
+            <a:r>
+              <a:rPr lang="en-US" dirty="0"/>
+              <a:t>First quiz is the week we get back (on Thursday). I’ll post a sample soon.</a:t>
+            </a:r>
+          </a:p>
+          <a:p>
+            <a:pPr lvl="1"/>
+            <a:r>
+              <a:rPr lang="en-US" dirty="0"/>
+              <a:t>Project starts after break as well…we will sign up for groups, etc. More on this when we get back from spring break.</a:t>
+            </a:r>
+          </a:p>
+          <a:p>
+            <a:r>
+              <a:rPr lang="en-US" dirty="0"/>
+              <a:t>Today we will continue discussing some computational geometry algorithms.</a:t>
+            </a:r>
+          </a:p>
+          <a:p>
+            <a:endParaRPr lang="en-US" dirty="0"/>
+          </a:p>
+        </p:txBody>
+      </p:sp>
+    </p:spTree>
+    <p:extLst>
+      <p:ext uri="{BB962C8B-B14F-4D97-AF65-F5344CB8AC3E}">
+        <p14:creationId xmlns:p14="http://schemas.microsoft.com/office/powerpoint/2010/main" val="3115352614"/>
+      </p:ext>
+    </p:extLst>
+  </p:cSld>
+  <p:clrMapOvr>
+    <a:masterClrMapping/>
+  </p:clrMapOvr>
+</p:sld>
+</file>
+
 <file path=ppt/tags/tag1.xml><?xml version="1.0" encoding="utf-8"?>
 <p:tagLst xmlns:a="http://schemas.openxmlformats.org/drawingml/2006/main" xmlns:r="http://schemas.openxmlformats.org/officeDocument/2006/relationships" xmlns:p="http://schemas.openxmlformats.org/presentationml/2006/main">
   <p:tag name="_INSTRUCTOR VIEW19C14C36-AC8E-43BC-9DB6-C2AAF774C7DC|PANE__TAG" val="_"/>
@@ -14193,6 +14365,18 @@
 </file>
 
 <file path=ppt/tags/tag14.xml><?xml version="1.0" encoding="utf-8"?>
+<p:tagLst xmlns:a="http://schemas.openxmlformats.org/drawingml/2006/main" xmlns:r="http://schemas.openxmlformats.org/officeDocument/2006/relationships" xmlns:p="http://schemas.openxmlformats.org/presentationml/2006/main">
+  <p:tag name="_INSTRUCTOR VIEW19C14C36-AC8E-43BC-9DB6-C2AAF774C7DC|PANE__TAG" val="_"/>
+</p:tagLst>
+</file>
+
+<file path=ppt/tags/tag15.xml><?xml version="1.0" encoding="utf-8"?>
+<p:tagLst xmlns:a="http://schemas.openxmlformats.org/drawingml/2006/main" xmlns:r="http://schemas.openxmlformats.org/officeDocument/2006/relationships" xmlns:p="http://schemas.openxmlformats.org/presentationml/2006/main">
+  <p:tag name="_INSTRUCTOR VIEW19C14C36-AC8E-43BC-9DB6-C2AAF774C7DC|PANE__TAG" val="_"/>
+</p:tagLst>
+</file>
+
+<file path=ppt/tags/tag16.xml><?xml version="1.0" encoding="utf-8"?>
 <p:tagLst xmlns:a="http://schemas.openxmlformats.org/drawingml/2006/main" xmlns:r="http://schemas.openxmlformats.org/officeDocument/2006/relationships" xmlns:p="http://schemas.openxmlformats.org/presentationml/2006/main">
   <p:tag name="_INSTRUCTOR VIEW19C14C36-AC8E-43BC-9DB6-C2AAF774C7DC|PANE__TAG" val="_"/>
 </p:tagLst>
